--- a/docs/images.pptx
+++ b/docs/images.pptx
@@ -9,6 +9,8 @@
     <p:sldId id="256" r:id="rId3"/>
     <p:sldId id="258" r:id="rId4"/>
     <p:sldId id="259" r:id="rId5"/>
+    <p:sldId id="260" r:id="rId6"/>
+    <p:sldId id="261" r:id="rId7"/>
   </p:sldIdLst>
   <p:sldSz cx="12192000" cy="6858000"/>
   <p:notesSz cx="6858000" cy="9144000"/>
@@ -107,6 +109,11 @@
       </a:defRPr>
     </a:lvl9pPr>
   </p:defaultTextStyle>
+  <p:extLst>
+    <p:ext uri="{EFAFB233-063F-42B5-8137-9DF3F51BA10A}">
+      <p15:sldGuideLst xmlns:p15="http://schemas.microsoft.com/office/powerpoint/2012/main"/>
+    </p:ext>
+  </p:extLst>
 </p:presentation>
 </file>
 
@@ -259,7 +266,7 @@
           <a:p>
             <a:fld id="{E43E6874-846B-4036-8D9A-9072E9C8BA6D}" type="datetimeFigureOut">
               <a:rPr lang="LID4096" smtClean="0"/>
-              <a:t>10/01/2021</a:t>
+              <a:t>10/12/2021</a:t>
             </a:fld>
             <a:endParaRPr lang="LID4096"/>
           </a:p>
@@ -459,7 +466,7 @@
           <a:p>
             <a:fld id="{E43E6874-846B-4036-8D9A-9072E9C8BA6D}" type="datetimeFigureOut">
               <a:rPr lang="LID4096" smtClean="0"/>
-              <a:t>10/01/2021</a:t>
+              <a:t>10/12/2021</a:t>
             </a:fld>
             <a:endParaRPr lang="LID4096"/>
           </a:p>
@@ -669,7 +676,7 @@
           <a:p>
             <a:fld id="{E43E6874-846B-4036-8D9A-9072E9C8BA6D}" type="datetimeFigureOut">
               <a:rPr lang="LID4096" smtClean="0"/>
-              <a:t>10/01/2021</a:t>
+              <a:t>10/12/2021</a:t>
             </a:fld>
             <a:endParaRPr lang="LID4096"/>
           </a:p>
@@ -869,7 +876,7 @@
           <a:p>
             <a:fld id="{E43E6874-846B-4036-8D9A-9072E9C8BA6D}" type="datetimeFigureOut">
               <a:rPr lang="LID4096" smtClean="0"/>
-              <a:t>10/01/2021</a:t>
+              <a:t>10/12/2021</a:t>
             </a:fld>
             <a:endParaRPr lang="LID4096"/>
           </a:p>
@@ -1145,7 +1152,7 @@
           <a:p>
             <a:fld id="{E43E6874-846B-4036-8D9A-9072E9C8BA6D}" type="datetimeFigureOut">
               <a:rPr lang="LID4096" smtClean="0"/>
-              <a:t>10/01/2021</a:t>
+              <a:t>10/12/2021</a:t>
             </a:fld>
             <a:endParaRPr lang="LID4096"/>
           </a:p>
@@ -1413,7 +1420,7 @@
           <a:p>
             <a:fld id="{E43E6874-846B-4036-8D9A-9072E9C8BA6D}" type="datetimeFigureOut">
               <a:rPr lang="LID4096" smtClean="0"/>
-              <a:t>10/01/2021</a:t>
+              <a:t>10/12/2021</a:t>
             </a:fld>
             <a:endParaRPr lang="LID4096"/>
           </a:p>
@@ -1828,7 +1835,7 @@
           <a:p>
             <a:fld id="{E43E6874-846B-4036-8D9A-9072E9C8BA6D}" type="datetimeFigureOut">
               <a:rPr lang="LID4096" smtClean="0"/>
-              <a:t>10/01/2021</a:t>
+              <a:t>10/12/2021</a:t>
             </a:fld>
             <a:endParaRPr lang="LID4096"/>
           </a:p>
@@ -1970,7 +1977,7 @@
           <a:p>
             <a:fld id="{E43E6874-846B-4036-8D9A-9072E9C8BA6D}" type="datetimeFigureOut">
               <a:rPr lang="LID4096" smtClean="0"/>
-              <a:t>10/01/2021</a:t>
+              <a:t>10/12/2021</a:t>
             </a:fld>
             <a:endParaRPr lang="LID4096"/>
           </a:p>
@@ -2083,7 +2090,7 @@
           <a:p>
             <a:fld id="{E43E6874-846B-4036-8D9A-9072E9C8BA6D}" type="datetimeFigureOut">
               <a:rPr lang="LID4096" smtClean="0"/>
-              <a:t>10/01/2021</a:t>
+              <a:t>10/12/2021</a:t>
             </a:fld>
             <a:endParaRPr lang="LID4096"/>
           </a:p>
@@ -2396,7 +2403,7 @@
           <a:p>
             <a:fld id="{E43E6874-846B-4036-8D9A-9072E9C8BA6D}" type="datetimeFigureOut">
               <a:rPr lang="LID4096" smtClean="0"/>
-              <a:t>10/01/2021</a:t>
+              <a:t>10/12/2021</a:t>
             </a:fld>
             <a:endParaRPr lang="LID4096"/>
           </a:p>
@@ -2685,7 +2692,7 @@
           <a:p>
             <a:fld id="{E43E6874-846B-4036-8D9A-9072E9C8BA6D}" type="datetimeFigureOut">
               <a:rPr lang="LID4096" smtClean="0"/>
-              <a:t>10/01/2021</a:t>
+              <a:t>10/12/2021</a:t>
             </a:fld>
             <a:endParaRPr lang="LID4096"/>
           </a:p>
@@ -2928,7 +2935,7 @@
           <a:p>
             <a:fld id="{E43E6874-846B-4036-8D9A-9072E9C8BA6D}" type="datetimeFigureOut">
               <a:rPr lang="LID4096" smtClean="0"/>
-              <a:t>10/01/2021</a:t>
+              <a:t>10/12/2021</a:t>
             </a:fld>
             <a:endParaRPr lang="LID4096"/>
           </a:p>
@@ -3388,10 +3395,106 @@
           <a:p>
             <a:pPr algn="ctr"/>
             <a:r>
-              <a:rPr lang="de-DE"/>
-              <a:t>SaaS (with metering enabled), running our accelerator</a:t>
-            </a:r>
-            <a:endParaRPr lang="LID4096" dirty="0"/>
+              <a:rPr lang="de-DE" dirty="0">
+                <a:solidFill>
+                  <a:schemeClr val="tx1"/>
+                </a:solidFill>
+              </a:rPr>
+              <a:t>SaaS (</a:t>
+            </a:r>
+            <a:r>
+              <a:rPr lang="de-DE" dirty="0" err="1">
+                <a:solidFill>
+                  <a:schemeClr val="tx1"/>
+                </a:solidFill>
+              </a:rPr>
+              <a:t>with</a:t>
+            </a:r>
+            <a:r>
+              <a:rPr lang="de-DE" dirty="0">
+                <a:solidFill>
+                  <a:schemeClr val="tx1"/>
+                </a:solidFill>
+              </a:rPr>
+              <a:t> </a:t>
+            </a:r>
+            <a:r>
+              <a:rPr lang="de-DE" dirty="0" err="1">
+                <a:solidFill>
+                  <a:schemeClr val="tx1"/>
+                </a:solidFill>
+              </a:rPr>
+              <a:t>metering</a:t>
+            </a:r>
+            <a:r>
+              <a:rPr lang="de-DE" dirty="0">
+                <a:solidFill>
+                  <a:schemeClr val="tx1"/>
+                </a:solidFill>
+              </a:rPr>
+              <a:t> </a:t>
+            </a:r>
+            <a:r>
+              <a:rPr lang="de-DE" dirty="0" err="1">
+                <a:solidFill>
+                  <a:schemeClr val="tx1"/>
+                </a:solidFill>
+              </a:rPr>
+              <a:t>enabled</a:t>
+            </a:r>
+            <a:r>
+              <a:rPr lang="de-DE" dirty="0">
+                <a:solidFill>
+                  <a:schemeClr val="tx1"/>
+                </a:solidFill>
+              </a:rPr>
+              <a:t>), </a:t>
+            </a:r>
+            <a:r>
+              <a:rPr lang="de-DE" dirty="0" err="1">
+                <a:solidFill>
+                  <a:schemeClr val="tx1"/>
+                </a:solidFill>
+              </a:rPr>
+              <a:t>running</a:t>
+            </a:r>
+            <a:r>
+              <a:rPr lang="de-DE" dirty="0">
+                <a:solidFill>
+                  <a:schemeClr val="tx1"/>
+                </a:solidFill>
+              </a:rPr>
+              <a:t> </a:t>
+            </a:r>
+            <a:r>
+              <a:rPr lang="de-DE" dirty="0" err="1">
+                <a:solidFill>
+                  <a:schemeClr val="tx1"/>
+                </a:solidFill>
+              </a:rPr>
+              <a:t>our</a:t>
+            </a:r>
+            <a:r>
+              <a:rPr lang="de-DE" dirty="0">
+                <a:solidFill>
+                  <a:schemeClr val="tx1"/>
+                </a:solidFill>
+              </a:rPr>
+              <a:t> </a:t>
+            </a:r>
+            <a:r>
+              <a:rPr lang="de-DE" dirty="0" err="1">
+                <a:solidFill>
+                  <a:schemeClr val="tx1"/>
+                </a:solidFill>
+              </a:rPr>
+              <a:t>accelerator</a:t>
+            </a:r>
+            <a:endParaRPr lang="LID4096" dirty="0">
+              <a:solidFill>
+                <a:schemeClr val="tx1"/>
+              </a:solidFill>
+            </a:endParaRPr>
           </a:p>
         </p:txBody>
       </p:sp>
@@ -4528,28 +4631,16 @@
           <a:p>
             <a:pPr algn="ctr"/>
             <a:r>
+              <a:rPr lang="de-DE" dirty="0" err="1"/>
+              <a:t>Managed</a:t>
+            </a:r>
+            <a:r>
               <a:rPr lang="de-DE" dirty="0"/>
-              <a:t>VM </a:t>
+              <a:t> App – The real </a:t>
             </a:r>
             <a:r>
               <a:rPr lang="de-DE" dirty="0" err="1"/>
-              <a:t>offer</a:t>
-            </a:r>
-            <a:endParaRPr lang="de-DE" dirty="0"/>
-          </a:p>
-          <a:p>
-            <a:pPr algn="ctr"/>
-            <a:r>
-              <a:rPr lang="de-DE" dirty="0"/>
-              <a:t>(0,- </a:t>
-            </a:r>
-            <a:r>
-              <a:rPr lang="de-DE" dirty="0" err="1"/>
-              <a:t>cost</a:t>
-            </a:r>
-            <a:r>
-              <a:rPr lang="de-DE" dirty="0"/>
-              <a:t>)</a:t>
+              <a:t>app</a:t>
             </a:r>
             <a:endParaRPr lang="LID4096" dirty="0"/>
           </a:p>
@@ -4777,6 +4868,1561 @@
           </a:p>
         </p:txBody>
       </p:sp>
+      <p:grpSp>
+        <p:nvGrpSpPr>
+          <p:cNvPr id="11" name="Group 10">
+            <a:extLst>
+              <a:ext uri="{FF2B5EF4-FFF2-40B4-BE49-F238E27FC236}">
+                <a16:creationId xmlns:a16="http://schemas.microsoft.com/office/drawing/2014/main" id="{4D36DBD7-D244-4276-97CE-9053F3FB28E3}"/>
+              </a:ext>
+            </a:extLst>
+          </p:cNvPr>
+          <p:cNvGrpSpPr/>
+          <p:nvPr/>
+        </p:nvGrpSpPr>
+        <p:grpSpPr>
+          <a:xfrm rot="16200000">
+            <a:off x="-1133116" y="1790045"/>
+            <a:ext cx="4816402" cy="2547258"/>
+            <a:chOff x="796156" y="783970"/>
+            <a:chExt cx="10387659" cy="5493737"/>
+          </a:xfrm>
+        </p:grpSpPr>
+        <p:sp>
+          <p:nvSpPr>
+            <p:cNvPr id="12" name="Rectangle 11">
+              <a:extLst>
+                <a:ext uri="{FF2B5EF4-FFF2-40B4-BE49-F238E27FC236}">
+                  <a16:creationId xmlns:a16="http://schemas.microsoft.com/office/drawing/2014/main" id="{45E24388-2329-47E9-A8A9-FD69AAF92F5B}"/>
+                </a:ext>
+              </a:extLst>
+            </p:cNvPr>
+            <p:cNvSpPr/>
+            <p:nvPr/>
+          </p:nvSpPr>
+          <p:spPr>
+            <a:xfrm>
+              <a:off x="3345473" y="2070588"/>
+              <a:ext cx="5490796" cy="4207119"/>
+            </a:xfrm>
+            <a:custGeom>
+              <a:avLst/>
+              <a:gdLst>
+                <a:gd name="connsiteX0" fmla="*/ 0 w 2545894"/>
+                <a:gd name="connsiteY0" fmla="*/ 0 h 1950697"/>
+                <a:gd name="connsiteX1" fmla="*/ 560097 w 2545894"/>
+                <a:gd name="connsiteY1" fmla="*/ 0 h 1950697"/>
+                <a:gd name="connsiteX2" fmla="*/ 1069275 w 2545894"/>
+                <a:gd name="connsiteY2" fmla="*/ 0 h 1950697"/>
+                <a:gd name="connsiteX3" fmla="*/ 1603913 w 2545894"/>
+                <a:gd name="connsiteY3" fmla="*/ 0 h 1950697"/>
+                <a:gd name="connsiteX4" fmla="*/ 2036715 w 2545894"/>
+                <a:gd name="connsiteY4" fmla="*/ 0 h 1950697"/>
+                <a:gd name="connsiteX5" fmla="*/ 2545894 w 2545894"/>
+                <a:gd name="connsiteY5" fmla="*/ 0 h 1950697"/>
+                <a:gd name="connsiteX6" fmla="*/ 2545894 w 2545894"/>
+                <a:gd name="connsiteY6" fmla="*/ 448660 h 1950697"/>
+                <a:gd name="connsiteX7" fmla="*/ 2545894 w 2545894"/>
+                <a:gd name="connsiteY7" fmla="*/ 936335 h 1950697"/>
+                <a:gd name="connsiteX8" fmla="*/ 2545894 w 2545894"/>
+                <a:gd name="connsiteY8" fmla="*/ 1365488 h 1950697"/>
+                <a:gd name="connsiteX9" fmla="*/ 2545894 w 2545894"/>
+                <a:gd name="connsiteY9" fmla="*/ 1950697 h 1950697"/>
+                <a:gd name="connsiteX10" fmla="*/ 2036715 w 2545894"/>
+                <a:gd name="connsiteY10" fmla="*/ 1950697 h 1950697"/>
+                <a:gd name="connsiteX11" fmla="*/ 1603913 w 2545894"/>
+                <a:gd name="connsiteY11" fmla="*/ 1950697 h 1950697"/>
+                <a:gd name="connsiteX12" fmla="*/ 1145652 w 2545894"/>
+                <a:gd name="connsiteY12" fmla="*/ 1950697 h 1950697"/>
+                <a:gd name="connsiteX13" fmla="*/ 687391 w 2545894"/>
+                <a:gd name="connsiteY13" fmla="*/ 1950697 h 1950697"/>
+                <a:gd name="connsiteX14" fmla="*/ 0 w 2545894"/>
+                <a:gd name="connsiteY14" fmla="*/ 1950697 h 1950697"/>
+                <a:gd name="connsiteX15" fmla="*/ 0 w 2545894"/>
+                <a:gd name="connsiteY15" fmla="*/ 1424009 h 1950697"/>
+                <a:gd name="connsiteX16" fmla="*/ 0 w 2545894"/>
+                <a:gd name="connsiteY16" fmla="*/ 955842 h 1950697"/>
+                <a:gd name="connsiteX17" fmla="*/ 0 w 2545894"/>
+                <a:gd name="connsiteY17" fmla="*/ 507181 h 1950697"/>
+                <a:gd name="connsiteX18" fmla="*/ 0 w 2545894"/>
+                <a:gd name="connsiteY18" fmla="*/ 0 h 1950697"/>
+              </a:gdLst>
+              <a:ahLst/>
+              <a:cxnLst>
+                <a:cxn ang="0">
+                  <a:pos x="connsiteX0" y="connsiteY0"/>
+                </a:cxn>
+                <a:cxn ang="0">
+                  <a:pos x="connsiteX1" y="connsiteY1"/>
+                </a:cxn>
+                <a:cxn ang="0">
+                  <a:pos x="connsiteX2" y="connsiteY2"/>
+                </a:cxn>
+                <a:cxn ang="0">
+                  <a:pos x="connsiteX3" y="connsiteY3"/>
+                </a:cxn>
+                <a:cxn ang="0">
+                  <a:pos x="connsiteX4" y="connsiteY4"/>
+                </a:cxn>
+                <a:cxn ang="0">
+                  <a:pos x="connsiteX5" y="connsiteY5"/>
+                </a:cxn>
+                <a:cxn ang="0">
+                  <a:pos x="connsiteX6" y="connsiteY6"/>
+                </a:cxn>
+                <a:cxn ang="0">
+                  <a:pos x="connsiteX7" y="connsiteY7"/>
+                </a:cxn>
+                <a:cxn ang="0">
+                  <a:pos x="connsiteX8" y="connsiteY8"/>
+                </a:cxn>
+                <a:cxn ang="0">
+                  <a:pos x="connsiteX9" y="connsiteY9"/>
+                </a:cxn>
+                <a:cxn ang="0">
+                  <a:pos x="connsiteX10" y="connsiteY10"/>
+                </a:cxn>
+                <a:cxn ang="0">
+                  <a:pos x="connsiteX11" y="connsiteY11"/>
+                </a:cxn>
+                <a:cxn ang="0">
+                  <a:pos x="connsiteX12" y="connsiteY12"/>
+                </a:cxn>
+                <a:cxn ang="0">
+                  <a:pos x="connsiteX13" y="connsiteY13"/>
+                </a:cxn>
+                <a:cxn ang="0">
+                  <a:pos x="connsiteX14" y="connsiteY14"/>
+                </a:cxn>
+                <a:cxn ang="0">
+                  <a:pos x="connsiteX15" y="connsiteY15"/>
+                </a:cxn>
+                <a:cxn ang="0">
+                  <a:pos x="connsiteX16" y="connsiteY16"/>
+                </a:cxn>
+                <a:cxn ang="0">
+                  <a:pos x="connsiteX17" y="connsiteY17"/>
+                </a:cxn>
+                <a:cxn ang="0">
+                  <a:pos x="connsiteX18" y="connsiteY18"/>
+                </a:cxn>
+              </a:cxnLst>
+              <a:rect l="l" t="t" r="r" b="b"/>
+              <a:pathLst>
+                <a:path w="2545894" h="1950697" extrusionOk="0">
+                  <a:moveTo>
+                    <a:pt x="0" y="0"/>
+                  </a:moveTo>
+                  <a:cubicBezTo>
+                    <a:pt x="155582" y="-9459"/>
+                    <a:pt x="283686" y="27222"/>
+                    <a:pt x="560097" y="0"/>
+                  </a:cubicBezTo>
+                  <a:cubicBezTo>
+                    <a:pt x="836508" y="-27222"/>
+                    <a:pt x="883551" y="19815"/>
+                    <a:pt x="1069275" y="0"/>
+                  </a:cubicBezTo>
+                  <a:cubicBezTo>
+                    <a:pt x="1254999" y="-19815"/>
+                    <a:pt x="1342780" y="7288"/>
+                    <a:pt x="1603913" y="0"/>
+                  </a:cubicBezTo>
+                  <a:cubicBezTo>
+                    <a:pt x="1865046" y="-7288"/>
+                    <a:pt x="1867550" y="20176"/>
+                    <a:pt x="2036715" y="0"/>
+                  </a:cubicBezTo>
+                  <a:cubicBezTo>
+                    <a:pt x="2205880" y="-20176"/>
+                    <a:pt x="2391831" y="28974"/>
+                    <a:pt x="2545894" y="0"/>
+                  </a:cubicBezTo>
+                  <a:cubicBezTo>
+                    <a:pt x="2597215" y="116267"/>
+                    <a:pt x="2545750" y="237293"/>
+                    <a:pt x="2545894" y="448660"/>
+                  </a:cubicBezTo>
+                  <a:cubicBezTo>
+                    <a:pt x="2546038" y="660027"/>
+                    <a:pt x="2495285" y="834614"/>
+                    <a:pt x="2545894" y="936335"/>
+                  </a:cubicBezTo>
+                  <a:cubicBezTo>
+                    <a:pt x="2596503" y="1038056"/>
+                    <a:pt x="2507552" y="1179480"/>
+                    <a:pt x="2545894" y="1365488"/>
+                  </a:cubicBezTo>
+                  <a:cubicBezTo>
+                    <a:pt x="2584236" y="1551496"/>
+                    <a:pt x="2525214" y="1775578"/>
+                    <a:pt x="2545894" y="1950697"/>
+                  </a:cubicBezTo>
+                  <a:cubicBezTo>
+                    <a:pt x="2377922" y="1996357"/>
+                    <a:pt x="2170956" y="1928794"/>
+                    <a:pt x="2036715" y="1950697"/>
+                  </a:cubicBezTo>
+                  <a:cubicBezTo>
+                    <a:pt x="1902474" y="1972600"/>
+                    <a:pt x="1792714" y="1928564"/>
+                    <a:pt x="1603913" y="1950697"/>
+                  </a:cubicBezTo>
+                  <a:cubicBezTo>
+                    <a:pt x="1415112" y="1972830"/>
+                    <a:pt x="1333554" y="1923827"/>
+                    <a:pt x="1145652" y="1950697"/>
+                  </a:cubicBezTo>
+                  <a:cubicBezTo>
+                    <a:pt x="957750" y="1977567"/>
+                    <a:pt x="896191" y="1921114"/>
+                    <a:pt x="687391" y="1950697"/>
+                  </a:cubicBezTo>
+                  <a:cubicBezTo>
+                    <a:pt x="478591" y="1980280"/>
+                    <a:pt x="284740" y="1941749"/>
+                    <a:pt x="0" y="1950697"/>
+                  </a:cubicBezTo>
+                  <a:cubicBezTo>
+                    <a:pt x="-13804" y="1728582"/>
+                    <a:pt x="22729" y="1663037"/>
+                    <a:pt x="0" y="1424009"/>
+                  </a:cubicBezTo>
+                  <a:cubicBezTo>
+                    <a:pt x="-22729" y="1184981"/>
+                    <a:pt x="40330" y="1056345"/>
+                    <a:pt x="0" y="955842"/>
+                  </a:cubicBezTo>
+                  <a:cubicBezTo>
+                    <a:pt x="-40330" y="855339"/>
+                    <a:pt x="34145" y="705793"/>
+                    <a:pt x="0" y="507181"/>
+                  </a:cubicBezTo>
+                  <a:cubicBezTo>
+                    <a:pt x="-34145" y="308569"/>
+                    <a:pt x="7806" y="222865"/>
+                    <a:pt x="0" y="0"/>
+                  </a:cubicBezTo>
+                  <a:close/>
+                </a:path>
+              </a:pathLst>
+            </a:custGeom>
+            <a:noFill/>
+            <a:ln>
+              <a:prstDash val="sysDash"/>
+              <a:extLst>
+                <a:ext uri="{C807C97D-BFC1-408E-A445-0C87EB9F89A2}">
+                  <ask:lineSketchStyleProps xmlns:ask="http://schemas.microsoft.com/office/drawing/2018/sketchyshapes" sd="691127627">
+                    <a:prstGeom prst="rect">
+                      <a:avLst/>
+                    </a:prstGeom>
+                    <ask:type>
+                      <ask:lineSketchScribble/>
+                    </ask:type>
+                  </ask:lineSketchStyleProps>
+                </a:ext>
+              </a:extLst>
+            </a:ln>
+          </p:spPr>
+          <p:style>
+            <a:lnRef idx="2">
+              <a:schemeClr val="accent1">
+                <a:shade val="50000"/>
+              </a:schemeClr>
+            </a:lnRef>
+            <a:fillRef idx="1">
+              <a:schemeClr val="accent1"/>
+            </a:fillRef>
+            <a:effectRef idx="0">
+              <a:schemeClr val="accent1"/>
+            </a:effectRef>
+            <a:fontRef idx="minor">
+              <a:schemeClr val="lt1"/>
+            </a:fontRef>
+          </p:style>
+          <p:txBody>
+            <a:bodyPr rtlCol="0" anchor="ctr"/>
+            <a:lstStyle/>
+            <a:p>
+              <a:pPr algn="ctr"/>
+              <a:endParaRPr lang="LID4096" sz="800"/>
+            </a:p>
+          </p:txBody>
+        </p:sp>
+        <p:sp>
+          <p:nvSpPr>
+            <p:cNvPr id="13" name="Cylinder 12">
+              <a:extLst>
+                <a:ext uri="{FF2B5EF4-FFF2-40B4-BE49-F238E27FC236}">
+                  <a16:creationId xmlns:a16="http://schemas.microsoft.com/office/drawing/2014/main" id="{DA2B814C-2D74-4D49-A096-50E16528A7BE}"/>
+                </a:ext>
+              </a:extLst>
+            </p:cNvPr>
+            <p:cNvSpPr/>
+            <p:nvPr/>
+          </p:nvSpPr>
+          <p:spPr>
+            <a:xfrm rot="16200000">
+              <a:off x="7082898" y="4516641"/>
+              <a:ext cx="727166" cy="390028"/>
+            </a:xfrm>
+            <a:prstGeom prst="can">
+              <a:avLst>
+                <a:gd name="adj" fmla="val 48333"/>
+              </a:avLst>
+            </a:prstGeom>
+          </p:spPr>
+          <p:style>
+            <a:lnRef idx="1">
+              <a:schemeClr val="accent1"/>
+            </a:lnRef>
+            <a:fillRef idx="2">
+              <a:schemeClr val="accent1"/>
+            </a:fillRef>
+            <a:effectRef idx="1">
+              <a:schemeClr val="accent1"/>
+            </a:effectRef>
+            <a:fontRef idx="minor">
+              <a:schemeClr val="dk1"/>
+            </a:fontRef>
+          </p:style>
+          <p:txBody>
+            <a:bodyPr vert="vert" rtlCol="0" anchor="ctr"/>
+            <a:lstStyle/>
+            <a:p>
+              <a:pPr algn="ctr"/>
+              <a:endParaRPr lang="LID4096" sz="800" dirty="0"/>
+            </a:p>
+          </p:txBody>
+        </p:sp>
+        <p:sp>
+          <p:nvSpPr>
+            <p:cNvPr id="15" name="Cylinder 14">
+              <a:extLst>
+                <a:ext uri="{FF2B5EF4-FFF2-40B4-BE49-F238E27FC236}">
+                  <a16:creationId xmlns:a16="http://schemas.microsoft.com/office/drawing/2014/main" id="{8893DA8B-384D-4738-943C-812D04BA739B}"/>
+                </a:ext>
+              </a:extLst>
+            </p:cNvPr>
+            <p:cNvSpPr/>
+            <p:nvPr/>
+          </p:nvSpPr>
+          <p:spPr>
+            <a:xfrm rot="16200000">
+              <a:off x="6198978" y="3875404"/>
+              <a:ext cx="727166" cy="1672500"/>
+            </a:xfrm>
+            <a:prstGeom prst="can">
+              <a:avLst/>
+            </a:prstGeom>
+          </p:spPr>
+          <p:style>
+            <a:lnRef idx="2">
+              <a:schemeClr val="accent1">
+                <a:shade val="50000"/>
+              </a:schemeClr>
+            </a:lnRef>
+            <a:fillRef idx="1">
+              <a:schemeClr val="accent1"/>
+            </a:fillRef>
+            <a:effectRef idx="0">
+              <a:schemeClr val="accent1"/>
+            </a:effectRef>
+            <a:fontRef idx="minor">
+              <a:schemeClr val="lt1"/>
+            </a:fontRef>
+          </p:style>
+          <p:txBody>
+            <a:bodyPr vert="vert" rtlCol="0" anchor="ctr"/>
+            <a:lstStyle/>
+            <a:p>
+              <a:pPr algn="ctr"/>
+              <a:r>
+                <a:rPr lang="de-DE" sz="800" dirty="0"/>
+                <a:t>Event Hub</a:t>
+              </a:r>
+              <a:endParaRPr lang="LID4096" sz="800" dirty="0"/>
+            </a:p>
+          </p:txBody>
+        </p:sp>
+        <p:sp>
+          <p:nvSpPr>
+            <p:cNvPr id="16" name="Rectangle 15">
+              <a:extLst>
+                <a:ext uri="{FF2B5EF4-FFF2-40B4-BE49-F238E27FC236}">
+                  <a16:creationId xmlns:a16="http://schemas.microsoft.com/office/drawing/2014/main" id="{DE5315B1-BDAA-4890-94BE-3717965D5627}"/>
+                </a:ext>
+              </a:extLst>
+            </p:cNvPr>
+            <p:cNvSpPr/>
+            <p:nvPr/>
+          </p:nvSpPr>
+          <p:spPr>
+            <a:xfrm>
+              <a:off x="898336" y="3970601"/>
+              <a:ext cx="1848301" cy="1438771"/>
+            </a:xfrm>
+            <a:prstGeom prst="rect">
+              <a:avLst/>
+            </a:prstGeom>
+          </p:spPr>
+          <p:style>
+            <a:lnRef idx="2">
+              <a:schemeClr val="accent1">
+                <a:shade val="50000"/>
+              </a:schemeClr>
+            </a:lnRef>
+            <a:fillRef idx="1">
+              <a:schemeClr val="accent1"/>
+            </a:fillRef>
+            <a:effectRef idx="0">
+              <a:schemeClr val="accent1"/>
+            </a:effectRef>
+            <a:fontRef idx="minor">
+              <a:schemeClr val="lt1"/>
+            </a:fontRef>
+          </p:style>
+          <p:txBody>
+            <a:bodyPr rtlCol="0" anchor="ctr"/>
+            <a:lstStyle/>
+            <a:p>
+              <a:r>
+                <a:rPr lang="de-DE" sz="800" dirty="0" err="1"/>
+                <a:t>Sending</a:t>
+              </a:r>
+              <a:endParaRPr lang="de-DE" sz="800" dirty="0"/>
+            </a:p>
+            <a:p>
+              <a:r>
+                <a:rPr lang="de-DE" sz="800" dirty="0" err="1"/>
+                <a:t>Application</a:t>
+              </a:r>
+              <a:endParaRPr lang="LID4096" sz="800" dirty="0"/>
+            </a:p>
+          </p:txBody>
+        </p:sp>
+        <p:sp>
+          <p:nvSpPr>
+            <p:cNvPr id="17" name="Rectangle 16">
+              <a:extLst>
+                <a:ext uri="{FF2B5EF4-FFF2-40B4-BE49-F238E27FC236}">
+                  <a16:creationId xmlns:a16="http://schemas.microsoft.com/office/drawing/2014/main" id="{347C3AF3-B33B-4E0A-AC5C-445F7A26A2BD}"/>
+                </a:ext>
+              </a:extLst>
+            </p:cNvPr>
+            <p:cNvSpPr/>
+            <p:nvPr/>
+          </p:nvSpPr>
+          <p:spPr>
+            <a:xfrm rot="16200000">
+              <a:off x="1875575" y="4494972"/>
+              <a:ext cx="1126749" cy="433365"/>
+            </a:xfrm>
+            <a:prstGeom prst="rect">
+              <a:avLst/>
+            </a:prstGeom>
+          </p:spPr>
+          <p:style>
+            <a:lnRef idx="2">
+              <a:schemeClr val="accent2">
+                <a:shade val="50000"/>
+              </a:schemeClr>
+            </a:lnRef>
+            <a:fillRef idx="1">
+              <a:schemeClr val="accent2"/>
+            </a:fillRef>
+            <a:effectRef idx="0">
+              <a:schemeClr val="accent2"/>
+            </a:effectRef>
+            <a:fontRef idx="minor">
+              <a:schemeClr val="lt1"/>
+            </a:fontRef>
+          </p:style>
+          <p:txBody>
+            <a:bodyPr rtlCol="0" anchor="ctr"/>
+            <a:lstStyle/>
+            <a:p>
+              <a:pPr algn="ctr"/>
+              <a:r>
+                <a:rPr lang="de-DE" sz="800" dirty="0"/>
+                <a:t>SDK?</a:t>
+              </a:r>
+              <a:endParaRPr lang="LID4096" sz="800" dirty="0"/>
+            </a:p>
+          </p:txBody>
+        </p:sp>
+        <p:sp>
+          <p:nvSpPr>
+            <p:cNvPr id="19" name="Rectangle 18">
+              <a:extLst>
+                <a:ext uri="{FF2B5EF4-FFF2-40B4-BE49-F238E27FC236}">
+                  <a16:creationId xmlns:a16="http://schemas.microsoft.com/office/drawing/2014/main" id="{355E11F7-E11A-4879-93E2-8D12729B5315}"/>
+                </a:ext>
+              </a:extLst>
+            </p:cNvPr>
+            <p:cNvSpPr/>
+            <p:nvPr/>
+          </p:nvSpPr>
+          <p:spPr>
+            <a:xfrm>
+              <a:off x="3628536" y="3749583"/>
+              <a:ext cx="1395435" cy="680383"/>
+            </a:xfrm>
+            <a:prstGeom prst="rect">
+              <a:avLst/>
+            </a:prstGeom>
+          </p:spPr>
+          <p:style>
+            <a:lnRef idx="2">
+              <a:schemeClr val="accent2">
+                <a:shade val="50000"/>
+              </a:schemeClr>
+            </a:lnRef>
+            <a:fillRef idx="1">
+              <a:schemeClr val="accent2"/>
+            </a:fillRef>
+            <a:effectRef idx="0">
+              <a:schemeClr val="accent2"/>
+            </a:effectRef>
+            <a:fontRef idx="minor">
+              <a:schemeClr val="lt1"/>
+            </a:fontRef>
+          </p:style>
+          <p:txBody>
+            <a:bodyPr rtlCol="0" anchor="ctr"/>
+            <a:lstStyle/>
+            <a:p>
+              <a:pPr algn="ctr"/>
+              <a:r>
+                <a:rPr lang="de-DE" sz="500" dirty="0" err="1"/>
+                <a:t>OpenTelemetry</a:t>
+              </a:r>
+              <a:r>
+                <a:rPr lang="de-DE" sz="500" dirty="0"/>
+                <a:t> </a:t>
+              </a:r>
+              <a:r>
+                <a:rPr lang="de-DE" sz="500" dirty="0" err="1"/>
+                <a:t>Endpoint</a:t>
+              </a:r>
+              <a:endParaRPr lang="LID4096" sz="500" dirty="0"/>
+            </a:p>
+          </p:txBody>
+        </p:sp>
+        <p:sp>
+          <p:nvSpPr>
+            <p:cNvPr id="20" name="Rectangle 19">
+              <a:extLst>
+                <a:ext uri="{FF2B5EF4-FFF2-40B4-BE49-F238E27FC236}">
+                  <a16:creationId xmlns:a16="http://schemas.microsoft.com/office/drawing/2014/main" id="{90A129CD-FF0D-40DD-BD30-CF2D0234D1B4}"/>
+                </a:ext>
+              </a:extLst>
+            </p:cNvPr>
+            <p:cNvSpPr/>
+            <p:nvPr/>
+          </p:nvSpPr>
+          <p:spPr>
+            <a:xfrm>
+              <a:off x="3628536" y="5019344"/>
+              <a:ext cx="1395435" cy="680383"/>
+            </a:xfrm>
+            <a:prstGeom prst="rect">
+              <a:avLst/>
+            </a:prstGeom>
+          </p:spPr>
+          <p:style>
+            <a:lnRef idx="2">
+              <a:schemeClr val="accent2">
+                <a:shade val="50000"/>
+              </a:schemeClr>
+            </a:lnRef>
+            <a:fillRef idx="1">
+              <a:schemeClr val="accent2"/>
+            </a:fillRef>
+            <a:effectRef idx="0">
+              <a:schemeClr val="accent2"/>
+            </a:effectRef>
+            <a:fontRef idx="minor">
+              <a:schemeClr val="lt1"/>
+            </a:fontRef>
+          </p:style>
+          <p:txBody>
+            <a:bodyPr rtlCol="0" anchor="ctr"/>
+            <a:lstStyle/>
+            <a:p>
+              <a:pPr algn="ctr"/>
+              <a:r>
+                <a:rPr lang="de-DE" sz="500" dirty="0"/>
+                <a:t>REST API</a:t>
+              </a:r>
+              <a:endParaRPr lang="LID4096" sz="500" dirty="0"/>
+            </a:p>
+          </p:txBody>
+        </p:sp>
+        <p:cxnSp>
+          <p:nvCxnSpPr>
+            <p:cNvPr id="21" name="Straight Arrow Connector 20">
+              <a:extLst>
+                <a:ext uri="{FF2B5EF4-FFF2-40B4-BE49-F238E27FC236}">
+                  <a16:creationId xmlns:a16="http://schemas.microsoft.com/office/drawing/2014/main" id="{DD9A0588-1273-4D65-855B-6EBAA82D274A}"/>
+                </a:ext>
+              </a:extLst>
+            </p:cNvPr>
+            <p:cNvCxnSpPr>
+              <a:stCxn id="17" idx="2"/>
+              <a:endCxn id="19" idx="1"/>
+            </p:cNvCxnSpPr>
+            <p:nvPr/>
+          </p:nvCxnSpPr>
+          <p:spPr>
+            <a:xfrm flipV="1">
+              <a:off x="2655632" y="4089775"/>
+              <a:ext cx="972904" cy="621879"/>
+            </a:xfrm>
+            <a:prstGeom prst="straightConnector1">
+              <a:avLst/>
+            </a:prstGeom>
+            <a:ln w="28575">
+              <a:tailEnd type="triangle"/>
+            </a:ln>
+          </p:spPr>
+          <p:style>
+            <a:lnRef idx="1">
+              <a:schemeClr val="dk1"/>
+            </a:lnRef>
+            <a:fillRef idx="0">
+              <a:schemeClr val="dk1"/>
+            </a:fillRef>
+            <a:effectRef idx="0">
+              <a:schemeClr val="dk1"/>
+            </a:effectRef>
+            <a:fontRef idx="minor">
+              <a:schemeClr val="tx1"/>
+            </a:fontRef>
+          </p:style>
+        </p:cxnSp>
+        <p:cxnSp>
+          <p:nvCxnSpPr>
+            <p:cNvPr id="23" name="Straight Arrow Connector 22">
+              <a:extLst>
+                <a:ext uri="{FF2B5EF4-FFF2-40B4-BE49-F238E27FC236}">
+                  <a16:creationId xmlns:a16="http://schemas.microsoft.com/office/drawing/2014/main" id="{6C4012A2-FF0E-41C4-BBA9-A2BDE05EE946}"/>
+                </a:ext>
+              </a:extLst>
+            </p:cNvPr>
+            <p:cNvCxnSpPr>
+              <a:cxnSpLocks/>
+              <a:stCxn id="17" idx="2"/>
+              <a:endCxn id="20" idx="1"/>
+            </p:cNvCxnSpPr>
+            <p:nvPr/>
+          </p:nvCxnSpPr>
+          <p:spPr>
+            <a:xfrm>
+              <a:off x="2655632" y="4711654"/>
+              <a:ext cx="972904" cy="647882"/>
+            </a:xfrm>
+            <a:prstGeom prst="straightConnector1">
+              <a:avLst/>
+            </a:prstGeom>
+            <a:ln w="28575">
+              <a:tailEnd type="triangle"/>
+            </a:ln>
+          </p:spPr>
+          <p:style>
+            <a:lnRef idx="1">
+              <a:schemeClr val="dk1"/>
+            </a:lnRef>
+            <a:fillRef idx="0">
+              <a:schemeClr val="dk1"/>
+            </a:fillRef>
+            <a:effectRef idx="0">
+              <a:schemeClr val="dk1"/>
+            </a:effectRef>
+            <a:fontRef idx="minor">
+              <a:schemeClr val="tx1"/>
+            </a:fontRef>
+          </p:style>
+        </p:cxnSp>
+        <p:cxnSp>
+          <p:nvCxnSpPr>
+            <p:cNvPr id="24" name="Straight Arrow Connector 23">
+              <a:extLst>
+                <a:ext uri="{FF2B5EF4-FFF2-40B4-BE49-F238E27FC236}">
+                  <a16:creationId xmlns:a16="http://schemas.microsoft.com/office/drawing/2014/main" id="{3172DEE0-2710-4D62-A501-828778024D15}"/>
+                </a:ext>
+              </a:extLst>
+            </p:cNvPr>
+            <p:cNvCxnSpPr>
+              <a:cxnSpLocks/>
+              <a:stCxn id="17" idx="2"/>
+              <a:endCxn id="15" idx="1"/>
+            </p:cNvCxnSpPr>
+            <p:nvPr/>
+          </p:nvCxnSpPr>
+          <p:spPr>
+            <a:xfrm>
+              <a:off x="2655632" y="4711654"/>
+              <a:ext cx="3070679" cy="0"/>
+            </a:xfrm>
+            <a:prstGeom prst="straightConnector1">
+              <a:avLst/>
+            </a:prstGeom>
+            <a:ln w="28575">
+              <a:tailEnd type="triangle"/>
+            </a:ln>
+          </p:spPr>
+          <p:style>
+            <a:lnRef idx="1">
+              <a:schemeClr val="dk1"/>
+            </a:lnRef>
+            <a:fillRef idx="0">
+              <a:schemeClr val="dk1"/>
+            </a:fillRef>
+            <a:effectRef idx="0">
+              <a:schemeClr val="dk1"/>
+            </a:effectRef>
+            <a:fontRef idx="minor">
+              <a:schemeClr val="tx1"/>
+            </a:fontRef>
+          </p:style>
+        </p:cxnSp>
+        <p:cxnSp>
+          <p:nvCxnSpPr>
+            <p:cNvPr id="25" name="Straight Arrow Connector 24">
+              <a:extLst>
+                <a:ext uri="{FF2B5EF4-FFF2-40B4-BE49-F238E27FC236}">
+                  <a16:creationId xmlns:a16="http://schemas.microsoft.com/office/drawing/2014/main" id="{1409D9FC-632C-4A37-AF09-FE4772D853B6}"/>
+                </a:ext>
+              </a:extLst>
+            </p:cNvPr>
+            <p:cNvCxnSpPr>
+              <a:cxnSpLocks/>
+              <a:stCxn id="20" idx="3"/>
+              <a:endCxn id="15" idx="1"/>
+            </p:cNvCxnSpPr>
+            <p:nvPr/>
+          </p:nvCxnSpPr>
+          <p:spPr>
+            <a:xfrm flipV="1">
+              <a:off x="5023971" y="4711654"/>
+              <a:ext cx="702340" cy="647882"/>
+            </a:xfrm>
+            <a:prstGeom prst="straightConnector1">
+              <a:avLst/>
+            </a:prstGeom>
+            <a:ln w="28575">
+              <a:tailEnd type="triangle"/>
+            </a:ln>
+          </p:spPr>
+          <p:style>
+            <a:lnRef idx="1">
+              <a:schemeClr val="dk1"/>
+            </a:lnRef>
+            <a:fillRef idx="0">
+              <a:schemeClr val="dk1"/>
+            </a:fillRef>
+            <a:effectRef idx="0">
+              <a:schemeClr val="dk1"/>
+            </a:effectRef>
+            <a:fontRef idx="minor">
+              <a:schemeClr val="tx1"/>
+            </a:fontRef>
+          </p:style>
+        </p:cxnSp>
+        <p:cxnSp>
+          <p:nvCxnSpPr>
+            <p:cNvPr id="26" name="Straight Arrow Connector 25">
+              <a:extLst>
+                <a:ext uri="{FF2B5EF4-FFF2-40B4-BE49-F238E27FC236}">
+                  <a16:creationId xmlns:a16="http://schemas.microsoft.com/office/drawing/2014/main" id="{4AB99230-045C-41F3-B74E-BB1F371FAFDA}"/>
+                </a:ext>
+              </a:extLst>
+            </p:cNvPr>
+            <p:cNvCxnSpPr>
+              <a:cxnSpLocks/>
+              <a:stCxn id="19" idx="3"/>
+              <a:endCxn id="15" idx="1"/>
+            </p:cNvCxnSpPr>
+            <p:nvPr/>
+          </p:nvCxnSpPr>
+          <p:spPr>
+            <a:xfrm>
+              <a:off x="5023971" y="4089775"/>
+              <a:ext cx="702340" cy="621879"/>
+            </a:xfrm>
+            <a:prstGeom prst="straightConnector1">
+              <a:avLst/>
+            </a:prstGeom>
+            <a:ln w="28575">
+              <a:tailEnd type="triangle"/>
+            </a:ln>
+          </p:spPr>
+          <p:style>
+            <a:lnRef idx="1">
+              <a:schemeClr val="dk1"/>
+            </a:lnRef>
+            <a:fillRef idx="0">
+              <a:schemeClr val="dk1"/>
+            </a:fillRef>
+            <a:effectRef idx="0">
+              <a:schemeClr val="dk1"/>
+            </a:effectRef>
+            <a:fontRef idx="minor">
+              <a:schemeClr val="tx1"/>
+            </a:fontRef>
+          </p:style>
+        </p:cxnSp>
+        <p:sp>
+          <p:nvSpPr>
+            <p:cNvPr id="27" name="Rectangle 26">
+              <a:extLst>
+                <a:ext uri="{FF2B5EF4-FFF2-40B4-BE49-F238E27FC236}">
+                  <a16:creationId xmlns:a16="http://schemas.microsoft.com/office/drawing/2014/main" id="{15794C86-F8A9-4966-914B-001FAD4725DD}"/>
+                </a:ext>
+              </a:extLst>
+            </p:cNvPr>
+            <p:cNvSpPr/>
+            <p:nvPr/>
+          </p:nvSpPr>
+          <p:spPr>
+            <a:xfrm>
+              <a:off x="7446480" y="3514477"/>
+              <a:ext cx="931735" cy="575297"/>
+            </a:xfrm>
+            <a:prstGeom prst="rect">
+              <a:avLst/>
+            </a:prstGeom>
+          </p:spPr>
+          <p:style>
+            <a:lnRef idx="2">
+              <a:schemeClr val="accent2">
+                <a:shade val="50000"/>
+              </a:schemeClr>
+            </a:lnRef>
+            <a:fillRef idx="1">
+              <a:schemeClr val="accent2"/>
+            </a:fillRef>
+            <a:effectRef idx="0">
+              <a:schemeClr val="accent2"/>
+            </a:effectRef>
+            <a:fontRef idx="minor">
+              <a:schemeClr val="lt1"/>
+            </a:fontRef>
+          </p:style>
+          <p:txBody>
+            <a:bodyPr rtlCol="0" anchor="ctr"/>
+            <a:lstStyle/>
+            <a:p>
+              <a:pPr algn="ctr"/>
+              <a:r>
+                <a:rPr lang="de-DE" sz="500" dirty="0"/>
+                <a:t>Aggregator</a:t>
+              </a:r>
+              <a:endParaRPr lang="LID4096" sz="500" dirty="0"/>
+            </a:p>
+          </p:txBody>
+        </p:sp>
+        <p:cxnSp>
+          <p:nvCxnSpPr>
+            <p:cNvPr id="29" name="Connector: Elbow 28">
+              <a:extLst>
+                <a:ext uri="{FF2B5EF4-FFF2-40B4-BE49-F238E27FC236}">
+                  <a16:creationId xmlns:a16="http://schemas.microsoft.com/office/drawing/2014/main" id="{5A4B0534-218E-4013-B7B4-3D87BE4569AC}"/>
+                </a:ext>
+              </a:extLst>
+            </p:cNvPr>
+            <p:cNvCxnSpPr>
+              <a:cxnSpLocks/>
+              <a:stCxn id="27" idx="1"/>
+              <a:endCxn id="15" idx="4"/>
+            </p:cNvCxnSpPr>
+            <p:nvPr/>
+          </p:nvCxnSpPr>
+          <p:spPr>
+            <a:xfrm rot="10800000" flipV="1">
+              <a:off x="6562562" y="3802125"/>
+              <a:ext cx="883919" cy="545945"/>
+            </a:xfrm>
+            <a:prstGeom prst="bentConnector2">
+              <a:avLst/>
+            </a:prstGeom>
+            <a:ln w="28575">
+              <a:tailEnd type="triangle"/>
+            </a:ln>
+          </p:spPr>
+          <p:style>
+            <a:lnRef idx="1">
+              <a:schemeClr val="dk1"/>
+            </a:lnRef>
+            <a:fillRef idx="0">
+              <a:schemeClr val="dk1"/>
+            </a:fillRef>
+            <a:effectRef idx="0">
+              <a:schemeClr val="dk1"/>
+            </a:effectRef>
+            <a:fontRef idx="minor">
+              <a:schemeClr val="tx1"/>
+            </a:fontRef>
+          </p:style>
+        </p:cxnSp>
+        <p:cxnSp>
+          <p:nvCxnSpPr>
+            <p:cNvPr id="30" name="Straight Arrow Connector 29">
+              <a:extLst>
+                <a:ext uri="{FF2B5EF4-FFF2-40B4-BE49-F238E27FC236}">
+                  <a16:creationId xmlns:a16="http://schemas.microsoft.com/office/drawing/2014/main" id="{504BD4C0-51CC-4628-8BC6-3F10F559E712}"/>
+                </a:ext>
+              </a:extLst>
+            </p:cNvPr>
+            <p:cNvCxnSpPr>
+              <a:cxnSpLocks/>
+            </p:cNvCxnSpPr>
+            <p:nvPr/>
+          </p:nvCxnSpPr>
+          <p:spPr>
+            <a:xfrm flipV="1">
+              <a:off x="6675091" y="4248175"/>
+              <a:ext cx="589810" cy="1"/>
+            </a:xfrm>
+            <a:prstGeom prst="straightConnector1">
+              <a:avLst/>
+            </a:prstGeom>
+            <a:ln w="28575">
+              <a:tailEnd type="triangle"/>
+            </a:ln>
+          </p:spPr>
+          <p:style>
+            <a:lnRef idx="1">
+              <a:schemeClr val="dk1"/>
+            </a:lnRef>
+            <a:fillRef idx="0">
+              <a:schemeClr val="dk1"/>
+            </a:fillRef>
+            <a:effectRef idx="0">
+              <a:schemeClr val="dk1"/>
+            </a:effectRef>
+            <a:fontRef idx="minor">
+              <a:schemeClr val="tx1"/>
+            </a:fontRef>
+          </p:style>
+        </p:cxnSp>
+        <p:sp>
+          <p:nvSpPr>
+            <p:cNvPr id="31" name="Cylinder 30">
+              <a:extLst>
+                <a:ext uri="{FF2B5EF4-FFF2-40B4-BE49-F238E27FC236}">
+                  <a16:creationId xmlns:a16="http://schemas.microsoft.com/office/drawing/2014/main" id="{95F2A23A-F2C2-4266-B227-E8075D5A0B79}"/>
+                </a:ext>
+              </a:extLst>
+            </p:cNvPr>
+            <p:cNvSpPr/>
+            <p:nvPr/>
+          </p:nvSpPr>
+          <p:spPr>
+            <a:xfrm>
+              <a:off x="7312359" y="2557005"/>
+              <a:ext cx="1199977" cy="514838"/>
+            </a:xfrm>
+            <a:prstGeom prst="can">
+              <a:avLst/>
+            </a:prstGeom>
+          </p:spPr>
+          <p:style>
+            <a:lnRef idx="2">
+              <a:schemeClr val="accent1">
+                <a:shade val="50000"/>
+              </a:schemeClr>
+            </a:lnRef>
+            <a:fillRef idx="1">
+              <a:schemeClr val="accent1"/>
+            </a:fillRef>
+            <a:effectRef idx="0">
+              <a:schemeClr val="accent1"/>
+            </a:effectRef>
+            <a:fontRef idx="minor">
+              <a:schemeClr val="lt1"/>
+            </a:fontRef>
+          </p:style>
+          <p:txBody>
+            <a:bodyPr vert="horz" rtlCol="0" anchor="ctr"/>
+            <a:lstStyle/>
+            <a:p>
+              <a:pPr algn="ctr"/>
+              <a:r>
+                <a:rPr lang="de-DE" sz="800" dirty="0"/>
+                <a:t>Snapshots</a:t>
+              </a:r>
+              <a:endParaRPr lang="LID4096" sz="800" dirty="0"/>
+            </a:p>
+          </p:txBody>
+        </p:sp>
+        <p:cxnSp>
+          <p:nvCxnSpPr>
+            <p:cNvPr id="32" name="Straight Arrow Connector 31">
+              <a:extLst>
+                <a:ext uri="{FF2B5EF4-FFF2-40B4-BE49-F238E27FC236}">
+                  <a16:creationId xmlns:a16="http://schemas.microsoft.com/office/drawing/2014/main" id="{85A00B44-F19D-451E-AB6E-91012E5E6C3E}"/>
+                </a:ext>
+              </a:extLst>
+            </p:cNvPr>
+            <p:cNvCxnSpPr>
+              <a:cxnSpLocks/>
+              <a:stCxn id="27" idx="0"/>
+              <a:endCxn id="31" idx="3"/>
+            </p:cNvCxnSpPr>
+            <p:nvPr/>
+          </p:nvCxnSpPr>
+          <p:spPr>
+            <a:xfrm flipV="1">
+              <a:off x="7912348" y="3071843"/>
+              <a:ext cx="0" cy="442634"/>
+            </a:xfrm>
+            <a:prstGeom prst="straightConnector1">
+              <a:avLst/>
+            </a:prstGeom>
+            <a:ln w="28575">
+              <a:tailEnd type="triangle"/>
+            </a:ln>
+          </p:spPr>
+          <p:style>
+            <a:lnRef idx="1">
+              <a:schemeClr val="dk1"/>
+            </a:lnRef>
+            <a:fillRef idx="0">
+              <a:schemeClr val="dk1"/>
+            </a:fillRef>
+            <a:effectRef idx="0">
+              <a:schemeClr val="dk1"/>
+            </a:effectRef>
+            <a:fontRef idx="minor">
+              <a:schemeClr val="tx1"/>
+            </a:fontRef>
+          </p:style>
+        </p:cxnSp>
+        <p:sp>
+          <p:nvSpPr>
+            <p:cNvPr id="33" name="Rectangle 32">
+              <a:extLst>
+                <a:ext uri="{FF2B5EF4-FFF2-40B4-BE49-F238E27FC236}">
+                  <a16:creationId xmlns:a16="http://schemas.microsoft.com/office/drawing/2014/main" id="{5DE035EE-69FE-459F-B110-3717F47E4218}"/>
+                </a:ext>
+              </a:extLst>
+            </p:cNvPr>
+            <p:cNvSpPr/>
+            <p:nvPr/>
+          </p:nvSpPr>
+          <p:spPr>
+            <a:xfrm>
+              <a:off x="9302137" y="3516345"/>
+              <a:ext cx="1052355" cy="575297"/>
+            </a:xfrm>
+            <a:prstGeom prst="rect">
+              <a:avLst/>
+            </a:prstGeom>
+          </p:spPr>
+          <p:style>
+            <a:lnRef idx="2">
+              <a:schemeClr val="accent1">
+                <a:shade val="50000"/>
+              </a:schemeClr>
+            </a:lnRef>
+            <a:fillRef idx="1">
+              <a:schemeClr val="accent1"/>
+            </a:fillRef>
+            <a:effectRef idx="0">
+              <a:schemeClr val="accent1"/>
+            </a:effectRef>
+            <a:fontRef idx="minor">
+              <a:schemeClr val="lt1"/>
+            </a:fontRef>
+          </p:style>
+          <p:txBody>
+            <a:bodyPr rtlCol="0" anchor="ctr"/>
+            <a:lstStyle/>
+            <a:p>
+              <a:pPr algn="ctr"/>
+              <a:r>
+                <a:rPr lang="de-DE" sz="500" dirty="0"/>
+                <a:t>Marketplace Metering API</a:t>
+              </a:r>
+              <a:endParaRPr lang="LID4096" sz="500" dirty="0"/>
+            </a:p>
+          </p:txBody>
+        </p:sp>
+        <p:cxnSp>
+          <p:nvCxnSpPr>
+            <p:cNvPr id="34" name="Straight Arrow Connector 33">
+              <a:extLst>
+                <a:ext uri="{FF2B5EF4-FFF2-40B4-BE49-F238E27FC236}">
+                  <a16:creationId xmlns:a16="http://schemas.microsoft.com/office/drawing/2014/main" id="{367FE8BE-6141-4192-B9B2-892DE2C7F263}"/>
+                </a:ext>
+              </a:extLst>
+            </p:cNvPr>
+            <p:cNvCxnSpPr>
+              <a:cxnSpLocks/>
+              <a:stCxn id="27" idx="3"/>
+              <a:endCxn id="33" idx="1"/>
+            </p:cNvCxnSpPr>
+            <p:nvPr/>
+          </p:nvCxnSpPr>
+          <p:spPr>
+            <a:xfrm>
+              <a:off x="8378215" y="3802126"/>
+              <a:ext cx="923922" cy="1868"/>
+            </a:xfrm>
+            <a:prstGeom prst="straightConnector1">
+              <a:avLst/>
+            </a:prstGeom>
+            <a:ln w="28575">
+              <a:tailEnd type="triangle"/>
+            </a:ln>
+          </p:spPr>
+          <p:style>
+            <a:lnRef idx="1">
+              <a:schemeClr val="dk1"/>
+            </a:lnRef>
+            <a:fillRef idx="0">
+              <a:schemeClr val="dk1"/>
+            </a:fillRef>
+            <a:effectRef idx="0">
+              <a:schemeClr val="dk1"/>
+            </a:effectRef>
+            <a:fontRef idx="minor">
+              <a:schemeClr val="tx1"/>
+            </a:fontRef>
+          </p:style>
+        </p:cxnSp>
+        <p:sp>
+          <p:nvSpPr>
+            <p:cNvPr id="35" name="Cylinder 34">
+              <a:extLst>
+                <a:ext uri="{FF2B5EF4-FFF2-40B4-BE49-F238E27FC236}">
+                  <a16:creationId xmlns:a16="http://schemas.microsoft.com/office/drawing/2014/main" id="{55AA28D6-E626-4E69-8879-2E0A2390B678}"/>
+                </a:ext>
+              </a:extLst>
+            </p:cNvPr>
+            <p:cNvSpPr/>
+            <p:nvPr/>
+          </p:nvSpPr>
+          <p:spPr>
+            <a:xfrm>
+              <a:off x="6287524" y="5550546"/>
+              <a:ext cx="1433994" cy="514838"/>
+            </a:xfrm>
+            <a:prstGeom prst="can">
+              <a:avLst/>
+            </a:prstGeom>
+          </p:spPr>
+          <p:style>
+            <a:lnRef idx="2">
+              <a:schemeClr val="accent1">
+                <a:shade val="50000"/>
+              </a:schemeClr>
+            </a:lnRef>
+            <a:fillRef idx="1">
+              <a:schemeClr val="accent1"/>
+            </a:fillRef>
+            <a:effectRef idx="0">
+              <a:schemeClr val="accent1"/>
+            </a:effectRef>
+            <a:fontRef idx="minor">
+              <a:schemeClr val="lt1"/>
+            </a:fontRef>
+          </p:style>
+          <p:txBody>
+            <a:bodyPr vert="horz" rtlCol="0" anchor="ctr"/>
+            <a:lstStyle/>
+            <a:p>
+              <a:pPr algn="ctr"/>
+              <a:r>
+                <a:rPr lang="de-DE" sz="800" dirty="0"/>
+                <a:t>EH Capture</a:t>
+              </a:r>
+              <a:endParaRPr lang="LID4096" sz="800" dirty="0"/>
+            </a:p>
+          </p:txBody>
+        </p:sp>
+        <p:cxnSp>
+          <p:nvCxnSpPr>
+            <p:cNvPr id="36" name="Connector: Elbow 35">
+              <a:extLst>
+                <a:ext uri="{FF2B5EF4-FFF2-40B4-BE49-F238E27FC236}">
+                  <a16:creationId xmlns:a16="http://schemas.microsoft.com/office/drawing/2014/main" id="{E685AFD0-C918-4767-A5EF-70BDC0C74156}"/>
+                </a:ext>
+              </a:extLst>
+            </p:cNvPr>
+            <p:cNvCxnSpPr>
+              <a:cxnSpLocks/>
+              <a:stCxn id="15" idx="2"/>
+              <a:endCxn id="35" idx="1"/>
+            </p:cNvCxnSpPr>
+            <p:nvPr/>
+          </p:nvCxnSpPr>
+          <p:spPr>
+            <a:xfrm rot="16200000" flipH="1">
+              <a:off x="6545887" y="5091911"/>
+              <a:ext cx="475309" cy="441960"/>
+            </a:xfrm>
+            <a:prstGeom prst="bentConnector3">
+              <a:avLst>
+                <a:gd name="adj1" fmla="val 50000"/>
+              </a:avLst>
+            </a:prstGeom>
+            <a:ln w="28575">
+              <a:prstDash val="sysDash"/>
+              <a:tailEnd type="triangle"/>
+            </a:ln>
+          </p:spPr>
+          <p:style>
+            <a:lnRef idx="1">
+              <a:schemeClr val="dk1"/>
+            </a:lnRef>
+            <a:fillRef idx="0">
+              <a:schemeClr val="dk1"/>
+            </a:fillRef>
+            <a:effectRef idx="0">
+              <a:schemeClr val="dk1"/>
+            </a:effectRef>
+            <a:fontRef idx="minor">
+              <a:schemeClr val="tx1"/>
+            </a:fontRef>
+          </p:style>
+        </p:cxnSp>
+        <p:sp>
+          <p:nvSpPr>
+            <p:cNvPr id="37" name="Speech Bubble: Rectangle 36">
+              <a:extLst>
+                <a:ext uri="{FF2B5EF4-FFF2-40B4-BE49-F238E27FC236}">
+                  <a16:creationId xmlns:a16="http://schemas.microsoft.com/office/drawing/2014/main" id="{26F37C99-1D49-44A8-ABC7-0244C0DCEA05}"/>
+                </a:ext>
+              </a:extLst>
+            </p:cNvPr>
+            <p:cNvSpPr/>
+            <p:nvPr/>
+          </p:nvSpPr>
+          <p:spPr>
+            <a:xfrm>
+              <a:off x="9283406" y="2186237"/>
+              <a:ext cx="1900409" cy="884538"/>
+            </a:xfrm>
+            <a:prstGeom prst="wedgeRectCallout">
+              <a:avLst>
+                <a:gd name="adj1" fmla="val -97170"/>
+                <a:gd name="adj2" fmla="val 107727"/>
+              </a:avLst>
+            </a:prstGeom>
+          </p:spPr>
+          <p:style>
+            <a:lnRef idx="2">
+              <a:schemeClr val="dk1"/>
+            </a:lnRef>
+            <a:fillRef idx="1">
+              <a:schemeClr val="lt1"/>
+            </a:fillRef>
+            <a:effectRef idx="0">
+              <a:schemeClr val="dk1"/>
+            </a:effectRef>
+            <a:fontRef idx="minor">
+              <a:schemeClr val="dk1"/>
+            </a:fontRef>
+          </p:style>
+          <p:txBody>
+            <a:bodyPr rtlCol="0" anchor="t"/>
+            <a:lstStyle/>
+            <a:p>
+              <a:r>
+                <a:rPr lang="en-US" sz="500"/>
+                <a:t>Hosting e.g. on …</a:t>
+              </a:r>
+            </a:p>
+            <a:p>
+              <a:pPr marL="114300" indent="-114300">
+                <a:buFont typeface="Arial" panose="020B0604020202020204" pitchFamily="34" charset="0"/>
+                <a:buChar char="•"/>
+              </a:pPr>
+              <a:r>
+                <a:rPr lang="en-US" sz="500"/>
+                <a:t>Azure Functions</a:t>
+              </a:r>
+            </a:p>
+            <a:p>
+              <a:pPr marL="114300" indent="-114300">
+                <a:buFont typeface="Arial" panose="020B0604020202020204" pitchFamily="34" charset="0"/>
+                <a:buChar char="•"/>
+              </a:pPr>
+              <a:r>
+                <a:rPr lang="en-US" sz="500"/>
+                <a:t>Container (ACI, AKS)</a:t>
+              </a:r>
+            </a:p>
+            <a:p>
+              <a:pPr marL="114300" indent="-114300">
+                <a:buFont typeface="Arial" panose="020B0604020202020204" pitchFamily="34" charset="0"/>
+                <a:buChar char="•"/>
+              </a:pPr>
+              <a:r>
+                <a:rPr lang="en-US" sz="500"/>
+                <a:t>Self-hosted anywhere</a:t>
+              </a:r>
+            </a:p>
+          </p:txBody>
+        </p:sp>
+        <p:sp>
+          <p:nvSpPr>
+            <p:cNvPr id="38" name="Speech Bubble: Rectangle 37">
+              <a:extLst>
+                <a:ext uri="{FF2B5EF4-FFF2-40B4-BE49-F238E27FC236}">
+                  <a16:creationId xmlns:a16="http://schemas.microsoft.com/office/drawing/2014/main" id="{78505C3E-057A-4181-80D1-10DD308A016F}"/>
+                </a:ext>
+              </a:extLst>
+            </p:cNvPr>
+            <p:cNvSpPr/>
+            <p:nvPr/>
+          </p:nvSpPr>
+          <p:spPr>
+            <a:xfrm>
+              <a:off x="4946083" y="2256432"/>
+              <a:ext cx="1900409" cy="884538"/>
+            </a:xfrm>
+            <a:prstGeom prst="wedgeRectCallout">
+              <a:avLst>
+                <a:gd name="adj1" fmla="val 58976"/>
+                <a:gd name="adj2" fmla="val 126116"/>
+              </a:avLst>
+            </a:prstGeom>
+          </p:spPr>
+          <p:style>
+            <a:lnRef idx="2">
+              <a:schemeClr val="dk1"/>
+            </a:lnRef>
+            <a:fillRef idx="1">
+              <a:schemeClr val="lt1"/>
+            </a:fillRef>
+            <a:effectRef idx="0">
+              <a:schemeClr val="dk1"/>
+            </a:effectRef>
+            <a:fontRef idx="minor">
+              <a:schemeClr val="dk1"/>
+            </a:fontRef>
+          </p:style>
+          <p:txBody>
+            <a:bodyPr rtlCol="0" anchor="t"/>
+            <a:lstStyle/>
+            <a:p>
+              <a:r>
+                <a:rPr lang="en-US" sz="300"/>
+                <a:t>If running on Functions, certainly not using EventHub binding (triggered per message), but cron-style</a:t>
+              </a:r>
+            </a:p>
+          </p:txBody>
+        </p:sp>
+        <p:sp>
+          <p:nvSpPr>
+            <p:cNvPr id="39" name="Speech Bubble: Rectangle 38">
+              <a:extLst>
+                <a:ext uri="{FF2B5EF4-FFF2-40B4-BE49-F238E27FC236}">
+                  <a16:creationId xmlns:a16="http://schemas.microsoft.com/office/drawing/2014/main" id="{8926BC15-1D30-41BB-AE7C-B9D3316D1CE8}"/>
+                </a:ext>
+              </a:extLst>
+            </p:cNvPr>
+            <p:cNvSpPr/>
+            <p:nvPr/>
+          </p:nvSpPr>
+          <p:spPr>
+            <a:xfrm>
+              <a:off x="8102512" y="783970"/>
+              <a:ext cx="1900409" cy="884538"/>
+            </a:xfrm>
+            <a:prstGeom prst="wedgeRectCallout">
+              <a:avLst>
+                <a:gd name="adj1" fmla="val -74732"/>
+                <a:gd name="adj2" fmla="val 148481"/>
+              </a:avLst>
+            </a:prstGeom>
+          </p:spPr>
+          <p:style>
+            <a:lnRef idx="2">
+              <a:schemeClr val="dk1"/>
+            </a:lnRef>
+            <a:fillRef idx="1">
+              <a:schemeClr val="lt1"/>
+            </a:fillRef>
+            <a:effectRef idx="0">
+              <a:schemeClr val="dk1"/>
+            </a:effectRef>
+            <a:fontRef idx="minor">
+              <a:schemeClr val="dk1"/>
+            </a:fontRef>
+          </p:style>
+          <p:txBody>
+            <a:bodyPr rtlCol="0" anchor="t"/>
+            <a:lstStyle/>
+            <a:p>
+              <a:r>
+                <a:rPr lang="en-US" sz="500"/>
+                <a:t>Snapshotting intermediary aggregates into blobs, so consumer group can restart easily</a:t>
+              </a:r>
+            </a:p>
+          </p:txBody>
+        </p:sp>
+        <p:sp>
+          <p:nvSpPr>
+            <p:cNvPr id="40" name="Speech Bubble: Rectangle 39">
+              <a:extLst>
+                <a:ext uri="{FF2B5EF4-FFF2-40B4-BE49-F238E27FC236}">
+                  <a16:creationId xmlns:a16="http://schemas.microsoft.com/office/drawing/2014/main" id="{F40E8277-FB93-4A9D-B3AE-5BFDC5913ED3}"/>
+                </a:ext>
+              </a:extLst>
+            </p:cNvPr>
+            <p:cNvSpPr/>
+            <p:nvPr/>
+          </p:nvSpPr>
+          <p:spPr>
+            <a:xfrm>
+              <a:off x="796156" y="2256432"/>
+              <a:ext cx="1900409" cy="884538"/>
+            </a:xfrm>
+            <a:prstGeom prst="wedgeRectCallout">
+              <a:avLst>
+                <a:gd name="adj1" fmla="val 74841"/>
+                <a:gd name="adj2" fmla="val 190112"/>
+              </a:avLst>
+            </a:prstGeom>
+          </p:spPr>
+          <p:style>
+            <a:lnRef idx="2">
+              <a:schemeClr val="dk1"/>
+            </a:lnRef>
+            <a:fillRef idx="1">
+              <a:schemeClr val="lt1"/>
+            </a:fillRef>
+            <a:effectRef idx="0">
+              <a:schemeClr val="dk1"/>
+            </a:effectRef>
+            <a:fontRef idx="minor">
+              <a:schemeClr val="dk1"/>
+            </a:fontRef>
+          </p:style>
+          <p:txBody>
+            <a:bodyPr rtlCol="0" anchor="t"/>
+            <a:lstStyle/>
+            <a:p>
+              <a:r>
+                <a:rPr lang="en-US" sz="300" dirty="0"/>
+                <a:t>System boundary / contract for ingesting billing events TBD…</a:t>
+              </a:r>
+            </a:p>
+            <a:p>
+              <a:pPr marL="171450" indent="-171450">
+                <a:buFont typeface="Arial" panose="020B0604020202020204" pitchFamily="34" charset="0"/>
+                <a:buChar char="•"/>
+              </a:pPr>
+              <a:r>
+                <a:rPr lang="en-US" sz="300" dirty="0" err="1"/>
+                <a:t>OpenTelemetry</a:t>
+              </a:r>
+              <a:endParaRPr lang="en-US" sz="300" dirty="0"/>
+            </a:p>
+            <a:p>
+              <a:pPr marL="171450" indent="-171450">
+                <a:buFont typeface="Arial" panose="020B0604020202020204" pitchFamily="34" charset="0"/>
+                <a:buChar char="•"/>
+              </a:pPr>
+              <a:r>
+                <a:rPr lang="en-US" sz="300" dirty="0"/>
+                <a:t>REST</a:t>
+              </a:r>
+            </a:p>
+            <a:p>
+              <a:pPr marL="171450" indent="-171450">
+                <a:buFont typeface="Arial" panose="020B0604020202020204" pitchFamily="34" charset="0"/>
+                <a:buChar char="•"/>
+              </a:pPr>
+              <a:r>
+                <a:rPr lang="en-US" sz="300" dirty="0"/>
+                <a:t>Write directly to EH</a:t>
+              </a:r>
+            </a:p>
+          </p:txBody>
+        </p:sp>
+        <p:sp>
+          <p:nvSpPr>
+            <p:cNvPr id="41" name="Speech Bubble: Rectangle 40">
+              <a:extLst>
+                <a:ext uri="{FF2B5EF4-FFF2-40B4-BE49-F238E27FC236}">
+                  <a16:creationId xmlns:a16="http://schemas.microsoft.com/office/drawing/2014/main" id="{DBD0DBC7-C186-44B3-B86B-C181B3E354C1}"/>
+                </a:ext>
+              </a:extLst>
+            </p:cNvPr>
+            <p:cNvSpPr/>
+            <p:nvPr/>
+          </p:nvSpPr>
+          <p:spPr>
+            <a:xfrm>
+              <a:off x="5140666" y="824415"/>
+              <a:ext cx="1900409" cy="594735"/>
+            </a:xfrm>
+            <a:prstGeom prst="wedgeRectCallout">
+              <a:avLst>
+                <a:gd name="adj1" fmla="val 58323"/>
+                <a:gd name="adj2" fmla="val 283185"/>
+              </a:avLst>
+            </a:prstGeom>
+          </p:spPr>
+          <p:style>
+            <a:lnRef idx="2">
+              <a:schemeClr val="dk1"/>
+            </a:lnRef>
+            <a:fillRef idx="1">
+              <a:schemeClr val="lt1"/>
+            </a:fillRef>
+            <a:effectRef idx="0">
+              <a:schemeClr val="dk1"/>
+            </a:effectRef>
+            <a:fontRef idx="minor">
+              <a:schemeClr val="dk1"/>
+            </a:fontRef>
+          </p:style>
+          <p:txBody>
+            <a:bodyPr rtlCol="0" anchor="t"/>
+            <a:lstStyle/>
+            <a:p>
+              <a:r>
+                <a:rPr lang="en-US" sz="300" dirty="0" err="1"/>
+                <a:t>EventSourcing</a:t>
+              </a:r>
+              <a:r>
+                <a:rPr lang="en-US" sz="300" dirty="0"/>
+                <a:t> (like in </a:t>
+              </a:r>
+              <a:r>
+                <a:rPr lang="de-DE" sz="300" dirty="0">
+                  <a:hlinkClick r:id="rId2"/>
+                </a:rPr>
+                <a:t>chgeuer/</a:t>
+              </a:r>
+              <a:r>
+                <a:rPr lang="de-DE" sz="300" dirty="0" err="1">
+                  <a:hlinkClick r:id="rId2"/>
+                </a:rPr>
+                <a:t>distributed-search</a:t>
+              </a:r>
+              <a:r>
+                <a:rPr lang="de-DE" sz="300" dirty="0">
+                  <a:hlinkClick r:id="rId2"/>
+                </a:rPr>
+                <a:t> (github.com)</a:t>
+              </a:r>
+              <a:r>
+                <a:rPr lang="de-DE" sz="300" dirty="0"/>
+                <a:t>)</a:t>
+              </a:r>
+              <a:endParaRPr lang="en-US" sz="300" dirty="0"/>
+            </a:p>
+          </p:txBody>
+        </p:sp>
+      </p:grpSp>
     </p:spTree>
     <p:extLst>
       <p:ext uri="{BB962C8B-B14F-4D97-AF65-F5344CB8AC3E}">
@@ -5266,6 +6912,3515 @@
     <p:extLst>
       <p:ext uri="{BB962C8B-B14F-4D97-AF65-F5344CB8AC3E}">
         <p14:creationId xmlns:p14="http://schemas.microsoft.com/office/powerpoint/2010/main" val="1266210177"/>
+      </p:ext>
+    </p:extLst>
+  </p:cSld>
+  <p:clrMapOvr>
+    <a:masterClrMapping/>
+  </p:clrMapOvr>
+</p:sld>
+</file>
+
+<file path=ppt/slides/slide5.xml><?xml version="1.0" encoding="utf-8"?>
+<p:sld xmlns:a="http://schemas.openxmlformats.org/drawingml/2006/main" xmlns:r="http://schemas.openxmlformats.org/officeDocument/2006/relationships" xmlns:p="http://schemas.openxmlformats.org/presentationml/2006/main">
+  <p:cSld>
+    <p:spTree>
+      <p:nvGrpSpPr>
+        <p:cNvPr id="1" name=""/>
+        <p:cNvGrpSpPr/>
+        <p:nvPr/>
+      </p:nvGrpSpPr>
+      <p:grpSpPr>
+        <a:xfrm>
+          <a:off x="0" y="0"/>
+          <a:ext cx="0" cy="0"/>
+          <a:chOff x="0" y="0"/>
+          <a:chExt cx="0" cy="0"/>
+        </a:xfrm>
+      </p:grpSpPr>
+      <p:grpSp>
+        <p:nvGrpSpPr>
+          <p:cNvPr id="5" name="Group 4">
+            <a:extLst>
+              <a:ext uri="{FF2B5EF4-FFF2-40B4-BE49-F238E27FC236}">
+                <a16:creationId xmlns:a16="http://schemas.microsoft.com/office/drawing/2014/main" id="{BD6EE84B-CD23-483C-8FEE-5CAA52D7EA29}"/>
+              </a:ext>
+            </a:extLst>
+          </p:cNvPr>
+          <p:cNvGrpSpPr/>
+          <p:nvPr/>
+        </p:nvGrpSpPr>
+        <p:grpSpPr>
+          <a:xfrm>
+            <a:off x="796156" y="783970"/>
+            <a:ext cx="10387659" cy="5493737"/>
+            <a:chOff x="796156" y="783970"/>
+            <a:chExt cx="10387659" cy="5493737"/>
+          </a:xfrm>
+        </p:grpSpPr>
+        <p:sp>
+          <p:nvSpPr>
+            <p:cNvPr id="73" name="Rectangle 72">
+              <a:extLst>
+                <a:ext uri="{FF2B5EF4-FFF2-40B4-BE49-F238E27FC236}">
+                  <a16:creationId xmlns:a16="http://schemas.microsoft.com/office/drawing/2014/main" id="{3DCF7B99-CD4F-499A-AD4E-6F61A5F555AF}"/>
+                </a:ext>
+              </a:extLst>
+            </p:cNvPr>
+            <p:cNvSpPr/>
+            <p:nvPr/>
+          </p:nvSpPr>
+          <p:spPr>
+            <a:xfrm>
+              <a:off x="3345473" y="2070588"/>
+              <a:ext cx="5490796" cy="4207119"/>
+            </a:xfrm>
+            <a:custGeom>
+              <a:avLst/>
+              <a:gdLst>
+                <a:gd name="connsiteX0" fmla="*/ 0 w 5490796"/>
+                <a:gd name="connsiteY0" fmla="*/ 0 h 4207119"/>
+                <a:gd name="connsiteX1" fmla="*/ 658896 w 5490796"/>
+                <a:gd name="connsiteY1" fmla="*/ 0 h 4207119"/>
+                <a:gd name="connsiteX2" fmla="*/ 1207975 w 5490796"/>
+                <a:gd name="connsiteY2" fmla="*/ 0 h 4207119"/>
+                <a:gd name="connsiteX3" fmla="*/ 1811963 w 5490796"/>
+                <a:gd name="connsiteY3" fmla="*/ 0 h 4207119"/>
+                <a:gd name="connsiteX4" fmla="*/ 2196318 w 5490796"/>
+                <a:gd name="connsiteY4" fmla="*/ 0 h 4207119"/>
+                <a:gd name="connsiteX5" fmla="*/ 2690490 w 5490796"/>
+                <a:gd name="connsiteY5" fmla="*/ 0 h 4207119"/>
+                <a:gd name="connsiteX6" fmla="*/ 3129754 w 5490796"/>
+                <a:gd name="connsiteY6" fmla="*/ 0 h 4207119"/>
+                <a:gd name="connsiteX7" fmla="*/ 3733741 w 5490796"/>
+                <a:gd name="connsiteY7" fmla="*/ 0 h 4207119"/>
+                <a:gd name="connsiteX8" fmla="*/ 4392637 w 5490796"/>
+                <a:gd name="connsiteY8" fmla="*/ 0 h 4207119"/>
+                <a:gd name="connsiteX9" fmla="*/ 4886808 w 5490796"/>
+                <a:gd name="connsiteY9" fmla="*/ 0 h 4207119"/>
+                <a:gd name="connsiteX10" fmla="*/ 5490796 w 5490796"/>
+                <a:gd name="connsiteY10" fmla="*/ 0 h 4207119"/>
+                <a:gd name="connsiteX11" fmla="*/ 5490796 w 5490796"/>
+                <a:gd name="connsiteY11" fmla="*/ 525890 h 4207119"/>
+                <a:gd name="connsiteX12" fmla="*/ 5490796 w 5490796"/>
+                <a:gd name="connsiteY12" fmla="*/ 1051780 h 4207119"/>
+                <a:gd name="connsiteX13" fmla="*/ 5490796 w 5490796"/>
+                <a:gd name="connsiteY13" fmla="*/ 1661812 h 4207119"/>
+                <a:gd name="connsiteX14" fmla="*/ 5490796 w 5490796"/>
+                <a:gd name="connsiteY14" fmla="*/ 2271844 h 4207119"/>
+                <a:gd name="connsiteX15" fmla="*/ 5490796 w 5490796"/>
+                <a:gd name="connsiteY15" fmla="*/ 2881877 h 4207119"/>
+                <a:gd name="connsiteX16" fmla="*/ 5490796 w 5490796"/>
+                <a:gd name="connsiteY16" fmla="*/ 3491909 h 4207119"/>
+                <a:gd name="connsiteX17" fmla="*/ 5490796 w 5490796"/>
+                <a:gd name="connsiteY17" fmla="*/ 4207119 h 4207119"/>
+                <a:gd name="connsiteX18" fmla="*/ 4996624 w 5490796"/>
+                <a:gd name="connsiteY18" fmla="*/ 4207119 h 4207119"/>
+                <a:gd name="connsiteX19" fmla="*/ 4502453 w 5490796"/>
+                <a:gd name="connsiteY19" fmla="*/ 4207119 h 4207119"/>
+                <a:gd name="connsiteX20" fmla="*/ 3898465 w 5490796"/>
+                <a:gd name="connsiteY20" fmla="*/ 4207119 h 4207119"/>
+                <a:gd name="connsiteX21" fmla="*/ 3349386 w 5490796"/>
+                <a:gd name="connsiteY21" fmla="*/ 4207119 h 4207119"/>
+                <a:gd name="connsiteX22" fmla="*/ 2910122 w 5490796"/>
+                <a:gd name="connsiteY22" fmla="*/ 4207119 h 4207119"/>
+                <a:gd name="connsiteX23" fmla="*/ 2470858 w 5490796"/>
+                <a:gd name="connsiteY23" fmla="*/ 4207119 h 4207119"/>
+                <a:gd name="connsiteX24" fmla="*/ 2086502 w 5490796"/>
+                <a:gd name="connsiteY24" fmla="*/ 4207119 h 4207119"/>
+                <a:gd name="connsiteX25" fmla="*/ 1647239 w 5490796"/>
+                <a:gd name="connsiteY25" fmla="*/ 4207119 h 4207119"/>
+                <a:gd name="connsiteX26" fmla="*/ 1043251 w 5490796"/>
+                <a:gd name="connsiteY26" fmla="*/ 4207119 h 4207119"/>
+                <a:gd name="connsiteX27" fmla="*/ 603988 w 5490796"/>
+                <a:gd name="connsiteY27" fmla="*/ 4207119 h 4207119"/>
+                <a:gd name="connsiteX28" fmla="*/ 0 w 5490796"/>
+                <a:gd name="connsiteY28" fmla="*/ 4207119 h 4207119"/>
+                <a:gd name="connsiteX29" fmla="*/ 0 w 5490796"/>
+                <a:gd name="connsiteY29" fmla="*/ 3597087 h 4207119"/>
+                <a:gd name="connsiteX30" fmla="*/ 0 w 5490796"/>
+                <a:gd name="connsiteY30" fmla="*/ 3071197 h 4207119"/>
+                <a:gd name="connsiteX31" fmla="*/ 0 w 5490796"/>
+                <a:gd name="connsiteY31" fmla="*/ 2629449 h 4207119"/>
+                <a:gd name="connsiteX32" fmla="*/ 0 w 5490796"/>
+                <a:gd name="connsiteY32" fmla="*/ 2145631 h 4207119"/>
+                <a:gd name="connsiteX33" fmla="*/ 0 w 5490796"/>
+                <a:gd name="connsiteY33" fmla="*/ 1535598 h 4207119"/>
+                <a:gd name="connsiteX34" fmla="*/ 0 w 5490796"/>
+                <a:gd name="connsiteY34" fmla="*/ 1135922 h 4207119"/>
+                <a:gd name="connsiteX35" fmla="*/ 0 w 5490796"/>
+                <a:gd name="connsiteY35" fmla="*/ 736246 h 4207119"/>
+                <a:gd name="connsiteX36" fmla="*/ 0 w 5490796"/>
+                <a:gd name="connsiteY36" fmla="*/ 0 h 4207119"/>
+              </a:gdLst>
+              <a:ahLst/>
+              <a:cxnLst>
+                <a:cxn ang="0">
+                  <a:pos x="connsiteX0" y="connsiteY0"/>
+                </a:cxn>
+                <a:cxn ang="0">
+                  <a:pos x="connsiteX1" y="connsiteY1"/>
+                </a:cxn>
+                <a:cxn ang="0">
+                  <a:pos x="connsiteX2" y="connsiteY2"/>
+                </a:cxn>
+                <a:cxn ang="0">
+                  <a:pos x="connsiteX3" y="connsiteY3"/>
+                </a:cxn>
+                <a:cxn ang="0">
+                  <a:pos x="connsiteX4" y="connsiteY4"/>
+                </a:cxn>
+                <a:cxn ang="0">
+                  <a:pos x="connsiteX5" y="connsiteY5"/>
+                </a:cxn>
+                <a:cxn ang="0">
+                  <a:pos x="connsiteX6" y="connsiteY6"/>
+                </a:cxn>
+                <a:cxn ang="0">
+                  <a:pos x="connsiteX7" y="connsiteY7"/>
+                </a:cxn>
+                <a:cxn ang="0">
+                  <a:pos x="connsiteX8" y="connsiteY8"/>
+                </a:cxn>
+                <a:cxn ang="0">
+                  <a:pos x="connsiteX9" y="connsiteY9"/>
+                </a:cxn>
+                <a:cxn ang="0">
+                  <a:pos x="connsiteX10" y="connsiteY10"/>
+                </a:cxn>
+                <a:cxn ang="0">
+                  <a:pos x="connsiteX11" y="connsiteY11"/>
+                </a:cxn>
+                <a:cxn ang="0">
+                  <a:pos x="connsiteX12" y="connsiteY12"/>
+                </a:cxn>
+                <a:cxn ang="0">
+                  <a:pos x="connsiteX13" y="connsiteY13"/>
+                </a:cxn>
+                <a:cxn ang="0">
+                  <a:pos x="connsiteX14" y="connsiteY14"/>
+                </a:cxn>
+                <a:cxn ang="0">
+                  <a:pos x="connsiteX15" y="connsiteY15"/>
+                </a:cxn>
+                <a:cxn ang="0">
+                  <a:pos x="connsiteX16" y="connsiteY16"/>
+                </a:cxn>
+                <a:cxn ang="0">
+                  <a:pos x="connsiteX17" y="connsiteY17"/>
+                </a:cxn>
+                <a:cxn ang="0">
+                  <a:pos x="connsiteX18" y="connsiteY18"/>
+                </a:cxn>
+                <a:cxn ang="0">
+                  <a:pos x="connsiteX19" y="connsiteY19"/>
+                </a:cxn>
+                <a:cxn ang="0">
+                  <a:pos x="connsiteX20" y="connsiteY20"/>
+                </a:cxn>
+                <a:cxn ang="0">
+                  <a:pos x="connsiteX21" y="connsiteY21"/>
+                </a:cxn>
+                <a:cxn ang="0">
+                  <a:pos x="connsiteX22" y="connsiteY22"/>
+                </a:cxn>
+                <a:cxn ang="0">
+                  <a:pos x="connsiteX23" y="connsiteY23"/>
+                </a:cxn>
+                <a:cxn ang="0">
+                  <a:pos x="connsiteX24" y="connsiteY24"/>
+                </a:cxn>
+                <a:cxn ang="0">
+                  <a:pos x="connsiteX25" y="connsiteY25"/>
+                </a:cxn>
+                <a:cxn ang="0">
+                  <a:pos x="connsiteX26" y="connsiteY26"/>
+                </a:cxn>
+                <a:cxn ang="0">
+                  <a:pos x="connsiteX27" y="connsiteY27"/>
+                </a:cxn>
+                <a:cxn ang="0">
+                  <a:pos x="connsiteX28" y="connsiteY28"/>
+                </a:cxn>
+                <a:cxn ang="0">
+                  <a:pos x="connsiteX29" y="connsiteY29"/>
+                </a:cxn>
+                <a:cxn ang="0">
+                  <a:pos x="connsiteX30" y="connsiteY30"/>
+                </a:cxn>
+                <a:cxn ang="0">
+                  <a:pos x="connsiteX31" y="connsiteY31"/>
+                </a:cxn>
+                <a:cxn ang="0">
+                  <a:pos x="connsiteX32" y="connsiteY32"/>
+                </a:cxn>
+                <a:cxn ang="0">
+                  <a:pos x="connsiteX33" y="connsiteY33"/>
+                </a:cxn>
+                <a:cxn ang="0">
+                  <a:pos x="connsiteX34" y="connsiteY34"/>
+                </a:cxn>
+                <a:cxn ang="0">
+                  <a:pos x="connsiteX35" y="connsiteY35"/>
+                </a:cxn>
+                <a:cxn ang="0">
+                  <a:pos x="connsiteX36" y="connsiteY36"/>
+                </a:cxn>
+              </a:cxnLst>
+              <a:rect l="l" t="t" r="r" b="b"/>
+              <a:pathLst>
+                <a:path w="5490796" h="4207119" extrusionOk="0">
+                  <a:moveTo>
+                    <a:pt x="0" y="0"/>
+                  </a:moveTo>
+                  <a:cubicBezTo>
+                    <a:pt x="320577" y="-55145"/>
+                    <a:pt x="426710" y="43927"/>
+                    <a:pt x="658896" y="0"/>
+                  </a:cubicBezTo>
+                  <a:cubicBezTo>
+                    <a:pt x="891082" y="-43927"/>
+                    <a:pt x="1042891" y="35243"/>
+                    <a:pt x="1207975" y="0"/>
+                  </a:cubicBezTo>
+                  <a:cubicBezTo>
+                    <a:pt x="1373059" y="-35243"/>
+                    <a:pt x="1570740" y="43283"/>
+                    <a:pt x="1811963" y="0"/>
+                  </a:cubicBezTo>
+                  <a:cubicBezTo>
+                    <a:pt x="2053186" y="-43283"/>
+                    <a:pt x="2017486" y="8553"/>
+                    <a:pt x="2196318" y="0"/>
+                  </a:cubicBezTo>
+                  <a:cubicBezTo>
+                    <a:pt x="2375150" y="-8553"/>
+                    <a:pt x="2475306" y="38757"/>
+                    <a:pt x="2690490" y="0"/>
+                  </a:cubicBezTo>
+                  <a:cubicBezTo>
+                    <a:pt x="2905674" y="-38757"/>
+                    <a:pt x="2915451" y="15881"/>
+                    <a:pt x="3129754" y="0"/>
+                  </a:cubicBezTo>
+                  <a:cubicBezTo>
+                    <a:pt x="3344057" y="-15881"/>
+                    <a:pt x="3437909" y="55238"/>
+                    <a:pt x="3733741" y="0"/>
+                  </a:cubicBezTo>
+                  <a:cubicBezTo>
+                    <a:pt x="4029573" y="-55238"/>
+                    <a:pt x="4237437" y="12811"/>
+                    <a:pt x="4392637" y="0"/>
+                  </a:cubicBezTo>
+                  <a:cubicBezTo>
+                    <a:pt x="4547837" y="-12811"/>
+                    <a:pt x="4658562" y="37211"/>
+                    <a:pt x="4886808" y="0"/>
+                  </a:cubicBezTo>
+                  <a:cubicBezTo>
+                    <a:pt x="5115054" y="-37211"/>
+                    <a:pt x="5310598" y="41715"/>
+                    <a:pt x="5490796" y="0"/>
+                  </a:cubicBezTo>
+                  <a:cubicBezTo>
+                    <a:pt x="5512982" y="190231"/>
+                    <a:pt x="5480619" y="417025"/>
+                    <a:pt x="5490796" y="525890"/>
+                  </a:cubicBezTo>
+                  <a:cubicBezTo>
+                    <a:pt x="5500973" y="634755"/>
+                    <a:pt x="5448127" y="805333"/>
+                    <a:pt x="5490796" y="1051780"/>
+                  </a:cubicBezTo>
+                  <a:cubicBezTo>
+                    <a:pt x="5533465" y="1298227"/>
+                    <a:pt x="5489565" y="1407370"/>
+                    <a:pt x="5490796" y="1661812"/>
+                  </a:cubicBezTo>
+                  <a:cubicBezTo>
+                    <a:pt x="5492027" y="1916254"/>
+                    <a:pt x="5455879" y="2016420"/>
+                    <a:pt x="5490796" y="2271844"/>
+                  </a:cubicBezTo>
+                  <a:cubicBezTo>
+                    <a:pt x="5525713" y="2527268"/>
+                    <a:pt x="5431097" y="2586116"/>
+                    <a:pt x="5490796" y="2881877"/>
+                  </a:cubicBezTo>
+                  <a:cubicBezTo>
+                    <a:pt x="5550495" y="3177638"/>
+                    <a:pt x="5490040" y="3208710"/>
+                    <a:pt x="5490796" y="3491909"/>
+                  </a:cubicBezTo>
+                  <a:cubicBezTo>
+                    <a:pt x="5491552" y="3775108"/>
+                    <a:pt x="5418258" y="3885154"/>
+                    <a:pt x="5490796" y="4207119"/>
+                  </a:cubicBezTo>
+                  <a:cubicBezTo>
+                    <a:pt x="5317407" y="4225495"/>
+                    <a:pt x="5119222" y="4180937"/>
+                    <a:pt x="4996624" y="4207119"/>
+                  </a:cubicBezTo>
+                  <a:cubicBezTo>
+                    <a:pt x="4874026" y="4233301"/>
+                    <a:pt x="4624928" y="4170447"/>
+                    <a:pt x="4502453" y="4207119"/>
+                  </a:cubicBezTo>
+                  <a:cubicBezTo>
+                    <a:pt x="4379978" y="4243791"/>
+                    <a:pt x="4104289" y="4136456"/>
+                    <a:pt x="3898465" y="4207119"/>
+                  </a:cubicBezTo>
+                  <a:cubicBezTo>
+                    <a:pt x="3692641" y="4277782"/>
+                    <a:pt x="3612264" y="4172390"/>
+                    <a:pt x="3349386" y="4207119"/>
+                  </a:cubicBezTo>
+                  <a:cubicBezTo>
+                    <a:pt x="3086508" y="4241848"/>
+                    <a:pt x="3098581" y="4202847"/>
+                    <a:pt x="2910122" y="4207119"/>
+                  </a:cubicBezTo>
+                  <a:cubicBezTo>
+                    <a:pt x="2721663" y="4211391"/>
+                    <a:pt x="2676443" y="4172226"/>
+                    <a:pt x="2470858" y="4207119"/>
+                  </a:cubicBezTo>
+                  <a:cubicBezTo>
+                    <a:pt x="2265273" y="4242012"/>
+                    <a:pt x="2217568" y="4194738"/>
+                    <a:pt x="2086502" y="4207119"/>
+                  </a:cubicBezTo>
+                  <a:cubicBezTo>
+                    <a:pt x="1955436" y="4219500"/>
+                    <a:pt x="1865897" y="4171018"/>
+                    <a:pt x="1647239" y="4207119"/>
+                  </a:cubicBezTo>
+                  <a:cubicBezTo>
+                    <a:pt x="1428581" y="4243220"/>
+                    <a:pt x="1314397" y="4153293"/>
+                    <a:pt x="1043251" y="4207119"/>
+                  </a:cubicBezTo>
+                  <a:cubicBezTo>
+                    <a:pt x="772105" y="4260945"/>
+                    <a:pt x="789967" y="4185641"/>
+                    <a:pt x="603988" y="4207119"/>
+                  </a:cubicBezTo>
+                  <a:cubicBezTo>
+                    <a:pt x="418009" y="4228597"/>
+                    <a:pt x="211045" y="4159374"/>
+                    <a:pt x="0" y="4207119"/>
+                  </a:cubicBezTo>
+                  <a:cubicBezTo>
+                    <a:pt x="-60408" y="4021005"/>
+                    <a:pt x="38565" y="3856430"/>
+                    <a:pt x="0" y="3597087"/>
+                  </a:cubicBezTo>
+                  <a:cubicBezTo>
+                    <a:pt x="-38565" y="3337744"/>
+                    <a:pt x="4453" y="3313734"/>
+                    <a:pt x="0" y="3071197"/>
+                  </a:cubicBezTo>
+                  <a:cubicBezTo>
+                    <a:pt x="-4453" y="2828660"/>
+                    <a:pt x="21054" y="2813672"/>
+                    <a:pt x="0" y="2629449"/>
+                  </a:cubicBezTo>
+                  <a:cubicBezTo>
+                    <a:pt x="-21054" y="2445226"/>
+                    <a:pt x="30647" y="2300642"/>
+                    <a:pt x="0" y="2145631"/>
+                  </a:cubicBezTo>
+                  <a:cubicBezTo>
+                    <a:pt x="-30647" y="1990620"/>
+                    <a:pt x="25308" y="1670408"/>
+                    <a:pt x="0" y="1535598"/>
+                  </a:cubicBezTo>
+                  <a:cubicBezTo>
+                    <a:pt x="-25308" y="1400788"/>
+                    <a:pt x="46451" y="1263269"/>
+                    <a:pt x="0" y="1135922"/>
+                  </a:cubicBezTo>
+                  <a:cubicBezTo>
+                    <a:pt x="-46451" y="1008575"/>
+                    <a:pt x="12805" y="898578"/>
+                    <a:pt x="0" y="736246"/>
+                  </a:cubicBezTo>
+                  <a:cubicBezTo>
+                    <a:pt x="-12805" y="573914"/>
+                    <a:pt x="18714" y="178020"/>
+                    <a:pt x="0" y="0"/>
+                  </a:cubicBezTo>
+                  <a:close/>
+                </a:path>
+              </a:pathLst>
+            </a:custGeom>
+            <a:noFill/>
+            <a:ln>
+              <a:prstDash val="sysDash"/>
+              <a:extLst>
+                <a:ext uri="{C807C97D-BFC1-408E-A445-0C87EB9F89A2}">
+                  <ask:lineSketchStyleProps xmlns:ask="http://schemas.microsoft.com/office/drawing/2018/sketchyshapes" sd="691127627">
+                    <a:prstGeom prst="rect">
+                      <a:avLst/>
+                    </a:prstGeom>
+                    <ask:type>
+                      <ask:lineSketchScribble/>
+                    </ask:type>
+                  </ask:lineSketchStyleProps>
+                </a:ext>
+              </a:extLst>
+            </a:ln>
+          </p:spPr>
+          <p:style>
+            <a:lnRef idx="2">
+              <a:schemeClr val="accent1">
+                <a:shade val="50000"/>
+              </a:schemeClr>
+            </a:lnRef>
+            <a:fillRef idx="1">
+              <a:schemeClr val="accent1"/>
+            </a:fillRef>
+            <a:effectRef idx="0">
+              <a:schemeClr val="accent1"/>
+            </a:effectRef>
+            <a:fontRef idx="minor">
+              <a:schemeClr val="lt1"/>
+            </a:fontRef>
+          </p:style>
+          <p:txBody>
+            <a:bodyPr rtlCol="0" anchor="ctr"/>
+            <a:lstStyle/>
+            <a:p>
+              <a:pPr algn="ctr"/>
+              <a:endParaRPr lang="LID4096"/>
+            </a:p>
+          </p:txBody>
+        </p:sp>
+        <p:sp>
+          <p:nvSpPr>
+            <p:cNvPr id="6" name="Cylinder 5">
+              <a:extLst>
+                <a:ext uri="{FF2B5EF4-FFF2-40B4-BE49-F238E27FC236}">
+                  <a16:creationId xmlns:a16="http://schemas.microsoft.com/office/drawing/2014/main" id="{E1FBF778-A13F-4B94-9191-1A8C95FD93E8}"/>
+                </a:ext>
+              </a:extLst>
+            </p:cNvPr>
+            <p:cNvSpPr/>
+            <p:nvPr/>
+          </p:nvSpPr>
+          <p:spPr>
+            <a:xfrm rot="16200000">
+              <a:off x="7082898" y="4516641"/>
+              <a:ext cx="727166" cy="390028"/>
+            </a:xfrm>
+            <a:prstGeom prst="can">
+              <a:avLst>
+                <a:gd name="adj" fmla="val 48333"/>
+              </a:avLst>
+            </a:prstGeom>
+          </p:spPr>
+          <p:style>
+            <a:lnRef idx="1">
+              <a:schemeClr val="accent1"/>
+            </a:lnRef>
+            <a:fillRef idx="2">
+              <a:schemeClr val="accent1"/>
+            </a:fillRef>
+            <a:effectRef idx="1">
+              <a:schemeClr val="accent1"/>
+            </a:effectRef>
+            <a:fontRef idx="minor">
+              <a:schemeClr val="dk1"/>
+            </a:fontRef>
+          </p:style>
+          <p:txBody>
+            <a:bodyPr vert="vert" rtlCol="0" anchor="ctr"/>
+            <a:lstStyle/>
+            <a:p>
+              <a:pPr algn="ctr"/>
+              <a:endParaRPr lang="LID4096" dirty="0"/>
+            </a:p>
+          </p:txBody>
+        </p:sp>
+        <p:sp>
+          <p:nvSpPr>
+            <p:cNvPr id="4" name="Cylinder 3">
+              <a:extLst>
+                <a:ext uri="{FF2B5EF4-FFF2-40B4-BE49-F238E27FC236}">
+                  <a16:creationId xmlns:a16="http://schemas.microsoft.com/office/drawing/2014/main" id="{7B6960A6-4549-49E7-B85B-9CE953E530E8}"/>
+                </a:ext>
+              </a:extLst>
+            </p:cNvPr>
+            <p:cNvSpPr/>
+            <p:nvPr/>
+          </p:nvSpPr>
+          <p:spPr>
+            <a:xfrm rot="16200000">
+              <a:off x="6198978" y="3875404"/>
+              <a:ext cx="727166" cy="1672500"/>
+            </a:xfrm>
+            <a:prstGeom prst="can">
+              <a:avLst/>
+            </a:prstGeom>
+          </p:spPr>
+          <p:style>
+            <a:lnRef idx="2">
+              <a:schemeClr val="accent1">
+                <a:shade val="50000"/>
+              </a:schemeClr>
+            </a:lnRef>
+            <a:fillRef idx="1">
+              <a:schemeClr val="accent1"/>
+            </a:fillRef>
+            <a:effectRef idx="0">
+              <a:schemeClr val="accent1"/>
+            </a:effectRef>
+            <a:fontRef idx="minor">
+              <a:schemeClr val="lt1"/>
+            </a:fontRef>
+          </p:style>
+          <p:txBody>
+            <a:bodyPr vert="vert" rtlCol="0" anchor="ctr"/>
+            <a:lstStyle/>
+            <a:p>
+              <a:pPr algn="ctr"/>
+              <a:r>
+                <a:rPr lang="de-DE" dirty="0"/>
+                <a:t>Event Hub</a:t>
+              </a:r>
+              <a:endParaRPr lang="LID4096" dirty="0"/>
+            </a:p>
+          </p:txBody>
+        </p:sp>
+        <p:sp>
+          <p:nvSpPr>
+            <p:cNvPr id="7" name="Rectangle 6">
+              <a:extLst>
+                <a:ext uri="{FF2B5EF4-FFF2-40B4-BE49-F238E27FC236}">
+                  <a16:creationId xmlns:a16="http://schemas.microsoft.com/office/drawing/2014/main" id="{2E83FB5E-3A50-429C-9FCD-914C71FD5BE4}"/>
+                </a:ext>
+              </a:extLst>
+            </p:cNvPr>
+            <p:cNvSpPr/>
+            <p:nvPr/>
+          </p:nvSpPr>
+          <p:spPr>
+            <a:xfrm>
+              <a:off x="898336" y="3970601"/>
+              <a:ext cx="1848301" cy="1438771"/>
+            </a:xfrm>
+            <a:prstGeom prst="rect">
+              <a:avLst/>
+            </a:prstGeom>
+          </p:spPr>
+          <p:style>
+            <a:lnRef idx="2">
+              <a:schemeClr val="accent1">
+                <a:shade val="50000"/>
+              </a:schemeClr>
+            </a:lnRef>
+            <a:fillRef idx="1">
+              <a:schemeClr val="accent1"/>
+            </a:fillRef>
+            <a:effectRef idx="0">
+              <a:schemeClr val="accent1"/>
+            </a:effectRef>
+            <a:fontRef idx="minor">
+              <a:schemeClr val="lt1"/>
+            </a:fontRef>
+          </p:style>
+          <p:txBody>
+            <a:bodyPr rtlCol="0" anchor="ctr"/>
+            <a:lstStyle/>
+            <a:p>
+              <a:r>
+                <a:rPr lang="de-DE" dirty="0" err="1"/>
+                <a:t>Sending</a:t>
+              </a:r>
+              <a:endParaRPr lang="de-DE" dirty="0"/>
+            </a:p>
+            <a:p>
+              <a:r>
+                <a:rPr lang="de-DE" dirty="0" err="1"/>
+                <a:t>Application</a:t>
+              </a:r>
+              <a:endParaRPr lang="LID4096" dirty="0"/>
+            </a:p>
+          </p:txBody>
+        </p:sp>
+        <p:sp>
+          <p:nvSpPr>
+            <p:cNvPr id="8" name="Rectangle 7">
+              <a:extLst>
+                <a:ext uri="{FF2B5EF4-FFF2-40B4-BE49-F238E27FC236}">
+                  <a16:creationId xmlns:a16="http://schemas.microsoft.com/office/drawing/2014/main" id="{DFFA878E-2963-434A-B726-AD5A7F95E1E8}"/>
+                </a:ext>
+              </a:extLst>
+            </p:cNvPr>
+            <p:cNvSpPr/>
+            <p:nvPr/>
+          </p:nvSpPr>
+          <p:spPr>
+            <a:xfrm rot="16200000">
+              <a:off x="1875575" y="4494972"/>
+              <a:ext cx="1126749" cy="433365"/>
+            </a:xfrm>
+            <a:prstGeom prst="rect">
+              <a:avLst/>
+            </a:prstGeom>
+          </p:spPr>
+          <p:style>
+            <a:lnRef idx="2">
+              <a:schemeClr val="accent2">
+                <a:shade val="50000"/>
+              </a:schemeClr>
+            </a:lnRef>
+            <a:fillRef idx="1">
+              <a:schemeClr val="accent2"/>
+            </a:fillRef>
+            <a:effectRef idx="0">
+              <a:schemeClr val="accent2"/>
+            </a:effectRef>
+            <a:fontRef idx="minor">
+              <a:schemeClr val="lt1"/>
+            </a:fontRef>
+          </p:style>
+          <p:txBody>
+            <a:bodyPr rtlCol="0" anchor="ctr"/>
+            <a:lstStyle/>
+            <a:p>
+              <a:pPr algn="ctr"/>
+              <a:r>
+                <a:rPr lang="de-DE" dirty="0"/>
+                <a:t>SDK?</a:t>
+              </a:r>
+              <a:endParaRPr lang="LID4096" dirty="0"/>
+            </a:p>
+          </p:txBody>
+        </p:sp>
+        <p:sp>
+          <p:nvSpPr>
+            <p:cNvPr id="9" name="Rectangle 8">
+              <a:extLst>
+                <a:ext uri="{FF2B5EF4-FFF2-40B4-BE49-F238E27FC236}">
+                  <a16:creationId xmlns:a16="http://schemas.microsoft.com/office/drawing/2014/main" id="{69ED39B0-BB16-456D-A56B-E14B6C320024}"/>
+                </a:ext>
+              </a:extLst>
+            </p:cNvPr>
+            <p:cNvSpPr/>
+            <p:nvPr/>
+          </p:nvSpPr>
+          <p:spPr>
+            <a:xfrm>
+              <a:off x="3628536" y="3749583"/>
+              <a:ext cx="1395435" cy="680383"/>
+            </a:xfrm>
+            <a:prstGeom prst="rect">
+              <a:avLst/>
+            </a:prstGeom>
+          </p:spPr>
+          <p:style>
+            <a:lnRef idx="2">
+              <a:schemeClr val="accent2">
+                <a:shade val="50000"/>
+              </a:schemeClr>
+            </a:lnRef>
+            <a:fillRef idx="1">
+              <a:schemeClr val="accent2"/>
+            </a:fillRef>
+            <a:effectRef idx="0">
+              <a:schemeClr val="accent2"/>
+            </a:effectRef>
+            <a:fontRef idx="minor">
+              <a:schemeClr val="lt1"/>
+            </a:fontRef>
+          </p:style>
+          <p:txBody>
+            <a:bodyPr rtlCol="0" anchor="ctr"/>
+            <a:lstStyle/>
+            <a:p>
+              <a:pPr algn="ctr"/>
+              <a:r>
+                <a:rPr lang="de-DE" sz="1200" dirty="0" err="1"/>
+                <a:t>OpenTelemetry</a:t>
+              </a:r>
+              <a:r>
+                <a:rPr lang="de-DE" sz="1200" dirty="0"/>
+                <a:t> </a:t>
+              </a:r>
+              <a:r>
+                <a:rPr lang="de-DE" sz="1200" dirty="0" err="1"/>
+                <a:t>Endpoint</a:t>
+              </a:r>
+              <a:endParaRPr lang="LID4096" sz="1200" dirty="0"/>
+            </a:p>
+          </p:txBody>
+        </p:sp>
+        <p:sp>
+          <p:nvSpPr>
+            <p:cNvPr id="11" name="Rectangle 10">
+              <a:extLst>
+                <a:ext uri="{FF2B5EF4-FFF2-40B4-BE49-F238E27FC236}">
+                  <a16:creationId xmlns:a16="http://schemas.microsoft.com/office/drawing/2014/main" id="{67AF2180-4D5C-4C25-974D-6268794C1FBC}"/>
+                </a:ext>
+              </a:extLst>
+            </p:cNvPr>
+            <p:cNvSpPr/>
+            <p:nvPr/>
+          </p:nvSpPr>
+          <p:spPr>
+            <a:xfrm>
+              <a:off x="3628536" y="5019344"/>
+              <a:ext cx="1395435" cy="680383"/>
+            </a:xfrm>
+            <a:prstGeom prst="rect">
+              <a:avLst/>
+            </a:prstGeom>
+          </p:spPr>
+          <p:style>
+            <a:lnRef idx="2">
+              <a:schemeClr val="accent2">
+                <a:shade val="50000"/>
+              </a:schemeClr>
+            </a:lnRef>
+            <a:fillRef idx="1">
+              <a:schemeClr val="accent2"/>
+            </a:fillRef>
+            <a:effectRef idx="0">
+              <a:schemeClr val="accent2"/>
+            </a:effectRef>
+            <a:fontRef idx="minor">
+              <a:schemeClr val="lt1"/>
+            </a:fontRef>
+          </p:style>
+          <p:txBody>
+            <a:bodyPr rtlCol="0" anchor="ctr"/>
+            <a:lstStyle/>
+            <a:p>
+              <a:pPr algn="ctr"/>
+              <a:r>
+                <a:rPr lang="de-DE" sz="1200" dirty="0"/>
+                <a:t>REST API</a:t>
+              </a:r>
+              <a:endParaRPr lang="LID4096" sz="1200" dirty="0"/>
+            </a:p>
+          </p:txBody>
+        </p:sp>
+        <p:cxnSp>
+          <p:nvCxnSpPr>
+            <p:cNvPr id="13" name="Straight Arrow Connector 12">
+              <a:extLst>
+                <a:ext uri="{FF2B5EF4-FFF2-40B4-BE49-F238E27FC236}">
+                  <a16:creationId xmlns:a16="http://schemas.microsoft.com/office/drawing/2014/main" id="{DFEE84FA-806C-4734-B569-9438E70DE30D}"/>
+                </a:ext>
+              </a:extLst>
+            </p:cNvPr>
+            <p:cNvCxnSpPr>
+              <a:stCxn id="8" idx="2"/>
+              <a:endCxn id="9" idx="1"/>
+            </p:cNvCxnSpPr>
+            <p:nvPr/>
+          </p:nvCxnSpPr>
+          <p:spPr>
+            <a:xfrm flipV="1">
+              <a:off x="2655632" y="4089775"/>
+              <a:ext cx="972904" cy="621879"/>
+            </a:xfrm>
+            <a:prstGeom prst="straightConnector1">
+              <a:avLst/>
+            </a:prstGeom>
+            <a:ln w="28575">
+              <a:tailEnd type="triangle"/>
+            </a:ln>
+          </p:spPr>
+          <p:style>
+            <a:lnRef idx="1">
+              <a:schemeClr val="dk1"/>
+            </a:lnRef>
+            <a:fillRef idx="0">
+              <a:schemeClr val="dk1"/>
+            </a:fillRef>
+            <a:effectRef idx="0">
+              <a:schemeClr val="dk1"/>
+            </a:effectRef>
+            <a:fontRef idx="minor">
+              <a:schemeClr val="tx1"/>
+            </a:fontRef>
+          </p:style>
+        </p:cxnSp>
+        <p:cxnSp>
+          <p:nvCxnSpPr>
+            <p:cNvPr id="15" name="Straight Arrow Connector 14">
+              <a:extLst>
+                <a:ext uri="{FF2B5EF4-FFF2-40B4-BE49-F238E27FC236}">
+                  <a16:creationId xmlns:a16="http://schemas.microsoft.com/office/drawing/2014/main" id="{38615FCB-D23D-48EC-819A-0D0274C50968}"/>
+                </a:ext>
+              </a:extLst>
+            </p:cNvPr>
+            <p:cNvCxnSpPr>
+              <a:cxnSpLocks/>
+              <a:stCxn id="8" idx="2"/>
+              <a:endCxn id="11" idx="1"/>
+            </p:cNvCxnSpPr>
+            <p:nvPr/>
+          </p:nvCxnSpPr>
+          <p:spPr>
+            <a:xfrm>
+              <a:off x="2655632" y="4711654"/>
+              <a:ext cx="972904" cy="647882"/>
+            </a:xfrm>
+            <a:prstGeom prst="straightConnector1">
+              <a:avLst/>
+            </a:prstGeom>
+            <a:ln w="28575">
+              <a:tailEnd type="triangle"/>
+            </a:ln>
+          </p:spPr>
+          <p:style>
+            <a:lnRef idx="1">
+              <a:schemeClr val="dk1"/>
+            </a:lnRef>
+            <a:fillRef idx="0">
+              <a:schemeClr val="dk1"/>
+            </a:fillRef>
+            <a:effectRef idx="0">
+              <a:schemeClr val="dk1"/>
+            </a:effectRef>
+            <a:fontRef idx="minor">
+              <a:schemeClr val="tx1"/>
+            </a:fontRef>
+          </p:style>
+        </p:cxnSp>
+        <p:cxnSp>
+          <p:nvCxnSpPr>
+            <p:cNvPr id="19" name="Straight Arrow Connector 18">
+              <a:extLst>
+                <a:ext uri="{FF2B5EF4-FFF2-40B4-BE49-F238E27FC236}">
+                  <a16:creationId xmlns:a16="http://schemas.microsoft.com/office/drawing/2014/main" id="{C0B05B9C-B7A6-4A20-B9CD-EDB22077AA42}"/>
+                </a:ext>
+              </a:extLst>
+            </p:cNvPr>
+            <p:cNvCxnSpPr>
+              <a:cxnSpLocks/>
+              <a:stCxn id="8" idx="2"/>
+              <a:endCxn id="4" idx="1"/>
+            </p:cNvCxnSpPr>
+            <p:nvPr/>
+          </p:nvCxnSpPr>
+          <p:spPr>
+            <a:xfrm>
+              <a:off x="2655632" y="4711654"/>
+              <a:ext cx="3070679" cy="0"/>
+            </a:xfrm>
+            <a:prstGeom prst="straightConnector1">
+              <a:avLst/>
+            </a:prstGeom>
+            <a:ln w="28575">
+              <a:tailEnd type="triangle"/>
+            </a:ln>
+          </p:spPr>
+          <p:style>
+            <a:lnRef idx="1">
+              <a:schemeClr val="dk1"/>
+            </a:lnRef>
+            <a:fillRef idx="0">
+              <a:schemeClr val="dk1"/>
+            </a:fillRef>
+            <a:effectRef idx="0">
+              <a:schemeClr val="dk1"/>
+            </a:effectRef>
+            <a:fontRef idx="minor">
+              <a:schemeClr val="tx1"/>
+            </a:fontRef>
+          </p:style>
+        </p:cxnSp>
+        <p:cxnSp>
+          <p:nvCxnSpPr>
+            <p:cNvPr id="23" name="Straight Arrow Connector 22">
+              <a:extLst>
+                <a:ext uri="{FF2B5EF4-FFF2-40B4-BE49-F238E27FC236}">
+                  <a16:creationId xmlns:a16="http://schemas.microsoft.com/office/drawing/2014/main" id="{AF13DD96-2C4F-4F9B-8801-859CA765C4BA}"/>
+                </a:ext>
+              </a:extLst>
+            </p:cNvPr>
+            <p:cNvCxnSpPr>
+              <a:cxnSpLocks/>
+              <a:stCxn id="11" idx="3"/>
+              <a:endCxn id="4" idx="1"/>
+            </p:cNvCxnSpPr>
+            <p:nvPr/>
+          </p:nvCxnSpPr>
+          <p:spPr>
+            <a:xfrm flipV="1">
+              <a:off x="5023971" y="4711654"/>
+              <a:ext cx="702340" cy="647882"/>
+            </a:xfrm>
+            <a:prstGeom prst="straightConnector1">
+              <a:avLst/>
+            </a:prstGeom>
+            <a:ln w="28575">
+              <a:tailEnd type="triangle"/>
+            </a:ln>
+          </p:spPr>
+          <p:style>
+            <a:lnRef idx="1">
+              <a:schemeClr val="dk1"/>
+            </a:lnRef>
+            <a:fillRef idx="0">
+              <a:schemeClr val="dk1"/>
+            </a:fillRef>
+            <a:effectRef idx="0">
+              <a:schemeClr val="dk1"/>
+            </a:effectRef>
+            <a:fontRef idx="minor">
+              <a:schemeClr val="tx1"/>
+            </a:fontRef>
+          </p:style>
+        </p:cxnSp>
+        <p:cxnSp>
+          <p:nvCxnSpPr>
+            <p:cNvPr id="27" name="Straight Arrow Connector 26">
+              <a:extLst>
+                <a:ext uri="{FF2B5EF4-FFF2-40B4-BE49-F238E27FC236}">
+                  <a16:creationId xmlns:a16="http://schemas.microsoft.com/office/drawing/2014/main" id="{6ED65911-DF21-40F4-9A2C-5367DBB2E0FA}"/>
+                </a:ext>
+              </a:extLst>
+            </p:cNvPr>
+            <p:cNvCxnSpPr>
+              <a:cxnSpLocks/>
+              <a:stCxn id="9" idx="3"/>
+              <a:endCxn id="4" idx="1"/>
+            </p:cNvCxnSpPr>
+            <p:nvPr/>
+          </p:nvCxnSpPr>
+          <p:spPr>
+            <a:xfrm>
+              <a:off x="5023971" y="4089775"/>
+              <a:ext cx="702340" cy="621879"/>
+            </a:xfrm>
+            <a:prstGeom prst="straightConnector1">
+              <a:avLst/>
+            </a:prstGeom>
+            <a:ln w="28575">
+              <a:tailEnd type="triangle"/>
+            </a:ln>
+          </p:spPr>
+          <p:style>
+            <a:lnRef idx="1">
+              <a:schemeClr val="dk1"/>
+            </a:lnRef>
+            <a:fillRef idx="0">
+              <a:schemeClr val="dk1"/>
+            </a:fillRef>
+            <a:effectRef idx="0">
+              <a:schemeClr val="dk1"/>
+            </a:effectRef>
+            <a:fontRef idx="minor">
+              <a:schemeClr val="tx1"/>
+            </a:fontRef>
+          </p:style>
+        </p:cxnSp>
+        <p:sp>
+          <p:nvSpPr>
+            <p:cNvPr id="38" name="Rectangle 37">
+              <a:extLst>
+                <a:ext uri="{FF2B5EF4-FFF2-40B4-BE49-F238E27FC236}">
+                  <a16:creationId xmlns:a16="http://schemas.microsoft.com/office/drawing/2014/main" id="{03D76055-D4F1-4D73-82EE-4C1191676195}"/>
+                </a:ext>
+              </a:extLst>
+            </p:cNvPr>
+            <p:cNvSpPr/>
+            <p:nvPr/>
+          </p:nvSpPr>
+          <p:spPr>
+            <a:xfrm>
+              <a:off x="7446480" y="3514477"/>
+              <a:ext cx="931735" cy="575297"/>
+            </a:xfrm>
+            <a:prstGeom prst="rect">
+              <a:avLst/>
+            </a:prstGeom>
+          </p:spPr>
+          <p:style>
+            <a:lnRef idx="2">
+              <a:schemeClr val="accent2">
+                <a:shade val="50000"/>
+              </a:schemeClr>
+            </a:lnRef>
+            <a:fillRef idx="1">
+              <a:schemeClr val="accent2"/>
+            </a:fillRef>
+            <a:effectRef idx="0">
+              <a:schemeClr val="accent2"/>
+            </a:effectRef>
+            <a:fontRef idx="minor">
+              <a:schemeClr val="lt1"/>
+            </a:fontRef>
+          </p:style>
+          <p:txBody>
+            <a:bodyPr rtlCol="0" anchor="ctr"/>
+            <a:lstStyle/>
+            <a:p>
+              <a:pPr algn="ctr"/>
+              <a:r>
+                <a:rPr lang="de-DE" sz="1200" dirty="0"/>
+                <a:t>Aggregator</a:t>
+              </a:r>
+              <a:endParaRPr lang="LID4096" sz="1200" dirty="0"/>
+            </a:p>
+          </p:txBody>
+        </p:sp>
+        <p:cxnSp>
+          <p:nvCxnSpPr>
+            <p:cNvPr id="40" name="Connector: Elbow 39">
+              <a:extLst>
+                <a:ext uri="{FF2B5EF4-FFF2-40B4-BE49-F238E27FC236}">
+                  <a16:creationId xmlns:a16="http://schemas.microsoft.com/office/drawing/2014/main" id="{A636CEE0-9C4B-4056-AA51-65903619E45B}"/>
+                </a:ext>
+              </a:extLst>
+            </p:cNvPr>
+            <p:cNvCxnSpPr>
+              <a:cxnSpLocks/>
+              <a:stCxn id="38" idx="1"/>
+              <a:endCxn id="4" idx="4"/>
+            </p:cNvCxnSpPr>
+            <p:nvPr/>
+          </p:nvCxnSpPr>
+          <p:spPr>
+            <a:xfrm rot="10800000" flipV="1">
+              <a:off x="6562562" y="3802125"/>
+              <a:ext cx="883919" cy="545945"/>
+            </a:xfrm>
+            <a:prstGeom prst="bentConnector2">
+              <a:avLst/>
+            </a:prstGeom>
+            <a:ln w="28575">
+              <a:tailEnd type="triangle"/>
+            </a:ln>
+          </p:spPr>
+          <p:style>
+            <a:lnRef idx="1">
+              <a:schemeClr val="dk1"/>
+            </a:lnRef>
+            <a:fillRef idx="0">
+              <a:schemeClr val="dk1"/>
+            </a:fillRef>
+            <a:effectRef idx="0">
+              <a:schemeClr val="dk1"/>
+            </a:effectRef>
+            <a:fontRef idx="minor">
+              <a:schemeClr val="tx1"/>
+            </a:fontRef>
+          </p:style>
+        </p:cxnSp>
+        <p:cxnSp>
+          <p:nvCxnSpPr>
+            <p:cNvPr id="44" name="Straight Arrow Connector 43">
+              <a:extLst>
+                <a:ext uri="{FF2B5EF4-FFF2-40B4-BE49-F238E27FC236}">
+                  <a16:creationId xmlns:a16="http://schemas.microsoft.com/office/drawing/2014/main" id="{C50849AD-2C52-4D5A-8470-A52FFA33B197}"/>
+                </a:ext>
+              </a:extLst>
+            </p:cNvPr>
+            <p:cNvCxnSpPr>
+              <a:cxnSpLocks/>
+            </p:cNvCxnSpPr>
+            <p:nvPr/>
+          </p:nvCxnSpPr>
+          <p:spPr>
+            <a:xfrm flipV="1">
+              <a:off x="6675091" y="4248175"/>
+              <a:ext cx="589810" cy="1"/>
+            </a:xfrm>
+            <a:prstGeom prst="straightConnector1">
+              <a:avLst/>
+            </a:prstGeom>
+            <a:ln w="28575">
+              <a:tailEnd type="triangle"/>
+            </a:ln>
+          </p:spPr>
+          <p:style>
+            <a:lnRef idx="1">
+              <a:schemeClr val="dk1"/>
+            </a:lnRef>
+            <a:fillRef idx="0">
+              <a:schemeClr val="dk1"/>
+            </a:fillRef>
+            <a:effectRef idx="0">
+              <a:schemeClr val="dk1"/>
+            </a:effectRef>
+            <a:fontRef idx="minor">
+              <a:schemeClr val="tx1"/>
+            </a:fontRef>
+          </p:style>
+        </p:cxnSp>
+        <p:sp>
+          <p:nvSpPr>
+            <p:cNvPr id="50" name="Cylinder 49">
+              <a:extLst>
+                <a:ext uri="{FF2B5EF4-FFF2-40B4-BE49-F238E27FC236}">
+                  <a16:creationId xmlns:a16="http://schemas.microsoft.com/office/drawing/2014/main" id="{19598583-FB3D-4BF6-BD49-14950878A6A3}"/>
+                </a:ext>
+              </a:extLst>
+            </p:cNvPr>
+            <p:cNvSpPr/>
+            <p:nvPr/>
+          </p:nvSpPr>
+          <p:spPr>
+            <a:xfrm>
+              <a:off x="7312359" y="2557005"/>
+              <a:ext cx="1199977" cy="514838"/>
+            </a:xfrm>
+            <a:prstGeom prst="can">
+              <a:avLst/>
+            </a:prstGeom>
+          </p:spPr>
+          <p:style>
+            <a:lnRef idx="2">
+              <a:schemeClr val="accent1">
+                <a:shade val="50000"/>
+              </a:schemeClr>
+            </a:lnRef>
+            <a:fillRef idx="1">
+              <a:schemeClr val="accent1"/>
+            </a:fillRef>
+            <a:effectRef idx="0">
+              <a:schemeClr val="accent1"/>
+            </a:effectRef>
+            <a:fontRef idx="minor">
+              <a:schemeClr val="lt1"/>
+            </a:fontRef>
+          </p:style>
+          <p:txBody>
+            <a:bodyPr vert="horz" rtlCol="0" anchor="ctr"/>
+            <a:lstStyle/>
+            <a:p>
+              <a:pPr algn="ctr"/>
+              <a:r>
+                <a:rPr lang="de-DE" dirty="0"/>
+                <a:t>Snapshots</a:t>
+              </a:r>
+              <a:endParaRPr lang="LID4096" dirty="0"/>
+            </a:p>
+          </p:txBody>
+        </p:sp>
+        <p:cxnSp>
+          <p:nvCxnSpPr>
+            <p:cNvPr id="52" name="Straight Arrow Connector 51">
+              <a:extLst>
+                <a:ext uri="{FF2B5EF4-FFF2-40B4-BE49-F238E27FC236}">
+                  <a16:creationId xmlns:a16="http://schemas.microsoft.com/office/drawing/2014/main" id="{1A86FB7A-F3C9-4F50-BC25-F544F733B05E}"/>
+                </a:ext>
+              </a:extLst>
+            </p:cNvPr>
+            <p:cNvCxnSpPr>
+              <a:cxnSpLocks/>
+              <a:stCxn id="38" idx="0"/>
+              <a:endCxn id="50" idx="3"/>
+            </p:cNvCxnSpPr>
+            <p:nvPr/>
+          </p:nvCxnSpPr>
+          <p:spPr>
+            <a:xfrm flipV="1">
+              <a:off x="7912348" y="3071843"/>
+              <a:ext cx="0" cy="442634"/>
+            </a:xfrm>
+            <a:prstGeom prst="straightConnector1">
+              <a:avLst/>
+            </a:prstGeom>
+            <a:ln w="28575">
+              <a:tailEnd type="triangle"/>
+            </a:ln>
+          </p:spPr>
+          <p:style>
+            <a:lnRef idx="1">
+              <a:schemeClr val="dk1"/>
+            </a:lnRef>
+            <a:fillRef idx="0">
+              <a:schemeClr val="dk1"/>
+            </a:fillRef>
+            <a:effectRef idx="0">
+              <a:schemeClr val="dk1"/>
+            </a:effectRef>
+            <a:fontRef idx="minor">
+              <a:schemeClr val="tx1"/>
+            </a:fontRef>
+          </p:style>
+        </p:cxnSp>
+        <p:sp>
+          <p:nvSpPr>
+            <p:cNvPr id="56" name="Rectangle 55">
+              <a:extLst>
+                <a:ext uri="{FF2B5EF4-FFF2-40B4-BE49-F238E27FC236}">
+                  <a16:creationId xmlns:a16="http://schemas.microsoft.com/office/drawing/2014/main" id="{3CFACCB0-30F6-4C98-967B-8492DB59C68B}"/>
+                </a:ext>
+              </a:extLst>
+            </p:cNvPr>
+            <p:cNvSpPr/>
+            <p:nvPr/>
+          </p:nvSpPr>
+          <p:spPr>
+            <a:xfrm>
+              <a:off x="9302137" y="3516345"/>
+              <a:ext cx="1052355" cy="575297"/>
+            </a:xfrm>
+            <a:prstGeom prst="rect">
+              <a:avLst/>
+            </a:prstGeom>
+          </p:spPr>
+          <p:style>
+            <a:lnRef idx="2">
+              <a:schemeClr val="accent1">
+                <a:shade val="50000"/>
+              </a:schemeClr>
+            </a:lnRef>
+            <a:fillRef idx="1">
+              <a:schemeClr val="accent1"/>
+            </a:fillRef>
+            <a:effectRef idx="0">
+              <a:schemeClr val="accent1"/>
+            </a:effectRef>
+            <a:fontRef idx="minor">
+              <a:schemeClr val="lt1"/>
+            </a:fontRef>
+          </p:style>
+          <p:txBody>
+            <a:bodyPr rtlCol="0" anchor="ctr"/>
+            <a:lstStyle/>
+            <a:p>
+              <a:pPr algn="ctr"/>
+              <a:r>
+                <a:rPr lang="de-DE" sz="1200" dirty="0"/>
+                <a:t>Marketplace Metering API</a:t>
+              </a:r>
+              <a:endParaRPr lang="LID4096" sz="1200" dirty="0"/>
+            </a:p>
+          </p:txBody>
+        </p:sp>
+        <p:cxnSp>
+          <p:nvCxnSpPr>
+            <p:cNvPr id="58" name="Straight Arrow Connector 57">
+              <a:extLst>
+                <a:ext uri="{FF2B5EF4-FFF2-40B4-BE49-F238E27FC236}">
+                  <a16:creationId xmlns:a16="http://schemas.microsoft.com/office/drawing/2014/main" id="{F2F12BFE-07A5-429F-A161-2A8D77D8797A}"/>
+                </a:ext>
+              </a:extLst>
+            </p:cNvPr>
+            <p:cNvCxnSpPr>
+              <a:cxnSpLocks/>
+              <a:stCxn id="38" idx="3"/>
+              <a:endCxn id="56" idx="1"/>
+            </p:cNvCxnSpPr>
+            <p:nvPr/>
+          </p:nvCxnSpPr>
+          <p:spPr>
+            <a:xfrm>
+              <a:off x="8378215" y="3802126"/>
+              <a:ext cx="923922" cy="1868"/>
+            </a:xfrm>
+            <a:prstGeom prst="straightConnector1">
+              <a:avLst/>
+            </a:prstGeom>
+            <a:ln w="28575">
+              <a:tailEnd type="triangle"/>
+            </a:ln>
+          </p:spPr>
+          <p:style>
+            <a:lnRef idx="1">
+              <a:schemeClr val="dk1"/>
+            </a:lnRef>
+            <a:fillRef idx="0">
+              <a:schemeClr val="dk1"/>
+            </a:fillRef>
+            <a:effectRef idx="0">
+              <a:schemeClr val="dk1"/>
+            </a:effectRef>
+            <a:fontRef idx="minor">
+              <a:schemeClr val="tx1"/>
+            </a:fontRef>
+          </p:style>
+        </p:cxnSp>
+        <p:sp>
+          <p:nvSpPr>
+            <p:cNvPr id="62" name="Cylinder 61">
+              <a:extLst>
+                <a:ext uri="{FF2B5EF4-FFF2-40B4-BE49-F238E27FC236}">
+                  <a16:creationId xmlns:a16="http://schemas.microsoft.com/office/drawing/2014/main" id="{81A85C07-69A7-4315-B836-E83DDFE0FBA3}"/>
+                </a:ext>
+              </a:extLst>
+            </p:cNvPr>
+            <p:cNvSpPr/>
+            <p:nvPr/>
+          </p:nvSpPr>
+          <p:spPr>
+            <a:xfrm>
+              <a:off x="6287524" y="5550546"/>
+              <a:ext cx="1433994" cy="514838"/>
+            </a:xfrm>
+            <a:prstGeom prst="can">
+              <a:avLst/>
+            </a:prstGeom>
+          </p:spPr>
+          <p:style>
+            <a:lnRef idx="2">
+              <a:schemeClr val="accent1">
+                <a:shade val="50000"/>
+              </a:schemeClr>
+            </a:lnRef>
+            <a:fillRef idx="1">
+              <a:schemeClr val="accent1"/>
+            </a:fillRef>
+            <a:effectRef idx="0">
+              <a:schemeClr val="accent1"/>
+            </a:effectRef>
+            <a:fontRef idx="minor">
+              <a:schemeClr val="lt1"/>
+            </a:fontRef>
+          </p:style>
+          <p:txBody>
+            <a:bodyPr vert="horz" rtlCol="0" anchor="ctr"/>
+            <a:lstStyle/>
+            <a:p>
+              <a:pPr algn="ctr"/>
+              <a:r>
+                <a:rPr lang="de-DE" dirty="0"/>
+                <a:t>EH Capture</a:t>
+              </a:r>
+              <a:endParaRPr lang="LID4096" dirty="0"/>
+            </a:p>
+          </p:txBody>
+        </p:sp>
+        <p:cxnSp>
+          <p:nvCxnSpPr>
+            <p:cNvPr id="64" name="Connector: Elbow 63">
+              <a:extLst>
+                <a:ext uri="{FF2B5EF4-FFF2-40B4-BE49-F238E27FC236}">
+                  <a16:creationId xmlns:a16="http://schemas.microsoft.com/office/drawing/2014/main" id="{5EEEB283-287B-41BC-B3DC-3C7F375C2EC8}"/>
+                </a:ext>
+              </a:extLst>
+            </p:cNvPr>
+            <p:cNvCxnSpPr>
+              <a:cxnSpLocks/>
+              <a:stCxn id="4" idx="2"/>
+              <a:endCxn id="62" idx="1"/>
+            </p:cNvCxnSpPr>
+            <p:nvPr/>
+          </p:nvCxnSpPr>
+          <p:spPr>
+            <a:xfrm rot="16200000" flipH="1">
+              <a:off x="6545887" y="5091911"/>
+              <a:ext cx="475309" cy="441960"/>
+            </a:xfrm>
+            <a:prstGeom prst="bentConnector3">
+              <a:avLst>
+                <a:gd name="adj1" fmla="val 50000"/>
+              </a:avLst>
+            </a:prstGeom>
+            <a:ln w="28575">
+              <a:prstDash val="sysDash"/>
+              <a:tailEnd type="triangle"/>
+            </a:ln>
+          </p:spPr>
+          <p:style>
+            <a:lnRef idx="1">
+              <a:schemeClr val="dk1"/>
+            </a:lnRef>
+            <a:fillRef idx="0">
+              <a:schemeClr val="dk1"/>
+            </a:fillRef>
+            <a:effectRef idx="0">
+              <a:schemeClr val="dk1"/>
+            </a:effectRef>
+            <a:fontRef idx="minor">
+              <a:schemeClr val="tx1"/>
+            </a:fontRef>
+          </p:style>
+        </p:cxnSp>
+        <p:sp>
+          <p:nvSpPr>
+            <p:cNvPr id="68" name="Speech Bubble: Rectangle 67">
+              <a:extLst>
+                <a:ext uri="{FF2B5EF4-FFF2-40B4-BE49-F238E27FC236}">
+                  <a16:creationId xmlns:a16="http://schemas.microsoft.com/office/drawing/2014/main" id="{1BFB517C-33FE-4F67-96A1-628758208AB1}"/>
+                </a:ext>
+              </a:extLst>
+            </p:cNvPr>
+            <p:cNvSpPr/>
+            <p:nvPr/>
+          </p:nvSpPr>
+          <p:spPr>
+            <a:xfrm>
+              <a:off x="9283406" y="2186237"/>
+              <a:ext cx="1900409" cy="884538"/>
+            </a:xfrm>
+            <a:prstGeom prst="wedgeRectCallout">
+              <a:avLst>
+                <a:gd name="adj1" fmla="val -97170"/>
+                <a:gd name="adj2" fmla="val 107727"/>
+              </a:avLst>
+            </a:prstGeom>
+          </p:spPr>
+          <p:style>
+            <a:lnRef idx="2">
+              <a:schemeClr val="dk1"/>
+            </a:lnRef>
+            <a:fillRef idx="1">
+              <a:schemeClr val="lt1"/>
+            </a:fillRef>
+            <a:effectRef idx="0">
+              <a:schemeClr val="dk1"/>
+            </a:effectRef>
+            <a:fontRef idx="minor">
+              <a:schemeClr val="dk1"/>
+            </a:fontRef>
+          </p:style>
+          <p:txBody>
+            <a:bodyPr rtlCol="0" anchor="t"/>
+            <a:lstStyle/>
+            <a:p>
+              <a:r>
+                <a:rPr lang="en-US" sz="1200"/>
+                <a:t>Hosting e.g. on …</a:t>
+              </a:r>
+            </a:p>
+            <a:p>
+              <a:pPr marL="114300" indent="-114300">
+                <a:buFont typeface="Arial" panose="020B0604020202020204" pitchFamily="34" charset="0"/>
+                <a:buChar char="•"/>
+              </a:pPr>
+              <a:r>
+                <a:rPr lang="en-US" sz="1200"/>
+                <a:t>Azure Functions</a:t>
+              </a:r>
+            </a:p>
+            <a:p>
+              <a:pPr marL="114300" indent="-114300">
+                <a:buFont typeface="Arial" panose="020B0604020202020204" pitchFamily="34" charset="0"/>
+                <a:buChar char="•"/>
+              </a:pPr>
+              <a:r>
+                <a:rPr lang="en-US" sz="1200"/>
+                <a:t>Container (ACI, AKS)</a:t>
+              </a:r>
+            </a:p>
+            <a:p>
+              <a:pPr marL="114300" indent="-114300">
+                <a:buFont typeface="Arial" panose="020B0604020202020204" pitchFamily="34" charset="0"/>
+                <a:buChar char="•"/>
+              </a:pPr>
+              <a:r>
+                <a:rPr lang="en-US" sz="1200"/>
+                <a:t>Self-hosted anywhere</a:t>
+              </a:r>
+            </a:p>
+          </p:txBody>
+        </p:sp>
+        <p:sp>
+          <p:nvSpPr>
+            <p:cNvPr id="70" name="Speech Bubble: Rectangle 69">
+              <a:extLst>
+                <a:ext uri="{FF2B5EF4-FFF2-40B4-BE49-F238E27FC236}">
+                  <a16:creationId xmlns:a16="http://schemas.microsoft.com/office/drawing/2014/main" id="{8F17B299-D210-4431-8E3F-BA16AE5917A5}"/>
+                </a:ext>
+              </a:extLst>
+            </p:cNvPr>
+            <p:cNvSpPr/>
+            <p:nvPr/>
+          </p:nvSpPr>
+          <p:spPr>
+            <a:xfrm>
+              <a:off x="4946083" y="2256432"/>
+              <a:ext cx="1900409" cy="884538"/>
+            </a:xfrm>
+            <a:prstGeom prst="wedgeRectCallout">
+              <a:avLst>
+                <a:gd name="adj1" fmla="val 58976"/>
+                <a:gd name="adj2" fmla="val 126116"/>
+              </a:avLst>
+            </a:prstGeom>
+          </p:spPr>
+          <p:style>
+            <a:lnRef idx="2">
+              <a:schemeClr val="dk1"/>
+            </a:lnRef>
+            <a:fillRef idx="1">
+              <a:schemeClr val="lt1"/>
+            </a:fillRef>
+            <a:effectRef idx="0">
+              <a:schemeClr val="dk1"/>
+            </a:effectRef>
+            <a:fontRef idx="minor">
+              <a:schemeClr val="dk1"/>
+            </a:fontRef>
+          </p:style>
+          <p:txBody>
+            <a:bodyPr rtlCol="0" anchor="t"/>
+            <a:lstStyle/>
+            <a:p>
+              <a:r>
+                <a:rPr lang="en-US" sz="1050"/>
+                <a:t>If running on Functions, certainly not using EventHub binding (triggered per message), but cron-style</a:t>
+              </a:r>
+            </a:p>
+          </p:txBody>
+        </p:sp>
+        <p:sp>
+          <p:nvSpPr>
+            <p:cNvPr id="72" name="Speech Bubble: Rectangle 71">
+              <a:extLst>
+                <a:ext uri="{FF2B5EF4-FFF2-40B4-BE49-F238E27FC236}">
+                  <a16:creationId xmlns:a16="http://schemas.microsoft.com/office/drawing/2014/main" id="{01C8DCC3-FBF0-4F3A-BF86-9379C7726CA8}"/>
+                </a:ext>
+              </a:extLst>
+            </p:cNvPr>
+            <p:cNvSpPr/>
+            <p:nvPr/>
+          </p:nvSpPr>
+          <p:spPr>
+            <a:xfrm>
+              <a:off x="8102512" y="783970"/>
+              <a:ext cx="1900409" cy="884538"/>
+            </a:xfrm>
+            <a:prstGeom prst="wedgeRectCallout">
+              <a:avLst>
+                <a:gd name="adj1" fmla="val -74732"/>
+                <a:gd name="adj2" fmla="val 148481"/>
+              </a:avLst>
+            </a:prstGeom>
+          </p:spPr>
+          <p:style>
+            <a:lnRef idx="2">
+              <a:schemeClr val="dk1"/>
+            </a:lnRef>
+            <a:fillRef idx="1">
+              <a:schemeClr val="lt1"/>
+            </a:fillRef>
+            <a:effectRef idx="0">
+              <a:schemeClr val="dk1"/>
+            </a:effectRef>
+            <a:fontRef idx="minor">
+              <a:schemeClr val="dk1"/>
+            </a:fontRef>
+          </p:style>
+          <p:txBody>
+            <a:bodyPr rtlCol="0" anchor="t"/>
+            <a:lstStyle/>
+            <a:p>
+              <a:r>
+                <a:rPr lang="en-US" sz="1200"/>
+                <a:t>Snapshotting intermediary aggregates into blobs, so consumer group can restart easily</a:t>
+              </a:r>
+            </a:p>
+          </p:txBody>
+        </p:sp>
+        <p:sp>
+          <p:nvSpPr>
+            <p:cNvPr id="2" name="Speech Bubble: Rectangle 1">
+              <a:extLst>
+                <a:ext uri="{FF2B5EF4-FFF2-40B4-BE49-F238E27FC236}">
+                  <a16:creationId xmlns:a16="http://schemas.microsoft.com/office/drawing/2014/main" id="{1ED66244-FAB5-4314-B239-9273A9675E09}"/>
+                </a:ext>
+              </a:extLst>
+            </p:cNvPr>
+            <p:cNvSpPr/>
+            <p:nvPr/>
+          </p:nvSpPr>
+          <p:spPr>
+            <a:xfrm>
+              <a:off x="796156" y="2256432"/>
+              <a:ext cx="1900409" cy="884538"/>
+            </a:xfrm>
+            <a:prstGeom prst="wedgeRectCallout">
+              <a:avLst>
+                <a:gd name="adj1" fmla="val 74841"/>
+                <a:gd name="adj2" fmla="val 190112"/>
+              </a:avLst>
+            </a:prstGeom>
+          </p:spPr>
+          <p:style>
+            <a:lnRef idx="2">
+              <a:schemeClr val="dk1"/>
+            </a:lnRef>
+            <a:fillRef idx="1">
+              <a:schemeClr val="lt1"/>
+            </a:fillRef>
+            <a:effectRef idx="0">
+              <a:schemeClr val="dk1"/>
+            </a:effectRef>
+            <a:fontRef idx="minor">
+              <a:schemeClr val="dk1"/>
+            </a:fontRef>
+          </p:style>
+          <p:txBody>
+            <a:bodyPr rtlCol="0" anchor="t"/>
+            <a:lstStyle/>
+            <a:p>
+              <a:r>
+                <a:rPr lang="en-US" sz="1050" dirty="0"/>
+                <a:t>System boundary / contract for ingesting billing events TBD…</a:t>
+              </a:r>
+            </a:p>
+            <a:p>
+              <a:pPr marL="171450" indent="-171450">
+                <a:buFont typeface="Arial" panose="020B0604020202020204" pitchFamily="34" charset="0"/>
+                <a:buChar char="•"/>
+              </a:pPr>
+              <a:r>
+                <a:rPr lang="en-US" sz="1050" dirty="0" err="1"/>
+                <a:t>OpenTelemetry</a:t>
+              </a:r>
+              <a:endParaRPr lang="en-US" sz="1050" dirty="0"/>
+            </a:p>
+            <a:p>
+              <a:pPr marL="171450" indent="-171450">
+                <a:buFont typeface="Arial" panose="020B0604020202020204" pitchFamily="34" charset="0"/>
+                <a:buChar char="•"/>
+              </a:pPr>
+              <a:r>
+                <a:rPr lang="en-US" sz="1050" dirty="0"/>
+                <a:t>REST</a:t>
+              </a:r>
+            </a:p>
+            <a:p>
+              <a:pPr marL="171450" indent="-171450">
+                <a:buFont typeface="Arial" panose="020B0604020202020204" pitchFamily="34" charset="0"/>
+                <a:buChar char="•"/>
+              </a:pPr>
+              <a:r>
+                <a:rPr lang="en-US" sz="1050" dirty="0"/>
+                <a:t>Write directly to EH</a:t>
+              </a:r>
+            </a:p>
+          </p:txBody>
+        </p:sp>
+        <p:sp>
+          <p:nvSpPr>
+            <p:cNvPr id="3" name="Speech Bubble: Rectangle 2">
+              <a:extLst>
+                <a:ext uri="{FF2B5EF4-FFF2-40B4-BE49-F238E27FC236}">
+                  <a16:creationId xmlns:a16="http://schemas.microsoft.com/office/drawing/2014/main" id="{9BD85104-880A-46C1-8910-46DD156EF024}"/>
+                </a:ext>
+              </a:extLst>
+            </p:cNvPr>
+            <p:cNvSpPr/>
+            <p:nvPr/>
+          </p:nvSpPr>
+          <p:spPr>
+            <a:xfrm>
+              <a:off x="5140666" y="824415"/>
+              <a:ext cx="1900409" cy="594735"/>
+            </a:xfrm>
+            <a:prstGeom prst="wedgeRectCallout">
+              <a:avLst>
+                <a:gd name="adj1" fmla="val 58323"/>
+                <a:gd name="adj2" fmla="val 283185"/>
+              </a:avLst>
+            </a:prstGeom>
+          </p:spPr>
+          <p:style>
+            <a:lnRef idx="2">
+              <a:schemeClr val="dk1"/>
+            </a:lnRef>
+            <a:fillRef idx="1">
+              <a:schemeClr val="lt1"/>
+            </a:fillRef>
+            <a:effectRef idx="0">
+              <a:schemeClr val="dk1"/>
+            </a:effectRef>
+            <a:fontRef idx="minor">
+              <a:schemeClr val="dk1"/>
+            </a:fontRef>
+          </p:style>
+          <p:txBody>
+            <a:bodyPr rtlCol="0" anchor="t"/>
+            <a:lstStyle/>
+            <a:p>
+              <a:r>
+                <a:rPr lang="en-US" sz="1050" dirty="0" err="1"/>
+                <a:t>EventSourcing</a:t>
+              </a:r>
+              <a:r>
+                <a:rPr lang="en-US" sz="1050" dirty="0"/>
+                <a:t> (like in </a:t>
+              </a:r>
+              <a:r>
+                <a:rPr lang="de-DE" sz="1050" dirty="0">
+                  <a:hlinkClick r:id="rId2"/>
+                </a:rPr>
+                <a:t>chgeuer/</a:t>
+              </a:r>
+              <a:r>
+                <a:rPr lang="de-DE" sz="1050" dirty="0" err="1">
+                  <a:hlinkClick r:id="rId2"/>
+                </a:rPr>
+                <a:t>distributed-search</a:t>
+              </a:r>
+              <a:r>
+                <a:rPr lang="de-DE" sz="1050" dirty="0">
+                  <a:hlinkClick r:id="rId2"/>
+                </a:rPr>
+                <a:t> (github.com)</a:t>
+              </a:r>
+              <a:r>
+                <a:rPr lang="de-DE" sz="1050" dirty="0"/>
+                <a:t>)</a:t>
+              </a:r>
+              <a:endParaRPr lang="en-US" sz="1050" dirty="0"/>
+            </a:p>
+          </p:txBody>
+        </p:sp>
+      </p:grpSp>
+    </p:spTree>
+    <p:extLst>
+      <p:ext uri="{BB962C8B-B14F-4D97-AF65-F5344CB8AC3E}">
+        <p14:creationId xmlns:p14="http://schemas.microsoft.com/office/powerpoint/2010/main" val="1867449406"/>
+      </p:ext>
+    </p:extLst>
+  </p:cSld>
+  <p:clrMapOvr>
+    <a:masterClrMapping/>
+  </p:clrMapOvr>
+</p:sld>
+</file>
+
+<file path=ppt/slides/slide6.xml><?xml version="1.0" encoding="utf-8"?>
+<p:sld xmlns:a="http://schemas.openxmlformats.org/drawingml/2006/main" xmlns:r="http://schemas.openxmlformats.org/officeDocument/2006/relationships" xmlns:p="http://schemas.openxmlformats.org/presentationml/2006/main">
+  <p:cSld>
+    <p:spTree>
+      <p:nvGrpSpPr>
+        <p:cNvPr id="1" name=""/>
+        <p:cNvGrpSpPr/>
+        <p:nvPr/>
+      </p:nvGrpSpPr>
+      <p:grpSpPr>
+        <a:xfrm>
+          <a:off x="0" y="0"/>
+          <a:ext cx="0" cy="0"/>
+          <a:chOff x="0" y="0"/>
+          <a:chExt cx="0" cy="0"/>
+        </a:xfrm>
+      </p:grpSpPr>
+      <p:sp>
+        <p:nvSpPr>
+          <p:cNvPr id="73" name="Rectangle 72">
+            <a:extLst>
+              <a:ext uri="{FF2B5EF4-FFF2-40B4-BE49-F238E27FC236}">
+                <a16:creationId xmlns:a16="http://schemas.microsoft.com/office/drawing/2014/main" id="{3DCF7B99-CD4F-499A-AD4E-6F61A5F555AF}"/>
+              </a:ext>
+            </a:extLst>
+          </p:cNvPr>
+          <p:cNvSpPr/>
+          <p:nvPr/>
+        </p:nvSpPr>
+        <p:spPr>
+          <a:xfrm>
+            <a:off x="3345473" y="2070588"/>
+            <a:ext cx="5490796" cy="4207119"/>
+          </a:xfrm>
+          <a:custGeom>
+            <a:avLst/>
+            <a:gdLst>
+              <a:gd name="connsiteX0" fmla="*/ 0 w 5490796"/>
+              <a:gd name="connsiteY0" fmla="*/ 0 h 4207119"/>
+              <a:gd name="connsiteX1" fmla="*/ 658896 w 5490796"/>
+              <a:gd name="connsiteY1" fmla="*/ 0 h 4207119"/>
+              <a:gd name="connsiteX2" fmla="*/ 1207975 w 5490796"/>
+              <a:gd name="connsiteY2" fmla="*/ 0 h 4207119"/>
+              <a:gd name="connsiteX3" fmla="*/ 1811963 w 5490796"/>
+              <a:gd name="connsiteY3" fmla="*/ 0 h 4207119"/>
+              <a:gd name="connsiteX4" fmla="*/ 2196318 w 5490796"/>
+              <a:gd name="connsiteY4" fmla="*/ 0 h 4207119"/>
+              <a:gd name="connsiteX5" fmla="*/ 2690490 w 5490796"/>
+              <a:gd name="connsiteY5" fmla="*/ 0 h 4207119"/>
+              <a:gd name="connsiteX6" fmla="*/ 3129754 w 5490796"/>
+              <a:gd name="connsiteY6" fmla="*/ 0 h 4207119"/>
+              <a:gd name="connsiteX7" fmla="*/ 3733741 w 5490796"/>
+              <a:gd name="connsiteY7" fmla="*/ 0 h 4207119"/>
+              <a:gd name="connsiteX8" fmla="*/ 4392637 w 5490796"/>
+              <a:gd name="connsiteY8" fmla="*/ 0 h 4207119"/>
+              <a:gd name="connsiteX9" fmla="*/ 4886808 w 5490796"/>
+              <a:gd name="connsiteY9" fmla="*/ 0 h 4207119"/>
+              <a:gd name="connsiteX10" fmla="*/ 5490796 w 5490796"/>
+              <a:gd name="connsiteY10" fmla="*/ 0 h 4207119"/>
+              <a:gd name="connsiteX11" fmla="*/ 5490796 w 5490796"/>
+              <a:gd name="connsiteY11" fmla="*/ 525890 h 4207119"/>
+              <a:gd name="connsiteX12" fmla="*/ 5490796 w 5490796"/>
+              <a:gd name="connsiteY12" fmla="*/ 1051780 h 4207119"/>
+              <a:gd name="connsiteX13" fmla="*/ 5490796 w 5490796"/>
+              <a:gd name="connsiteY13" fmla="*/ 1661812 h 4207119"/>
+              <a:gd name="connsiteX14" fmla="*/ 5490796 w 5490796"/>
+              <a:gd name="connsiteY14" fmla="*/ 2271844 h 4207119"/>
+              <a:gd name="connsiteX15" fmla="*/ 5490796 w 5490796"/>
+              <a:gd name="connsiteY15" fmla="*/ 2881877 h 4207119"/>
+              <a:gd name="connsiteX16" fmla="*/ 5490796 w 5490796"/>
+              <a:gd name="connsiteY16" fmla="*/ 3491909 h 4207119"/>
+              <a:gd name="connsiteX17" fmla="*/ 5490796 w 5490796"/>
+              <a:gd name="connsiteY17" fmla="*/ 4207119 h 4207119"/>
+              <a:gd name="connsiteX18" fmla="*/ 4996624 w 5490796"/>
+              <a:gd name="connsiteY18" fmla="*/ 4207119 h 4207119"/>
+              <a:gd name="connsiteX19" fmla="*/ 4502453 w 5490796"/>
+              <a:gd name="connsiteY19" fmla="*/ 4207119 h 4207119"/>
+              <a:gd name="connsiteX20" fmla="*/ 3898465 w 5490796"/>
+              <a:gd name="connsiteY20" fmla="*/ 4207119 h 4207119"/>
+              <a:gd name="connsiteX21" fmla="*/ 3349386 w 5490796"/>
+              <a:gd name="connsiteY21" fmla="*/ 4207119 h 4207119"/>
+              <a:gd name="connsiteX22" fmla="*/ 2910122 w 5490796"/>
+              <a:gd name="connsiteY22" fmla="*/ 4207119 h 4207119"/>
+              <a:gd name="connsiteX23" fmla="*/ 2470858 w 5490796"/>
+              <a:gd name="connsiteY23" fmla="*/ 4207119 h 4207119"/>
+              <a:gd name="connsiteX24" fmla="*/ 2086502 w 5490796"/>
+              <a:gd name="connsiteY24" fmla="*/ 4207119 h 4207119"/>
+              <a:gd name="connsiteX25" fmla="*/ 1647239 w 5490796"/>
+              <a:gd name="connsiteY25" fmla="*/ 4207119 h 4207119"/>
+              <a:gd name="connsiteX26" fmla="*/ 1043251 w 5490796"/>
+              <a:gd name="connsiteY26" fmla="*/ 4207119 h 4207119"/>
+              <a:gd name="connsiteX27" fmla="*/ 603988 w 5490796"/>
+              <a:gd name="connsiteY27" fmla="*/ 4207119 h 4207119"/>
+              <a:gd name="connsiteX28" fmla="*/ 0 w 5490796"/>
+              <a:gd name="connsiteY28" fmla="*/ 4207119 h 4207119"/>
+              <a:gd name="connsiteX29" fmla="*/ 0 w 5490796"/>
+              <a:gd name="connsiteY29" fmla="*/ 3597087 h 4207119"/>
+              <a:gd name="connsiteX30" fmla="*/ 0 w 5490796"/>
+              <a:gd name="connsiteY30" fmla="*/ 3071197 h 4207119"/>
+              <a:gd name="connsiteX31" fmla="*/ 0 w 5490796"/>
+              <a:gd name="connsiteY31" fmla="*/ 2629449 h 4207119"/>
+              <a:gd name="connsiteX32" fmla="*/ 0 w 5490796"/>
+              <a:gd name="connsiteY32" fmla="*/ 2145631 h 4207119"/>
+              <a:gd name="connsiteX33" fmla="*/ 0 w 5490796"/>
+              <a:gd name="connsiteY33" fmla="*/ 1535598 h 4207119"/>
+              <a:gd name="connsiteX34" fmla="*/ 0 w 5490796"/>
+              <a:gd name="connsiteY34" fmla="*/ 1135922 h 4207119"/>
+              <a:gd name="connsiteX35" fmla="*/ 0 w 5490796"/>
+              <a:gd name="connsiteY35" fmla="*/ 736246 h 4207119"/>
+              <a:gd name="connsiteX36" fmla="*/ 0 w 5490796"/>
+              <a:gd name="connsiteY36" fmla="*/ 0 h 4207119"/>
+            </a:gdLst>
+            <a:ahLst/>
+            <a:cxnLst>
+              <a:cxn ang="0">
+                <a:pos x="connsiteX0" y="connsiteY0"/>
+              </a:cxn>
+              <a:cxn ang="0">
+                <a:pos x="connsiteX1" y="connsiteY1"/>
+              </a:cxn>
+              <a:cxn ang="0">
+                <a:pos x="connsiteX2" y="connsiteY2"/>
+              </a:cxn>
+              <a:cxn ang="0">
+                <a:pos x="connsiteX3" y="connsiteY3"/>
+              </a:cxn>
+              <a:cxn ang="0">
+                <a:pos x="connsiteX4" y="connsiteY4"/>
+              </a:cxn>
+              <a:cxn ang="0">
+                <a:pos x="connsiteX5" y="connsiteY5"/>
+              </a:cxn>
+              <a:cxn ang="0">
+                <a:pos x="connsiteX6" y="connsiteY6"/>
+              </a:cxn>
+              <a:cxn ang="0">
+                <a:pos x="connsiteX7" y="connsiteY7"/>
+              </a:cxn>
+              <a:cxn ang="0">
+                <a:pos x="connsiteX8" y="connsiteY8"/>
+              </a:cxn>
+              <a:cxn ang="0">
+                <a:pos x="connsiteX9" y="connsiteY9"/>
+              </a:cxn>
+              <a:cxn ang="0">
+                <a:pos x="connsiteX10" y="connsiteY10"/>
+              </a:cxn>
+              <a:cxn ang="0">
+                <a:pos x="connsiteX11" y="connsiteY11"/>
+              </a:cxn>
+              <a:cxn ang="0">
+                <a:pos x="connsiteX12" y="connsiteY12"/>
+              </a:cxn>
+              <a:cxn ang="0">
+                <a:pos x="connsiteX13" y="connsiteY13"/>
+              </a:cxn>
+              <a:cxn ang="0">
+                <a:pos x="connsiteX14" y="connsiteY14"/>
+              </a:cxn>
+              <a:cxn ang="0">
+                <a:pos x="connsiteX15" y="connsiteY15"/>
+              </a:cxn>
+              <a:cxn ang="0">
+                <a:pos x="connsiteX16" y="connsiteY16"/>
+              </a:cxn>
+              <a:cxn ang="0">
+                <a:pos x="connsiteX17" y="connsiteY17"/>
+              </a:cxn>
+              <a:cxn ang="0">
+                <a:pos x="connsiteX18" y="connsiteY18"/>
+              </a:cxn>
+              <a:cxn ang="0">
+                <a:pos x="connsiteX19" y="connsiteY19"/>
+              </a:cxn>
+              <a:cxn ang="0">
+                <a:pos x="connsiteX20" y="connsiteY20"/>
+              </a:cxn>
+              <a:cxn ang="0">
+                <a:pos x="connsiteX21" y="connsiteY21"/>
+              </a:cxn>
+              <a:cxn ang="0">
+                <a:pos x="connsiteX22" y="connsiteY22"/>
+              </a:cxn>
+              <a:cxn ang="0">
+                <a:pos x="connsiteX23" y="connsiteY23"/>
+              </a:cxn>
+              <a:cxn ang="0">
+                <a:pos x="connsiteX24" y="connsiteY24"/>
+              </a:cxn>
+              <a:cxn ang="0">
+                <a:pos x="connsiteX25" y="connsiteY25"/>
+              </a:cxn>
+              <a:cxn ang="0">
+                <a:pos x="connsiteX26" y="connsiteY26"/>
+              </a:cxn>
+              <a:cxn ang="0">
+                <a:pos x="connsiteX27" y="connsiteY27"/>
+              </a:cxn>
+              <a:cxn ang="0">
+                <a:pos x="connsiteX28" y="connsiteY28"/>
+              </a:cxn>
+              <a:cxn ang="0">
+                <a:pos x="connsiteX29" y="connsiteY29"/>
+              </a:cxn>
+              <a:cxn ang="0">
+                <a:pos x="connsiteX30" y="connsiteY30"/>
+              </a:cxn>
+              <a:cxn ang="0">
+                <a:pos x="connsiteX31" y="connsiteY31"/>
+              </a:cxn>
+              <a:cxn ang="0">
+                <a:pos x="connsiteX32" y="connsiteY32"/>
+              </a:cxn>
+              <a:cxn ang="0">
+                <a:pos x="connsiteX33" y="connsiteY33"/>
+              </a:cxn>
+              <a:cxn ang="0">
+                <a:pos x="connsiteX34" y="connsiteY34"/>
+              </a:cxn>
+              <a:cxn ang="0">
+                <a:pos x="connsiteX35" y="connsiteY35"/>
+              </a:cxn>
+              <a:cxn ang="0">
+                <a:pos x="connsiteX36" y="connsiteY36"/>
+              </a:cxn>
+            </a:cxnLst>
+            <a:rect l="l" t="t" r="r" b="b"/>
+            <a:pathLst>
+              <a:path w="5490796" h="4207119" extrusionOk="0">
+                <a:moveTo>
+                  <a:pt x="0" y="0"/>
+                </a:moveTo>
+                <a:cubicBezTo>
+                  <a:pt x="320577" y="-55145"/>
+                  <a:pt x="426710" y="43927"/>
+                  <a:pt x="658896" y="0"/>
+                </a:cubicBezTo>
+                <a:cubicBezTo>
+                  <a:pt x="891082" y="-43927"/>
+                  <a:pt x="1042891" y="35243"/>
+                  <a:pt x="1207975" y="0"/>
+                </a:cubicBezTo>
+                <a:cubicBezTo>
+                  <a:pt x="1373059" y="-35243"/>
+                  <a:pt x="1570740" y="43283"/>
+                  <a:pt x="1811963" y="0"/>
+                </a:cubicBezTo>
+                <a:cubicBezTo>
+                  <a:pt x="2053186" y="-43283"/>
+                  <a:pt x="2017486" y="8553"/>
+                  <a:pt x="2196318" y="0"/>
+                </a:cubicBezTo>
+                <a:cubicBezTo>
+                  <a:pt x="2375150" y="-8553"/>
+                  <a:pt x="2475306" y="38757"/>
+                  <a:pt x="2690490" y="0"/>
+                </a:cubicBezTo>
+                <a:cubicBezTo>
+                  <a:pt x="2905674" y="-38757"/>
+                  <a:pt x="2915451" y="15881"/>
+                  <a:pt x="3129754" y="0"/>
+                </a:cubicBezTo>
+                <a:cubicBezTo>
+                  <a:pt x="3344057" y="-15881"/>
+                  <a:pt x="3437909" y="55238"/>
+                  <a:pt x="3733741" y="0"/>
+                </a:cubicBezTo>
+                <a:cubicBezTo>
+                  <a:pt x="4029573" y="-55238"/>
+                  <a:pt x="4237437" y="12811"/>
+                  <a:pt x="4392637" y="0"/>
+                </a:cubicBezTo>
+                <a:cubicBezTo>
+                  <a:pt x="4547837" y="-12811"/>
+                  <a:pt x="4658562" y="37211"/>
+                  <a:pt x="4886808" y="0"/>
+                </a:cubicBezTo>
+                <a:cubicBezTo>
+                  <a:pt x="5115054" y="-37211"/>
+                  <a:pt x="5310598" y="41715"/>
+                  <a:pt x="5490796" y="0"/>
+                </a:cubicBezTo>
+                <a:cubicBezTo>
+                  <a:pt x="5512982" y="190231"/>
+                  <a:pt x="5480619" y="417025"/>
+                  <a:pt x="5490796" y="525890"/>
+                </a:cubicBezTo>
+                <a:cubicBezTo>
+                  <a:pt x="5500973" y="634755"/>
+                  <a:pt x="5448127" y="805333"/>
+                  <a:pt x="5490796" y="1051780"/>
+                </a:cubicBezTo>
+                <a:cubicBezTo>
+                  <a:pt x="5533465" y="1298227"/>
+                  <a:pt x="5489565" y="1407370"/>
+                  <a:pt x="5490796" y="1661812"/>
+                </a:cubicBezTo>
+                <a:cubicBezTo>
+                  <a:pt x="5492027" y="1916254"/>
+                  <a:pt x="5455879" y="2016420"/>
+                  <a:pt x="5490796" y="2271844"/>
+                </a:cubicBezTo>
+                <a:cubicBezTo>
+                  <a:pt x="5525713" y="2527268"/>
+                  <a:pt x="5431097" y="2586116"/>
+                  <a:pt x="5490796" y="2881877"/>
+                </a:cubicBezTo>
+                <a:cubicBezTo>
+                  <a:pt x="5550495" y="3177638"/>
+                  <a:pt x="5490040" y="3208710"/>
+                  <a:pt x="5490796" y="3491909"/>
+                </a:cubicBezTo>
+                <a:cubicBezTo>
+                  <a:pt x="5491552" y="3775108"/>
+                  <a:pt x="5418258" y="3885154"/>
+                  <a:pt x="5490796" y="4207119"/>
+                </a:cubicBezTo>
+                <a:cubicBezTo>
+                  <a:pt x="5317407" y="4225495"/>
+                  <a:pt x="5119222" y="4180937"/>
+                  <a:pt x="4996624" y="4207119"/>
+                </a:cubicBezTo>
+                <a:cubicBezTo>
+                  <a:pt x="4874026" y="4233301"/>
+                  <a:pt x="4624928" y="4170447"/>
+                  <a:pt x="4502453" y="4207119"/>
+                </a:cubicBezTo>
+                <a:cubicBezTo>
+                  <a:pt x="4379978" y="4243791"/>
+                  <a:pt x="4104289" y="4136456"/>
+                  <a:pt x="3898465" y="4207119"/>
+                </a:cubicBezTo>
+                <a:cubicBezTo>
+                  <a:pt x="3692641" y="4277782"/>
+                  <a:pt x="3612264" y="4172390"/>
+                  <a:pt x="3349386" y="4207119"/>
+                </a:cubicBezTo>
+                <a:cubicBezTo>
+                  <a:pt x="3086508" y="4241848"/>
+                  <a:pt x="3098581" y="4202847"/>
+                  <a:pt x="2910122" y="4207119"/>
+                </a:cubicBezTo>
+                <a:cubicBezTo>
+                  <a:pt x="2721663" y="4211391"/>
+                  <a:pt x="2676443" y="4172226"/>
+                  <a:pt x="2470858" y="4207119"/>
+                </a:cubicBezTo>
+                <a:cubicBezTo>
+                  <a:pt x="2265273" y="4242012"/>
+                  <a:pt x="2217568" y="4194738"/>
+                  <a:pt x="2086502" y="4207119"/>
+                </a:cubicBezTo>
+                <a:cubicBezTo>
+                  <a:pt x="1955436" y="4219500"/>
+                  <a:pt x="1865897" y="4171018"/>
+                  <a:pt x="1647239" y="4207119"/>
+                </a:cubicBezTo>
+                <a:cubicBezTo>
+                  <a:pt x="1428581" y="4243220"/>
+                  <a:pt x="1314397" y="4153293"/>
+                  <a:pt x="1043251" y="4207119"/>
+                </a:cubicBezTo>
+                <a:cubicBezTo>
+                  <a:pt x="772105" y="4260945"/>
+                  <a:pt x="789967" y="4185641"/>
+                  <a:pt x="603988" y="4207119"/>
+                </a:cubicBezTo>
+                <a:cubicBezTo>
+                  <a:pt x="418009" y="4228597"/>
+                  <a:pt x="211045" y="4159374"/>
+                  <a:pt x="0" y="4207119"/>
+                </a:cubicBezTo>
+                <a:cubicBezTo>
+                  <a:pt x="-60408" y="4021005"/>
+                  <a:pt x="38565" y="3856430"/>
+                  <a:pt x="0" y="3597087"/>
+                </a:cubicBezTo>
+                <a:cubicBezTo>
+                  <a:pt x="-38565" y="3337744"/>
+                  <a:pt x="4453" y="3313734"/>
+                  <a:pt x="0" y="3071197"/>
+                </a:cubicBezTo>
+                <a:cubicBezTo>
+                  <a:pt x="-4453" y="2828660"/>
+                  <a:pt x="21054" y="2813672"/>
+                  <a:pt x="0" y="2629449"/>
+                </a:cubicBezTo>
+                <a:cubicBezTo>
+                  <a:pt x="-21054" y="2445226"/>
+                  <a:pt x="30647" y="2300642"/>
+                  <a:pt x="0" y="2145631"/>
+                </a:cubicBezTo>
+                <a:cubicBezTo>
+                  <a:pt x="-30647" y="1990620"/>
+                  <a:pt x="25308" y="1670408"/>
+                  <a:pt x="0" y="1535598"/>
+                </a:cubicBezTo>
+                <a:cubicBezTo>
+                  <a:pt x="-25308" y="1400788"/>
+                  <a:pt x="46451" y="1263269"/>
+                  <a:pt x="0" y="1135922"/>
+                </a:cubicBezTo>
+                <a:cubicBezTo>
+                  <a:pt x="-46451" y="1008575"/>
+                  <a:pt x="12805" y="898578"/>
+                  <a:pt x="0" y="736246"/>
+                </a:cubicBezTo>
+                <a:cubicBezTo>
+                  <a:pt x="-12805" y="573914"/>
+                  <a:pt x="18714" y="178020"/>
+                  <a:pt x="0" y="0"/>
+                </a:cubicBezTo>
+                <a:close/>
+              </a:path>
+            </a:pathLst>
+          </a:custGeom>
+          <a:noFill/>
+          <a:ln>
+            <a:prstDash val="sysDash"/>
+            <a:extLst>
+              <a:ext uri="{C807C97D-BFC1-408E-A445-0C87EB9F89A2}">
+                <ask:lineSketchStyleProps xmlns:ask="http://schemas.microsoft.com/office/drawing/2018/sketchyshapes" sd="691127627">
+                  <a:prstGeom prst="rect">
+                    <a:avLst/>
+                  </a:prstGeom>
+                  <ask:type>
+                    <ask:lineSketchScribble/>
+                  </ask:type>
+                </ask:lineSketchStyleProps>
+              </a:ext>
+            </a:extLst>
+          </a:ln>
+        </p:spPr>
+        <p:style>
+          <a:lnRef idx="2">
+            <a:schemeClr val="accent1">
+              <a:shade val="50000"/>
+            </a:schemeClr>
+          </a:lnRef>
+          <a:fillRef idx="1">
+            <a:schemeClr val="accent1"/>
+          </a:fillRef>
+          <a:effectRef idx="0">
+            <a:schemeClr val="accent1"/>
+          </a:effectRef>
+          <a:fontRef idx="minor">
+            <a:schemeClr val="lt1"/>
+          </a:fontRef>
+        </p:style>
+        <p:txBody>
+          <a:bodyPr rtlCol="0" anchor="ctr"/>
+          <a:lstStyle/>
+          <a:p>
+            <a:pPr algn="ctr"/>
+            <a:endParaRPr lang="LID4096"/>
+          </a:p>
+        </p:txBody>
+      </p:sp>
+      <p:sp>
+        <p:nvSpPr>
+          <p:cNvPr id="6" name="Cylinder 5">
+            <a:extLst>
+              <a:ext uri="{FF2B5EF4-FFF2-40B4-BE49-F238E27FC236}">
+                <a16:creationId xmlns:a16="http://schemas.microsoft.com/office/drawing/2014/main" id="{E1FBF778-A13F-4B94-9191-1A8C95FD93E8}"/>
+              </a:ext>
+            </a:extLst>
+          </p:cNvPr>
+          <p:cNvSpPr/>
+          <p:nvPr/>
+        </p:nvSpPr>
+        <p:spPr>
+          <a:xfrm rot="16200000">
+            <a:off x="7082898" y="4516641"/>
+            <a:ext cx="727166" cy="390028"/>
+          </a:xfrm>
+          <a:prstGeom prst="can">
+            <a:avLst>
+              <a:gd name="adj" fmla="val 48333"/>
+            </a:avLst>
+          </a:prstGeom>
+        </p:spPr>
+        <p:style>
+          <a:lnRef idx="1">
+            <a:schemeClr val="accent1"/>
+          </a:lnRef>
+          <a:fillRef idx="2">
+            <a:schemeClr val="accent1"/>
+          </a:fillRef>
+          <a:effectRef idx="1">
+            <a:schemeClr val="accent1"/>
+          </a:effectRef>
+          <a:fontRef idx="minor">
+            <a:schemeClr val="dk1"/>
+          </a:fontRef>
+        </p:style>
+        <p:txBody>
+          <a:bodyPr vert="vert" rtlCol="0" anchor="ctr"/>
+          <a:lstStyle/>
+          <a:p>
+            <a:pPr algn="ctr"/>
+            <a:endParaRPr lang="LID4096" dirty="0"/>
+          </a:p>
+        </p:txBody>
+      </p:sp>
+      <p:sp>
+        <p:nvSpPr>
+          <p:cNvPr id="4" name="Cylinder 3">
+            <a:extLst>
+              <a:ext uri="{FF2B5EF4-FFF2-40B4-BE49-F238E27FC236}">
+                <a16:creationId xmlns:a16="http://schemas.microsoft.com/office/drawing/2014/main" id="{7B6960A6-4549-49E7-B85B-9CE953E530E8}"/>
+              </a:ext>
+            </a:extLst>
+          </p:cNvPr>
+          <p:cNvSpPr/>
+          <p:nvPr/>
+        </p:nvSpPr>
+        <p:spPr>
+          <a:xfrm rot="16200000">
+            <a:off x="6198978" y="3875404"/>
+            <a:ext cx="727166" cy="1672500"/>
+          </a:xfrm>
+          <a:prstGeom prst="can">
+            <a:avLst/>
+          </a:prstGeom>
+        </p:spPr>
+        <p:style>
+          <a:lnRef idx="2">
+            <a:schemeClr val="accent1">
+              <a:shade val="50000"/>
+            </a:schemeClr>
+          </a:lnRef>
+          <a:fillRef idx="1">
+            <a:schemeClr val="accent1"/>
+          </a:fillRef>
+          <a:effectRef idx="0">
+            <a:schemeClr val="accent1"/>
+          </a:effectRef>
+          <a:fontRef idx="minor">
+            <a:schemeClr val="lt1"/>
+          </a:fontRef>
+        </p:style>
+        <p:txBody>
+          <a:bodyPr vert="vert" rtlCol="0" anchor="ctr"/>
+          <a:lstStyle/>
+          <a:p>
+            <a:pPr algn="ctr"/>
+            <a:r>
+              <a:rPr lang="de-DE" dirty="0"/>
+              <a:t>Event Hub</a:t>
+            </a:r>
+            <a:endParaRPr lang="LID4096" dirty="0"/>
+          </a:p>
+        </p:txBody>
+      </p:sp>
+      <p:sp>
+        <p:nvSpPr>
+          <p:cNvPr id="7" name="Rectangle 6">
+            <a:extLst>
+              <a:ext uri="{FF2B5EF4-FFF2-40B4-BE49-F238E27FC236}">
+                <a16:creationId xmlns:a16="http://schemas.microsoft.com/office/drawing/2014/main" id="{2E83FB5E-3A50-429C-9FCD-914C71FD5BE4}"/>
+              </a:ext>
+            </a:extLst>
+          </p:cNvPr>
+          <p:cNvSpPr/>
+          <p:nvPr/>
+        </p:nvSpPr>
+        <p:spPr>
+          <a:xfrm>
+            <a:off x="898336" y="3970601"/>
+            <a:ext cx="1848301" cy="1438771"/>
+          </a:xfrm>
+          <a:prstGeom prst="rect">
+            <a:avLst/>
+          </a:prstGeom>
+        </p:spPr>
+        <p:style>
+          <a:lnRef idx="2">
+            <a:schemeClr val="accent6">
+              <a:shade val="50000"/>
+            </a:schemeClr>
+          </a:lnRef>
+          <a:fillRef idx="1">
+            <a:schemeClr val="accent6"/>
+          </a:fillRef>
+          <a:effectRef idx="0">
+            <a:schemeClr val="accent6"/>
+          </a:effectRef>
+          <a:fontRef idx="minor">
+            <a:schemeClr val="lt1"/>
+          </a:fontRef>
+        </p:style>
+        <p:txBody>
+          <a:bodyPr rtlCol="0" anchor="ctr"/>
+          <a:lstStyle/>
+          <a:p>
+            <a:r>
+              <a:rPr lang="de-DE" dirty="0" err="1"/>
+              <a:t>Sending</a:t>
+            </a:r>
+            <a:endParaRPr lang="de-DE" dirty="0"/>
+          </a:p>
+          <a:p>
+            <a:r>
+              <a:rPr lang="de-DE" dirty="0" err="1"/>
+              <a:t>Application</a:t>
+            </a:r>
+            <a:endParaRPr lang="LID4096" dirty="0"/>
+          </a:p>
+        </p:txBody>
+      </p:sp>
+      <p:sp>
+        <p:nvSpPr>
+          <p:cNvPr id="8" name="Rectangle 7">
+            <a:extLst>
+              <a:ext uri="{FF2B5EF4-FFF2-40B4-BE49-F238E27FC236}">
+                <a16:creationId xmlns:a16="http://schemas.microsoft.com/office/drawing/2014/main" id="{DFFA878E-2963-434A-B726-AD5A7F95E1E8}"/>
+              </a:ext>
+            </a:extLst>
+          </p:cNvPr>
+          <p:cNvSpPr/>
+          <p:nvPr/>
+        </p:nvSpPr>
+        <p:spPr>
+          <a:xfrm rot="16200000">
+            <a:off x="1875575" y="4494972"/>
+            <a:ext cx="1126749" cy="433365"/>
+          </a:xfrm>
+          <a:prstGeom prst="rect">
+            <a:avLst/>
+          </a:prstGeom>
+        </p:spPr>
+        <p:style>
+          <a:lnRef idx="2">
+            <a:schemeClr val="accent2">
+              <a:shade val="50000"/>
+            </a:schemeClr>
+          </a:lnRef>
+          <a:fillRef idx="1">
+            <a:schemeClr val="accent2"/>
+          </a:fillRef>
+          <a:effectRef idx="0">
+            <a:schemeClr val="accent2"/>
+          </a:effectRef>
+          <a:fontRef idx="minor">
+            <a:schemeClr val="lt1"/>
+          </a:fontRef>
+        </p:style>
+        <p:txBody>
+          <a:bodyPr rtlCol="0" anchor="ctr"/>
+          <a:lstStyle/>
+          <a:p>
+            <a:pPr algn="ctr"/>
+            <a:r>
+              <a:rPr lang="de-DE" dirty="0"/>
+              <a:t>SDK?</a:t>
+            </a:r>
+            <a:endParaRPr lang="LID4096" dirty="0"/>
+          </a:p>
+        </p:txBody>
+      </p:sp>
+      <p:sp>
+        <p:nvSpPr>
+          <p:cNvPr id="9" name="Rectangle 8">
+            <a:extLst>
+              <a:ext uri="{FF2B5EF4-FFF2-40B4-BE49-F238E27FC236}">
+                <a16:creationId xmlns:a16="http://schemas.microsoft.com/office/drawing/2014/main" id="{69ED39B0-BB16-456D-A56B-E14B6C320024}"/>
+              </a:ext>
+            </a:extLst>
+          </p:cNvPr>
+          <p:cNvSpPr/>
+          <p:nvPr/>
+        </p:nvSpPr>
+        <p:spPr>
+          <a:xfrm>
+            <a:off x="3628536" y="3749583"/>
+            <a:ext cx="1395435" cy="680383"/>
+          </a:xfrm>
+          <a:prstGeom prst="rect">
+            <a:avLst/>
+          </a:prstGeom>
+        </p:spPr>
+        <p:style>
+          <a:lnRef idx="2">
+            <a:schemeClr val="accent2">
+              <a:shade val="50000"/>
+            </a:schemeClr>
+          </a:lnRef>
+          <a:fillRef idx="1">
+            <a:schemeClr val="accent2"/>
+          </a:fillRef>
+          <a:effectRef idx="0">
+            <a:schemeClr val="accent2"/>
+          </a:effectRef>
+          <a:fontRef idx="minor">
+            <a:schemeClr val="lt1"/>
+          </a:fontRef>
+        </p:style>
+        <p:txBody>
+          <a:bodyPr rtlCol="0" anchor="ctr"/>
+          <a:lstStyle/>
+          <a:p>
+            <a:pPr algn="ctr"/>
+            <a:r>
+              <a:rPr lang="de-DE" sz="1200" dirty="0" err="1"/>
+              <a:t>OpenTelemetry</a:t>
+            </a:r>
+            <a:r>
+              <a:rPr lang="de-DE" sz="1200" dirty="0"/>
+              <a:t> </a:t>
+            </a:r>
+            <a:r>
+              <a:rPr lang="de-DE" sz="1200" dirty="0" err="1"/>
+              <a:t>Endpoint</a:t>
+            </a:r>
+            <a:endParaRPr lang="LID4096" sz="1200" dirty="0"/>
+          </a:p>
+        </p:txBody>
+      </p:sp>
+      <p:sp>
+        <p:nvSpPr>
+          <p:cNvPr id="11" name="Rectangle 10">
+            <a:extLst>
+              <a:ext uri="{FF2B5EF4-FFF2-40B4-BE49-F238E27FC236}">
+                <a16:creationId xmlns:a16="http://schemas.microsoft.com/office/drawing/2014/main" id="{67AF2180-4D5C-4C25-974D-6268794C1FBC}"/>
+              </a:ext>
+            </a:extLst>
+          </p:cNvPr>
+          <p:cNvSpPr/>
+          <p:nvPr/>
+        </p:nvSpPr>
+        <p:spPr>
+          <a:xfrm>
+            <a:off x="3628536" y="5019344"/>
+            <a:ext cx="1395435" cy="680383"/>
+          </a:xfrm>
+          <a:prstGeom prst="rect">
+            <a:avLst/>
+          </a:prstGeom>
+        </p:spPr>
+        <p:style>
+          <a:lnRef idx="2">
+            <a:schemeClr val="accent2">
+              <a:shade val="50000"/>
+            </a:schemeClr>
+          </a:lnRef>
+          <a:fillRef idx="1">
+            <a:schemeClr val="accent2"/>
+          </a:fillRef>
+          <a:effectRef idx="0">
+            <a:schemeClr val="accent2"/>
+          </a:effectRef>
+          <a:fontRef idx="minor">
+            <a:schemeClr val="lt1"/>
+          </a:fontRef>
+        </p:style>
+        <p:txBody>
+          <a:bodyPr rtlCol="0" anchor="ctr"/>
+          <a:lstStyle/>
+          <a:p>
+            <a:pPr algn="ctr"/>
+            <a:r>
+              <a:rPr lang="de-DE" sz="1200" dirty="0"/>
+              <a:t>REST API</a:t>
+            </a:r>
+            <a:endParaRPr lang="LID4096" sz="1200" dirty="0"/>
+          </a:p>
+        </p:txBody>
+      </p:sp>
+      <p:cxnSp>
+        <p:nvCxnSpPr>
+          <p:cNvPr id="13" name="Straight Arrow Connector 12">
+            <a:extLst>
+              <a:ext uri="{FF2B5EF4-FFF2-40B4-BE49-F238E27FC236}">
+                <a16:creationId xmlns:a16="http://schemas.microsoft.com/office/drawing/2014/main" id="{DFEE84FA-806C-4734-B569-9438E70DE30D}"/>
+              </a:ext>
+            </a:extLst>
+          </p:cNvPr>
+          <p:cNvCxnSpPr>
+            <a:stCxn id="8" idx="2"/>
+            <a:endCxn id="9" idx="1"/>
+          </p:cNvCxnSpPr>
+          <p:nvPr/>
+        </p:nvCxnSpPr>
+        <p:spPr>
+          <a:xfrm flipV="1">
+            <a:off x="2655632" y="4089775"/>
+            <a:ext cx="972904" cy="621879"/>
+          </a:xfrm>
+          <a:prstGeom prst="straightConnector1">
+            <a:avLst/>
+          </a:prstGeom>
+          <a:ln w="28575">
+            <a:tailEnd type="triangle"/>
+          </a:ln>
+        </p:spPr>
+        <p:style>
+          <a:lnRef idx="1">
+            <a:schemeClr val="dk1"/>
+          </a:lnRef>
+          <a:fillRef idx="0">
+            <a:schemeClr val="dk1"/>
+          </a:fillRef>
+          <a:effectRef idx="0">
+            <a:schemeClr val="dk1"/>
+          </a:effectRef>
+          <a:fontRef idx="minor">
+            <a:schemeClr val="tx1"/>
+          </a:fontRef>
+        </p:style>
+      </p:cxnSp>
+      <p:cxnSp>
+        <p:nvCxnSpPr>
+          <p:cNvPr id="15" name="Straight Arrow Connector 14">
+            <a:extLst>
+              <a:ext uri="{FF2B5EF4-FFF2-40B4-BE49-F238E27FC236}">
+                <a16:creationId xmlns:a16="http://schemas.microsoft.com/office/drawing/2014/main" id="{38615FCB-D23D-48EC-819A-0D0274C50968}"/>
+              </a:ext>
+            </a:extLst>
+          </p:cNvPr>
+          <p:cNvCxnSpPr>
+            <a:cxnSpLocks/>
+            <a:stCxn id="8" idx="2"/>
+            <a:endCxn id="11" idx="1"/>
+          </p:cNvCxnSpPr>
+          <p:nvPr/>
+        </p:nvCxnSpPr>
+        <p:spPr>
+          <a:xfrm>
+            <a:off x="2655632" y="4711654"/>
+            <a:ext cx="972904" cy="647882"/>
+          </a:xfrm>
+          <a:prstGeom prst="straightConnector1">
+            <a:avLst/>
+          </a:prstGeom>
+          <a:ln w="28575">
+            <a:tailEnd type="triangle"/>
+          </a:ln>
+        </p:spPr>
+        <p:style>
+          <a:lnRef idx="1">
+            <a:schemeClr val="dk1"/>
+          </a:lnRef>
+          <a:fillRef idx="0">
+            <a:schemeClr val="dk1"/>
+          </a:fillRef>
+          <a:effectRef idx="0">
+            <a:schemeClr val="dk1"/>
+          </a:effectRef>
+          <a:fontRef idx="minor">
+            <a:schemeClr val="tx1"/>
+          </a:fontRef>
+        </p:style>
+      </p:cxnSp>
+      <p:cxnSp>
+        <p:nvCxnSpPr>
+          <p:cNvPr id="19" name="Straight Arrow Connector 18">
+            <a:extLst>
+              <a:ext uri="{FF2B5EF4-FFF2-40B4-BE49-F238E27FC236}">
+                <a16:creationId xmlns:a16="http://schemas.microsoft.com/office/drawing/2014/main" id="{C0B05B9C-B7A6-4A20-B9CD-EDB22077AA42}"/>
+              </a:ext>
+            </a:extLst>
+          </p:cNvPr>
+          <p:cNvCxnSpPr>
+            <a:cxnSpLocks/>
+            <a:stCxn id="8" idx="2"/>
+            <a:endCxn id="4" idx="1"/>
+          </p:cNvCxnSpPr>
+          <p:nvPr/>
+        </p:nvCxnSpPr>
+        <p:spPr>
+          <a:xfrm>
+            <a:off x="2655632" y="4711654"/>
+            <a:ext cx="3070679" cy="0"/>
+          </a:xfrm>
+          <a:prstGeom prst="straightConnector1">
+            <a:avLst/>
+          </a:prstGeom>
+          <a:ln w="28575">
+            <a:tailEnd type="triangle"/>
+          </a:ln>
+        </p:spPr>
+        <p:style>
+          <a:lnRef idx="1">
+            <a:schemeClr val="dk1"/>
+          </a:lnRef>
+          <a:fillRef idx="0">
+            <a:schemeClr val="dk1"/>
+          </a:fillRef>
+          <a:effectRef idx="0">
+            <a:schemeClr val="dk1"/>
+          </a:effectRef>
+          <a:fontRef idx="minor">
+            <a:schemeClr val="tx1"/>
+          </a:fontRef>
+        </p:style>
+      </p:cxnSp>
+      <p:cxnSp>
+        <p:nvCxnSpPr>
+          <p:cNvPr id="23" name="Straight Arrow Connector 22">
+            <a:extLst>
+              <a:ext uri="{FF2B5EF4-FFF2-40B4-BE49-F238E27FC236}">
+                <a16:creationId xmlns:a16="http://schemas.microsoft.com/office/drawing/2014/main" id="{AF13DD96-2C4F-4F9B-8801-859CA765C4BA}"/>
+              </a:ext>
+            </a:extLst>
+          </p:cNvPr>
+          <p:cNvCxnSpPr>
+            <a:cxnSpLocks/>
+            <a:stCxn id="11" idx="3"/>
+            <a:endCxn id="4" idx="1"/>
+          </p:cNvCxnSpPr>
+          <p:nvPr/>
+        </p:nvCxnSpPr>
+        <p:spPr>
+          <a:xfrm flipV="1">
+            <a:off x="5023971" y="4711654"/>
+            <a:ext cx="702340" cy="647882"/>
+          </a:xfrm>
+          <a:prstGeom prst="straightConnector1">
+            <a:avLst/>
+          </a:prstGeom>
+          <a:ln w="28575">
+            <a:tailEnd type="triangle"/>
+          </a:ln>
+        </p:spPr>
+        <p:style>
+          <a:lnRef idx="1">
+            <a:schemeClr val="dk1"/>
+          </a:lnRef>
+          <a:fillRef idx="0">
+            <a:schemeClr val="dk1"/>
+          </a:fillRef>
+          <a:effectRef idx="0">
+            <a:schemeClr val="dk1"/>
+          </a:effectRef>
+          <a:fontRef idx="minor">
+            <a:schemeClr val="tx1"/>
+          </a:fontRef>
+        </p:style>
+      </p:cxnSp>
+      <p:cxnSp>
+        <p:nvCxnSpPr>
+          <p:cNvPr id="27" name="Straight Arrow Connector 26">
+            <a:extLst>
+              <a:ext uri="{FF2B5EF4-FFF2-40B4-BE49-F238E27FC236}">
+                <a16:creationId xmlns:a16="http://schemas.microsoft.com/office/drawing/2014/main" id="{6ED65911-DF21-40F4-9A2C-5367DBB2E0FA}"/>
+              </a:ext>
+            </a:extLst>
+          </p:cNvPr>
+          <p:cNvCxnSpPr>
+            <a:cxnSpLocks/>
+            <a:stCxn id="9" idx="3"/>
+            <a:endCxn id="4" idx="1"/>
+          </p:cNvCxnSpPr>
+          <p:nvPr/>
+        </p:nvCxnSpPr>
+        <p:spPr>
+          <a:xfrm>
+            <a:off x="5023971" y="4089775"/>
+            <a:ext cx="702340" cy="621879"/>
+          </a:xfrm>
+          <a:prstGeom prst="straightConnector1">
+            <a:avLst/>
+          </a:prstGeom>
+          <a:ln w="28575">
+            <a:tailEnd type="triangle"/>
+          </a:ln>
+        </p:spPr>
+        <p:style>
+          <a:lnRef idx="1">
+            <a:schemeClr val="dk1"/>
+          </a:lnRef>
+          <a:fillRef idx="0">
+            <a:schemeClr val="dk1"/>
+          </a:fillRef>
+          <a:effectRef idx="0">
+            <a:schemeClr val="dk1"/>
+          </a:effectRef>
+          <a:fontRef idx="minor">
+            <a:schemeClr val="tx1"/>
+          </a:fontRef>
+        </p:style>
+      </p:cxnSp>
+      <p:sp>
+        <p:nvSpPr>
+          <p:cNvPr id="38" name="Rectangle 37">
+            <a:extLst>
+              <a:ext uri="{FF2B5EF4-FFF2-40B4-BE49-F238E27FC236}">
+                <a16:creationId xmlns:a16="http://schemas.microsoft.com/office/drawing/2014/main" id="{03D76055-D4F1-4D73-82EE-4C1191676195}"/>
+              </a:ext>
+            </a:extLst>
+          </p:cNvPr>
+          <p:cNvSpPr/>
+          <p:nvPr/>
+        </p:nvSpPr>
+        <p:spPr>
+          <a:xfrm>
+            <a:off x="7446480" y="3514477"/>
+            <a:ext cx="931735" cy="575297"/>
+          </a:xfrm>
+          <a:prstGeom prst="rect">
+            <a:avLst/>
+          </a:prstGeom>
+        </p:spPr>
+        <p:style>
+          <a:lnRef idx="2">
+            <a:schemeClr val="accent2">
+              <a:shade val="50000"/>
+            </a:schemeClr>
+          </a:lnRef>
+          <a:fillRef idx="1">
+            <a:schemeClr val="accent2"/>
+          </a:fillRef>
+          <a:effectRef idx="0">
+            <a:schemeClr val="accent2"/>
+          </a:effectRef>
+          <a:fontRef idx="minor">
+            <a:schemeClr val="lt1"/>
+          </a:fontRef>
+        </p:style>
+        <p:txBody>
+          <a:bodyPr rtlCol="0" anchor="ctr"/>
+          <a:lstStyle/>
+          <a:p>
+            <a:pPr algn="ctr"/>
+            <a:r>
+              <a:rPr lang="de-DE" sz="1200" dirty="0"/>
+              <a:t>Aggregator</a:t>
+            </a:r>
+            <a:endParaRPr lang="LID4096" sz="1200" dirty="0"/>
+          </a:p>
+        </p:txBody>
+      </p:sp>
+      <p:cxnSp>
+        <p:nvCxnSpPr>
+          <p:cNvPr id="40" name="Connector: Elbow 39">
+            <a:extLst>
+              <a:ext uri="{FF2B5EF4-FFF2-40B4-BE49-F238E27FC236}">
+                <a16:creationId xmlns:a16="http://schemas.microsoft.com/office/drawing/2014/main" id="{A636CEE0-9C4B-4056-AA51-65903619E45B}"/>
+              </a:ext>
+            </a:extLst>
+          </p:cNvPr>
+          <p:cNvCxnSpPr>
+            <a:cxnSpLocks/>
+            <a:stCxn id="38" idx="1"/>
+            <a:endCxn id="4" idx="4"/>
+          </p:cNvCxnSpPr>
+          <p:nvPr/>
+        </p:nvCxnSpPr>
+        <p:spPr>
+          <a:xfrm rot="10800000" flipV="1">
+            <a:off x="6562562" y="3802125"/>
+            <a:ext cx="883919" cy="545945"/>
+          </a:xfrm>
+          <a:prstGeom prst="bentConnector2">
+            <a:avLst/>
+          </a:prstGeom>
+          <a:ln w="28575">
+            <a:tailEnd type="triangle"/>
+          </a:ln>
+        </p:spPr>
+        <p:style>
+          <a:lnRef idx="1">
+            <a:schemeClr val="dk1"/>
+          </a:lnRef>
+          <a:fillRef idx="0">
+            <a:schemeClr val="dk1"/>
+          </a:fillRef>
+          <a:effectRef idx="0">
+            <a:schemeClr val="dk1"/>
+          </a:effectRef>
+          <a:fontRef idx="minor">
+            <a:schemeClr val="tx1"/>
+          </a:fontRef>
+        </p:style>
+      </p:cxnSp>
+      <p:cxnSp>
+        <p:nvCxnSpPr>
+          <p:cNvPr id="44" name="Straight Arrow Connector 43">
+            <a:extLst>
+              <a:ext uri="{FF2B5EF4-FFF2-40B4-BE49-F238E27FC236}">
+                <a16:creationId xmlns:a16="http://schemas.microsoft.com/office/drawing/2014/main" id="{C50849AD-2C52-4D5A-8470-A52FFA33B197}"/>
+              </a:ext>
+            </a:extLst>
+          </p:cNvPr>
+          <p:cNvCxnSpPr>
+            <a:cxnSpLocks/>
+          </p:cNvCxnSpPr>
+          <p:nvPr/>
+        </p:nvCxnSpPr>
+        <p:spPr>
+          <a:xfrm flipV="1">
+            <a:off x="6675091" y="4248175"/>
+            <a:ext cx="589810" cy="1"/>
+          </a:xfrm>
+          <a:prstGeom prst="straightConnector1">
+            <a:avLst/>
+          </a:prstGeom>
+          <a:ln w="28575">
+            <a:tailEnd type="triangle"/>
+          </a:ln>
+        </p:spPr>
+        <p:style>
+          <a:lnRef idx="1">
+            <a:schemeClr val="dk1"/>
+          </a:lnRef>
+          <a:fillRef idx="0">
+            <a:schemeClr val="dk1"/>
+          </a:fillRef>
+          <a:effectRef idx="0">
+            <a:schemeClr val="dk1"/>
+          </a:effectRef>
+          <a:fontRef idx="minor">
+            <a:schemeClr val="tx1"/>
+          </a:fontRef>
+        </p:style>
+      </p:cxnSp>
+      <p:sp>
+        <p:nvSpPr>
+          <p:cNvPr id="50" name="Cylinder 49">
+            <a:extLst>
+              <a:ext uri="{FF2B5EF4-FFF2-40B4-BE49-F238E27FC236}">
+                <a16:creationId xmlns:a16="http://schemas.microsoft.com/office/drawing/2014/main" id="{19598583-FB3D-4BF6-BD49-14950878A6A3}"/>
+              </a:ext>
+            </a:extLst>
+          </p:cNvPr>
+          <p:cNvSpPr/>
+          <p:nvPr/>
+        </p:nvSpPr>
+        <p:spPr>
+          <a:xfrm>
+            <a:off x="7312359" y="2557005"/>
+            <a:ext cx="1199977" cy="514838"/>
+          </a:xfrm>
+          <a:prstGeom prst="can">
+            <a:avLst/>
+          </a:prstGeom>
+        </p:spPr>
+        <p:style>
+          <a:lnRef idx="2">
+            <a:schemeClr val="accent1">
+              <a:shade val="50000"/>
+            </a:schemeClr>
+          </a:lnRef>
+          <a:fillRef idx="1">
+            <a:schemeClr val="accent1"/>
+          </a:fillRef>
+          <a:effectRef idx="0">
+            <a:schemeClr val="accent1"/>
+          </a:effectRef>
+          <a:fontRef idx="minor">
+            <a:schemeClr val="lt1"/>
+          </a:fontRef>
+        </p:style>
+        <p:txBody>
+          <a:bodyPr vert="horz" rtlCol="0" anchor="ctr"/>
+          <a:lstStyle/>
+          <a:p>
+            <a:pPr algn="ctr"/>
+            <a:r>
+              <a:rPr lang="de-DE" dirty="0"/>
+              <a:t>Snapshots</a:t>
+            </a:r>
+            <a:endParaRPr lang="LID4096" dirty="0"/>
+          </a:p>
+        </p:txBody>
+      </p:sp>
+      <p:cxnSp>
+        <p:nvCxnSpPr>
+          <p:cNvPr id="52" name="Straight Arrow Connector 51">
+            <a:extLst>
+              <a:ext uri="{FF2B5EF4-FFF2-40B4-BE49-F238E27FC236}">
+                <a16:creationId xmlns:a16="http://schemas.microsoft.com/office/drawing/2014/main" id="{1A86FB7A-F3C9-4F50-BC25-F544F733B05E}"/>
+              </a:ext>
+            </a:extLst>
+          </p:cNvPr>
+          <p:cNvCxnSpPr>
+            <a:cxnSpLocks/>
+            <a:stCxn id="38" idx="0"/>
+            <a:endCxn id="50" idx="3"/>
+          </p:cNvCxnSpPr>
+          <p:nvPr/>
+        </p:nvCxnSpPr>
+        <p:spPr>
+          <a:xfrm flipV="1">
+            <a:off x="7912348" y="3071843"/>
+            <a:ext cx="0" cy="442634"/>
+          </a:xfrm>
+          <a:prstGeom prst="straightConnector1">
+            <a:avLst/>
+          </a:prstGeom>
+          <a:ln w="28575">
+            <a:tailEnd type="triangle"/>
+          </a:ln>
+        </p:spPr>
+        <p:style>
+          <a:lnRef idx="1">
+            <a:schemeClr val="dk1"/>
+          </a:lnRef>
+          <a:fillRef idx="0">
+            <a:schemeClr val="dk1"/>
+          </a:fillRef>
+          <a:effectRef idx="0">
+            <a:schemeClr val="dk1"/>
+          </a:effectRef>
+          <a:fontRef idx="minor">
+            <a:schemeClr val="tx1"/>
+          </a:fontRef>
+        </p:style>
+      </p:cxnSp>
+      <p:sp>
+        <p:nvSpPr>
+          <p:cNvPr id="56" name="Rectangle 55">
+            <a:extLst>
+              <a:ext uri="{FF2B5EF4-FFF2-40B4-BE49-F238E27FC236}">
+                <a16:creationId xmlns:a16="http://schemas.microsoft.com/office/drawing/2014/main" id="{3CFACCB0-30F6-4C98-967B-8492DB59C68B}"/>
+              </a:ext>
+            </a:extLst>
+          </p:cNvPr>
+          <p:cNvSpPr/>
+          <p:nvPr/>
+        </p:nvSpPr>
+        <p:spPr>
+          <a:xfrm>
+            <a:off x="9302137" y="3516345"/>
+            <a:ext cx="1052355" cy="575297"/>
+          </a:xfrm>
+          <a:prstGeom prst="rect">
+            <a:avLst/>
+          </a:prstGeom>
+        </p:spPr>
+        <p:style>
+          <a:lnRef idx="2">
+            <a:schemeClr val="accent1">
+              <a:shade val="50000"/>
+            </a:schemeClr>
+          </a:lnRef>
+          <a:fillRef idx="1">
+            <a:schemeClr val="accent1"/>
+          </a:fillRef>
+          <a:effectRef idx="0">
+            <a:schemeClr val="accent1"/>
+          </a:effectRef>
+          <a:fontRef idx="minor">
+            <a:schemeClr val="lt1"/>
+          </a:fontRef>
+        </p:style>
+        <p:txBody>
+          <a:bodyPr rtlCol="0" anchor="ctr"/>
+          <a:lstStyle/>
+          <a:p>
+            <a:pPr algn="ctr"/>
+            <a:r>
+              <a:rPr lang="de-DE" sz="1200" dirty="0"/>
+              <a:t>Marketplace Metering API</a:t>
+            </a:r>
+            <a:endParaRPr lang="LID4096" sz="1200" dirty="0"/>
+          </a:p>
+        </p:txBody>
+      </p:sp>
+      <p:cxnSp>
+        <p:nvCxnSpPr>
+          <p:cNvPr id="58" name="Straight Arrow Connector 57">
+            <a:extLst>
+              <a:ext uri="{FF2B5EF4-FFF2-40B4-BE49-F238E27FC236}">
+                <a16:creationId xmlns:a16="http://schemas.microsoft.com/office/drawing/2014/main" id="{F2F12BFE-07A5-429F-A161-2A8D77D8797A}"/>
+              </a:ext>
+            </a:extLst>
+          </p:cNvPr>
+          <p:cNvCxnSpPr>
+            <a:cxnSpLocks/>
+            <a:stCxn id="38" idx="3"/>
+            <a:endCxn id="56" idx="1"/>
+          </p:cNvCxnSpPr>
+          <p:nvPr/>
+        </p:nvCxnSpPr>
+        <p:spPr>
+          <a:xfrm>
+            <a:off x="8378215" y="3802126"/>
+            <a:ext cx="923922" cy="1868"/>
+          </a:xfrm>
+          <a:prstGeom prst="straightConnector1">
+            <a:avLst/>
+          </a:prstGeom>
+          <a:ln w="76200">
+            <a:tailEnd type="triangle"/>
+          </a:ln>
+        </p:spPr>
+        <p:style>
+          <a:lnRef idx="1">
+            <a:schemeClr val="dk1"/>
+          </a:lnRef>
+          <a:fillRef idx="0">
+            <a:schemeClr val="dk1"/>
+          </a:fillRef>
+          <a:effectRef idx="0">
+            <a:schemeClr val="dk1"/>
+          </a:effectRef>
+          <a:fontRef idx="minor">
+            <a:schemeClr val="tx1"/>
+          </a:fontRef>
+        </p:style>
+      </p:cxnSp>
+      <p:sp>
+        <p:nvSpPr>
+          <p:cNvPr id="62" name="Cylinder 61">
+            <a:extLst>
+              <a:ext uri="{FF2B5EF4-FFF2-40B4-BE49-F238E27FC236}">
+                <a16:creationId xmlns:a16="http://schemas.microsoft.com/office/drawing/2014/main" id="{81A85C07-69A7-4315-B836-E83DDFE0FBA3}"/>
+              </a:ext>
+            </a:extLst>
+          </p:cNvPr>
+          <p:cNvSpPr/>
+          <p:nvPr/>
+        </p:nvSpPr>
+        <p:spPr>
+          <a:xfrm>
+            <a:off x="6287524" y="5550546"/>
+            <a:ext cx="1433994" cy="514838"/>
+          </a:xfrm>
+          <a:prstGeom prst="can">
+            <a:avLst/>
+          </a:prstGeom>
+        </p:spPr>
+        <p:style>
+          <a:lnRef idx="2">
+            <a:schemeClr val="accent1">
+              <a:shade val="50000"/>
+            </a:schemeClr>
+          </a:lnRef>
+          <a:fillRef idx="1">
+            <a:schemeClr val="accent1"/>
+          </a:fillRef>
+          <a:effectRef idx="0">
+            <a:schemeClr val="accent1"/>
+          </a:effectRef>
+          <a:fontRef idx="minor">
+            <a:schemeClr val="lt1"/>
+          </a:fontRef>
+        </p:style>
+        <p:txBody>
+          <a:bodyPr vert="horz" rtlCol="0" anchor="ctr"/>
+          <a:lstStyle/>
+          <a:p>
+            <a:pPr algn="ctr"/>
+            <a:r>
+              <a:rPr lang="de-DE" dirty="0"/>
+              <a:t>EH Capture</a:t>
+            </a:r>
+            <a:endParaRPr lang="LID4096" dirty="0"/>
+          </a:p>
+        </p:txBody>
+      </p:sp>
+      <p:cxnSp>
+        <p:nvCxnSpPr>
+          <p:cNvPr id="64" name="Connector: Elbow 63">
+            <a:extLst>
+              <a:ext uri="{FF2B5EF4-FFF2-40B4-BE49-F238E27FC236}">
+                <a16:creationId xmlns:a16="http://schemas.microsoft.com/office/drawing/2014/main" id="{5EEEB283-287B-41BC-B3DC-3C7F375C2EC8}"/>
+              </a:ext>
+            </a:extLst>
+          </p:cNvPr>
+          <p:cNvCxnSpPr>
+            <a:cxnSpLocks/>
+            <a:stCxn id="4" idx="2"/>
+            <a:endCxn id="62" idx="1"/>
+          </p:cNvCxnSpPr>
+          <p:nvPr/>
+        </p:nvCxnSpPr>
+        <p:spPr>
+          <a:xfrm rot="16200000" flipH="1">
+            <a:off x="6545887" y="5091911"/>
+            <a:ext cx="475309" cy="441960"/>
+          </a:xfrm>
+          <a:prstGeom prst="bentConnector3">
+            <a:avLst>
+              <a:gd name="adj1" fmla="val 50000"/>
+            </a:avLst>
+          </a:prstGeom>
+          <a:ln w="28575">
+            <a:prstDash val="sysDash"/>
+            <a:tailEnd type="triangle"/>
+          </a:ln>
+        </p:spPr>
+        <p:style>
+          <a:lnRef idx="1">
+            <a:schemeClr val="dk1"/>
+          </a:lnRef>
+          <a:fillRef idx="0">
+            <a:schemeClr val="dk1"/>
+          </a:fillRef>
+          <a:effectRef idx="0">
+            <a:schemeClr val="dk1"/>
+          </a:effectRef>
+          <a:fontRef idx="minor">
+            <a:schemeClr val="tx1"/>
+          </a:fontRef>
+        </p:style>
+      </p:cxnSp>
+      <p:sp>
+        <p:nvSpPr>
+          <p:cNvPr id="68" name="Speech Bubble: Rectangle 67">
+            <a:extLst>
+              <a:ext uri="{FF2B5EF4-FFF2-40B4-BE49-F238E27FC236}">
+                <a16:creationId xmlns:a16="http://schemas.microsoft.com/office/drawing/2014/main" id="{1BFB517C-33FE-4F67-96A1-628758208AB1}"/>
+              </a:ext>
+            </a:extLst>
+          </p:cNvPr>
+          <p:cNvSpPr/>
+          <p:nvPr/>
+        </p:nvSpPr>
+        <p:spPr>
+          <a:xfrm>
+            <a:off x="9283406" y="2186237"/>
+            <a:ext cx="1900409" cy="884538"/>
+          </a:xfrm>
+          <a:prstGeom prst="wedgeRectCallout">
+            <a:avLst>
+              <a:gd name="adj1" fmla="val -97170"/>
+              <a:gd name="adj2" fmla="val 107727"/>
+            </a:avLst>
+          </a:prstGeom>
+        </p:spPr>
+        <p:style>
+          <a:lnRef idx="2">
+            <a:schemeClr val="dk1"/>
+          </a:lnRef>
+          <a:fillRef idx="1">
+            <a:schemeClr val="lt1"/>
+          </a:fillRef>
+          <a:effectRef idx="0">
+            <a:schemeClr val="dk1"/>
+          </a:effectRef>
+          <a:fontRef idx="minor">
+            <a:schemeClr val="dk1"/>
+          </a:fontRef>
+        </p:style>
+        <p:txBody>
+          <a:bodyPr rtlCol="0" anchor="t"/>
+          <a:lstStyle/>
+          <a:p>
+            <a:r>
+              <a:rPr lang="en-US" sz="1200"/>
+              <a:t>Hosting e.g. on …</a:t>
+            </a:r>
+          </a:p>
+          <a:p>
+            <a:pPr marL="114300" indent="-114300">
+              <a:buFont typeface="Arial" panose="020B0604020202020204" pitchFamily="34" charset="0"/>
+              <a:buChar char="•"/>
+            </a:pPr>
+            <a:r>
+              <a:rPr lang="en-US" sz="1200"/>
+              <a:t>Azure Functions</a:t>
+            </a:r>
+          </a:p>
+          <a:p>
+            <a:pPr marL="114300" indent="-114300">
+              <a:buFont typeface="Arial" panose="020B0604020202020204" pitchFamily="34" charset="0"/>
+              <a:buChar char="•"/>
+            </a:pPr>
+            <a:r>
+              <a:rPr lang="en-US" sz="1200"/>
+              <a:t>Container (ACI, AKS)</a:t>
+            </a:r>
+          </a:p>
+          <a:p>
+            <a:pPr marL="114300" indent="-114300">
+              <a:buFont typeface="Arial" panose="020B0604020202020204" pitchFamily="34" charset="0"/>
+              <a:buChar char="•"/>
+            </a:pPr>
+            <a:r>
+              <a:rPr lang="en-US" sz="1200"/>
+              <a:t>Self-hosted anywhere</a:t>
+            </a:r>
+          </a:p>
+        </p:txBody>
+      </p:sp>
+      <p:sp>
+        <p:nvSpPr>
+          <p:cNvPr id="70" name="Speech Bubble: Rectangle 69">
+            <a:extLst>
+              <a:ext uri="{FF2B5EF4-FFF2-40B4-BE49-F238E27FC236}">
+                <a16:creationId xmlns:a16="http://schemas.microsoft.com/office/drawing/2014/main" id="{8F17B299-D210-4431-8E3F-BA16AE5917A5}"/>
+              </a:ext>
+            </a:extLst>
+          </p:cNvPr>
+          <p:cNvSpPr/>
+          <p:nvPr/>
+        </p:nvSpPr>
+        <p:spPr>
+          <a:xfrm>
+            <a:off x="4946083" y="2256432"/>
+            <a:ext cx="1900409" cy="884538"/>
+          </a:xfrm>
+          <a:prstGeom prst="wedgeRectCallout">
+            <a:avLst>
+              <a:gd name="adj1" fmla="val 58976"/>
+              <a:gd name="adj2" fmla="val 126116"/>
+            </a:avLst>
+          </a:prstGeom>
+        </p:spPr>
+        <p:style>
+          <a:lnRef idx="2">
+            <a:schemeClr val="dk1"/>
+          </a:lnRef>
+          <a:fillRef idx="1">
+            <a:schemeClr val="lt1"/>
+          </a:fillRef>
+          <a:effectRef idx="0">
+            <a:schemeClr val="dk1"/>
+          </a:effectRef>
+          <a:fontRef idx="minor">
+            <a:schemeClr val="dk1"/>
+          </a:fontRef>
+        </p:style>
+        <p:txBody>
+          <a:bodyPr rtlCol="0" anchor="t"/>
+          <a:lstStyle/>
+          <a:p>
+            <a:r>
+              <a:rPr lang="en-US" sz="1050"/>
+              <a:t>If running on Functions, certainly not using EventHub binding (triggered per message), but cron-style</a:t>
+            </a:r>
+          </a:p>
+        </p:txBody>
+      </p:sp>
+      <p:sp>
+        <p:nvSpPr>
+          <p:cNvPr id="72" name="Speech Bubble: Rectangle 71">
+            <a:extLst>
+              <a:ext uri="{FF2B5EF4-FFF2-40B4-BE49-F238E27FC236}">
+                <a16:creationId xmlns:a16="http://schemas.microsoft.com/office/drawing/2014/main" id="{01C8DCC3-FBF0-4F3A-BF86-9379C7726CA8}"/>
+              </a:ext>
+            </a:extLst>
+          </p:cNvPr>
+          <p:cNvSpPr/>
+          <p:nvPr/>
+        </p:nvSpPr>
+        <p:spPr>
+          <a:xfrm>
+            <a:off x="8102512" y="783970"/>
+            <a:ext cx="1900409" cy="884538"/>
+          </a:xfrm>
+          <a:prstGeom prst="wedgeRectCallout">
+            <a:avLst>
+              <a:gd name="adj1" fmla="val -74732"/>
+              <a:gd name="adj2" fmla="val 148481"/>
+            </a:avLst>
+          </a:prstGeom>
+        </p:spPr>
+        <p:style>
+          <a:lnRef idx="2">
+            <a:schemeClr val="dk1"/>
+          </a:lnRef>
+          <a:fillRef idx="1">
+            <a:schemeClr val="lt1"/>
+          </a:fillRef>
+          <a:effectRef idx="0">
+            <a:schemeClr val="dk1"/>
+          </a:effectRef>
+          <a:fontRef idx="minor">
+            <a:schemeClr val="dk1"/>
+          </a:fontRef>
+        </p:style>
+        <p:txBody>
+          <a:bodyPr rtlCol="0" anchor="t"/>
+          <a:lstStyle/>
+          <a:p>
+            <a:r>
+              <a:rPr lang="en-US" sz="1200"/>
+              <a:t>Snapshotting intermediary aggregates into blobs, so consumer group can restart easily</a:t>
+            </a:r>
+          </a:p>
+        </p:txBody>
+      </p:sp>
+      <p:sp>
+        <p:nvSpPr>
+          <p:cNvPr id="2" name="Speech Bubble: Rectangle 1">
+            <a:extLst>
+              <a:ext uri="{FF2B5EF4-FFF2-40B4-BE49-F238E27FC236}">
+                <a16:creationId xmlns:a16="http://schemas.microsoft.com/office/drawing/2014/main" id="{1ED66244-FAB5-4314-B239-9273A9675E09}"/>
+              </a:ext>
+            </a:extLst>
+          </p:cNvPr>
+          <p:cNvSpPr/>
+          <p:nvPr/>
+        </p:nvSpPr>
+        <p:spPr>
+          <a:xfrm>
+            <a:off x="796156" y="2256432"/>
+            <a:ext cx="1900409" cy="884538"/>
+          </a:xfrm>
+          <a:prstGeom prst="wedgeRectCallout">
+            <a:avLst>
+              <a:gd name="adj1" fmla="val 74841"/>
+              <a:gd name="adj2" fmla="val 190112"/>
+            </a:avLst>
+          </a:prstGeom>
+        </p:spPr>
+        <p:style>
+          <a:lnRef idx="2">
+            <a:schemeClr val="dk1"/>
+          </a:lnRef>
+          <a:fillRef idx="1">
+            <a:schemeClr val="lt1"/>
+          </a:fillRef>
+          <a:effectRef idx="0">
+            <a:schemeClr val="dk1"/>
+          </a:effectRef>
+          <a:fontRef idx="minor">
+            <a:schemeClr val="dk1"/>
+          </a:fontRef>
+        </p:style>
+        <p:txBody>
+          <a:bodyPr rtlCol="0" anchor="t"/>
+          <a:lstStyle/>
+          <a:p>
+            <a:r>
+              <a:rPr lang="en-US" sz="1050" dirty="0"/>
+              <a:t>System boundary / contract for ingesting billing events TBD…</a:t>
+            </a:r>
+          </a:p>
+          <a:p>
+            <a:pPr marL="171450" indent="-171450">
+              <a:buFont typeface="Arial" panose="020B0604020202020204" pitchFamily="34" charset="0"/>
+              <a:buChar char="•"/>
+            </a:pPr>
+            <a:r>
+              <a:rPr lang="en-US" sz="1050" dirty="0" err="1"/>
+              <a:t>OpenTelemetry</a:t>
+            </a:r>
+            <a:endParaRPr lang="en-US" sz="1050" dirty="0"/>
+          </a:p>
+          <a:p>
+            <a:pPr marL="171450" indent="-171450">
+              <a:buFont typeface="Arial" panose="020B0604020202020204" pitchFamily="34" charset="0"/>
+              <a:buChar char="•"/>
+            </a:pPr>
+            <a:r>
+              <a:rPr lang="en-US" sz="1050" dirty="0"/>
+              <a:t>REST</a:t>
+            </a:r>
+          </a:p>
+          <a:p>
+            <a:pPr marL="171450" indent="-171450">
+              <a:buFont typeface="Arial" panose="020B0604020202020204" pitchFamily="34" charset="0"/>
+              <a:buChar char="•"/>
+            </a:pPr>
+            <a:r>
+              <a:rPr lang="en-US" sz="1050" dirty="0"/>
+              <a:t>Write directly to EH</a:t>
+            </a:r>
+          </a:p>
+        </p:txBody>
+      </p:sp>
+      <p:sp>
+        <p:nvSpPr>
+          <p:cNvPr id="3" name="Speech Bubble: Rectangle 2">
+            <a:extLst>
+              <a:ext uri="{FF2B5EF4-FFF2-40B4-BE49-F238E27FC236}">
+                <a16:creationId xmlns:a16="http://schemas.microsoft.com/office/drawing/2014/main" id="{9BD85104-880A-46C1-8910-46DD156EF024}"/>
+              </a:ext>
+            </a:extLst>
+          </p:cNvPr>
+          <p:cNvSpPr/>
+          <p:nvPr/>
+        </p:nvSpPr>
+        <p:spPr>
+          <a:xfrm>
+            <a:off x="5140666" y="824415"/>
+            <a:ext cx="1900409" cy="594735"/>
+          </a:xfrm>
+          <a:prstGeom prst="wedgeRectCallout">
+            <a:avLst>
+              <a:gd name="adj1" fmla="val 58323"/>
+              <a:gd name="adj2" fmla="val 283185"/>
+            </a:avLst>
+          </a:prstGeom>
+        </p:spPr>
+        <p:style>
+          <a:lnRef idx="2">
+            <a:schemeClr val="dk1"/>
+          </a:lnRef>
+          <a:fillRef idx="1">
+            <a:schemeClr val="lt1"/>
+          </a:fillRef>
+          <a:effectRef idx="0">
+            <a:schemeClr val="dk1"/>
+          </a:effectRef>
+          <a:fontRef idx="minor">
+            <a:schemeClr val="dk1"/>
+          </a:fontRef>
+        </p:style>
+        <p:txBody>
+          <a:bodyPr rtlCol="0" anchor="t"/>
+          <a:lstStyle/>
+          <a:p>
+            <a:r>
+              <a:rPr lang="en-US" sz="1050" dirty="0" err="1"/>
+              <a:t>EventSourcing</a:t>
+            </a:r>
+            <a:r>
+              <a:rPr lang="en-US" sz="1050" dirty="0"/>
+              <a:t> (like in </a:t>
+            </a:r>
+            <a:r>
+              <a:rPr lang="de-DE" sz="1050" dirty="0">
+                <a:hlinkClick r:id="rId2"/>
+              </a:rPr>
+              <a:t>chgeuer/</a:t>
+            </a:r>
+            <a:r>
+              <a:rPr lang="de-DE" sz="1050" dirty="0" err="1">
+                <a:hlinkClick r:id="rId2"/>
+              </a:rPr>
+              <a:t>distributed-search</a:t>
+            </a:r>
+            <a:r>
+              <a:rPr lang="de-DE" sz="1050" dirty="0">
+                <a:hlinkClick r:id="rId2"/>
+              </a:rPr>
+              <a:t> (github.com)</a:t>
+            </a:r>
+            <a:r>
+              <a:rPr lang="de-DE" sz="1050" dirty="0"/>
+              <a:t>)</a:t>
+            </a:r>
+            <a:endParaRPr lang="en-US" sz="1050" dirty="0"/>
+          </a:p>
+        </p:txBody>
+      </p:sp>
+    </p:spTree>
+    <p:extLst>
+      <p:ext uri="{BB962C8B-B14F-4D97-AF65-F5344CB8AC3E}">
+        <p14:creationId xmlns:p14="http://schemas.microsoft.com/office/powerpoint/2010/main" val="1954094564"/>
       </p:ext>
     </p:extLst>
   </p:cSld>

--- a/docs/images.pptx
+++ b/docs/images.pptx
@@ -266,7 +266,7 @@
           <a:p>
             <a:fld id="{E43E6874-846B-4036-8D9A-9072E9C8BA6D}" type="datetimeFigureOut">
               <a:rPr lang="LID4096" smtClean="0"/>
-              <a:t>10/12/2021</a:t>
+              <a:t>10/15/2021</a:t>
             </a:fld>
             <a:endParaRPr lang="LID4096"/>
           </a:p>
@@ -466,7 +466,7 @@
           <a:p>
             <a:fld id="{E43E6874-846B-4036-8D9A-9072E9C8BA6D}" type="datetimeFigureOut">
               <a:rPr lang="LID4096" smtClean="0"/>
-              <a:t>10/12/2021</a:t>
+              <a:t>10/15/2021</a:t>
             </a:fld>
             <a:endParaRPr lang="LID4096"/>
           </a:p>
@@ -676,7 +676,7 @@
           <a:p>
             <a:fld id="{E43E6874-846B-4036-8D9A-9072E9C8BA6D}" type="datetimeFigureOut">
               <a:rPr lang="LID4096" smtClean="0"/>
-              <a:t>10/12/2021</a:t>
+              <a:t>10/15/2021</a:t>
             </a:fld>
             <a:endParaRPr lang="LID4096"/>
           </a:p>
@@ -876,7 +876,7 @@
           <a:p>
             <a:fld id="{E43E6874-846B-4036-8D9A-9072E9C8BA6D}" type="datetimeFigureOut">
               <a:rPr lang="LID4096" smtClean="0"/>
-              <a:t>10/12/2021</a:t>
+              <a:t>10/15/2021</a:t>
             </a:fld>
             <a:endParaRPr lang="LID4096"/>
           </a:p>
@@ -1152,7 +1152,7 @@
           <a:p>
             <a:fld id="{E43E6874-846B-4036-8D9A-9072E9C8BA6D}" type="datetimeFigureOut">
               <a:rPr lang="LID4096" smtClean="0"/>
-              <a:t>10/12/2021</a:t>
+              <a:t>10/15/2021</a:t>
             </a:fld>
             <a:endParaRPr lang="LID4096"/>
           </a:p>
@@ -1420,7 +1420,7 @@
           <a:p>
             <a:fld id="{E43E6874-846B-4036-8D9A-9072E9C8BA6D}" type="datetimeFigureOut">
               <a:rPr lang="LID4096" smtClean="0"/>
-              <a:t>10/12/2021</a:t>
+              <a:t>10/15/2021</a:t>
             </a:fld>
             <a:endParaRPr lang="LID4096"/>
           </a:p>
@@ -1835,7 +1835,7 @@
           <a:p>
             <a:fld id="{E43E6874-846B-4036-8D9A-9072E9C8BA6D}" type="datetimeFigureOut">
               <a:rPr lang="LID4096" smtClean="0"/>
-              <a:t>10/12/2021</a:t>
+              <a:t>10/15/2021</a:t>
             </a:fld>
             <a:endParaRPr lang="LID4096"/>
           </a:p>
@@ -1977,7 +1977,7 @@
           <a:p>
             <a:fld id="{E43E6874-846B-4036-8D9A-9072E9C8BA6D}" type="datetimeFigureOut">
               <a:rPr lang="LID4096" smtClean="0"/>
-              <a:t>10/12/2021</a:t>
+              <a:t>10/15/2021</a:t>
             </a:fld>
             <a:endParaRPr lang="LID4096"/>
           </a:p>
@@ -2090,7 +2090,7 @@
           <a:p>
             <a:fld id="{E43E6874-846B-4036-8D9A-9072E9C8BA6D}" type="datetimeFigureOut">
               <a:rPr lang="LID4096" smtClean="0"/>
-              <a:t>10/12/2021</a:t>
+              <a:t>10/15/2021</a:t>
             </a:fld>
             <a:endParaRPr lang="LID4096"/>
           </a:p>
@@ -2403,7 +2403,7 @@
           <a:p>
             <a:fld id="{E43E6874-846B-4036-8D9A-9072E9C8BA6D}" type="datetimeFigureOut">
               <a:rPr lang="LID4096" smtClean="0"/>
-              <a:t>10/12/2021</a:t>
+              <a:t>10/15/2021</a:t>
             </a:fld>
             <a:endParaRPr lang="LID4096"/>
           </a:p>
@@ -2692,7 +2692,7 @@
           <a:p>
             <a:fld id="{E43E6874-846B-4036-8D9A-9072E9C8BA6D}" type="datetimeFigureOut">
               <a:rPr lang="LID4096" smtClean="0"/>
-              <a:t>10/12/2021</a:t>
+              <a:t>10/15/2021</a:t>
             </a:fld>
             <a:endParaRPr lang="LID4096"/>
           </a:p>
@@ -2935,7 +2935,7 @@
           <a:p>
             <a:fld id="{E43E6874-846B-4036-8D9A-9072E9C8BA6D}" type="datetimeFigureOut">
               <a:rPr lang="LID4096" smtClean="0"/>
-              <a:t>10/12/2021</a:t>
+              <a:t>10/15/2021</a:t>
             </a:fld>
             <a:endParaRPr lang="LID4096"/>
           </a:p>
@@ -4908,44 +4908,80 @@
             <a:custGeom>
               <a:avLst/>
               <a:gdLst>
-                <a:gd name="connsiteX0" fmla="*/ 0 w 2545894"/>
-                <a:gd name="connsiteY0" fmla="*/ 0 h 1950697"/>
-                <a:gd name="connsiteX1" fmla="*/ 560097 w 2545894"/>
-                <a:gd name="connsiteY1" fmla="*/ 0 h 1950697"/>
-                <a:gd name="connsiteX2" fmla="*/ 1069275 w 2545894"/>
-                <a:gd name="connsiteY2" fmla="*/ 0 h 1950697"/>
-                <a:gd name="connsiteX3" fmla="*/ 1603913 w 2545894"/>
-                <a:gd name="connsiteY3" fmla="*/ 0 h 1950697"/>
-                <a:gd name="connsiteX4" fmla="*/ 2036715 w 2545894"/>
-                <a:gd name="connsiteY4" fmla="*/ 0 h 1950697"/>
-                <a:gd name="connsiteX5" fmla="*/ 2545894 w 2545894"/>
-                <a:gd name="connsiteY5" fmla="*/ 0 h 1950697"/>
-                <a:gd name="connsiteX6" fmla="*/ 2545894 w 2545894"/>
-                <a:gd name="connsiteY6" fmla="*/ 448660 h 1950697"/>
-                <a:gd name="connsiteX7" fmla="*/ 2545894 w 2545894"/>
-                <a:gd name="connsiteY7" fmla="*/ 936335 h 1950697"/>
-                <a:gd name="connsiteX8" fmla="*/ 2545894 w 2545894"/>
-                <a:gd name="connsiteY8" fmla="*/ 1365488 h 1950697"/>
-                <a:gd name="connsiteX9" fmla="*/ 2545894 w 2545894"/>
-                <a:gd name="connsiteY9" fmla="*/ 1950697 h 1950697"/>
-                <a:gd name="connsiteX10" fmla="*/ 2036715 w 2545894"/>
-                <a:gd name="connsiteY10" fmla="*/ 1950697 h 1950697"/>
-                <a:gd name="connsiteX11" fmla="*/ 1603913 w 2545894"/>
-                <a:gd name="connsiteY11" fmla="*/ 1950697 h 1950697"/>
-                <a:gd name="connsiteX12" fmla="*/ 1145652 w 2545894"/>
-                <a:gd name="connsiteY12" fmla="*/ 1950697 h 1950697"/>
-                <a:gd name="connsiteX13" fmla="*/ 687391 w 2545894"/>
-                <a:gd name="connsiteY13" fmla="*/ 1950697 h 1950697"/>
-                <a:gd name="connsiteX14" fmla="*/ 0 w 2545894"/>
-                <a:gd name="connsiteY14" fmla="*/ 1950697 h 1950697"/>
-                <a:gd name="connsiteX15" fmla="*/ 0 w 2545894"/>
-                <a:gd name="connsiteY15" fmla="*/ 1424009 h 1950697"/>
-                <a:gd name="connsiteX16" fmla="*/ 0 w 2545894"/>
-                <a:gd name="connsiteY16" fmla="*/ 955842 h 1950697"/>
-                <a:gd name="connsiteX17" fmla="*/ 0 w 2545894"/>
-                <a:gd name="connsiteY17" fmla="*/ 507181 h 1950697"/>
-                <a:gd name="connsiteX18" fmla="*/ 0 w 2545894"/>
-                <a:gd name="connsiteY18" fmla="*/ 0 h 1950697"/>
+                <a:gd name="connsiteX0" fmla="*/ 0 w 5490796"/>
+                <a:gd name="connsiteY0" fmla="*/ 0 h 4207119"/>
+                <a:gd name="connsiteX1" fmla="*/ 658896 w 5490796"/>
+                <a:gd name="connsiteY1" fmla="*/ 0 h 4207119"/>
+                <a:gd name="connsiteX2" fmla="*/ 1207975 w 5490796"/>
+                <a:gd name="connsiteY2" fmla="*/ 0 h 4207119"/>
+                <a:gd name="connsiteX3" fmla="*/ 1811963 w 5490796"/>
+                <a:gd name="connsiteY3" fmla="*/ 0 h 4207119"/>
+                <a:gd name="connsiteX4" fmla="*/ 2196318 w 5490796"/>
+                <a:gd name="connsiteY4" fmla="*/ 0 h 4207119"/>
+                <a:gd name="connsiteX5" fmla="*/ 2690490 w 5490796"/>
+                <a:gd name="connsiteY5" fmla="*/ 0 h 4207119"/>
+                <a:gd name="connsiteX6" fmla="*/ 3129754 w 5490796"/>
+                <a:gd name="connsiteY6" fmla="*/ 0 h 4207119"/>
+                <a:gd name="connsiteX7" fmla="*/ 3733741 w 5490796"/>
+                <a:gd name="connsiteY7" fmla="*/ 0 h 4207119"/>
+                <a:gd name="connsiteX8" fmla="*/ 4392637 w 5490796"/>
+                <a:gd name="connsiteY8" fmla="*/ 0 h 4207119"/>
+                <a:gd name="connsiteX9" fmla="*/ 4886808 w 5490796"/>
+                <a:gd name="connsiteY9" fmla="*/ 0 h 4207119"/>
+                <a:gd name="connsiteX10" fmla="*/ 5490796 w 5490796"/>
+                <a:gd name="connsiteY10" fmla="*/ 0 h 4207119"/>
+                <a:gd name="connsiteX11" fmla="*/ 5490796 w 5490796"/>
+                <a:gd name="connsiteY11" fmla="*/ 525890 h 4207119"/>
+                <a:gd name="connsiteX12" fmla="*/ 5490796 w 5490796"/>
+                <a:gd name="connsiteY12" fmla="*/ 1051780 h 4207119"/>
+                <a:gd name="connsiteX13" fmla="*/ 5490796 w 5490796"/>
+                <a:gd name="connsiteY13" fmla="*/ 1661812 h 4207119"/>
+                <a:gd name="connsiteX14" fmla="*/ 5490796 w 5490796"/>
+                <a:gd name="connsiteY14" fmla="*/ 2271844 h 4207119"/>
+                <a:gd name="connsiteX15" fmla="*/ 5490796 w 5490796"/>
+                <a:gd name="connsiteY15" fmla="*/ 2881877 h 4207119"/>
+                <a:gd name="connsiteX16" fmla="*/ 5490796 w 5490796"/>
+                <a:gd name="connsiteY16" fmla="*/ 3491909 h 4207119"/>
+                <a:gd name="connsiteX17" fmla="*/ 5490796 w 5490796"/>
+                <a:gd name="connsiteY17" fmla="*/ 4207119 h 4207119"/>
+                <a:gd name="connsiteX18" fmla="*/ 4996624 w 5490796"/>
+                <a:gd name="connsiteY18" fmla="*/ 4207119 h 4207119"/>
+                <a:gd name="connsiteX19" fmla="*/ 4502453 w 5490796"/>
+                <a:gd name="connsiteY19" fmla="*/ 4207119 h 4207119"/>
+                <a:gd name="connsiteX20" fmla="*/ 3898465 w 5490796"/>
+                <a:gd name="connsiteY20" fmla="*/ 4207119 h 4207119"/>
+                <a:gd name="connsiteX21" fmla="*/ 3349386 w 5490796"/>
+                <a:gd name="connsiteY21" fmla="*/ 4207119 h 4207119"/>
+                <a:gd name="connsiteX22" fmla="*/ 2910122 w 5490796"/>
+                <a:gd name="connsiteY22" fmla="*/ 4207119 h 4207119"/>
+                <a:gd name="connsiteX23" fmla="*/ 2470858 w 5490796"/>
+                <a:gd name="connsiteY23" fmla="*/ 4207119 h 4207119"/>
+                <a:gd name="connsiteX24" fmla="*/ 2086502 w 5490796"/>
+                <a:gd name="connsiteY24" fmla="*/ 4207119 h 4207119"/>
+                <a:gd name="connsiteX25" fmla="*/ 1647239 w 5490796"/>
+                <a:gd name="connsiteY25" fmla="*/ 4207119 h 4207119"/>
+                <a:gd name="connsiteX26" fmla="*/ 1043251 w 5490796"/>
+                <a:gd name="connsiteY26" fmla="*/ 4207119 h 4207119"/>
+                <a:gd name="connsiteX27" fmla="*/ 603988 w 5490796"/>
+                <a:gd name="connsiteY27" fmla="*/ 4207119 h 4207119"/>
+                <a:gd name="connsiteX28" fmla="*/ 0 w 5490796"/>
+                <a:gd name="connsiteY28" fmla="*/ 4207119 h 4207119"/>
+                <a:gd name="connsiteX29" fmla="*/ 0 w 5490796"/>
+                <a:gd name="connsiteY29" fmla="*/ 3597087 h 4207119"/>
+                <a:gd name="connsiteX30" fmla="*/ 0 w 5490796"/>
+                <a:gd name="connsiteY30" fmla="*/ 3071197 h 4207119"/>
+                <a:gd name="connsiteX31" fmla="*/ 0 w 5490796"/>
+                <a:gd name="connsiteY31" fmla="*/ 2629449 h 4207119"/>
+                <a:gd name="connsiteX32" fmla="*/ 0 w 5490796"/>
+                <a:gd name="connsiteY32" fmla="*/ 2145631 h 4207119"/>
+                <a:gd name="connsiteX33" fmla="*/ 0 w 5490796"/>
+                <a:gd name="connsiteY33" fmla="*/ 1535598 h 4207119"/>
+                <a:gd name="connsiteX34" fmla="*/ 0 w 5490796"/>
+                <a:gd name="connsiteY34" fmla="*/ 1135922 h 4207119"/>
+                <a:gd name="connsiteX35" fmla="*/ 0 w 5490796"/>
+                <a:gd name="connsiteY35" fmla="*/ 736246 h 4207119"/>
+                <a:gd name="connsiteX36" fmla="*/ 0 w 5490796"/>
+                <a:gd name="connsiteY36" fmla="*/ 0 h 4207119"/>
               </a:gdLst>
               <a:ahLst/>
               <a:cxnLst>
@@ -5006,101 +5042,245 @@
                 <a:cxn ang="0">
                   <a:pos x="connsiteX18" y="connsiteY18"/>
                 </a:cxn>
+                <a:cxn ang="0">
+                  <a:pos x="connsiteX19" y="connsiteY19"/>
+                </a:cxn>
+                <a:cxn ang="0">
+                  <a:pos x="connsiteX20" y="connsiteY20"/>
+                </a:cxn>
+                <a:cxn ang="0">
+                  <a:pos x="connsiteX21" y="connsiteY21"/>
+                </a:cxn>
+                <a:cxn ang="0">
+                  <a:pos x="connsiteX22" y="connsiteY22"/>
+                </a:cxn>
+                <a:cxn ang="0">
+                  <a:pos x="connsiteX23" y="connsiteY23"/>
+                </a:cxn>
+                <a:cxn ang="0">
+                  <a:pos x="connsiteX24" y="connsiteY24"/>
+                </a:cxn>
+                <a:cxn ang="0">
+                  <a:pos x="connsiteX25" y="connsiteY25"/>
+                </a:cxn>
+                <a:cxn ang="0">
+                  <a:pos x="connsiteX26" y="connsiteY26"/>
+                </a:cxn>
+                <a:cxn ang="0">
+                  <a:pos x="connsiteX27" y="connsiteY27"/>
+                </a:cxn>
+                <a:cxn ang="0">
+                  <a:pos x="connsiteX28" y="connsiteY28"/>
+                </a:cxn>
+                <a:cxn ang="0">
+                  <a:pos x="connsiteX29" y="connsiteY29"/>
+                </a:cxn>
+                <a:cxn ang="0">
+                  <a:pos x="connsiteX30" y="connsiteY30"/>
+                </a:cxn>
+                <a:cxn ang="0">
+                  <a:pos x="connsiteX31" y="connsiteY31"/>
+                </a:cxn>
+                <a:cxn ang="0">
+                  <a:pos x="connsiteX32" y="connsiteY32"/>
+                </a:cxn>
+                <a:cxn ang="0">
+                  <a:pos x="connsiteX33" y="connsiteY33"/>
+                </a:cxn>
+                <a:cxn ang="0">
+                  <a:pos x="connsiteX34" y="connsiteY34"/>
+                </a:cxn>
+                <a:cxn ang="0">
+                  <a:pos x="connsiteX35" y="connsiteY35"/>
+                </a:cxn>
+                <a:cxn ang="0">
+                  <a:pos x="connsiteX36" y="connsiteY36"/>
+                </a:cxn>
               </a:cxnLst>
               <a:rect l="l" t="t" r="r" b="b"/>
               <a:pathLst>
-                <a:path w="2545894" h="1950697" extrusionOk="0">
+                <a:path w="5490796" h="4207119" extrusionOk="0">
                   <a:moveTo>
                     <a:pt x="0" y="0"/>
                   </a:moveTo>
                   <a:cubicBezTo>
-                    <a:pt x="155582" y="-9459"/>
-                    <a:pt x="283686" y="27222"/>
-                    <a:pt x="560097" y="0"/>
+                    <a:pt x="320577" y="-55145"/>
+                    <a:pt x="426710" y="43927"/>
+                    <a:pt x="658896" y="0"/>
                   </a:cubicBezTo>
                   <a:cubicBezTo>
-                    <a:pt x="836508" y="-27222"/>
-                    <a:pt x="883551" y="19815"/>
-                    <a:pt x="1069275" y="0"/>
+                    <a:pt x="891082" y="-43927"/>
+                    <a:pt x="1042891" y="35243"/>
+                    <a:pt x="1207975" y="0"/>
                   </a:cubicBezTo>
                   <a:cubicBezTo>
-                    <a:pt x="1254999" y="-19815"/>
-                    <a:pt x="1342780" y="7288"/>
-                    <a:pt x="1603913" y="0"/>
+                    <a:pt x="1373059" y="-35243"/>
+                    <a:pt x="1570740" y="43283"/>
+                    <a:pt x="1811963" y="0"/>
                   </a:cubicBezTo>
                   <a:cubicBezTo>
-                    <a:pt x="1865046" y="-7288"/>
-                    <a:pt x="1867550" y="20176"/>
-                    <a:pt x="2036715" y="0"/>
+                    <a:pt x="2053186" y="-43283"/>
+                    <a:pt x="2017486" y="8553"/>
+                    <a:pt x="2196318" y="0"/>
                   </a:cubicBezTo>
                   <a:cubicBezTo>
-                    <a:pt x="2205880" y="-20176"/>
-                    <a:pt x="2391831" y="28974"/>
-                    <a:pt x="2545894" y="0"/>
+                    <a:pt x="2375150" y="-8553"/>
+                    <a:pt x="2475306" y="38757"/>
+                    <a:pt x="2690490" y="0"/>
                   </a:cubicBezTo>
                   <a:cubicBezTo>
-                    <a:pt x="2597215" y="116267"/>
-                    <a:pt x="2545750" y="237293"/>
-                    <a:pt x="2545894" y="448660"/>
+                    <a:pt x="2905674" y="-38757"/>
+                    <a:pt x="2915451" y="15881"/>
+                    <a:pt x="3129754" y="0"/>
                   </a:cubicBezTo>
                   <a:cubicBezTo>
-                    <a:pt x="2546038" y="660027"/>
-                    <a:pt x="2495285" y="834614"/>
-                    <a:pt x="2545894" y="936335"/>
+                    <a:pt x="3344057" y="-15881"/>
+                    <a:pt x="3437909" y="55238"/>
+                    <a:pt x="3733741" y="0"/>
                   </a:cubicBezTo>
                   <a:cubicBezTo>
-                    <a:pt x="2596503" y="1038056"/>
-                    <a:pt x="2507552" y="1179480"/>
-                    <a:pt x="2545894" y="1365488"/>
+                    <a:pt x="4029573" y="-55238"/>
+                    <a:pt x="4237437" y="12811"/>
+                    <a:pt x="4392637" y="0"/>
                   </a:cubicBezTo>
                   <a:cubicBezTo>
-                    <a:pt x="2584236" y="1551496"/>
-                    <a:pt x="2525214" y="1775578"/>
-                    <a:pt x="2545894" y="1950697"/>
+                    <a:pt x="4547837" y="-12811"/>
+                    <a:pt x="4658562" y="37211"/>
+                    <a:pt x="4886808" y="0"/>
                   </a:cubicBezTo>
                   <a:cubicBezTo>
-                    <a:pt x="2377922" y="1996357"/>
-                    <a:pt x="2170956" y="1928794"/>
-                    <a:pt x="2036715" y="1950697"/>
+                    <a:pt x="5115054" y="-37211"/>
+                    <a:pt x="5310598" y="41715"/>
+                    <a:pt x="5490796" y="0"/>
                   </a:cubicBezTo>
                   <a:cubicBezTo>
-                    <a:pt x="1902474" y="1972600"/>
-                    <a:pt x="1792714" y="1928564"/>
-                    <a:pt x="1603913" y="1950697"/>
+                    <a:pt x="5512982" y="190231"/>
+                    <a:pt x="5480619" y="417025"/>
+                    <a:pt x="5490796" y="525890"/>
                   </a:cubicBezTo>
                   <a:cubicBezTo>
-                    <a:pt x="1415112" y="1972830"/>
-                    <a:pt x="1333554" y="1923827"/>
-                    <a:pt x="1145652" y="1950697"/>
+                    <a:pt x="5500973" y="634755"/>
+                    <a:pt x="5448127" y="805333"/>
+                    <a:pt x="5490796" y="1051780"/>
                   </a:cubicBezTo>
                   <a:cubicBezTo>
-                    <a:pt x="957750" y="1977567"/>
-                    <a:pt x="896191" y="1921114"/>
-                    <a:pt x="687391" y="1950697"/>
+                    <a:pt x="5533465" y="1298227"/>
+                    <a:pt x="5489565" y="1407370"/>
+                    <a:pt x="5490796" y="1661812"/>
                   </a:cubicBezTo>
                   <a:cubicBezTo>
-                    <a:pt x="478591" y="1980280"/>
-                    <a:pt x="284740" y="1941749"/>
-                    <a:pt x="0" y="1950697"/>
+                    <a:pt x="5492027" y="1916254"/>
+                    <a:pt x="5455879" y="2016420"/>
+                    <a:pt x="5490796" y="2271844"/>
                   </a:cubicBezTo>
                   <a:cubicBezTo>
-                    <a:pt x="-13804" y="1728582"/>
-                    <a:pt x="22729" y="1663037"/>
-                    <a:pt x="0" y="1424009"/>
+                    <a:pt x="5525713" y="2527268"/>
+                    <a:pt x="5431097" y="2586116"/>
+                    <a:pt x="5490796" y="2881877"/>
                   </a:cubicBezTo>
                   <a:cubicBezTo>
-                    <a:pt x="-22729" y="1184981"/>
-                    <a:pt x="40330" y="1056345"/>
-                    <a:pt x="0" y="955842"/>
+                    <a:pt x="5550495" y="3177638"/>
+                    <a:pt x="5490040" y="3208710"/>
+                    <a:pt x="5490796" y="3491909"/>
                   </a:cubicBezTo>
                   <a:cubicBezTo>
-                    <a:pt x="-40330" y="855339"/>
-                    <a:pt x="34145" y="705793"/>
-                    <a:pt x="0" y="507181"/>
+                    <a:pt x="5491552" y="3775108"/>
+                    <a:pt x="5418258" y="3885154"/>
+                    <a:pt x="5490796" y="4207119"/>
                   </a:cubicBezTo>
                   <a:cubicBezTo>
-                    <a:pt x="-34145" y="308569"/>
-                    <a:pt x="7806" y="222865"/>
+                    <a:pt x="5317407" y="4225495"/>
+                    <a:pt x="5119222" y="4180937"/>
+                    <a:pt x="4996624" y="4207119"/>
+                  </a:cubicBezTo>
+                  <a:cubicBezTo>
+                    <a:pt x="4874026" y="4233301"/>
+                    <a:pt x="4624928" y="4170447"/>
+                    <a:pt x="4502453" y="4207119"/>
+                  </a:cubicBezTo>
+                  <a:cubicBezTo>
+                    <a:pt x="4379978" y="4243791"/>
+                    <a:pt x="4104289" y="4136456"/>
+                    <a:pt x="3898465" y="4207119"/>
+                  </a:cubicBezTo>
+                  <a:cubicBezTo>
+                    <a:pt x="3692641" y="4277782"/>
+                    <a:pt x="3612264" y="4172390"/>
+                    <a:pt x="3349386" y="4207119"/>
+                  </a:cubicBezTo>
+                  <a:cubicBezTo>
+                    <a:pt x="3086508" y="4241848"/>
+                    <a:pt x="3098581" y="4202847"/>
+                    <a:pt x="2910122" y="4207119"/>
+                  </a:cubicBezTo>
+                  <a:cubicBezTo>
+                    <a:pt x="2721663" y="4211391"/>
+                    <a:pt x="2676443" y="4172226"/>
+                    <a:pt x="2470858" y="4207119"/>
+                  </a:cubicBezTo>
+                  <a:cubicBezTo>
+                    <a:pt x="2265273" y="4242012"/>
+                    <a:pt x="2217568" y="4194738"/>
+                    <a:pt x="2086502" y="4207119"/>
+                  </a:cubicBezTo>
+                  <a:cubicBezTo>
+                    <a:pt x="1955436" y="4219500"/>
+                    <a:pt x="1865897" y="4171018"/>
+                    <a:pt x="1647239" y="4207119"/>
+                  </a:cubicBezTo>
+                  <a:cubicBezTo>
+                    <a:pt x="1428581" y="4243220"/>
+                    <a:pt x="1314397" y="4153293"/>
+                    <a:pt x="1043251" y="4207119"/>
+                  </a:cubicBezTo>
+                  <a:cubicBezTo>
+                    <a:pt x="772105" y="4260945"/>
+                    <a:pt x="789967" y="4185641"/>
+                    <a:pt x="603988" y="4207119"/>
+                  </a:cubicBezTo>
+                  <a:cubicBezTo>
+                    <a:pt x="418009" y="4228597"/>
+                    <a:pt x="211045" y="4159374"/>
+                    <a:pt x="0" y="4207119"/>
+                  </a:cubicBezTo>
+                  <a:cubicBezTo>
+                    <a:pt x="-60408" y="4021005"/>
+                    <a:pt x="38565" y="3856430"/>
+                    <a:pt x="0" y="3597087"/>
+                  </a:cubicBezTo>
+                  <a:cubicBezTo>
+                    <a:pt x="-38565" y="3337744"/>
+                    <a:pt x="4453" y="3313734"/>
+                    <a:pt x="0" y="3071197"/>
+                  </a:cubicBezTo>
+                  <a:cubicBezTo>
+                    <a:pt x="-4453" y="2828660"/>
+                    <a:pt x="21054" y="2813672"/>
+                    <a:pt x="0" y="2629449"/>
+                  </a:cubicBezTo>
+                  <a:cubicBezTo>
+                    <a:pt x="-21054" y="2445226"/>
+                    <a:pt x="30647" y="2300642"/>
+                    <a:pt x="0" y="2145631"/>
+                  </a:cubicBezTo>
+                  <a:cubicBezTo>
+                    <a:pt x="-30647" y="1990620"/>
+                    <a:pt x="25308" y="1670408"/>
+                    <a:pt x="0" y="1535598"/>
+                  </a:cubicBezTo>
+                  <a:cubicBezTo>
+                    <a:pt x="-25308" y="1400788"/>
+                    <a:pt x="46451" y="1263269"/>
+                    <a:pt x="0" y="1135922"/>
+                  </a:cubicBezTo>
+                  <a:cubicBezTo>
+                    <a:pt x="-46451" y="1008575"/>
+                    <a:pt x="12805" y="898578"/>
+                    <a:pt x="0" y="736246"/>
+                  </a:cubicBezTo>
+                  <a:cubicBezTo>
+                    <a:pt x="-12805" y="573914"/>
+                    <a:pt x="18714" y="178020"/>
                     <a:pt x="0" y="0"/>
                   </a:cubicBezTo>
                   <a:close/>
@@ -6952,7 +7132,7 @@
         </p:nvGrpSpPr>
         <p:grpSpPr>
           <a:xfrm>
-            <a:off x="796156" y="783970"/>
+            <a:off x="659522" y="778715"/>
             <a:ext cx="10387659" cy="5493737"/>
             <a:chOff x="796156" y="783970"/>
             <a:chExt cx="10387659" cy="5493737"/>
@@ -8257,7 +8437,7 @@
           </p:nvSpPr>
           <p:spPr>
             <a:xfrm>
-              <a:off x="6287524" y="5550546"/>
+              <a:off x="5570527" y="5564769"/>
               <a:ext cx="1433994" cy="514838"/>
             </a:xfrm>
             <a:prstGeom prst="can">
@@ -8310,9 +8490,9 @@
             <p:nvPr/>
           </p:nvCxnSpPr>
           <p:spPr>
-            <a:xfrm rot="16200000" flipH="1">
-              <a:off x="6545887" y="5091911"/>
-              <a:ext cx="475309" cy="441960"/>
+            <a:xfrm rot="5400000">
+              <a:off x="6180277" y="5182485"/>
+              <a:ext cx="489532" cy="275037"/>
             </a:xfrm>
             <a:prstGeom prst="bentConnector3">
               <a:avLst>
@@ -8673,6 +8853,101 @@
           </p:txBody>
         </p:sp>
       </p:grpSp>
+      <p:sp>
+        <p:nvSpPr>
+          <p:cNvPr id="10" name="Cylinder 9">
+            <a:extLst>
+              <a:ext uri="{FF2B5EF4-FFF2-40B4-BE49-F238E27FC236}">
+                <a16:creationId xmlns:a16="http://schemas.microsoft.com/office/drawing/2014/main" id="{9F72BB08-249C-4E6C-A940-2031128C42CD}"/>
+              </a:ext>
+            </a:extLst>
+          </p:cNvPr>
+          <p:cNvSpPr/>
+          <p:nvPr/>
+        </p:nvSpPr>
+        <p:spPr>
+          <a:xfrm>
+            <a:off x="7651401" y="5558638"/>
+            <a:ext cx="673062" cy="514838"/>
+          </a:xfrm>
+          <a:prstGeom prst="can">
+            <a:avLst>
+              <a:gd name="adj" fmla="val 28062"/>
+            </a:avLst>
+          </a:prstGeom>
+        </p:spPr>
+        <p:style>
+          <a:lnRef idx="2">
+            <a:schemeClr val="accent1">
+              <a:shade val="50000"/>
+            </a:schemeClr>
+          </a:lnRef>
+          <a:fillRef idx="1">
+            <a:schemeClr val="accent1"/>
+          </a:fillRef>
+          <a:effectRef idx="0">
+            <a:schemeClr val="accent1"/>
+          </a:effectRef>
+          <a:fontRef idx="minor">
+            <a:schemeClr val="lt1"/>
+          </a:fontRef>
+        </p:style>
+        <p:txBody>
+          <a:bodyPr vert="horz" rtlCol="0" anchor="ctr"/>
+          <a:lstStyle/>
+          <a:p>
+            <a:pPr algn="ctr"/>
+            <a:r>
+              <a:rPr lang="de-DE" dirty="0"/>
+              <a:t>DB</a:t>
+            </a:r>
+            <a:endParaRPr lang="LID4096" dirty="0"/>
+          </a:p>
+        </p:txBody>
+      </p:sp>
+      <p:cxnSp>
+        <p:nvCxnSpPr>
+          <p:cNvPr id="12" name="Straight Arrow Connector 11">
+            <a:extLst>
+              <a:ext uri="{FF2B5EF4-FFF2-40B4-BE49-F238E27FC236}">
+                <a16:creationId xmlns:a16="http://schemas.microsoft.com/office/drawing/2014/main" id="{FDE01215-4E11-4283-9DCD-2F1ABFD5A2ED}"/>
+              </a:ext>
+            </a:extLst>
+          </p:cNvPr>
+          <p:cNvCxnSpPr>
+            <a:cxnSpLocks/>
+            <a:stCxn id="38" idx="2"/>
+            <a:endCxn id="10" idx="1"/>
+          </p:cNvCxnSpPr>
+          <p:nvPr/>
+        </p:nvCxnSpPr>
+        <p:spPr>
+          <a:xfrm>
+            <a:off x="7775714" y="4084519"/>
+            <a:ext cx="212218" cy="1474119"/>
+          </a:xfrm>
+          <a:prstGeom prst="straightConnector1">
+            <a:avLst/>
+          </a:prstGeom>
+          <a:ln w="28575">
+            <a:tailEnd type="triangle"/>
+          </a:ln>
+        </p:spPr>
+        <p:style>
+          <a:lnRef idx="1">
+            <a:schemeClr val="dk1"/>
+          </a:lnRef>
+          <a:fillRef idx="0">
+            <a:schemeClr val="dk1"/>
+          </a:fillRef>
+          <a:effectRef idx="0">
+            <a:schemeClr val="dk1"/>
+          </a:effectRef>
+          <a:fontRef idx="minor">
+            <a:schemeClr val="tx1"/>
+          </a:fontRef>
+        </p:style>
+      </p:cxnSp>
     </p:spTree>
     <p:extLst>
       <p:ext uri="{BB962C8B-B14F-4D97-AF65-F5344CB8AC3E}">

--- a/docs/images.pptx
+++ b/docs/images.pptx
@@ -11,6 +11,7 @@
     <p:sldId id="259" r:id="rId5"/>
     <p:sldId id="260" r:id="rId6"/>
     <p:sldId id="261" r:id="rId7"/>
+    <p:sldId id="263" r:id="rId8"/>
   </p:sldIdLst>
   <p:sldSz cx="12192000" cy="6858000"/>
   <p:notesSz cx="6858000" cy="9144000"/>
@@ -266,7 +267,7 @@
           <a:p>
             <a:fld id="{E43E6874-846B-4036-8D9A-9072E9C8BA6D}" type="datetimeFigureOut">
               <a:rPr lang="LID4096" smtClean="0"/>
-              <a:t>10/15/2021</a:t>
+              <a:t>10/18/2021</a:t>
             </a:fld>
             <a:endParaRPr lang="LID4096"/>
           </a:p>
@@ -466,7 +467,7 @@
           <a:p>
             <a:fld id="{E43E6874-846B-4036-8D9A-9072E9C8BA6D}" type="datetimeFigureOut">
               <a:rPr lang="LID4096" smtClean="0"/>
-              <a:t>10/15/2021</a:t>
+              <a:t>10/18/2021</a:t>
             </a:fld>
             <a:endParaRPr lang="LID4096"/>
           </a:p>
@@ -676,7 +677,7 @@
           <a:p>
             <a:fld id="{E43E6874-846B-4036-8D9A-9072E9C8BA6D}" type="datetimeFigureOut">
               <a:rPr lang="LID4096" smtClean="0"/>
-              <a:t>10/15/2021</a:t>
+              <a:t>10/18/2021</a:t>
             </a:fld>
             <a:endParaRPr lang="LID4096"/>
           </a:p>
@@ -876,7 +877,7 @@
           <a:p>
             <a:fld id="{E43E6874-846B-4036-8D9A-9072E9C8BA6D}" type="datetimeFigureOut">
               <a:rPr lang="LID4096" smtClean="0"/>
-              <a:t>10/15/2021</a:t>
+              <a:t>10/18/2021</a:t>
             </a:fld>
             <a:endParaRPr lang="LID4096"/>
           </a:p>
@@ -1152,7 +1153,7 @@
           <a:p>
             <a:fld id="{E43E6874-846B-4036-8D9A-9072E9C8BA6D}" type="datetimeFigureOut">
               <a:rPr lang="LID4096" smtClean="0"/>
-              <a:t>10/15/2021</a:t>
+              <a:t>10/18/2021</a:t>
             </a:fld>
             <a:endParaRPr lang="LID4096"/>
           </a:p>
@@ -1420,7 +1421,7 @@
           <a:p>
             <a:fld id="{E43E6874-846B-4036-8D9A-9072E9C8BA6D}" type="datetimeFigureOut">
               <a:rPr lang="LID4096" smtClean="0"/>
-              <a:t>10/15/2021</a:t>
+              <a:t>10/18/2021</a:t>
             </a:fld>
             <a:endParaRPr lang="LID4096"/>
           </a:p>
@@ -1835,7 +1836,7 @@
           <a:p>
             <a:fld id="{E43E6874-846B-4036-8D9A-9072E9C8BA6D}" type="datetimeFigureOut">
               <a:rPr lang="LID4096" smtClean="0"/>
-              <a:t>10/15/2021</a:t>
+              <a:t>10/18/2021</a:t>
             </a:fld>
             <a:endParaRPr lang="LID4096"/>
           </a:p>
@@ -1977,7 +1978,7 @@
           <a:p>
             <a:fld id="{E43E6874-846B-4036-8D9A-9072E9C8BA6D}" type="datetimeFigureOut">
               <a:rPr lang="LID4096" smtClean="0"/>
-              <a:t>10/15/2021</a:t>
+              <a:t>10/18/2021</a:t>
             </a:fld>
             <a:endParaRPr lang="LID4096"/>
           </a:p>
@@ -2090,7 +2091,7 @@
           <a:p>
             <a:fld id="{E43E6874-846B-4036-8D9A-9072E9C8BA6D}" type="datetimeFigureOut">
               <a:rPr lang="LID4096" smtClean="0"/>
-              <a:t>10/15/2021</a:t>
+              <a:t>10/18/2021</a:t>
             </a:fld>
             <a:endParaRPr lang="LID4096"/>
           </a:p>
@@ -2403,7 +2404,7 @@
           <a:p>
             <a:fld id="{E43E6874-846B-4036-8D9A-9072E9C8BA6D}" type="datetimeFigureOut">
               <a:rPr lang="LID4096" smtClean="0"/>
-              <a:t>10/15/2021</a:t>
+              <a:t>10/18/2021</a:t>
             </a:fld>
             <a:endParaRPr lang="LID4096"/>
           </a:p>
@@ -2692,7 +2693,7 @@
           <a:p>
             <a:fld id="{E43E6874-846B-4036-8D9A-9072E9C8BA6D}" type="datetimeFigureOut">
               <a:rPr lang="LID4096" smtClean="0"/>
-              <a:t>10/15/2021</a:t>
+              <a:t>10/18/2021</a:t>
             </a:fld>
             <a:endParaRPr lang="LID4096"/>
           </a:p>
@@ -2935,7 +2936,7 @@
           <a:p>
             <a:fld id="{E43E6874-846B-4036-8D9A-9072E9C8BA6D}" type="datetimeFigureOut">
               <a:rPr lang="LID4096" smtClean="0"/>
-              <a:t>10/15/2021</a:t>
+              <a:t>10/18/2021</a:t>
             </a:fld>
             <a:endParaRPr lang="LID4096"/>
           </a:p>
@@ -10705,6 +10706,1875 @@
 </p:sld>
 </file>
 
+<file path=ppt/slides/slide7.xml><?xml version="1.0" encoding="utf-8"?>
+<p:sld xmlns:a="http://schemas.openxmlformats.org/drawingml/2006/main" xmlns:r="http://schemas.openxmlformats.org/officeDocument/2006/relationships" xmlns:p="http://schemas.openxmlformats.org/presentationml/2006/main">
+  <p:cSld>
+    <p:spTree>
+      <p:nvGrpSpPr>
+        <p:cNvPr id="1" name=""/>
+        <p:cNvGrpSpPr/>
+        <p:nvPr/>
+      </p:nvGrpSpPr>
+      <p:grpSpPr>
+        <a:xfrm>
+          <a:off x="0" y="0"/>
+          <a:ext cx="0" cy="0"/>
+          <a:chOff x="0" y="0"/>
+          <a:chExt cx="0" cy="0"/>
+        </a:xfrm>
+      </p:grpSpPr>
+      <p:sp>
+        <p:nvSpPr>
+          <p:cNvPr id="73" name="Rectangle 72">
+            <a:extLst>
+              <a:ext uri="{FF2B5EF4-FFF2-40B4-BE49-F238E27FC236}">
+                <a16:creationId xmlns:a16="http://schemas.microsoft.com/office/drawing/2014/main" id="{3DCF7B99-CD4F-499A-AD4E-6F61A5F555AF}"/>
+              </a:ext>
+            </a:extLst>
+          </p:cNvPr>
+          <p:cNvSpPr/>
+          <p:nvPr/>
+        </p:nvSpPr>
+        <p:spPr>
+          <a:xfrm>
+            <a:off x="3345473" y="2070588"/>
+            <a:ext cx="5897828" cy="3817155"/>
+          </a:xfrm>
+          <a:custGeom>
+            <a:avLst/>
+            <a:gdLst>
+              <a:gd name="connsiteX0" fmla="*/ 0 w 5897828"/>
+              <a:gd name="connsiteY0" fmla="*/ 0 h 3817155"/>
+              <a:gd name="connsiteX1" fmla="*/ 707739 w 5897828"/>
+              <a:gd name="connsiteY1" fmla="*/ 0 h 3817155"/>
+              <a:gd name="connsiteX2" fmla="*/ 1297522 w 5897828"/>
+              <a:gd name="connsiteY2" fmla="*/ 0 h 3817155"/>
+              <a:gd name="connsiteX3" fmla="*/ 1946283 w 5897828"/>
+              <a:gd name="connsiteY3" fmla="*/ 0 h 3817155"/>
+              <a:gd name="connsiteX4" fmla="*/ 2359131 w 5897828"/>
+              <a:gd name="connsiteY4" fmla="*/ 0 h 3817155"/>
+              <a:gd name="connsiteX5" fmla="*/ 2889936 w 5897828"/>
+              <a:gd name="connsiteY5" fmla="*/ 0 h 3817155"/>
+              <a:gd name="connsiteX6" fmla="*/ 3361762 w 5897828"/>
+              <a:gd name="connsiteY6" fmla="*/ 0 h 3817155"/>
+              <a:gd name="connsiteX7" fmla="*/ 4010523 w 5897828"/>
+              <a:gd name="connsiteY7" fmla="*/ 0 h 3817155"/>
+              <a:gd name="connsiteX8" fmla="*/ 4718262 w 5897828"/>
+              <a:gd name="connsiteY8" fmla="*/ 0 h 3817155"/>
+              <a:gd name="connsiteX9" fmla="*/ 5249067 w 5897828"/>
+              <a:gd name="connsiteY9" fmla="*/ 0 h 3817155"/>
+              <a:gd name="connsiteX10" fmla="*/ 5897828 w 5897828"/>
+              <a:gd name="connsiteY10" fmla="*/ 0 h 3817155"/>
+              <a:gd name="connsiteX11" fmla="*/ 5897828 w 5897828"/>
+              <a:gd name="connsiteY11" fmla="*/ 545308 h 3817155"/>
+              <a:gd name="connsiteX12" fmla="*/ 5897828 w 5897828"/>
+              <a:gd name="connsiteY12" fmla="*/ 1090616 h 3817155"/>
+              <a:gd name="connsiteX13" fmla="*/ 5897828 w 5897828"/>
+              <a:gd name="connsiteY13" fmla="*/ 1712267 h 3817155"/>
+              <a:gd name="connsiteX14" fmla="*/ 5897828 w 5897828"/>
+              <a:gd name="connsiteY14" fmla="*/ 2333918 h 3817155"/>
+              <a:gd name="connsiteX15" fmla="*/ 5897828 w 5897828"/>
+              <a:gd name="connsiteY15" fmla="*/ 2955569 h 3817155"/>
+              <a:gd name="connsiteX16" fmla="*/ 5897828 w 5897828"/>
+              <a:gd name="connsiteY16" fmla="*/ 3817155 h 3817155"/>
+              <a:gd name="connsiteX17" fmla="*/ 5249067 w 5897828"/>
+              <a:gd name="connsiteY17" fmla="*/ 3817155 h 3817155"/>
+              <a:gd name="connsiteX18" fmla="*/ 4836219 w 5897828"/>
+              <a:gd name="connsiteY18" fmla="*/ 3817155 h 3817155"/>
+              <a:gd name="connsiteX19" fmla="*/ 4305414 w 5897828"/>
+              <a:gd name="connsiteY19" fmla="*/ 3817155 h 3817155"/>
+              <a:gd name="connsiteX20" fmla="*/ 3656653 w 5897828"/>
+              <a:gd name="connsiteY20" fmla="*/ 3817155 h 3817155"/>
+              <a:gd name="connsiteX21" fmla="*/ 3066871 w 5897828"/>
+              <a:gd name="connsiteY21" fmla="*/ 3817155 h 3817155"/>
+              <a:gd name="connsiteX22" fmla="*/ 2595044 w 5897828"/>
+              <a:gd name="connsiteY22" fmla="*/ 3817155 h 3817155"/>
+              <a:gd name="connsiteX23" fmla="*/ 2123218 w 5897828"/>
+              <a:gd name="connsiteY23" fmla="*/ 3817155 h 3817155"/>
+              <a:gd name="connsiteX24" fmla="*/ 1710370 w 5897828"/>
+              <a:gd name="connsiteY24" fmla="*/ 3817155 h 3817155"/>
+              <a:gd name="connsiteX25" fmla="*/ 1238544 w 5897828"/>
+              <a:gd name="connsiteY25" fmla="*/ 3817155 h 3817155"/>
+              <a:gd name="connsiteX26" fmla="*/ 589783 w 5897828"/>
+              <a:gd name="connsiteY26" fmla="*/ 3817155 h 3817155"/>
+              <a:gd name="connsiteX27" fmla="*/ 0 w 5897828"/>
+              <a:gd name="connsiteY27" fmla="*/ 3817155 h 3817155"/>
+              <a:gd name="connsiteX28" fmla="*/ 0 w 5897828"/>
+              <a:gd name="connsiteY28" fmla="*/ 3195504 h 3817155"/>
+              <a:gd name="connsiteX29" fmla="*/ 0 w 5897828"/>
+              <a:gd name="connsiteY29" fmla="*/ 2612025 h 3817155"/>
+              <a:gd name="connsiteX30" fmla="*/ 0 w 5897828"/>
+              <a:gd name="connsiteY30" fmla="*/ 2066717 h 3817155"/>
+              <a:gd name="connsiteX31" fmla="*/ 0 w 5897828"/>
+              <a:gd name="connsiteY31" fmla="*/ 1597752 h 3817155"/>
+              <a:gd name="connsiteX32" fmla="*/ 0 w 5897828"/>
+              <a:gd name="connsiteY32" fmla="*/ 1090616 h 3817155"/>
+              <a:gd name="connsiteX33" fmla="*/ 0 w 5897828"/>
+              <a:gd name="connsiteY33" fmla="*/ 468965 h 3817155"/>
+              <a:gd name="connsiteX34" fmla="*/ 0 w 5897828"/>
+              <a:gd name="connsiteY34" fmla="*/ 0 h 3817155"/>
+            </a:gdLst>
+            <a:ahLst/>
+            <a:cxnLst>
+              <a:cxn ang="0">
+                <a:pos x="connsiteX0" y="connsiteY0"/>
+              </a:cxn>
+              <a:cxn ang="0">
+                <a:pos x="connsiteX1" y="connsiteY1"/>
+              </a:cxn>
+              <a:cxn ang="0">
+                <a:pos x="connsiteX2" y="connsiteY2"/>
+              </a:cxn>
+              <a:cxn ang="0">
+                <a:pos x="connsiteX3" y="connsiteY3"/>
+              </a:cxn>
+              <a:cxn ang="0">
+                <a:pos x="connsiteX4" y="connsiteY4"/>
+              </a:cxn>
+              <a:cxn ang="0">
+                <a:pos x="connsiteX5" y="connsiteY5"/>
+              </a:cxn>
+              <a:cxn ang="0">
+                <a:pos x="connsiteX6" y="connsiteY6"/>
+              </a:cxn>
+              <a:cxn ang="0">
+                <a:pos x="connsiteX7" y="connsiteY7"/>
+              </a:cxn>
+              <a:cxn ang="0">
+                <a:pos x="connsiteX8" y="connsiteY8"/>
+              </a:cxn>
+              <a:cxn ang="0">
+                <a:pos x="connsiteX9" y="connsiteY9"/>
+              </a:cxn>
+              <a:cxn ang="0">
+                <a:pos x="connsiteX10" y="connsiteY10"/>
+              </a:cxn>
+              <a:cxn ang="0">
+                <a:pos x="connsiteX11" y="connsiteY11"/>
+              </a:cxn>
+              <a:cxn ang="0">
+                <a:pos x="connsiteX12" y="connsiteY12"/>
+              </a:cxn>
+              <a:cxn ang="0">
+                <a:pos x="connsiteX13" y="connsiteY13"/>
+              </a:cxn>
+              <a:cxn ang="0">
+                <a:pos x="connsiteX14" y="connsiteY14"/>
+              </a:cxn>
+              <a:cxn ang="0">
+                <a:pos x="connsiteX15" y="connsiteY15"/>
+              </a:cxn>
+              <a:cxn ang="0">
+                <a:pos x="connsiteX16" y="connsiteY16"/>
+              </a:cxn>
+              <a:cxn ang="0">
+                <a:pos x="connsiteX17" y="connsiteY17"/>
+              </a:cxn>
+              <a:cxn ang="0">
+                <a:pos x="connsiteX18" y="connsiteY18"/>
+              </a:cxn>
+              <a:cxn ang="0">
+                <a:pos x="connsiteX19" y="connsiteY19"/>
+              </a:cxn>
+              <a:cxn ang="0">
+                <a:pos x="connsiteX20" y="connsiteY20"/>
+              </a:cxn>
+              <a:cxn ang="0">
+                <a:pos x="connsiteX21" y="connsiteY21"/>
+              </a:cxn>
+              <a:cxn ang="0">
+                <a:pos x="connsiteX22" y="connsiteY22"/>
+              </a:cxn>
+              <a:cxn ang="0">
+                <a:pos x="connsiteX23" y="connsiteY23"/>
+              </a:cxn>
+              <a:cxn ang="0">
+                <a:pos x="connsiteX24" y="connsiteY24"/>
+              </a:cxn>
+              <a:cxn ang="0">
+                <a:pos x="connsiteX25" y="connsiteY25"/>
+              </a:cxn>
+              <a:cxn ang="0">
+                <a:pos x="connsiteX26" y="connsiteY26"/>
+              </a:cxn>
+              <a:cxn ang="0">
+                <a:pos x="connsiteX27" y="connsiteY27"/>
+              </a:cxn>
+              <a:cxn ang="0">
+                <a:pos x="connsiteX28" y="connsiteY28"/>
+              </a:cxn>
+              <a:cxn ang="0">
+                <a:pos x="connsiteX29" y="connsiteY29"/>
+              </a:cxn>
+              <a:cxn ang="0">
+                <a:pos x="connsiteX30" y="connsiteY30"/>
+              </a:cxn>
+              <a:cxn ang="0">
+                <a:pos x="connsiteX31" y="connsiteY31"/>
+              </a:cxn>
+              <a:cxn ang="0">
+                <a:pos x="connsiteX32" y="connsiteY32"/>
+              </a:cxn>
+              <a:cxn ang="0">
+                <a:pos x="connsiteX33" y="connsiteY33"/>
+              </a:cxn>
+              <a:cxn ang="0">
+                <a:pos x="connsiteX34" y="connsiteY34"/>
+              </a:cxn>
+            </a:cxnLst>
+            <a:rect l="l" t="t" r="r" b="b"/>
+            <a:pathLst>
+              <a:path w="5897828" h="3817155" extrusionOk="0">
+                <a:moveTo>
+                  <a:pt x="0" y="0"/>
+                </a:moveTo>
+                <a:cubicBezTo>
+                  <a:pt x="352232" y="-60214"/>
+                  <a:pt x="387770" y="36897"/>
+                  <a:pt x="707739" y="0"/>
+                </a:cubicBezTo>
+                <a:cubicBezTo>
+                  <a:pt x="1027708" y="-36897"/>
+                  <a:pt x="1109758" y="14410"/>
+                  <a:pt x="1297522" y="0"/>
+                </a:cubicBezTo>
+                <a:cubicBezTo>
+                  <a:pt x="1485286" y="-14410"/>
+                  <a:pt x="1700160" y="64350"/>
+                  <a:pt x="1946283" y="0"/>
+                </a:cubicBezTo>
+                <a:cubicBezTo>
+                  <a:pt x="2192406" y="-64350"/>
+                  <a:pt x="2193993" y="41468"/>
+                  <a:pt x="2359131" y="0"/>
+                </a:cubicBezTo>
+                <a:cubicBezTo>
+                  <a:pt x="2524269" y="-41468"/>
+                  <a:pt x="2741114" y="32364"/>
+                  <a:pt x="2889936" y="0"/>
+                </a:cubicBezTo>
+                <a:cubicBezTo>
+                  <a:pt x="3038758" y="-32364"/>
+                  <a:pt x="3237462" y="7520"/>
+                  <a:pt x="3361762" y="0"/>
+                </a:cubicBezTo>
+                <a:cubicBezTo>
+                  <a:pt x="3486062" y="-7520"/>
+                  <a:pt x="3808250" y="19607"/>
+                  <a:pt x="4010523" y="0"/>
+                </a:cubicBezTo>
+                <a:cubicBezTo>
+                  <a:pt x="4212796" y="-19607"/>
+                  <a:pt x="4516416" y="43736"/>
+                  <a:pt x="4718262" y="0"/>
+                </a:cubicBezTo>
+                <a:cubicBezTo>
+                  <a:pt x="4920108" y="-43736"/>
+                  <a:pt x="5097609" y="16671"/>
+                  <a:pt x="5249067" y="0"/>
+                </a:cubicBezTo>
+                <a:cubicBezTo>
+                  <a:pt x="5400526" y="-16671"/>
+                  <a:pt x="5695270" y="75370"/>
+                  <a:pt x="5897828" y="0"/>
+                </a:cubicBezTo>
+                <a:cubicBezTo>
+                  <a:pt x="5929566" y="242008"/>
+                  <a:pt x="5850090" y="324433"/>
+                  <a:pt x="5897828" y="545308"/>
+                </a:cubicBezTo>
+                <a:cubicBezTo>
+                  <a:pt x="5945566" y="766183"/>
+                  <a:pt x="5884733" y="929042"/>
+                  <a:pt x="5897828" y="1090616"/>
+                </a:cubicBezTo>
+                <a:cubicBezTo>
+                  <a:pt x="5910923" y="1252190"/>
+                  <a:pt x="5885587" y="1509665"/>
+                  <a:pt x="5897828" y="1712267"/>
+                </a:cubicBezTo>
+                <a:cubicBezTo>
+                  <a:pt x="5910069" y="1914869"/>
+                  <a:pt x="5839275" y="2067620"/>
+                  <a:pt x="5897828" y="2333918"/>
+                </a:cubicBezTo>
+                <a:cubicBezTo>
+                  <a:pt x="5956381" y="2600216"/>
+                  <a:pt x="5862812" y="2665101"/>
+                  <a:pt x="5897828" y="2955569"/>
+                </a:cubicBezTo>
+                <a:cubicBezTo>
+                  <a:pt x="5932844" y="3246037"/>
+                  <a:pt x="5800723" y="3465050"/>
+                  <a:pt x="5897828" y="3817155"/>
+                </a:cubicBezTo>
+                <a:cubicBezTo>
+                  <a:pt x="5688407" y="3863751"/>
+                  <a:pt x="5484472" y="3776978"/>
+                  <a:pt x="5249067" y="3817155"/>
+                </a:cubicBezTo>
+                <a:cubicBezTo>
+                  <a:pt x="5013662" y="3857332"/>
+                  <a:pt x="5031261" y="3807825"/>
+                  <a:pt x="4836219" y="3817155"/>
+                </a:cubicBezTo>
+                <a:cubicBezTo>
+                  <a:pt x="4641177" y="3826485"/>
+                  <a:pt x="4570309" y="3764946"/>
+                  <a:pt x="4305414" y="3817155"/>
+                </a:cubicBezTo>
+                <a:cubicBezTo>
+                  <a:pt x="4040520" y="3869364"/>
+                  <a:pt x="3798141" y="3812378"/>
+                  <a:pt x="3656653" y="3817155"/>
+                </a:cubicBezTo>
+                <a:cubicBezTo>
+                  <a:pt x="3515165" y="3821932"/>
+                  <a:pt x="3226612" y="3770126"/>
+                  <a:pt x="3066871" y="3817155"/>
+                </a:cubicBezTo>
+                <a:cubicBezTo>
+                  <a:pt x="2907130" y="3864184"/>
+                  <a:pt x="2762010" y="3791282"/>
+                  <a:pt x="2595044" y="3817155"/>
+                </a:cubicBezTo>
+                <a:cubicBezTo>
+                  <a:pt x="2428078" y="3843028"/>
+                  <a:pt x="2287240" y="3789867"/>
+                  <a:pt x="2123218" y="3817155"/>
+                </a:cubicBezTo>
+                <a:cubicBezTo>
+                  <a:pt x="1959196" y="3844443"/>
+                  <a:pt x="1822869" y="3812771"/>
+                  <a:pt x="1710370" y="3817155"/>
+                </a:cubicBezTo>
+                <a:cubicBezTo>
+                  <a:pt x="1597871" y="3821539"/>
+                  <a:pt x="1439760" y="3800097"/>
+                  <a:pt x="1238544" y="3817155"/>
+                </a:cubicBezTo>
+                <a:cubicBezTo>
+                  <a:pt x="1037328" y="3834213"/>
+                  <a:pt x="874653" y="3781584"/>
+                  <a:pt x="589783" y="3817155"/>
+                </a:cubicBezTo>
+                <a:cubicBezTo>
+                  <a:pt x="304913" y="3852726"/>
+                  <a:pt x="184927" y="3779446"/>
+                  <a:pt x="0" y="3817155"/>
+                </a:cubicBezTo>
+                <a:cubicBezTo>
+                  <a:pt x="-33220" y="3563927"/>
+                  <a:pt x="20730" y="3488850"/>
+                  <a:pt x="0" y="3195504"/>
+                </a:cubicBezTo>
+                <a:cubicBezTo>
+                  <a:pt x="-20730" y="2902158"/>
+                  <a:pt x="25545" y="2879535"/>
+                  <a:pt x="0" y="2612025"/>
+                </a:cubicBezTo>
+                <a:cubicBezTo>
+                  <a:pt x="-25545" y="2344515"/>
+                  <a:pt x="12263" y="2265609"/>
+                  <a:pt x="0" y="2066717"/>
+                </a:cubicBezTo>
+                <a:cubicBezTo>
+                  <a:pt x="-12263" y="1867825"/>
+                  <a:pt x="46602" y="1762665"/>
+                  <a:pt x="0" y="1597752"/>
+                </a:cubicBezTo>
+                <a:cubicBezTo>
+                  <a:pt x="-46602" y="1432840"/>
+                  <a:pt x="17145" y="1237962"/>
+                  <a:pt x="0" y="1090616"/>
+                </a:cubicBezTo>
+                <a:cubicBezTo>
+                  <a:pt x="-17145" y="943270"/>
+                  <a:pt x="32964" y="645036"/>
+                  <a:pt x="0" y="468965"/>
+                </a:cubicBezTo>
+                <a:cubicBezTo>
+                  <a:pt x="-32964" y="292894"/>
+                  <a:pt x="45661" y="163721"/>
+                  <a:pt x="0" y="0"/>
+                </a:cubicBezTo>
+                <a:close/>
+              </a:path>
+            </a:pathLst>
+          </a:custGeom>
+          <a:noFill/>
+          <a:ln>
+            <a:prstDash val="sysDash"/>
+            <a:extLst>
+              <a:ext uri="{C807C97D-BFC1-408E-A445-0C87EB9F89A2}">
+                <ask:lineSketchStyleProps xmlns:ask="http://schemas.microsoft.com/office/drawing/2018/sketchyshapes" sd="691127627">
+                  <a:prstGeom prst="rect">
+                    <a:avLst/>
+                  </a:prstGeom>
+                  <ask:type>
+                    <ask:lineSketchScribble/>
+                  </ask:type>
+                </ask:lineSketchStyleProps>
+              </a:ext>
+            </a:extLst>
+          </a:ln>
+        </p:spPr>
+        <p:style>
+          <a:lnRef idx="2">
+            <a:schemeClr val="accent1">
+              <a:shade val="50000"/>
+            </a:schemeClr>
+          </a:lnRef>
+          <a:fillRef idx="1">
+            <a:schemeClr val="accent1"/>
+          </a:fillRef>
+          <a:effectRef idx="0">
+            <a:schemeClr val="accent1"/>
+          </a:effectRef>
+          <a:fontRef idx="minor">
+            <a:schemeClr val="lt1"/>
+          </a:fontRef>
+        </p:style>
+        <p:txBody>
+          <a:bodyPr rtlCol="0" anchor="ctr"/>
+          <a:lstStyle/>
+          <a:p>
+            <a:pPr algn="ctr"/>
+            <a:endParaRPr lang="LID4096"/>
+          </a:p>
+        </p:txBody>
+      </p:sp>
+      <p:sp>
+        <p:nvSpPr>
+          <p:cNvPr id="6" name="Cylinder 5">
+            <a:extLst>
+              <a:ext uri="{FF2B5EF4-FFF2-40B4-BE49-F238E27FC236}">
+                <a16:creationId xmlns:a16="http://schemas.microsoft.com/office/drawing/2014/main" id="{E1FBF778-A13F-4B94-9191-1A8C95FD93E8}"/>
+              </a:ext>
+            </a:extLst>
+          </p:cNvPr>
+          <p:cNvSpPr/>
+          <p:nvPr/>
+        </p:nvSpPr>
+        <p:spPr>
+          <a:xfrm rot="16200000">
+            <a:off x="5028125" y="4516640"/>
+            <a:ext cx="727166" cy="390028"/>
+          </a:xfrm>
+          <a:prstGeom prst="can">
+            <a:avLst>
+              <a:gd name="adj" fmla="val 48333"/>
+            </a:avLst>
+          </a:prstGeom>
+        </p:spPr>
+        <p:style>
+          <a:lnRef idx="1">
+            <a:schemeClr val="accent1"/>
+          </a:lnRef>
+          <a:fillRef idx="2">
+            <a:schemeClr val="accent1"/>
+          </a:fillRef>
+          <a:effectRef idx="1">
+            <a:schemeClr val="accent1"/>
+          </a:effectRef>
+          <a:fontRef idx="minor">
+            <a:schemeClr val="dk1"/>
+          </a:fontRef>
+        </p:style>
+        <p:txBody>
+          <a:bodyPr vert="vert" rtlCol="0" anchor="ctr"/>
+          <a:lstStyle/>
+          <a:p>
+            <a:pPr algn="ctr"/>
+            <a:endParaRPr lang="LID4096" dirty="0"/>
+          </a:p>
+        </p:txBody>
+      </p:sp>
+      <p:sp>
+        <p:nvSpPr>
+          <p:cNvPr id="4" name="Cylinder 3">
+            <a:extLst>
+              <a:ext uri="{FF2B5EF4-FFF2-40B4-BE49-F238E27FC236}">
+                <a16:creationId xmlns:a16="http://schemas.microsoft.com/office/drawing/2014/main" id="{7B6960A6-4549-49E7-B85B-9CE953E530E8}"/>
+              </a:ext>
+            </a:extLst>
+          </p:cNvPr>
+          <p:cNvSpPr/>
+          <p:nvPr/>
+        </p:nvSpPr>
+        <p:spPr>
+          <a:xfrm rot="16200000">
+            <a:off x="4144205" y="3875403"/>
+            <a:ext cx="727166" cy="1672500"/>
+          </a:xfrm>
+          <a:prstGeom prst="can">
+            <a:avLst/>
+          </a:prstGeom>
+        </p:spPr>
+        <p:style>
+          <a:lnRef idx="2">
+            <a:schemeClr val="accent1">
+              <a:shade val="50000"/>
+            </a:schemeClr>
+          </a:lnRef>
+          <a:fillRef idx="1">
+            <a:schemeClr val="accent1"/>
+          </a:fillRef>
+          <a:effectRef idx="0">
+            <a:schemeClr val="accent1"/>
+          </a:effectRef>
+          <a:fontRef idx="minor">
+            <a:schemeClr val="lt1"/>
+          </a:fontRef>
+        </p:style>
+        <p:txBody>
+          <a:bodyPr vert="vert" rtlCol="0" anchor="ctr"/>
+          <a:lstStyle/>
+          <a:p>
+            <a:pPr algn="ctr"/>
+            <a:r>
+              <a:rPr lang="de-DE" dirty="0"/>
+              <a:t>Event Hub</a:t>
+            </a:r>
+            <a:endParaRPr lang="LID4096" dirty="0"/>
+          </a:p>
+        </p:txBody>
+      </p:sp>
+      <p:sp>
+        <p:nvSpPr>
+          <p:cNvPr id="7" name="Rectangle 6">
+            <a:extLst>
+              <a:ext uri="{FF2B5EF4-FFF2-40B4-BE49-F238E27FC236}">
+                <a16:creationId xmlns:a16="http://schemas.microsoft.com/office/drawing/2014/main" id="{2E83FB5E-3A50-429C-9FCD-914C71FD5BE4}"/>
+              </a:ext>
+            </a:extLst>
+          </p:cNvPr>
+          <p:cNvSpPr/>
+          <p:nvPr/>
+        </p:nvSpPr>
+        <p:spPr>
+          <a:xfrm>
+            <a:off x="898336" y="3970601"/>
+            <a:ext cx="1848301" cy="1438771"/>
+          </a:xfrm>
+          <a:prstGeom prst="rect">
+            <a:avLst/>
+          </a:prstGeom>
+        </p:spPr>
+        <p:style>
+          <a:lnRef idx="2">
+            <a:schemeClr val="accent6">
+              <a:shade val="50000"/>
+            </a:schemeClr>
+          </a:lnRef>
+          <a:fillRef idx="1">
+            <a:schemeClr val="accent6"/>
+          </a:fillRef>
+          <a:effectRef idx="0">
+            <a:schemeClr val="accent6"/>
+          </a:effectRef>
+          <a:fontRef idx="minor">
+            <a:schemeClr val="lt1"/>
+          </a:fontRef>
+        </p:style>
+        <p:txBody>
+          <a:bodyPr rtlCol="0" anchor="ctr"/>
+          <a:lstStyle/>
+          <a:p>
+            <a:r>
+              <a:rPr lang="de-DE" dirty="0" err="1"/>
+              <a:t>Sending</a:t>
+            </a:r>
+            <a:endParaRPr lang="de-DE" dirty="0"/>
+          </a:p>
+          <a:p>
+            <a:r>
+              <a:rPr lang="de-DE" dirty="0" err="1"/>
+              <a:t>Application</a:t>
+            </a:r>
+            <a:endParaRPr lang="LID4096" dirty="0"/>
+          </a:p>
+        </p:txBody>
+      </p:sp>
+      <p:sp>
+        <p:nvSpPr>
+          <p:cNvPr id="8" name="Rectangle 7">
+            <a:extLst>
+              <a:ext uri="{FF2B5EF4-FFF2-40B4-BE49-F238E27FC236}">
+                <a16:creationId xmlns:a16="http://schemas.microsoft.com/office/drawing/2014/main" id="{DFFA878E-2963-434A-B726-AD5A7F95E1E8}"/>
+              </a:ext>
+            </a:extLst>
+          </p:cNvPr>
+          <p:cNvSpPr/>
+          <p:nvPr/>
+        </p:nvSpPr>
+        <p:spPr>
+          <a:xfrm rot="16200000">
+            <a:off x="1875575" y="4494972"/>
+            <a:ext cx="1126749" cy="433365"/>
+          </a:xfrm>
+          <a:prstGeom prst="rect">
+            <a:avLst/>
+          </a:prstGeom>
+        </p:spPr>
+        <p:style>
+          <a:lnRef idx="2">
+            <a:schemeClr val="accent2">
+              <a:shade val="50000"/>
+            </a:schemeClr>
+          </a:lnRef>
+          <a:fillRef idx="1">
+            <a:schemeClr val="accent2"/>
+          </a:fillRef>
+          <a:effectRef idx="0">
+            <a:schemeClr val="accent2"/>
+          </a:effectRef>
+          <a:fontRef idx="minor">
+            <a:schemeClr val="lt1"/>
+          </a:fontRef>
+        </p:style>
+        <p:txBody>
+          <a:bodyPr rtlCol="0" anchor="ctr"/>
+          <a:lstStyle/>
+          <a:p>
+            <a:pPr algn="ctr"/>
+            <a:r>
+              <a:rPr lang="de-DE" dirty="0"/>
+              <a:t>SDK?</a:t>
+            </a:r>
+            <a:endParaRPr lang="LID4096" dirty="0"/>
+          </a:p>
+        </p:txBody>
+      </p:sp>
+      <p:cxnSp>
+        <p:nvCxnSpPr>
+          <p:cNvPr id="19" name="Straight Arrow Connector 18">
+            <a:extLst>
+              <a:ext uri="{FF2B5EF4-FFF2-40B4-BE49-F238E27FC236}">
+                <a16:creationId xmlns:a16="http://schemas.microsoft.com/office/drawing/2014/main" id="{C0B05B9C-B7A6-4A20-B9CD-EDB22077AA42}"/>
+              </a:ext>
+            </a:extLst>
+          </p:cNvPr>
+          <p:cNvCxnSpPr>
+            <a:cxnSpLocks/>
+            <a:stCxn id="8" idx="2"/>
+            <a:endCxn id="4" idx="1"/>
+          </p:cNvCxnSpPr>
+          <p:nvPr/>
+        </p:nvCxnSpPr>
+        <p:spPr>
+          <a:xfrm flipV="1">
+            <a:off x="2655632" y="4711653"/>
+            <a:ext cx="1015906" cy="1"/>
+          </a:xfrm>
+          <a:prstGeom prst="straightConnector1">
+            <a:avLst/>
+          </a:prstGeom>
+          <a:ln w="28575">
+            <a:tailEnd type="triangle"/>
+          </a:ln>
+        </p:spPr>
+        <p:style>
+          <a:lnRef idx="1">
+            <a:schemeClr val="dk1"/>
+          </a:lnRef>
+          <a:fillRef idx="0">
+            <a:schemeClr val="dk1"/>
+          </a:fillRef>
+          <a:effectRef idx="0">
+            <a:schemeClr val="dk1"/>
+          </a:effectRef>
+          <a:fontRef idx="minor">
+            <a:schemeClr val="tx1"/>
+          </a:fontRef>
+        </p:style>
+      </p:cxnSp>
+      <p:sp>
+        <p:nvSpPr>
+          <p:cNvPr id="38" name="Rectangle 37">
+            <a:extLst>
+              <a:ext uri="{FF2B5EF4-FFF2-40B4-BE49-F238E27FC236}">
+                <a16:creationId xmlns:a16="http://schemas.microsoft.com/office/drawing/2014/main" id="{03D76055-D4F1-4D73-82EE-4C1191676195}"/>
+              </a:ext>
+            </a:extLst>
+          </p:cNvPr>
+          <p:cNvSpPr/>
+          <p:nvPr/>
+        </p:nvSpPr>
+        <p:spPr>
+          <a:xfrm>
+            <a:off x="5391706" y="2263244"/>
+            <a:ext cx="3657130" cy="1986028"/>
+          </a:xfrm>
+          <a:prstGeom prst="rect">
+            <a:avLst/>
+          </a:prstGeom>
+        </p:spPr>
+        <p:style>
+          <a:lnRef idx="2">
+            <a:schemeClr val="accent2">
+              <a:shade val="50000"/>
+            </a:schemeClr>
+          </a:lnRef>
+          <a:fillRef idx="1">
+            <a:schemeClr val="accent2"/>
+          </a:fillRef>
+          <a:effectRef idx="0">
+            <a:schemeClr val="accent2"/>
+          </a:effectRef>
+          <a:fontRef idx="minor">
+            <a:schemeClr val="lt1"/>
+          </a:fontRef>
+        </p:style>
+        <p:txBody>
+          <a:bodyPr rtlCol="0" anchor="t"/>
+          <a:lstStyle/>
+          <a:p>
+            <a:r>
+              <a:rPr lang="de-DE" sz="1200" dirty="0"/>
+              <a:t>Aggregator</a:t>
+            </a:r>
+            <a:endParaRPr lang="LID4096" sz="1200" dirty="0"/>
+          </a:p>
+        </p:txBody>
+      </p:sp>
+      <p:cxnSp>
+        <p:nvCxnSpPr>
+          <p:cNvPr id="44" name="Straight Arrow Connector 43">
+            <a:extLst>
+              <a:ext uri="{FF2B5EF4-FFF2-40B4-BE49-F238E27FC236}">
+                <a16:creationId xmlns:a16="http://schemas.microsoft.com/office/drawing/2014/main" id="{C50849AD-2C52-4D5A-8470-A52FFA33B197}"/>
+              </a:ext>
+            </a:extLst>
+          </p:cNvPr>
+          <p:cNvCxnSpPr>
+            <a:cxnSpLocks/>
+          </p:cNvCxnSpPr>
+          <p:nvPr/>
+        </p:nvCxnSpPr>
+        <p:spPr>
+          <a:xfrm flipV="1">
+            <a:off x="4507787" y="4183329"/>
+            <a:ext cx="589810" cy="1"/>
+          </a:xfrm>
+          <a:prstGeom prst="straightConnector1">
+            <a:avLst/>
+          </a:prstGeom>
+          <a:ln w="28575">
+            <a:tailEnd type="triangle"/>
+          </a:ln>
+        </p:spPr>
+        <p:style>
+          <a:lnRef idx="1">
+            <a:schemeClr val="dk1"/>
+          </a:lnRef>
+          <a:fillRef idx="0">
+            <a:schemeClr val="dk1"/>
+          </a:fillRef>
+          <a:effectRef idx="0">
+            <a:schemeClr val="dk1"/>
+          </a:effectRef>
+          <a:fontRef idx="minor">
+            <a:schemeClr val="tx1"/>
+          </a:fontRef>
+        </p:style>
+      </p:cxnSp>
+      <p:sp>
+        <p:nvSpPr>
+          <p:cNvPr id="50" name="Cylinder 49">
+            <a:extLst>
+              <a:ext uri="{FF2B5EF4-FFF2-40B4-BE49-F238E27FC236}">
+                <a16:creationId xmlns:a16="http://schemas.microsoft.com/office/drawing/2014/main" id="{19598583-FB3D-4BF6-BD49-14950878A6A3}"/>
+              </a:ext>
+            </a:extLst>
+          </p:cNvPr>
+          <p:cNvSpPr/>
+          <p:nvPr/>
+        </p:nvSpPr>
+        <p:spPr>
+          <a:xfrm>
+            <a:off x="7595395" y="4515623"/>
+            <a:ext cx="1199977" cy="514838"/>
+          </a:xfrm>
+          <a:prstGeom prst="can">
+            <a:avLst/>
+          </a:prstGeom>
+        </p:spPr>
+        <p:style>
+          <a:lnRef idx="2">
+            <a:schemeClr val="accent1">
+              <a:shade val="50000"/>
+            </a:schemeClr>
+          </a:lnRef>
+          <a:fillRef idx="1">
+            <a:schemeClr val="accent1"/>
+          </a:fillRef>
+          <a:effectRef idx="0">
+            <a:schemeClr val="accent1"/>
+          </a:effectRef>
+          <a:fontRef idx="minor">
+            <a:schemeClr val="lt1"/>
+          </a:fontRef>
+        </p:style>
+        <p:txBody>
+          <a:bodyPr vert="horz" rtlCol="0" anchor="ctr"/>
+          <a:lstStyle/>
+          <a:p>
+            <a:pPr algn="ctr"/>
+            <a:r>
+              <a:rPr lang="de-DE" dirty="0"/>
+              <a:t>Snapshots</a:t>
+            </a:r>
+            <a:endParaRPr lang="LID4096" dirty="0"/>
+          </a:p>
+        </p:txBody>
+      </p:sp>
+      <p:cxnSp>
+        <p:nvCxnSpPr>
+          <p:cNvPr id="52" name="Straight Arrow Connector 51">
+            <a:extLst>
+              <a:ext uri="{FF2B5EF4-FFF2-40B4-BE49-F238E27FC236}">
+                <a16:creationId xmlns:a16="http://schemas.microsoft.com/office/drawing/2014/main" id="{1A86FB7A-F3C9-4F50-BC25-F544F733B05E}"/>
+              </a:ext>
+            </a:extLst>
+          </p:cNvPr>
+          <p:cNvCxnSpPr>
+            <a:cxnSpLocks/>
+            <a:stCxn id="79" idx="2"/>
+            <a:endCxn id="50" idx="1"/>
+          </p:cNvCxnSpPr>
+          <p:nvPr/>
+        </p:nvCxnSpPr>
+        <p:spPr>
+          <a:xfrm flipH="1">
+            <a:off x="8195384" y="3953016"/>
+            <a:ext cx="283598" cy="562607"/>
+          </a:xfrm>
+          <a:prstGeom prst="straightConnector1">
+            <a:avLst/>
+          </a:prstGeom>
+          <a:ln w="28575">
+            <a:tailEnd type="triangle"/>
+          </a:ln>
+        </p:spPr>
+        <p:style>
+          <a:lnRef idx="1">
+            <a:schemeClr val="dk1"/>
+          </a:lnRef>
+          <a:fillRef idx="0">
+            <a:schemeClr val="dk1"/>
+          </a:fillRef>
+          <a:effectRef idx="0">
+            <a:schemeClr val="dk1"/>
+          </a:effectRef>
+          <a:fontRef idx="minor">
+            <a:schemeClr val="tx1"/>
+          </a:fontRef>
+        </p:style>
+      </p:cxnSp>
+      <p:sp>
+        <p:nvSpPr>
+          <p:cNvPr id="56" name="Rectangle 55">
+            <a:extLst>
+              <a:ext uri="{FF2B5EF4-FFF2-40B4-BE49-F238E27FC236}">
+                <a16:creationId xmlns:a16="http://schemas.microsoft.com/office/drawing/2014/main" id="{3CFACCB0-30F6-4C98-967B-8492DB59C68B}"/>
+              </a:ext>
+            </a:extLst>
+          </p:cNvPr>
+          <p:cNvSpPr/>
+          <p:nvPr/>
+        </p:nvSpPr>
+        <p:spPr>
+          <a:xfrm>
+            <a:off x="9537410" y="2727803"/>
+            <a:ext cx="1052355" cy="575297"/>
+          </a:xfrm>
+          <a:prstGeom prst="rect">
+            <a:avLst/>
+          </a:prstGeom>
+        </p:spPr>
+        <p:style>
+          <a:lnRef idx="2">
+            <a:schemeClr val="accent1">
+              <a:shade val="50000"/>
+            </a:schemeClr>
+          </a:lnRef>
+          <a:fillRef idx="1">
+            <a:schemeClr val="accent1"/>
+          </a:fillRef>
+          <a:effectRef idx="0">
+            <a:schemeClr val="accent1"/>
+          </a:effectRef>
+          <a:fontRef idx="minor">
+            <a:schemeClr val="lt1"/>
+          </a:fontRef>
+        </p:style>
+        <p:txBody>
+          <a:bodyPr rtlCol="0" anchor="ctr"/>
+          <a:lstStyle/>
+          <a:p>
+            <a:pPr algn="ctr"/>
+            <a:r>
+              <a:rPr lang="de-DE" sz="1200" dirty="0"/>
+              <a:t>Marketplace Metering API</a:t>
+            </a:r>
+            <a:endParaRPr lang="LID4096" sz="1200" dirty="0"/>
+          </a:p>
+        </p:txBody>
+      </p:sp>
+      <p:sp>
+        <p:nvSpPr>
+          <p:cNvPr id="62" name="Cylinder 61">
+            <a:extLst>
+              <a:ext uri="{FF2B5EF4-FFF2-40B4-BE49-F238E27FC236}">
+                <a16:creationId xmlns:a16="http://schemas.microsoft.com/office/drawing/2014/main" id="{81A85C07-69A7-4315-B836-E83DDFE0FBA3}"/>
+              </a:ext>
+            </a:extLst>
+          </p:cNvPr>
+          <p:cNvSpPr/>
+          <p:nvPr/>
+        </p:nvSpPr>
+        <p:spPr>
+          <a:xfrm>
+            <a:off x="4802692" y="5372007"/>
+            <a:ext cx="1085483" cy="404606"/>
+          </a:xfrm>
+          <a:prstGeom prst="can">
+            <a:avLst/>
+          </a:prstGeom>
+        </p:spPr>
+        <p:style>
+          <a:lnRef idx="2">
+            <a:schemeClr val="accent1">
+              <a:shade val="50000"/>
+            </a:schemeClr>
+          </a:lnRef>
+          <a:fillRef idx="1">
+            <a:schemeClr val="accent1"/>
+          </a:fillRef>
+          <a:effectRef idx="0">
+            <a:schemeClr val="accent1"/>
+          </a:effectRef>
+          <a:fontRef idx="minor">
+            <a:schemeClr val="lt1"/>
+          </a:fontRef>
+        </p:style>
+        <p:txBody>
+          <a:bodyPr vert="horz" rtlCol="0" anchor="ctr"/>
+          <a:lstStyle/>
+          <a:p>
+            <a:pPr algn="ctr"/>
+            <a:r>
+              <a:rPr lang="de-DE" sz="1400" dirty="0"/>
+              <a:t>EH Capture</a:t>
+            </a:r>
+            <a:endParaRPr lang="LID4096" sz="1400" dirty="0"/>
+          </a:p>
+        </p:txBody>
+      </p:sp>
+      <p:cxnSp>
+        <p:nvCxnSpPr>
+          <p:cNvPr id="64" name="Connector: Elbow 63">
+            <a:extLst>
+              <a:ext uri="{FF2B5EF4-FFF2-40B4-BE49-F238E27FC236}">
+                <a16:creationId xmlns:a16="http://schemas.microsoft.com/office/drawing/2014/main" id="{5EEEB283-287B-41BC-B3DC-3C7F375C2EC8}"/>
+              </a:ext>
+            </a:extLst>
+          </p:cNvPr>
+          <p:cNvCxnSpPr>
+            <a:cxnSpLocks/>
+            <a:stCxn id="4" idx="2"/>
+            <a:endCxn id="62" idx="2"/>
+          </p:cNvCxnSpPr>
+          <p:nvPr/>
+        </p:nvCxnSpPr>
+        <p:spPr>
+          <a:xfrm rot="16200000" flipH="1">
+            <a:off x="4405703" y="5177321"/>
+            <a:ext cx="499074" cy="294904"/>
+          </a:xfrm>
+          <a:prstGeom prst="bentConnector2">
+            <a:avLst/>
+          </a:prstGeom>
+          <a:ln w="28575">
+            <a:prstDash val="sysDash"/>
+            <a:tailEnd type="triangle"/>
+          </a:ln>
+        </p:spPr>
+        <p:style>
+          <a:lnRef idx="1">
+            <a:schemeClr val="dk1"/>
+          </a:lnRef>
+          <a:fillRef idx="0">
+            <a:schemeClr val="dk1"/>
+          </a:fillRef>
+          <a:effectRef idx="0">
+            <a:schemeClr val="dk1"/>
+          </a:effectRef>
+          <a:fontRef idx="minor">
+            <a:schemeClr val="tx1"/>
+          </a:fontRef>
+        </p:style>
+      </p:cxnSp>
+      <p:sp>
+        <p:nvSpPr>
+          <p:cNvPr id="34" name="Rectangle 33">
+            <a:extLst>
+              <a:ext uri="{FF2B5EF4-FFF2-40B4-BE49-F238E27FC236}">
+                <a16:creationId xmlns:a16="http://schemas.microsoft.com/office/drawing/2014/main" id="{9E632B2C-15C8-4379-BF16-DCB3DB85E3AC}"/>
+              </a:ext>
+            </a:extLst>
+          </p:cNvPr>
+          <p:cNvSpPr/>
+          <p:nvPr/>
+        </p:nvSpPr>
+        <p:spPr>
+          <a:xfrm>
+            <a:off x="5519233" y="3451922"/>
+            <a:ext cx="883921" cy="731407"/>
+          </a:xfrm>
+          <a:prstGeom prst="rect">
+            <a:avLst/>
+          </a:prstGeom>
+        </p:spPr>
+        <p:style>
+          <a:lnRef idx="2">
+            <a:schemeClr val="dk1"/>
+          </a:lnRef>
+          <a:fillRef idx="1">
+            <a:schemeClr val="lt1"/>
+          </a:fillRef>
+          <a:effectRef idx="0">
+            <a:schemeClr val="dk1"/>
+          </a:effectRef>
+          <a:fontRef idx="minor">
+            <a:schemeClr val="dk1"/>
+          </a:fontRef>
+        </p:style>
+        <p:txBody>
+          <a:bodyPr rtlCol="0" anchor="t"/>
+          <a:lstStyle/>
+          <a:p>
+            <a:pPr algn="ctr"/>
+            <a:r>
+              <a:rPr lang="de-DE" sz="1100" dirty="0"/>
+              <a:t>Observable</a:t>
+            </a:r>
+            <a:endParaRPr lang="LID4096" sz="1100" dirty="0"/>
+          </a:p>
+        </p:txBody>
+      </p:sp>
+      <p:sp>
+        <p:nvSpPr>
+          <p:cNvPr id="35" name="Rectangle 34">
+            <a:extLst>
+              <a:ext uri="{FF2B5EF4-FFF2-40B4-BE49-F238E27FC236}">
+                <a16:creationId xmlns:a16="http://schemas.microsoft.com/office/drawing/2014/main" id="{A073F91B-A9A1-45BD-8423-662513036A9C}"/>
+              </a:ext>
+            </a:extLst>
+          </p:cNvPr>
+          <p:cNvSpPr/>
+          <p:nvPr/>
+        </p:nvSpPr>
+        <p:spPr>
+          <a:xfrm>
+            <a:off x="5584572" y="3688852"/>
+            <a:ext cx="766578" cy="409903"/>
+          </a:xfrm>
+          <a:prstGeom prst="rect">
+            <a:avLst/>
+          </a:prstGeom>
+        </p:spPr>
+        <p:style>
+          <a:lnRef idx="2">
+            <a:schemeClr val="dk1"/>
+          </a:lnRef>
+          <a:fillRef idx="1">
+            <a:schemeClr val="lt1"/>
+          </a:fillRef>
+          <a:effectRef idx="0">
+            <a:schemeClr val="dk1"/>
+          </a:effectRef>
+          <a:fontRef idx="minor">
+            <a:schemeClr val="dk1"/>
+          </a:fontRef>
+        </p:style>
+        <p:txBody>
+          <a:bodyPr rtlCol="0" anchor="ctr"/>
+          <a:lstStyle/>
+          <a:p>
+            <a:pPr algn="ctr"/>
+            <a:r>
+              <a:rPr lang="de-DE" sz="900" dirty="0" err="1"/>
+              <a:t>EventHub</a:t>
+            </a:r>
+            <a:endParaRPr lang="de-DE" sz="900" dirty="0"/>
+          </a:p>
+          <a:p>
+            <a:pPr algn="ctr"/>
+            <a:r>
+              <a:rPr lang="de-DE" sz="900" dirty="0" err="1"/>
+              <a:t>Processor</a:t>
+            </a:r>
+            <a:endParaRPr lang="LID4096" sz="900" dirty="0"/>
+          </a:p>
+        </p:txBody>
+      </p:sp>
+      <p:sp>
+        <p:nvSpPr>
+          <p:cNvPr id="51" name="Rectangle 50">
+            <a:extLst>
+              <a:ext uri="{FF2B5EF4-FFF2-40B4-BE49-F238E27FC236}">
+                <a16:creationId xmlns:a16="http://schemas.microsoft.com/office/drawing/2014/main" id="{6C0CF4F3-CDD7-4E10-8067-B23A117CB149}"/>
+              </a:ext>
+            </a:extLst>
+          </p:cNvPr>
+          <p:cNvSpPr/>
+          <p:nvPr/>
+        </p:nvSpPr>
+        <p:spPr>
+          <a:xfrm rot="16200000">
+            <a:off x="6331812" y="3187582"/>
+            <a:ext cx="579601" cy="261821"/>
+          </a:xfrm>
+          <a:prstGeom prst="rect">
+            <a:avLst/>
+          </a:prstGeom>
+        </p:spPr>
+        <p:style>
+          <a:lnRef idx="2">
+            <a:schemeClr val="dk1"/>
+          </a:lnRef>
+          <a:fillRef idx="1">
+            <a:schemeClr val="lt1"/>
+          </a:fillRef>
+          <a:effectRef idx="0">
+            <a:schemeClr val="dk1"/>
+          </a:effectRef>
+          <a:fontRef idx="minor">
+            <a:schemeClr val="dk1"/>
+          </a:fontRef>
+        </p:style>
+        <p:txBody>
+          <a:bodyPr rtlCol="0" anchor="ctr"/>
+          <a:lstStyle/>
+          <a:p>
+            <a:pPr algn="ctr"/>
+            <a:r>
+              <a:rPr lang="de-DE" sz="900" dirty="0" err="1"/>
+              <a:t>merge</a:t>
+            </a:r>
+            <a:endParaRPr lang="LID4096" sz="900" dirty="0"/>
+          </a:p>
+        </p:txBody>
+      </p:sp>
+      <p:cxnSp>
+        <p:nvCxnSpPr>
+          <p:cNvPr id="53" name="Connector: Elbow 52">
+            <a:extLst>
+              <a:ext uri="{FF2B5EF4-FFF2-40B4-BE49-F238E27FC236}">
+                <a16:creationId xmlns:a16="http://schemas.microsoft.com/office/drawing/2014/main" id="{EDD3ACF5-B032-4493-A553-2E92EDED33FF}"/>
+              </a:ext>
+            </a:extLst>
+          </p:cNvPr>
+          <p:cNvCxnSpPr>
+            <a:cxnSpLocks/>
+            <a:stCxn id="34" idx="3"/>
+            <a:endCxn id="51" idx="1"/>
+          </p:cNvCxnSpPr>
+          <p:nvPr/>
+        </p:nvCxnSpPr>
+        <p:spPr>
+          <a:xfrm flipV="1">
+            <a:off x="6403154" y="3608293"/>
+            <a:ext cx="218459" cy="209333"/>
+          </a:xfrm>
+          <a:prstGeom prst="bentConnector2">
+            <a:avLst/>
+          </a:prstGeom>
+          <a:ln w="28575">
+            <a:tailEnd type="triangle"/>
+          </a:ln>
+        </p:spPr>
+        <p:style>
+          <a:lnRef idx="1">
+            <a:schemeClr val="dk1"/>
+          </a:lnRef>
+          <a:fillRef idx="0">
+            <a:schemeClr val="dk1"/>
+          </a:fillRef>
+          <a:effectRef idx="0">
+            <a:schemeClr val="dk1"/>
+          </a:effectRef>
+          <a:fontRef idx="minor">
+            <a:schemeClr val="tx1"/>
+          </a:fontRef>
+        </p:style>
+      </p:cxnSp>
+      <p:sp>
+        <p:nvSpPr>
+          <p:cNvPr id="59" name="Rectangle 58">
+            <a:extLst>
+              <a:ext uri="{FF2B5EF4-FFF2-40B4-BE49-F238E27FC236}">
+                <a16:creationId xmlns:a16="http://schemas.microsoft.com/office/drawing/2014/main" id="{152E49B2-1274-4F76-94FD-47790FA1B00A}"/>
+              </a:ext>
+            </a:extLst>
+          </p:cNvPr>
+          <p:cNvSpPr/>
+          <p:nvPr/>
+        </p:nvSpPr>
+        <p:spPr>
+          <a:xfrm>
+            <a:off x="6946129" y="3113540"/>
+            <a:ext cx="766578" cy="409903"/>
+          </a:xfrm>
+          <a:prstGeom prst="rect">
+            <a:avLst/>
+          </a:prstGeom>
+        </p:spPr>
+        <p:style>
+          <a:lnRef idx="2">
+            <a:schemeClr val="dk1"/>
+          </a:lnRef>
+          <a:fillRef idx="1">
+            <a:schemeClr val="lt1"/>
+          </a:fillRef>
+          <a:effectRef idx="0">
+            <a:schemeClr val="dk1"/>
+          </a:effectRef>
+          <a:fontRef idx="minor">
+            <a:schemeClr val="dk1"/>
+          </a:fontRef>
+        </p:style>
+        <p:txBody>
+          <a:bodyPr rtlCol="0" anchor="ctr"/>
+          <a:lstStyle/>
+          <a:p>
+            <a:pPr algn="ctr"/>
+            <a:r>
+              <a:rPr lang="de-DE" sz="900" dirty="0"/>
+              <a:t>Business </a:t>
+            </a:r>
+            <a:r>
+              <a:rPr lang="de-DE" sz="900" dirty="0" err="1"/>
+              <a:t>Logic</a:t>
+            </a:r>
+            <a:endParaRPr lang="LID4096" sz="900" dirty="0"/>
+          </a:p>
+        </p:txBody>
+      </p:sp>
+      <p:cxnSp>
+        <p:nvCxnSpPr>
+          <p:cNvPr id="61" name="Straight Arrow Connector 60">
+            <a:extLst>
+              <a:ext uri="{FF2B5EF4-FFF2-40B4-BE49-F238E27FC236}">
+                <a16:creationId xmlns:a16="http://schemas.microsoft.com/office/drawing/2014/main" id="{D8A6A82F-29DF-4D14-861F-FAC178143CDF}"/>
+              </a:ext>
+            </a:extLst>
+          </p:cNvPr>
+          <p:cNvCxnSpPr>
+            <a:cxnSpLocks/>
+            <a:stCxn id="51" idx="2"/>
+            <a:endCxn id="59" idx="1"/>
+          </p:cNvCxnSpPr>
+          <p:nvPr/>
+        </p:nvCxnSpPr>
+        <p:spPr>
+          <a:xfrm>
+            <a:off x="6752523" y="3318492"/>
+            <a:ext cx="193606" cy="0"/>
+          </a:xfrm>
+          <a:prstGeom prst="straightConnector1">
+            <a:avLst/>
+          </a:prstGeom>
+          <a:ln w="28575">
+            <a:tailEnd type="triangle"/>
+          </a:ln>
+        </p:spPr>
+        <p:style>
+          <a:lnRef idx="1">
+            <a:schemeClr val="dk1"/>
+          </a:lnRef>
+          <a:fillRef idx="0">
+            <a:schemeClr val="dk1"/>
+          </a:fillRef>
+          <a:effectRef idx="0">
+            <a:schemeClr val="dk1"/>
+          </a:effectRef>
+          <a:fontRef idx="minor">
+            <a:schemeClr val="tx1"/>
+          </a:fontRef>
+        </p:style>
+      </p:cxnSp>
+      <p:cxnSp>
+        <p:nvCxnSpPr>
+          <p:cNvPr id="40" name="Connector: Elbow 39">
+            <a:extLst>
+              <a:ext uri="{FF2B5EF4-FFF2-40B4-BE49-F238E27FC236}">
+                <a16:creationId xmlns:a16="http://schemas.microsoft.com/office/drawing/2014/main" id="{A636CEE0-9C4B-4056-AA51-65903619E45B}"/>
+              </a:ext>
+            </a:extLst>
+          </p:cNvPr>
+          <p:cNvCxnSpPr>
+            <a:cxnSpLocks/>
+            <a:stCxn id="35" idx="1"/>
+            <a:endCxn id="4" idx="4"/>
+          </p:cNvCxnSpPr>
+          <p:nvPr/>
+        </p:nvCxnSpPr>
+        <p:spPr>
+          <a:xfrm rot="10800000" flipV="1">
+            <a:off x="4507788" y="3893804"/>
+            <a:ext cx="1076784" cy="454266"/>
+          </a:xfrm>
+          <a:prstGeom prst="bentConnector4">
+            <a:avLst>
+              <a:gd name="adj1" fmla="val 33117"/>
+              <a:gd name="adj2" fmla="val 1404"/>
+            </a:avLst>
+          </a:prstGeom>
+          <a:ln w="28575">
+            <a:tailEnd type="triangle"/>
+          </a:ln>
+        </p:spPr>
+        <p:style>
+          <a:lnRef idx="1">
+            <a:schemeClr val="dk1"/>
+          </a:lnRef>
+          <a:fillRef idx="0">
+            <a:schemeClr val="dk1"/>
+          </a:fillRef>
+          <a:effectRef idx="0">
+            <a:schemeClr val="dk1"/>
+          </a:effectRef>
+          <a:fontRef idx="minor">
+            <a:schemeClr val="tx1"/>
+          </a:fontRef>
+        </p:style>
+      </p:cxnSp>
+      <p:sp>
+        <p:nvSpPr>
+          <p:cNvPr id="79" name="Rectangle 78">
+            <a:extLst>
+              <a:ext uri="{FF2B5EF4-FFF2-40B4-BE49-F238E27FC236}">
+                <a16:creationId xmlns:a16="http://schemas.microsoft.com/office/drawing/2014/main" id="{B032A247-55CD-4A38-B807-734010C16DCD}"/>
+              </a:ext>
+            </a:extLst>
+          </p:cNvPr>
+          <p:cNvSpPr/>
+          <p:nvPr/>
+        </p:nvSpPr>
+        <p:spPr>
+          <a:xfrm>
+            <a:off x="8095693" y="3420315"/>
+            <a:ext cx="766578" cy="532701"/>
+          </a:xfrm>
+          <a:prstGeom prst="rect">
+            <a:avLst/>
+          </a:prstGeom>
+        </p:spPr>
+        <p:style>
+          <a:lnRef idx="2">
+            <a:schemeClr val="dk1"/>
+          </a:lnRef>
+          <a:fillRef idx="1">
+            <a:schemeClr val="lt1"/>
+          </a:fillRef>
+          <a:effectRef idx="0">
+            <a:schemeClr val="dk1"/>
+          </a:effectRef>
+          <a:fontRef idx="minor">
+            <a:schemeClr val="dk1"/>
+          </a:fontRef>
+        </p:style>
+        <p:txBody>
+          <a:bodyPr rtlCol="0" anchor="ctr"/>
+          <a:lstStyle/>
+          <a:p>
+            <a:pPr algn="ctr"/>
+            <a:r>
+              <a:rPr lang="de-DE" sz="900" dirty="0"/>
+              <a:t>Regular State Snapshots</a:t>
+            </a:r>
+            <a:endParaRPr lang="LID4096" sz="900" dirty="0"/>
+          </a:p>
+        </p:txBody>
+      </p:sp>
+      <p:sp>
+        <p:nvSpPr>
+          <p:cNvPr id="85" name="Rectangle 84">
+            <a:extLst>
+              <a:ext uri="{FF2B5EF4-FFF2-40B4-BE49-F238E27FC236}">
+                <a16:creationId xmlns:a16="http://schemas.microsoft.com/office/drawing/2014/main" id="{B159B089-95EC-48A7-839D-90B157C87FFA}"/>
+              </a:ext>
+            </a:extLst>
+          </p:cNvPr>
+          <p:cNvSpPr/>
+          <p:nvPr/>
+        </p:nvSpPr>
+        <p:spPr>
+          <a:xfrm>
+            <a:off x="8095693" y="2749102"/>
+            <a:ext cx="766578" cy="532701"/>
+          </a:xfrm>
+          <a:prstGeom prst="rect">
+            <a:avLst/>
+          </a:prstGeom>
+        </p:spPr>
+        <p:style>
+          <a:lnRef idx="2">
+            <a:schemeClr val="dk1"/>
+          </a:lnRef>
+          <a:fillRef idx="1">
+            <a:schemeClr val="lt1"/>
+          </a:fillRef>
+          <a:effectRef idx="0">
+            <a:schemeClr val="dk1"/>
+          </a:effectRef>
+          <a:fontRef idx="minor">
+            <a:schemeClr val="dk1"/>
+          </a:fontRef>
+        </p:style>
+        <p:txBody>
+          <a:bodyPr rtlCol="0" anchor="ctr"/>
+          <a:lstStyle/>
+          <a:p>
+            <a:pPr algn="ctr"/>
+            <a:r>
+              <a:rPr lang="de-DE" sz="900" dirty="0" err="1"/>
+              <a:t>Emit</a:t>
+            </a:r>
+            <a:r>
+              <a:rPr lang="de-DE" sz="900" dirty="0"/>
+              <a:t> </a:t>
+            </a:r>
+            <a:r>
+              <a:rPr lang="de-DE" sz="900" dirty="0" err="1"/>
+              <a:t>to</a:t>
+            </a:r>
+            <a:r>
+              <a:rPr lang="de-DE" sz="900" dirty="0"/>
+              <a:t> </a:t>
+            </a:r>
+            <a:r>
+              <a:rPr lang="de-DE" sz="900" dirty="0" err="1"/>
+              <a:t>metering</a:t>
+            </a:r>
+            <a:r>
+              <a:rPr lang="de-DE" sz="900" dirty="0"/>
+              <a:t> API</a:t>
+            </a:r>
+            <a:endParaRPr lang="LID4096" sz="900" dirty="0"/>
+          </a:p>
+        </p:txBody>
+      </p:sp>
+      <p:cxnSp>
+        <p:nvCxnSpPr>
+          <p:cNvPr id="99" name="Connector: Elbow 98">
+            <a:extLst>
+              <a:ext uri="{FF2B5EF4-FFF2-40B4-BE49-F238E27FC236}">
+                <a16:creationId xmlns:a16="http://schemas.microsoft.com/office/drawing/2014/main" id="{DFA77939-372C-435F-990A-0302BCAD958E}"/>
+              </a:ext>
+            </a:extLst>
+          </p:cNvPr>
+          <p:cNvCxnSpPr>
+            <a:cxnSpLocks/>
+            <a:stCxn id="59" idx="3"/>
+            <a:endCxn id="85" idx="1"/>
+          </p:cNvCxnSpPr>
+          <p:nvPr/>
+        </p:nvCxnSpPr>
+        <p:spPr>
+          <a:xfrm flipV="1">
+            <a:off x="7712707" y="3015453"/>
+            <a:ext cx="382986" cy="303039"/>
+          </a:xfrm>
+          <a:prstGeom prst="bentConnector3">
+            <a:avLst>
+              <a:gd name="adj1" fmla="val 50000"/>
+            </a:avLst>
+          </a:prstGeom>
+          <a:ln w="28575">
+            <a:tailEnd type="triangle"/>
+          </a:ln>
+        </p:spPr>
+        <p:style>
+          <a:lnRef idx="1">
+            <a:schemeClr val="dk1"/>
+          </a:lnRef>
+          <a:fillRef idx="0">
+            <a:schemeClr val="dk1"/>
+          </a:fillRef>
+          <a:effectRef idx="0">
+            <a:schemeClr val="dk1"/>
+          </a:effectRef>
+          <a:fontRef idx="minor">
+            <a:schemeClr val="tx1"/>
+          </a:fontRef>
+        </p:style>
+      </p:cxnSp>
+      <p:cxnSp>
+        <p:nvCxnSpPr>
+          <p:cNvPr id="103" name="Connector: Elbow 102">
+            <a:extLst>
+              <a:ext uri="{FF2B5EF4-FFF2-40B4-BE49-F238E27FC236}">
+                <a16:creationId xmlns:a16="http://schemas.microsoft.com/office/drawing/2014/main" id="{D52B44B9-C292-41AC-827B-8377D4D8F867}"/>
+              </a:ext>
+            </a:extLst>
+          </p:cNvPr>
+          <p:cNvCxnSpPr>
+            <a:cxnSpLocks/>
+            <a:stCxn id="59" idx="3"/>
+            <a:endCxn id="79" idx="1"/>
+          </p:cNvCxnSpPr>
+          <p:nvPr/>
+        </p:nvCxnSpPr>
+        <p:spPr>
+          <a:xfrm>
+            <a:off x="7712707" y="3318492"/>
+            <a:ext cx="382986" cy="368174"/>
+          </a:xfrm>
+          <a:prstGeom prst="bentConnector3">
+            <a:avLst>
+              <a:gd name="adj1" fmla="val 50000"/>
+            </a:avLst>
+          </a:prstGeom>
+          <a:ln w="28575">
+            <a:tailEnd type="triangle"/>
+          </a:ln>
+        </p:spPr>
+        <p:style>
+          <a:lnRef idx="1">
+            <a:schemeClr val="dk1"/>
+          </a:lnRef>
+          <a:fillRef idx="0">
+            <a:schemeClr val="dk1"/>
+          </a:fillRef>
+          <a:effectRef idx="0">
+            <a:schemeClr val="dk1"/>
+          </a:effectRef>
+          <a:fontRef idx="minor">
+            <a:schemeClr val="tx1"/>
+          </a:fontRef>
+        </p:style>
+      </p:cxnSp>
+      <p:cxnSp>
+        <p:nvCxnSpPr>
+          <p:cNvPr id="110" name="Connector: Elbow 109">
+            <a:extLst>
+              <a:ext uri="{FF2B5EF4-FFF2-40B4-BE49-F238E27FC236}">
+                <a16:creationId xmlns:a16="http://schemas.microsoft.com/office/drawing/2014/main" id="{ECA07121-DB2C-4AB3-AE48-53B04C367435}"/>
+              </a:ext>
+            </a:extLst>
+          </p:cNvPr>
+          <p:cNvCxnSpPr>
+            <a:cxnSpLocks/>
+            <a:stCxn id="85" idx="0"/>
+            <a:endCxn id="51" idx="0"/>
+          </p:cNvCxnSpPr>
+          <p:nvPr/>
+        </p:nvCxnSpPr>
+        <p:spPr>
+          <a:xfrm rot="16200000" flipH="1" flipV="1">
+            <a:off x="7200147" y="2039657"/>
+            <a:ext cx="569390" cy="1988280"/>
+          </a:xfrm>
+          <a:prstGeom prst="bentConnector4">
+            <a:avLst>
+              <a:gd name="adj1" fmla="val -30701"/>
+              <a:gd name="adj2" fmla="val 113662"/>
+            </a:avLst>
+          </a:prstGeom>
+          <a:ln w="28575">
+            <a:tailEnd type="triangle"/>
+          </a:ln>
+        </p:spPr>
+        <p:style>
+          <a:lnRef idx="1">
+            <a:schemeClr val="dk1"/>
+          </a:lnRef>
+          <a:fillRef idx="0">
+            <a:schemeClr val="dk1"/>
+          </a:fillRef>
+          <a:effectRef idx="0">
+            <a:schemeClr val="dk1"/>
+          </a:effectRef>
+          <a:fontRef idx="minor">
+            <a:schemeClr val="tx1"/>
+          </a:fontRef>
+        </p:style>
+      </p:cxnSp>
+      <p:cxnSp>
+        <p:nvCxnSpPr>
+          <p:cNvPr id="116" name="Straight Arrow Connector 115">
+            <a:extLst>
+              <a:ext uri="{FF2B5EF4-FFF2-40B4-BE49-F238E27FC236}">
+                <a16:creationId xmlns:a16="http://schemas.microsoft.com/office/drawing/2014/main" id="{7562B56E-FBB7-41CA-AB47-12ABFA03F1EB}"/>
+              </a:ext>
+            </a:extLst>
+          </p:cNvPr>
+          <p:cNvCxnSpPr>
+            <a:cxnSpLocks/>
+            <a:stCxn id="85" idx="3"/>
+            <a:endCxn id="56" idx="1"/>
+          </p:cNvCxnSpPr>
+          <p:nvPr/>
+        </p:nvCxnSpPr>
+        <p:spPr>
+          <a:xfrm flipV="1">
+            <a:off x="8862271" y="3015452"/>
+            <a:ext cx="675139" cy="1"/>
+          </a:xfrm>
+          <a:prstGeom prst="straightConnector1">
+            <a:avLst/>
+          </a:prstGeom>
+          <a:ln w="28575">
+            <a:tailEnd type="triangle"/>
+          </a:ln>
+        </p:spPr>
+        <p:style>
+          <a:lnRef idx="1">
+            <a:schemeClr val="dk1"/>
+          </a:lnRef>
+          <a:fillRef idx="0">
+            <a:schemeClr val="dk1"/>
+          </a:fillRef>
+          <a:effectRef idx="0">
+            <a:schemeClr val="dk1"/>
+          </a:effectRef>
+          <a:fontRef idx="minor">
+            <a:schemeClr val="tx1"/>
+          </a:fontRef>
+        </p:style>
+      </p:cxnSp>
+      <p:cxnSp>
+        <p:nvCxnSpPr>
+          <p:cNvPr id="120" name="Straight Arrow Connector 119">
+            <a:extLst>
+              <a:ext uri="{FF2B5EF4-FFF2-40B4-BE49-F238E27FC236}">
+                <a16:creationId xmlns:a16="http://schemas.microsoft.com/office/drawing/2014/main" id="{9195B518-150C-495A-B923-1ECF81226174}"/>
+              </a:ext>
+            </a:extLst>
+          </p:cNvPr>
+          <p:cNvCxnSpPr>
+            <a:cxnSpLocks/>
+            <a:stCxn id="50" idx="1"/>
+            <a:endCxn id="59" idx="2"/>
+          </p:cNvCxnSpPr>
+          <p:nvPr/>
+        </p:nvCxnSpPr>
+        <p:spPr>
+          <a:xfrm flipH="1" flipV="1">
+            <a:off x="7329418" y="3523443"/>
+            <a:ext cx="865966" cy="992180"/>
+          </a:xfrm>
+          <a:prstGeom prst="straightConnector1">
+            <a:avLst/>
+          </a:prstGeom>
+          <a:ln w="28575">
+            <a:prstDash val="dashDot"/>
+            <a:tailEnd type="triangle"/>
+          </a:ln>
+        </p:spPr>
+        <p:style>
+          <a:lnRef idx="1">
+            <a:schemeClr val="dk1"/>
+          </a:lnRef>
+          <a:fillRef idx="0">
+            <a:schemeClr val="dk1"/>
+          </a:fillRef>
+          <a:effectRef idx="0">
+            <a:schemeClr val="dk1"/>
+          </a:effectRef>
+          <a:fontRef idx="minor">
+            <a:schemeClr val="tx1"/>
+          </a:fontRef>
+        </p:style>
+      </p:cxnSp>
+      <p:sp>
+        <p:nvSpPr>
+          <p:cNvPr id="135" name="Speech Bubble: Rectangle 134">
+            <a:extLst>
+              <a:ext uri="{FF2B5EF4-FFF2-40B4-BE49-F238E27FC236}">
+                <a16:creationId xmlns:a16="http://schemas.microsoft.com/office/drawing/2014/main" id="{2369B46D-5CD4-4A80-9699-8B635A8B7734}"/>
+              </a:ext>
+            </a:extLst>
+          </p:cNvPr>
+          <p:cNvSpPr/>
+          <p:nvPr/>
+        </p:nvSpPr>
+        <p:spPr>
+          <a:xfrm>
+            <a:off x="5452949" y="531447"/>
+            <a:ext cx="1427807" cy="664307"/>
+          </a:xfrm>
+          <a:prstGeom prst="wedgeRectCallout">
+            <a:avLst>
+              <a:gd name="adj1" fmla="val 65351"/>
+              <a:gd name="adj2" fmla="val 250061"/>
+            </a:avLst>
+          </a:prstGeom>
+          <a:solidFill>
+            <a:schemeClr val="bg1">
+              <a:lumMod val="85000"/>
+            </a:schemeClr>
+          </a:solidFill>
+          <a:ln>
+            <a:noFill/>
+          </a:ln>
+        </p:spPr>
+        <p:style>
+          <a:lnRef idx="2">
+            <a:schemeClr val="dk1"/>
+          </a:lnRef>
+          <a:fillRef idx="1">
+            <a:schemeClr val="lt1"/>
+          </a:fillRef>
+          <a:effectRef idx="0">
+            <a:schemeClr val="dk1"/>
+          </a:effectRef>
+          <a:fontRef idx="minor">
+            <a:schemeClr val="dk1"/>
+          </a:fontRef>
+        </p:style>
+        <p:txBody>
+          <a:bodyPr rtlCol="0" anchor="t"/>
+          <a:lstStyle/>
+          <a:p>
+            <a:r>
+              <a:rPr lang="en-US" sz="900" dirty="0"/>
+              <a:t>Successful API calls result in a local command to remove the desired API Call from state</a:t>
+            </a:r>
+          </a:p>
+        </p:txBody>
+      </p:sp>
+      <p:sp>
+        <p:nvSpPr>
+          <p:cNvPr id="137" name="Speech Bubble: Rectangle 136">
+            <a:extLst>
+              <a:ext uri="{FF2B5EF4-FFF2-40B4-BE49-F238E27FC236}">
+                <a16:creationId xmlns:a16="http://schemas.microsoft.com/office/drawing/2014/main" id="{5475B9CC-47DF-4718-AACE-395D5677DBD3}"/>
+              </a:ext>
+            </a:extLst>
+          </p:cNvPr>
+          <p:cNvSpPr/>
+          <p:nvPr/>
+        </p:nvSpPr>
+        <p:spPr>
+          <a:xfrm>
+            <a:off x="5951667" y="4641413"/>
+            <a:ext cx="656523" cy="416750"/>
+          </a:xfrm>
+          <a:prstGeom prst="wedgeRectCallout">
+            <a:avLst>
+              <a:gd name="adj1" fmla="val 40779"/>
+              <a:gd name="adj2" fmla="val -242638"/>
+            </a:avLst>
+          </a:prstGeom>
+          <a:solidFill>
+            <a:schemeClr val="bg1">
+              <a:lumMod val="85000"/>
+            </a:schemeClr>
+          </a:solidFill>
+          <a:ln>
+            <a:noFill/>
+          </a:ln>
+        </p:spPr>
+        <p:style>
+          <a:lnRef idx="2">
+            <a:schemeClr val="dk1"/>
+          </a:lnRef>
+          <a:fillRef idx="1">
+            <a:schemeClr val="lt1"/>
+          </a:fillRef>
+          <a:effectRef idx="0">
+            <a:schemeClr val="dk1"/>
+          </a:effectRef>
+          <a:fontRef idx="minor">
+            <a:schemeClr val="dk1"/>
+          </a:fontRef>
+        </p:style>
+        <p:txBody>
+          <a:bodyPr rtlCol="0" anchor="t"/>
+          <a:lstStyle/>
+          <a:p>
+            <a:r>
+              <a:rPr lang="en-US" sz="900" dirty="0"/>
+              <a:t>Metering Updates</a:t>
+            </a:r>
+          </a:p>
+        </p:txBody>
+      </p:sp>
+      <p:sp>
+        <p:nvSpPr>
+          <p:cNvPr id="139" name="Speech Bubble: Rectangle 138">
+            <a:extLst>
+              <a:ext uri="{FF2B5EF4-FFF2-40B4-BE49-F238E27FC236}">
+                <a16:creationId xmlns:a16="http://schemas.microsoft.com/office/drawing/2014/main" id="{E3703C5B-8C6D-4AFA-86C3-A7474C94D8DD}"/>
+              </a:ext>
+            </a:extLst>
+          </p:cNvPr>
+          <p:cNvSpPr/>
+          <p:nvPr/>
+        </p:nvSpPr>
+        <p:spPr>
+          <a:xfrm>
+            <a:off x="6752523" y="5167499"/>
+            <a:ext cx="865966" cy="499075"/>
+          </a:xfrm>
+          <a:prstGeom prst="wedgeRectCallout">
+            <a:avLst>
+              <a:gd name="adj1" fmla="val 50245"/>
+              <a:gd name="adj2" fmla="val -298736"/>
+            </a:avLst>
+          </a:prstGeom>
+          <a:solidFill>
+            <a:schemeClr val="bg1">
+              <a:lumMod val="85000"/>
+            </a:schemeClr>
+          </a:solidFill>
+          <a:ln>
+            <a:noFill/>
+          </a:ln>
+        </p:spPr>
+        <p:style>
+          <a:lnRef idx="2">
+            <a:schemeClr val="dk1"/>
+          </a:lnRef>
+          <a:fillRef idx="1">
+            <a:schemeClr val="lt1"/>
+          </a:fillRef>
+          <a:effectRef idx="0">
+            <a:schemeClr val="dk1"/>
+          </a:effectRef>
+          <a:fontRef idx="minor">
+            <a:schemeClr val="dk1"/>
+          </a:fontRef>
+        </p:style>
+        <p:txBody>
+          <a:bodyPr rtlCol="0" anchor="t"/>
+          <a:lstStyle/>
+          <a:p>
+            <a:r>
+              <a:rPr lang="en-US" sz="900" dirty="0"/>
+              <a:t>Load latest snapshot on startup</a:t>
+            </a:r>
+          </a:p>
+        </p:txBody>
+      </p:sp>
+    </p:spTree>
+    <p:extLst>
+      <p:ext uri="{BB962C8B-B14F-4D97-AF65-F5344CB8AC3E}">
+        <p14:creationId xmlns:p14="http://schemas.microsoft.com/office/powerpoint/2010/main" val="1310546345"/>
+      </p:ext>
+    </p:extLst>
+  </p:cSld>
+  <p:clrMapOvr>
+    <a:masterClrMapping/>
+  </p:clrMapOvr>
+</p:sld>
+</file>
+
 <file path=ppt/theme/theme1.xml><?xml version="1.0" encoding="utf-8"?>
 <a:theme xmlns:a="http://schemas.openxmlformats.org/drawingml/2006/main" name="Office Theme">
   <a:themeElements>

--- a/docs/images.pptx
+++ b/docs/images.pptx
@@ -267,7 +267,7 @@
           <a:p>
             <a:fld id="{E43E6874-846B-4036-8D9A-9072E9C8BA6D}" type="datetimeFigureOut">
               <a:rPr lang="LID4096" smtClean="0"/>
-              <a:t>10/18/2021</a:t>
+              <a:t>11/04/2021</a:t>
             </a:fld>
             <a:endParaRPr lang="LID4096"/>
           </a:p>
@@ -467,7 +467,7 @@
           <a:p>
             <a:fld id="{E43E6874-846B-4036-8D9A-9072E9C8BA6D}" type="datetimeFigureOut">
               <a:rPr lang="LID4096" smtClean="0"/>
-              <a:t>10/18/2021</a:t>
+              <a:t>11/04/2021</a:t>
             </a:fld>
             <a:endParaRPr lang="LID4096"/>
           </a:p>
@@ -677,7 +677,7 @@
           <a:p>
             <a:fld id="{E43E6874-846B-4036-8D9A-9072E9C8BA6D}" type="datetimeFigureOut">
               <a:rPr lang="LID4096" smtClean="0"/>
-              <a:t>10/18/2021</a:t>
+              <a:t>11/04/2021</a:t>
             </a:fld>
             <a:endParaRPr lang="LID4096"/>
           </a:p>
@@ -877,7 +877,7 @@
           <a:p>
             <a:fld id="{E43E6874-846B-4036-8D9A-9072E9C8BA6D}" type="datetimeFigureOut">
               <a:rPr lang="LID4096" smtClean="0"/>
-              <a:t>10/18/2021</a:t>
+              <a:t>11/04/2021</a:t>
             </a:fld>
             <a:endParaRPr lang="LID4096"/>
           </a:p>
@@ -1153,7 +1153,7 @@
           <a:p>
             <a:fld id="{E43E6874-846B-4036-8D9A-9072E9C8BA6D}" type="datetimeFigureOut">
               <a:rPr lang="LID4096" smtClean="0"/>
-              <a:t>10/18/2021</a:t>
+              <a:t>11/04/2021</a:t>
             </a:fld>
             <a:endParaRPr lang="LID4096"/>
           </a:p>
@@ -1421,7 +1421,7 @@
           <a:p>
             <a:fld id="{E43E6874-846B-4036-8D9A-9072E9C8BA6D}" type="datetimeFigureOut">
               <a:rPr lang="LID4096" smtClean="0"/>
-              <a:t>10/18/2021</a:t>
+              <a:t>11/04/2021</a:t>
             </a:fld>
             <a:endParaRPr lang="LID4096"/>
           </a:p>
@@ -1836,7 +1836,7 @@
           <a:p>
             <a:fld id="{E43E6874-846B-4036-8D9A-9072E9C8BA6D}" type="datetimeFigureOut">
               <a:rPr lang="LID4096" smtClean="0"/>
-              <a:t>10/18/2021</a:t>
+              <a:t>11/04/2021</a:t>
             </a:fld>
             <a:endParaRPr lang="LID4096"/>
           </a:p>
@@ -1978,7 +1978,7 @@
           <a:p>
             <a:fld id="{E43E6874-846B-4036-8D9A-9072E9C8BA6D}" type="datetimeFigureOut">
               <a:rPr lang="LID4096" smtClean="0"/>
-              <a:t>10/18/2021</a:t>
+              <a:t>11/04/2021</a:t>
             </a:fld>
             <a:endParaRPr lang="LID4096"/>
           </a:p>
@@ -2091,7 +2091,7 @@
           <a:p>
             <a:fld id="{E43E6874-846B-4036-8D9A-9072E9C8BA6D}" type="datetimeFigureOut">
               <a:rPr lang="LID4096" smtClean="0"/>
-              <a:t>10/18/2021</a:t>
+              <a:t>11/04/2021</a:t>
             </a:fld>
             <a:endParaRPr lang="LID4096"/>
           </a:p>
@@ -2404,7 +2404,7 @@
           <a:p>
             <a:fld id="{E43E6874-846B-4036-8D9A-9072E9C8BA6D}" type="datetimeFigureOut">
               <a:rPr lang="LID4096" smtClean="0"/>
-              <a:t>10/18/2021</a:t>
+              <a:t>11/04/2021</a:t>
             </a:fld>
             <a:endParaRPr lang="LID4096"/>
           </a:p>
@@ -2693,7 +2693,7 @@
           <a:p>
             <a:fld id="{E43E6874-846B-4036-8D9A-9072E9C8BA6D}" type="datetimeFigureOut">
               <a:rPr lang="LID4096" smtClean="0"/>
-              <a:t>10/18/2021</a:t>
+              <a:t>11/04/2021</a:t>
             </a:fld>
             <a:endParaRPr lang="LID4096"/>
           </a:p>
@@ -2936,7 +2936,7 @@
           <a:p>
             <a:fld id="{E43E6874-846B-4036-8D9A-9072E9C8BA6D}" type="datetimeFigureOut">
               <a:rPr lang="LID4096" smtClean="0"/>
-              <a:t>10/18/2021</a:t>
+              <a:t>11/04/2021</a:t>
             </a:fld>
             <a:endParaRPr lang="LID4096"/>
           </a:p>
@@ -12328,7 +12328,7 @@
           <a:prstGeom prst="straightConnector1">
             <a:avLst/>
           </a:prstGeom>
-          <a:ln w="28575">
+          <a:ln w="76200">
             <a:tailEnd type="triangle"/>
           </a:ln>
         </p:spPr>
@@ -12559,6 +12559,151 @@
               <a:rPr lang="en-US" sz="900" dirty="0"/>
               <a:t>Load latest snapshot on startup</a:t>
             </a:r>
+          </a:p>
+        </p:txBody>
+      </p:sp>
+      <p:sp>
+        <p:nvSpPr>
+          <p:cNvPr id="2" name="TextBox 1">
+            <a:extLst>
+              <a:ext uri="{FF2B5EF4-FFF2-40B4-BE49-F238E27FC236}">
+                <a16:creationId xmlns:a16="http://schemas.microsoft.com/office/drawing/2014/main" id="{DC32BD6B-DCDC-4E26-B470-2549AB0C1195}"/>
+              </a:ext>
+            </a:extLst>
+          </p:cNvPr>
+          <p:cNvSpPr txBox="1"/>
+          <p:nvPr/>
+        </p:nvSpPr>
+        <p:spPr>
+          <a:xfrm>
+            <a:off x="7329418" y="1181328"/>
+            <a:ext cx="4848700" cy="646331"/>
+          </a:xfrm>
+          <a:prstGeom prst="rect">
+            <a:avLst/>
+          </a:prstGeom>
+          <a:noFill/>
+        </p:spPr>
+        <p:txBody>
+          <a:bodyPr wrap="none" rtlCol="0">
+            <a:spAutoFit/>
+          </a:bodyPr>
+          <a:lstStyle/>
+          <a:p>
+            <a:r>
+              <a:rPr lang="de-DE" dirty="0" err="1"/>
+              <a:t>resourceID</a:t>
+            </a:r>
+            <a:r>
+              <a:rPr lang="de-DE" dirty="0"/>
+              <a:t> = </a:t>
+            </a:r>
+            <a:r>
+              <a:rPr lang="en-US" sz="1800" dirty="0"/>
+              <a:t>123748123407  (for SaaS)</a:t>
+            </a:r>
+            <a:endParaRPr lang="de-DE" dirty="0"/>
+          </a:p>
+          <a:p>
+            <a:r>
+              <a:rPr lang="de-DE" dirty="0" err="1"/>
+              <a:t>resourceID</a:t>
+            </a:r>
+            <a:r>
+              <a:rPr lang="de-DE" dirty="0"/>
+              <a:t> = /</a:t>
+            </a:r>
+            <a:r>
+              <a:rPr lang="de-DE" dirty="0" err="1"/>
+              <a:t>subscription</a:t>
+            </a:r>
+            <a:r>
+              <a:rPr lang="de-DE" dirty="0"/>
+              <a:t>/1234/</a:t>
+            </a:r>
+            <a:r>
+              <a:rPr lang="de-DE" dirty="0" err="1"/>
+              <a:t>resourceGroub</a:t>
+            </a:r>
+            <a:r>
+              <a:rPr lang="de-DE" dirty="0"/>
+              <a:t>/i</a:t>
+            </a:r>
+            <a:endParaRPr lang="LID4096" dirty="0"/>
+          </a:p>
+        </p:txBody>
+      </p:sp>
+      <p:sp>
+        <p:nvSpPr>
+          <p:cNvPr id="3" name="Speech Bubble: Rectangle 2">
+            <a:extLst>
+              <a:ext uri="{FF2B5EF4-FFF2-40B4-BE49-F238E27FC236}">
+                <a16:creationId xmlns:a16="http://schemas.microsoft.com/office/drawing/2014/main" id="{0458429A-EE30-407A-8684-36403909A529}"/>
+              </a:ext>
+            </a:extLst>
+          </p:cNvPr>
+          <p:cNvSpPr/>
+          <p:nvPr/>
+        </p:nvSpPr>
+        <p:spPr>
+          <a:xfrm>
+            <a:off x="1145063" y="1680999"/>
+            <a:ext cx="1803636" cy="582246"/>
+          </a:xfrm>
+          <a:prstGeom prst="wedgeRectCallout">
+            <a:avLst>
+              <a:gd name="adj1" fmla="val 60607"/>
+              <a:gd name="adj2" fmla="val 458348"/>
+            </a:avLst>
+          </a:prstGeom>
+          <a:solidFill>
+            <a:schemeClr val="bg1">
+              <a:lumMod val="85000"/>
+            </a:schemeClr>
+          </a:solidFill>
+          <a:ln>
+            <a:noFill/>
+          </a:ln>
+        </p:spPr>
+        <p:style>
+          <a:lnRef idx="2">
+            <a:schemeClr val="dk1"/>
+          </a:lnRef>
+          <a:fillRef idx="1">
+            <a:schemeClr val="lt1"/>
+          </a:fillRef>
+          <a:effectRef idx="0">
+            <a:schemeClr val="dk1"/>
+          </a:effectRef>
+          <a:fontRef idx="minor">
+            <a:schemeClr val="dk1"/>
+          </a:fontRef>
+        </p:style>
+        <p:txBody>
+          <a:bodyPr rtlCol="0" anchor="t"/>
+          <a:lstStyle/>
+          <a:p>
+            <a:r>
+              <a:rPr lang="en-US" sz="900" dirty="0"/>
+              <a:t>Scope = “123748123407”</a:t>
+            </a:r>
+          </a:p>
+          <a:p>
+            <a:r>
+              <a:rPr lang="en-US" sz="900" dirty="0"/>
+              <a:t>Scope = “</a:t>
+            </a:r>
+            <a:r>
+              <a:rPr lang="en-US" sz="900" dirty="0" err="1"/>
+              <a:t>AzureManagedApp</a:t>
+            </a:r>
+            <a:r>
+              <a:rPr lang="en-US" sz="900" dirty="0"/>
+              <a:t>”</a:t>
+            </a:r>
+          </a:p>
+          <a:p>
+            <a:endParaRPr lang="en-US" sz="900" dirty="0"/>
           </a:p>
         </p:txBody>
       </p:sp>

--- a/docs/images.pptx
+++ b/docs/images.pptx
@@ -267,7 +267,7 @@
           <a:p>
             <a:fld id="{E43E6874-846B-4036-8D9A-9072E9C8BA6D}" type="datetimeFigureOut">
               <a:rPr lang="LID4096" smtClean="0"/>
-              <a:t>11/04/2021</a:t>
+              <a:t>11/15/2021</a:t>
             </a:fld>
             <a:endParaRPr lang="LID4096"/>
           </a:p>
@@ -467,7 +467,7 @@
           <a:p>
             <a:fld id="{E43E6874-846B-4036-8D9A-9072E9C8BA6D}" type="datetimeFigureOut">
               <a:rPr lang="LID4096" smtClean="0"/>
-              <a:t>11/04/2021</a:t>
+              <a:t>11/15/2021</a:t>
             </a:fld>
             <a:endParaRPr lang="LID4096"/>
           </a:p>
@@ -677,7 +677,7 @@
           <a:p>
             <a:fld id="{E43E6874-846B-4036-8D9A-9072E9C8BA6D}" type="datetimeFigureOut">
               <a:rPr lang="LID4096" smtClean="0"/>
-              <a:t>11/04/2021</a:t>
+              <a:t>11/15/2021</a:t>
             </a:fld>
             <a:endParaRPr lang="LID4096"/>
           </a:p>
@@ -877,7 +877,7 @@
           <a:p>
             <a:fld id="{E43E6874-846B-4036-8D9A-9072E9C8BA6D}" type="datetimeFigureOut">
               <a:rPr lang="LID4096" smtClean="0"/>
-              <a:t>11/04/2021</a:t>
+              <a:t>11/15/2021</a:t>
             </a:fld>
             <a:endParaRPr lang="LID4096"/>
           </a:p>
@@ -1153,7 +1153,7 @@
           <a:p>
             <a:fld id="{E43E6874-846B-4036-8D9A-9072E9C8BA6D}" type="datetimeFigureOut">
               <a:rPr lang="LID4096" smtClean="0"/>
-              <a:t>11/04/2021</a:t>
+              <a:t>11/15/2021</a:t>
             </a:fld>
             <a:endParaRPr lang="LID4096"/>
           </a:p>
@@ -1421,7 +1421,7 @@
           <a:p>
             <a:fld id="{E43E6874-846B-4036-8D9A-9072E9C8BA6D}" type="datetimeFigureOut">
               <a:rPr lang="LID4096" smtClean="0"/>
-              <a:t>11/04/2021</a:t>
+              <a:t>11/15/2021</a:t>
             </a:fld>
             <a:endParaRPr lang="LID4096"/>
           </a:p>
@@ -1836,7 +1836,7 @@
           <a:p>
             <a:fld id="{E43E6874-846B-4036-8D9A-9072E9C8BA6D}" type="datetimeFigureOut">
               <a:rPr lang="LID4096" smtClean="0"/>
-              <a:t>11/04/2021</a:t>
+              <a:t>11/15/2021</a:t>
             </a:fld>
             <a:endParaRPr lang="LID4096"/>
           </a:p>
@@ -1978,7 +1978,7 @@
           <a:p>
             <a:fld id="{E43E6874-846B-4036-8D9A-9072E9C8BA6D}" type="datetimeFigureOut">
               <a:rPr lang="LID4096" smtClean="0"/>
-              <a:t>11/04/2021</a:t>
+              <a:t>11/15/2021</a:t>
             </a:fld>
             <a:endParaRPr lang="LID4096"/>
           </a:p>
@@ -2091,7 +2091,7 @@
           <a:p>
             <a:fld id="{E43E6874-846B-4036-8D9A-9072E9C8BA6D}" type="datetimeFigureOut">
               <a:rPr lang="LID4096" smtClean="0"/>
-              <a:t>11/04/2021</a:t>
+              <a:t>11/15/2021</a:t>
             </a:fld>
             <a:endParaRPr lang="LID4096"/>
           </a:p>
@@ -2404,7 +2404,7 @@
           <a:p>
             <a:fld id="{E43E6874-846B-4036-8D9A-9072E9C8BA6D}" type="datetimeFigureOut">
               <a:rPr lang="LID4096" smtClean="0"/>
-              <a:t>11/04/2021</a:t>
+              <a:t>11/15/2021</a:t>
             </a:fld>
             <a:endParaRPr lang="LID4096"/>
           </a:p>
@@ -2693,7 +2693,7 @@
           <a:p>
             <a:fld id="{E43E6874-846B-4036-8D9A-9072E9C8BA6D}" type="datetimeFigureOut">
               <a:rPr lang="LID4096" smtClean="0"/>
-              <a:t>11/04/2021</a:t>
+              <a:t>11/15/2021</a:t>
             </a:fld>
             <a:endParaRPr lang="LID4096"/>
           </a:p>
@@ -2936,7 +2936,7 @@
           <a:p>
             <a:fld id="{E43E6874-846B-4036-8D9A-9072E9C8BA6D}" type="datetimeFigureOut">
               <a:rPr lang="LID4096" smtClean="0"/>
-              <a:t>11/04/2021</a:t>
+              <a:t>11/15/2021</a:t>
             </a:fld>
             <a:endParaRPr lang="LID4096"/>
           </a:p>
@@ -10737,82 +10737,88 @@
         </p:nvSpPr>
         <p:spPr>
           <a:xfrm>
-            <a:off x="3345473" y="2070588"/>
-            <a:ext cx="5897828" cy="3817155"/>
+            <a:off x="3152116" y="2070588"/>
+            <a:ext cx="6091185" cy="4392275"/>
           </a:xfrm>
           <a:custGeom>
             <a:avLst/>
             <a:gdLst>
-              <a:gd name="connsiteX0" fmla="*/ 0 w 5897828"/>
-              <a:gd name="connsiteY0" fmla="*/ 0 h 3817155"/>
-              <a:gd name="connsiteX1" fmla="*/ 707739 w 5897828"/>
-              <a:gd name="connsiteY1" fmla="*/ 0 h 3817155"/>
-              <a:gd name="connsiteX2" fmla="*/ 1297522 w 5897828"/>
-              <a:gd name="connsiteY2" fmla="*/ 0 h 3817155"/>
-              <a:gd name="connsiteX3" fmla="*/ 1946283 w 5897828"/>
-              <a:gd name="connsiteY3" fmla="*/ 0 h 3817155"/>
-              <a:gd name="connsiteX4" fmla="*/ 2359131 w 5897828"/>
-              <a:gd name="connsiteY4" fmla="*/ 0 h 3817155"/>
-              <a:gd name="connsiteX5" fmla="*/ 2889936 w 5897828"/>
-              <a:gd name="connsiteY5" fmla="*/ 0 h 3817155"/>
-              <a:gd name="connsiteX6" fmla="*/ 3361762 w 5897828"/>
-              <a:gd name="connsiteY6" fmla="*/ 0 h 3817155"/>
-              <a:gd name="connsiteX7" fmla="*/ 4010523 w 5897828"/>
-              <a:gd name="connsiteY7" fmla="*/ 0 h 3817155"/>
-              <a:gd name="connsiteX8" fmla="*/ 4718262 w 5897828"/>
-              <a:gd name="connsiteY8" fmla="*/ 0 h 3817155"/>
-              <a:gd name="connsiteX9" fmla="*/ 5249067 w 5897828"/>
-              <a:gd name="connsiteY9" fmla="*/ 0 h 3817155"/>
-              <a:gd name="connsiteX10" fmla="*/ 5897828 w 5897828"/>
-              <a:gd name="connsiteY10" fmla="*/ 0 h 3817155"/>
-              <a:gd name="connsiteX11" fmla="*/ 5897828 w 5897828"/>
-              <a:gd name="connsiteY11" fmla="*/ 545308 h 3817155"/>
-              <a:gd name="connsiteX12" fmla="*/ 5897828 w 5897828"/>
-              <a:gd name="connsiteY12" fmla="*/ 1090616 h 3817155"/>
-              <a:gd name="connsiteX13" fmla="*/ 5897828 w 5897828"/>
-              <a:gd name="connsiteY13" fmla="*/ 1712267 h 3817155"/>
-              <a:gd name="connsiteX14" fmla="*/ 5897828 w 5897828"/>
-              <a:gd name="connsiteY14" fmla="*/ 2333918 h 3817155"/>
-              <a:gd name="connsiteX15" fmla="*/ 5897828 w 5897828"/>
-              <a:gd name="connsiteY15" fmla="*/ 2955569 h 3817155"/>
-              <a:gd name="connsiteX16" fmla="*/ 5897828 w 5897828"/>
-              <a:gd name="connsiteY16" fmla="*/ 3817155 h 3817155"/>
-              <a:gd name="connsiteX17" fmla="*/ 5249067 w 5897828"/>
-              <a:gd name="connsiteY17" fmla="*/ 3817155 h 3817155"/>
-              <a:gd name="connsiteX18" fmla="*/ 4836219 w 5897828"/>
-              <a:gd name="connsiteY18" fmla="*/ 3817155 h 3817155"/>
-              <a:gd name="connsiteX19" fmla="*/ 4305414 w 5897828"/>
-              <a:gd name="connsiteY19" fmla="*/ 3817155 h 3817155"/>
-              <a:gd name="connsiteX20" fmla="*/ 3656653 w 5897828"/>
-              <a:gd name="connsiteY20" fmla="*/ 3817155 h 3817155"/>
-              <a:gd name="connsiteX21" fmla="*/ 3066871 w 5897828"/>
-              <a:gd name="connsiteY21" fmla="*/ 3817155 h 3817155"/>
-              <a:gd name="connsiteX22" fmla="*/ 2595044 w 5897828"/>
-              <a:gd name="connsiteY22" fmla="*/ 3817155 h 3817155"/>
-              <a:gd name="connsiteX23" fmla="*/ 2123218 w 5897828"/>
-              <a:gd name="connsiteY23" fmla="*/ 3817155 h 3817155"/>
-              <a:gd name="connsiteX24" fmla="*/ 1710370 w 5897828"/>
-              <a:gd name="connsiteY24" fmla="*/ 3817155 h 3817155"/>
-              <a:gd name="connsiteX25" fmla="*/ 1238544 w 5897828"/>
-              <a:gd name="connsiteY25" fmla="*/ 3817155 h 3817155"/>
-              <a:gd name="connsiteX26" fmla="*/ 589783 w 5897828"/>
-              <a:gd name="connsiteY26" fmla="*/ 3817155 h 3817155"/>
-              <a:gd name="connsiteX27" fmla="*/ 0 w 5897828"/>
-              <a:gd name="connsiteY27" fmla="*/ 3817155 h 3817155"/>
-              <a:gd name="connsiteX28" fmla="*/ 0 w 5897828"/>
-              <a:gd name="connsiteY28" fmla="*/ 3195504 h 3817155"/>
-              <a:gd name="connsiteX29" fmla="*/ 0 w 5897828"/>
-              <a:gd name="connsiteY29" fmla="*/ 2612025 h 3817155"/>
-              <a:gd name="connsiteX30" fmla="*/ 0 w 5897828"/>
-              <a:gd name="connsiteY30" fmla="*/ 2066717 h 3817155"/>
-              <a:gd name="connsiteX31" fmla="*/ 0 w 5897828"/>
-              <a:gd name="connsiteY31" fmla="*/ 1597752 h 3817155"/>
-              <a:gd name="connsiteX32" fmla="*/ 0 w 5897828"/>
-              <a:gd name="connsiteY32" fmla="*/ 1090616 h 3817155"/>
-              <a:gd name="connsiteX33" fmla="*/ 0 w 5897828"/>
-              <a:gd name="connsiteY33" fmla="*/ 468965 h 3817155"/>
-              <a:gd name="connsiteX34" fmla="*/ 0 w 5897828"/>
-              <a:gd name="connsiteY34" fmla="*/ 0 h 3817155"/>
+              <a:gd name="connsiteX0" fmla="*/ 0 w 6091185"/>
+              <a:gd name="connsiteY0" fmla="*/ 0 h 4392275"/>
+              <a:gd name="connsiteX1" fmla="*/ 675568 w 6091185"/>
+              <a:gd name="connsiteY1" fmla="*/ 0 h 4392275"/>
+              <a:gd name="connsiteX2" fmla="*/ 1229312 w 6091185"/>
+              <a:gd name="connsiteY2" fmla="*/ 0 h 4392275"/>
+              <a:gd name="connsiteX3" fmla="*/ 1843968 w 6091185"/>
+              <a:gd name="connsiteY3" fmla="*/ 0 h 4392275"/>
+              <a:gd name="connsiteX4" fmla="*/ 2214976 w 6091185"/>
+              <a:gd name="connsiteY4" fmla="*/ 0 h 4392275"/>
+              <a:gd name="connsiteX5" fmla="*/ 2707809 w 6091185"/>
+              <a:gd name="connsiteY5" fmla="*/ 0 h 4392275"/>
+              <a:gd name="connsiteX6" fmla="*/ 3139729 w 6091185"/>
+              <a:gd name="connsiteY6" fmla="*/ 0 h 4392275"/>
+              <a:gd name="connsiteX7" fmla="*/ 3754385 w 6091185"/>
+              <a:gd name="connsiteY7" fmla="*/ 0 h 4392275"/>
+              <a:gd name="connsiteX8" fmla="*/ 4429953 w 6091185"/>
+              <a:gd name="connsiteY8" fmla="*/ 0 h 4392275"/>
+              <a:gd name="connsiteX9" fmla="*/ 4922785 w 6091185"/>
+              <a:gd name="connsiteY9" fmla="*/ 0 h 4392275"/>
+              <a:gd name="connsiteX10" fmla="*/ 5537441 w 6091185"/>
+              <a:gd name="connsiteY10" fmla="*/ 0 h 4392275"/>
+              <a:gd name="connsiteX11" fmla="*/ 6091185 w 6091185"/>
+              <a:gd name="connsiteY11" fmla="*/ 0 h 4392275"/>
+              <a:gd name="connsiteX12" fmla="*/ 6091185 w 6091185"/>
+              <a:gd name="connsiteY12" fmla="*/ 592957 h 4392275"/>
+              <a:gd name="connsiteX13" fmla="*/ 6091185 w 6091185"/>
+              <a:gd name="connsiteY13" fmla="*/ 1229837 h 4392275"/>
+              <a:gd name="connsiteX14" fmla="*/ 6091185 w 6091185"/>
+              <a:gd name="connsiteY14" fmla="*/ 1866717 h 4392275"/>
+              <a:gd name="connsiteX15" fmla="*/ 6091185 w 6091185"/>
+              <a:gd name="connsiteY15" fmla="*/ 2503597 h 4392275"/>
+              <a:gd name="connsiteX16" fmla="*/ 6091185 w 6091185"/>
+              <a:gd name="connsiteY16" fmla="*/ 3140477 h 4392275"/>
+              <a:gd name="connsiteX17" fmla="*/ 6091185 w 6091185"/>
+              <a:gd name="connsiteY17" fmla="*/ 3733434 h 4392275"/>
+              <a:gd name="connsiteX18" fmla="*/ 6091185 w 6091185"/>
+              <a:gd name="connsiteY18" fmla="*/ 4392275 h 4392275"/>
+              <a:gd name="connsiteX19" fmla="*/ 5659265 w 6091185"/>
+              <a:gd name="connsiteY19" fmla="*/ 4392275 h 4392275"/>
+              <a:gd name="connsiteX20" fmla="*/ 5044609 w 6091185"/>
+              <a:gd name="connsiteY20" fmla="*/ 4392275 h 4392275"/>
+              <a:gd name="connsiteX21" fmla="*/ 4490865 w 6091185"/>
+              <a:gd name="connsiteY21" fmla="*/ 4392275 h 4392275"/>
+              <a:gd name="connsiteX22" fmla="*/ 4058944 w 6091185"/>
+              <a:gd name="connsiteY22" fmla="*/ 4392275 h 4392275"/>
+              <a:gd name="connsiteX23" fmla="*/ 3627024 w 6091185"/>
+              <a:gd name="connsiteY23" fmla="*/ 4392275 h 4392275"/>
+              <a:gd name="connsiteX24" fmla="*/ 3256015 w 6091185"/>
+              <a:gd name="connsiteY24" fmla="*/ 4392275 h 4392275"/>
+              <a:gd name="connsiteX25" fmla="*/ 2824095 w 6091185"/>
+              <a:gd name="connsiteY25" fmla="*/ 4392275 h 4392275"/>
+              <a:gd name="connsiteX26" fmla="*/ 2209439 w 6091185"/>
+              <a:gd name="connsiteY26" fmla="*/ 4392275 h 4392275"/>
+              <a:gd name="connsiteX27" fmla="*/ 1777519 w 6091185"/>
+              <a:gd name="connsiteY27" fmla="*/ 4392275 h 4392275"/>
+              <a:gd name="connsiteX28" fmla="*/ 1101951 w 6091185"/>
+              <a:gd name="connsiteY28" fmla="*/ 4392275 h 4392275"/>
+              <a:gd name="connsiteX29" fmla="*/ 0 w 6091185"/>
+              <a:gd name="connsiteY29" fmla="*/ 4392275 h 4392275"/>
+              <a:gd name="connsiteX30" fmla="*/ 0 w 6091185"/>
+              <a:gd name="connsiteY30" fmla="*/ 3799318 h 4392275"/>
+              <a:gd name="connsiteX31" fmla="*/ 0 w 6091185"/>
+              <a:gd name="connsiteY31" fmla="*/ 3338129 h 4392275"/>
+              <a:gd name="connsiteX32" fmla="*/ 0 w 6091185"/>
+              <a:gd name="connsiteY32" fmla="*/ 2833017 h 4392275"/>
+              <a:gd name="connsiteX33" fmla="*/ 0 w 6091185"/>
+              <a:gd name="connsiteY33" fmla="*/ 2196138 h 4392275"/>
+              <a:gd name="connsiteX34" fmla="*/ 0 w 6091185"/>
+              <a:gd name="connsiteY34" fmla="*/ 1778871 h 4392275"/>
+              <a:gd name="connsiteX35" fmla="*/ 0 w 6091185"/>
+              <a:gd name="connsiteY35" fmla="*/ 1361605 h 4392275"/>
+              <a:gd name="connsiteX36" fmla="*/ 0 w 6091185"/>
+              <a:gd name="connsiteY36" fmla="*/ 944339 h 4392275"/>
+              <a:gd name="connsiteX37" fmla="*/ 0 w 6091185"/>
+              <a:gd name="connsiteY37" fmla="*/ 0 h 4392275"/>
             </a:gdLst>
             <a:ahLst/>
             <a:cxnLst>
@@ -10921,181 +10927,205 @@
               <a:cxn ang="0">
                 <a:pos x="connsiteX34" y="connsiteY34"/>
               </a:cxn>
+              <a:cxn ang="0">
+                <a:pos x="connsiteX35" y="connsiteY35"/>
+              </a:cxn>
+              <a:cxn ang="0">
+                <a:pos x="connsiteX36" y="connsiteY36"/>
+              </a:cxn>
+              <a:cxn ang="0">
+                <a:pos x="connsiteX37" y="connsiteY37"/>
+              </a:cxn>
             </a:cxnLst>
             <a:rect l="l" t="t" r="r" b="b"/>
             <a:pathLst>
-              <a:path w="5897828" h="3817155" extrusionOk="0">
+              <a:path w="6091185" h="4392275" extrusionOk="0">
                 <a:moveTo>
                   <a:pt x="0" y="0"/>
                 </a:moveTo>
                 <a:cubicBezTo>
-                  <a:pt x="352232" y="-60214"/>
-                  <a:pt x="387770" y="36897"/>
-                  <a:pt x="707739" y="0"/>
+                  <a:pt x="195808" y="-75322"/>
+                  <a:pt x="462517" y="80363"/>
+                  <a:pt x="675568" y="0"/>
                 </a:cubicBezTo>
                 <a:cubicBezTo>
-                  <a:pt x="1027708" y="-36897"/>
-                  <a:pt x="1109758" y="14410"/>
-                  <a:pt x="1297522" y="0"/>
+                  <a:pt x="888619" y="-80363"/>
+                  <a:pt x="962523" y="28033"/>
+                  <a:pt x="1229312" y="0"/>
                 </a:cubicBezTo>
                 <a:cubicBezTo>
-                  <a:pt x="1485286" y="-14410"/>
-                  <a:pt x="1700160" y="64350"/>
-                  <a:pt x="1946283" y="0"/>
+                  <a:pt x="1496101" y="-28033"/>
+                  <a:pt x="1618884" y="25455"/>
+                  <a:pt x="1843968" y="0"/>
                 </a:cubicBezTo>
                 <a:cubicBezTo>
-                  <a:pt x="2192406" y="-64350"/>
-                  <a:pt x="2193993" y="41468"/>
-                  <a:pt x="2359131" y="0"/>
+                  <a:pt x="2069052" y="-25455"/>
+                  <a:pt x="2069045" y="42252"/>
+                  <a:pt x="2214976" y="0"/>
                 </a:cubicBezTo>
                 <a:cubicBezTo>
-                  <a:pt x="2524269" y="-41468"/>
-                  <a:pt x="2741114" y="32364"/>
-                  <a:pt x="2889936" y="0"/>
+                  <a:pt x="2360907" y="-42252"/>
+                  <a:pt x="2583171" y="26358"/>
+                  <a:pt x="2707809" y="0"/>
                 </a:cubicBezTo>
                 <a:cubicBezTo>
-                  <a:pt x="3038758" y="-32364"/>
-                  <a:pt x="3237462" y="7520"/>
-                  <a:pt x="3361762" y="0"/>
+                  <a:pt x="2832447" y="-26358"/>
+                  <a:pt x="2989634" y="47856"/>
+                  <a:pt x="3139729" y="0"/>
                 </a:cubicBezTo>
                 <a:cubicBezTo>
-                  <a:pt x="3486062" y="-7520"/>
-                  <a:pt x="3808250" y="19607"/>
-                  <a:pt x="4010523" y="0"/>
+                  <a:pt x="3289824" y="-47856"/>
+                  <a:pt x="3557455" y="73506"/>
+                  <a:pt x="3754385" y="0"/>
                 </a:cubicBezTo>
                 <a:cubicBezTo>
-                  <a:pt x="4212796" y="-19607"/>
-                  <a:pt x="4516416" y="43736"/>
-                  <a:pt x="4718262" y="0"/>
+                  <a:pt x="3951315" y="-73506"/>
+                  <a:pt x="4207712" y="12875"/>
+                  <a:pt x="4429953" y="0"/>
                 </a:cubicBezTo>
                 <a:cubicBezTo>
-                  <a:pt x="4920108" y="-43736"/>
-                  <a:pt x="5097609" y="16671"/>
-                  <a:pt x="5249067" y="0"/>
+                  <a:pt x="4652194" y="-12875"/>
+                  <a:pt x="4696797" y="38366"/>
+                  <a:pt x="4922785" y="0"/>
                 </a:cubicBezTo>
                 <a:cubicBezTo>
-                  <a:pt x="5400526" y="-16671"/>
-                  <a:pt x="5695270" y="75370"/>
-                  <a:pt x="5897828" y="0"/>
+                  <a:pt x="5148773" y="-38366"/>
+                  <a:pt x="5356550" y="27001"/>
+                  <a:pt x="5537441" y="0"/>
                 </a:cubicBezTo>
                 <a:cubicBezTo>
-                  <a:pt x="5929566" y="242008"/>
-                  <a:pt x="5850090" y="324433"/>
-                  <a:pt x="5897828" y="545308"/>
+                  <a:pt x="5718332" y="-27001"/>
+                  <a:pt x="5961080" y="43370"/>
+                  <a:pt x="6091185" y="0"/>
                 </a:cubicBezTo>
                 <a:cubicBezTo>
-                  <a:pt x="5945566" y="766183"/>
-                  <a:pt x="5884733" y="929042"/>
-                  <a:pt x="5897828" y="1090616"/>
+                  <a:pt x="6102880" y="251952"/>
+                  <a:pt x="6027590" y="393436"/>
+                  <a:pt x="6091185" y="592957"/>
                 </a:cubicBezTo>
                 <a:cubicBezTo>
-                  <a:pt x="5910923" y="1252190"/>
-                  <a:pt x="5885587" y="1509665"/>
-                  <a:pt x="5897828" y="1712267"/>
+                  <a:pt x="6154780" y="792478"/>
+                  <a:pt x="6075544" y="1002132"/>
+                  <a:pt x="6091185" y="1229837"/>
                 </a:cubicBezTo>
                 <a:cubicBezTo>
-                  <a:pt x="5910069" y="1914869"/>
-                  <a:pt x="5839275" y="2067620"/>
-                  <a:pt x="5897828" y="2333918"/>
+                  <a:pt x="6106826" y="1457542"/>
+                  <a:pt x="6071393" y="1602448"/>
+                  <a:pt x="6091185" y="1866717"/>
                 </a:cubicBezTo>
                 <a:cubicBezTo>
-                  <a:pt x="5956381" y="2600216"/>
-                  <a:pt x="5862812" y="2665101"/>
-                  <a:pt x="5897828" y="2955569"/>
+                  <a:pt x="6110977" y="2130986"/>
+                  <a:pt x="6035010" y="2211592"/>
+                  <a:pt x="6091185" y="2503597"/>
                 </a:cubicBezTo>
                 <a:cubicBezTo>
-                  <a:pt x="5932844" y="3246037"/>
-                  <a:pt x="5800723" y="3465050"/>
-                  <a:pt x="5897828" y="3817155"/>
+                  <a:pt x="6147360" y="2795602"/>
+                  <a:pt x="6028916" y="2835695"/>
+                  <a:pt x="6091185" y="3140477"/>
                 </a:cubicBezTo>
                 <a:cubicBezTo>
-                  <a:pt x="5688407" y="3863751"/>
-                  <a:pt x="5484472" y="3776978"/>
-                  <a:pt x="5249067" y="3817155"/>
+                  <a:pt x="6153454" y="3445259"/>
+                  <a:pt x="6087714" y="3550207"/>
+                  <a:pt x="6091185" y="3733434"/>
                 </a:cubicBezTo>
                 <a:cubicBezTo>
-                  <a:pt x="5013662" y="3857332"/>
-                  <a:pt x="5031261" y="3807825"/>
-                  <a:pt x="4836219" y="3817155"/>
+                  <a:pt x="6094656" y="3916661"/>
+                  <a:pt x="6024876" y="4133221"/>
+                  <a:pt x="6091185" y="4392275"/>
                 </a:cubicBezTo>
                 <a:cubicBezTo>
-                  <a:pt x="4641177" y="3826485"/>
-                  <a:pt x="4570309" y="3764946"/>
-                  <a:pt x="4305414" y="3817155"/>
+                  <a:pt x="5878482" y="4395554"/>
+                  <a:pt x="5863205" y="4382946"/>
+                  <a:pt x="5659265" y="4392275"/>
                 </a:cubicBezTo>
                 <a:cubicBezTo>
-                  <a:pt x="4040520" y="3869364"/>
-                  <a:pt x="3798141" y="3812378"/>
-                  <a:pt x="3656653" y="3817155"/>
+                  <a:pt x="5455325" y="4401604"/>
+                  <a:pt x="5268672" y="4359490"/>
+                  <a:pt x="5044609" y="4392275"/>
                 </a:cubicBezTo>
                 <a:cubicBezTo>
-                  <a:pt x="3515165" y="3821932"/>
-                  <a:pt x="3226612" y="3770126"/>
-                  <a:pt x="3066871" y="3817155"/>
+                  <a:pt x="4820546" y="4425060"/>
+                  <a:pt x="4669695" y="4344330"/>
+                  <a:pt x="4490865" y="4392275"/>
                 </a:cubicBezTo>
                 <a:cubicBezTo>
-                  <a:pt x="2907130" y="3864184"/>
-                  <a:pt x="2762010" y="3791282"/>
-                  <a:pt x="2595044" y="3817155"/>
+                  <a:pt x="4312035" y="4440220"/>
+                  <a:pt x="4241410" y="4372894"/>
+                  <a:pt x="4058944" y="4392275"/>
                 </a:cubicBezTo>
                 <a:cubicBezTo>
-                  <a:pt x="2428078" y="3843028"/>
-                  <a:pt x="2287240" y="3789867"/>
-                  <a:pt x="2123218" y="3817155"/>
+                  <a:pt x="3876478" y="4411656"/>
+                  <a:pt x="3729304" y="4351876"/>
+                  <a:pt x="3627024" y="4392275"/>
                 </a:cubicBezTo>
                 <a:cubicBezTo>
-                  <a:pt x="1959196" y="3844443"/>
-                  <a:pt x="1822869" y="3812771"/>
-                  <a:pt x="1710370" y="3817155"/>
+                  <a:pt x="3524744" y="4432674"/>
+                  <a:pt x="3338300" y="4348474"/>
+                  <a:pt x="3256015" y="4392275"/>
                 </a:cubicBezTo>
                 <a:cubicBezTo>
-                  <a:pt x="1597871" y="3821539"/>
-                  <a:pt x="1439760" y="3800097"/>
-                  <a:pt x="1238544" y="3817155"/>
+                  <a:pt x="3173730" y="4436076"/>
+                  <a:pt x="3025733" y="4389063"/>
+                  <a:pt x="2824095" y="4392275"/>
                 </a:cubicBezTo>
                 <a:cubicBezTo>
-                  <a:pt x="1037328" y="3834213"/>
-                  <a:pt x="874653" y="3781584"/>
-                  <a:pt x="589783" y="3817155"/>
+                  <a:pt x="2622457" y="4395487"/>
+                  <a:pt x="2489106" y="4391131"/>
+                  <a:pt x="2209439" y="4392275"/>
                 </a:cubicBezTo>
                 <a:cubicBezTo>
-                  <a:pt x="304913" y="3852726"/>
-                  <a:pt x="184927" y="3779446"/>
-                  <a:pt x="0" y="3817155"/>
+                  <a:pt x="1929772" y="4393419"/>
+                  <a:pt x="1914090" y="4347298"/>
+                  <a:pt x="1777519" y="4392275"/>
                 </a:cubicBezTo>
                 <a:cubicBezTo>
-                  <a:pt x="-33220" y="3563927"/>
-                  <a:pt x="20730" y="3488850"/>
-                  <a:pt x="0" y="3195504"/>
+                  <a:pt x="1640948" y="4437252"/>
+                  <a:pt x="1266376" y="4335756"/>
+                  <a:pt x="1101951" y="4392275"/>
                 </a:cubicBezTo>
                 <a:cubicBezTo>
-                  <a:pt x="-20730" y="2902158"/>
-                  <a:pt x="25545" y="2879535"/>
-                  <a:pt x="0" y="2612025"/>
+                  <a:pt x="937526" y="4448794"/>
+                  <a:pt x="242966" y="4375575"/>
+                  <a:pt x="0" y="4392275"/>
                 </a:cubicBezTo>
                 <a:cubicBezTo>
-                  <a:pt x="-25545" y="2344515"/>
-                  <a:pt x="12263" y="2265609"/>
-                  <a:pt x="0" y="2066717"/>
+                  <a:pt x="-35351" y="4144638"/>
+                  <a:pt x="32233" y="3974430"/>
+                  <a:pt x="0" y="3799318"/>
                 </a:cubicBezTo>
                 <a:cubicBezTo>
-                  <a:pt x="-12263" y="1867825"/>
-                  <a:pt x="46602" y="1762665"/>
-                  <a:pt x="0" y="1597752"/>
+                  <a:pt x="-32233" y="3624206"/>
+                  <a:pt x="54322" y="3503973"/>
+                  <a:pt x="0" y="3338129"/>
                 </a:cubicBezTo>
                 <a:cubicBezTo>
-                  <a:pt x="-46602" y="1432840"/>
-                  <a:pt x="17145" y="1237962"/>
-                  <a:pt x="0" y="1090616"/>
+                  <a:pt x="-54322" y="3172285"/>
+                  <a:pt x="53707" y="2986983"/>
+                  <a:pt x="0" y="2833017"/>
                 </a:cubicBezTo>
                 <a:cubicBezTo>
-                  <a:pt x="-17145" y="943270"/>
-                  <a:pt x="32964" y="645036"/>
-                  <a:pt x="0" y="468965"/>
+                  <a:pt x="-53707" y="2679051"/>
+                  <a:pt x="70890" y="2459772"/>
+                  <a:pt x="0" y="2196138"/>
                 </a:cubicBezTo>
                 <a:cubicBezTo>
-                  <a:pt x="-32964" y="292894"/>
-                  <a:pt x="45661" y="163721"/>
+                  <a:pt x="-70890" y="1932504"/>
+                  <a:pt x="16431" y="1880369"/>
+                  <a:pt x="0" y="1778871"/>
+                </a:cubicBezTo>
+                <a:cubicBezTo>
+                  <a:pt x="-16431" y="1677373"/>
+                  <a:pt x="16658" y="1520438"/>
+                  <a:pt x="0" y="1361605"/>
+                </a:cubicBezTo>
+                <a:cubicBezTo>
+                  <a:pt x="-16658" y="1202772"/>
+                  <a:pt x="900" y="1086672"/>
+                  <a:pt x="0" y="944339"/>
+                </a:cubicBezTo>
+                <a:cubicBezTo>
+                  <a:pt x="-900" y="802006"/>
+                  <a:pt x="50302" y="253988"/>
                   <a:pt x="0" y="0"/>
                 </a:cubicBezTo>
                 <a:close/>
@@ -11231,10 +11261,15 @@
           <a:bodyPr vert="vert" rtlCol="0" anchor="ctr"/>
           <a:lstStyle/>
           <a:p>
-            <a:pPr algn="ctr"/>
             <a:r>
               <a:rPr lang="de-DE" dirty="0"/>
-              <a:t>Event Hub</a:t>
+              <a:t>Event</a:t>
+            </a:r>
+          </a:p>
+          <a:p>
+            <a:r>
+              <a:rPr lang="de-DE" dirty="0"/>
+              <a:t>Hub</a:t>
             </a:r>
             <a:endParaRPr lang="LID4096" dirty="0"/>
           </a:p>
@@ -11254,7 +11289,7 @@
         </p:nvSpPr>
         <p:spPr>
           <a:xfrm>
-            <a:off x="898336" y="3970601"/>
+            <a:off x="815241" y="4502007"/>
             <a:ext cx="1848301" cy="1438771"/>
           </a:xfrm>
           <a:prstGeom prst="rect">
@@ -11310,7 +11345,7 @@
         </p:nvSpPr>
         <p:spPr>
           <a:xfrm rot="16200000">
-            <a:off x="1875575" y="4494972"/>
+            <a:off x="1792480" y="5026378"/>
             <a:ext cx="1126749" cy="433365"/>
           </a:xfrm>
           <a:prstGeom prst="rect">
@@ -11340,7 +11375,7 @@
             <a:pPr algn="ctr"/>
             <a:r>
               <a:rPr lang="de-DE" dirty="0"/>
-              <a:t>SDK?</a:t>
+              <a:t>SDK</a:t>
             </a:r>
             <a:endParaRPr lang="LID4096" dirty="0"/>
           </a:p>
@@ -11364,8 +11399,8 @@
         </p:nvCxnSpPr>
         <p:spPr>
           <a:xfrm flipV="1">
-            <a:off x="2655632" y="4711653"/>
-            <a:ext cx="1015906" cy="1"/>
+            <a:off x="2572537" y="4711653"/>
+            <a:ext cx="1099001" cy="531407"/>
           </a:xfrm>
           <a:prstGeom prst="straightConnector1">
             <a:avLst/>
@@ -11440,97 +11475,6 @@
       </p:sp>
       <p:cxnSp>
         <p:nvCxnSpPr>
-          <p:cNvPr id="44" name="Straight Arrow Connector 43">
-            <a:extLst>
-              <a:ext uri="{FF2B5EF4-FFF2-40B4-BE49-F238E27FC236}">
-                <a16:creationId xmlns:a16="http://schemas.microsoft.com/office/drawing/2014/main" id="{C50849AD-2C52-4D5A-8470-A52FFA33B197}"/>
-              </a:ext>
-            </a:extLst>
-          </p:cNvPr>
-          <p:cNvCxnSpPr>
-            <a:cxnSpLocks/>
-          </p:cNvCxnSpPr>
-          <p:nvPr/>
-        </p:nvCxnSpPr>
-        <p:spPr>
-          <a:xfrm flipV="1">
-            <a:off x="4507787" y="4183329"/>
-            <a:ext cx="589810" cy="1"/>
-          </a:xfrm>
-          <a:prstGeom prst="straightConnector1">
-            <a:avLst/>
-          </a:prstGeom>
-          <a:ln w="28575">
-            <a:tailEnd type="triangle"/>
-          </a:ln>
-        </p:spPr>
-        <p:style>
-          <a:lnRef idx="1">
-            <a:schemeClr val="dk1"/>
-          </a:lnRef>
-          <a:fillRef idx="0">
-            <a:schemeClr val="dk1"/>
-          </a:fillRef>
-          <a:effectRef idx="0">
-            <a:schemeClr val="dk1"/>
-          </a:effectRef>
-          <a:fontRef idx="minor">
-            <a:schemeClr val="tx1"/>
-          </a:fontRef>
-        </p:style>
-      </p:cxnSp>
-      <p:sp>
-        <p:nvSpPr>
-          <p:cNvPr id="50" name="Cylinder 49">
-            <a:extLst>
-              <a:ext uri="{FF2B5EF4-FFF2-40B4-BE49-F238E27FC236}">
-                <a16:creationId xmlns:a16="http://schemas.microsoft.com/office/drawing/2014/main" id="{19598583-FB3D-4BF6-BD49-14950878A6A3}"/>
-              </a:ext>
-            </a:extLst>
-          </p:cNvPr>
-          <p:cNvSpPr/>
-          <p:nvPr/>
-        </p:nvSpPr>
-        <p:spPr>
-          <a:xfrm>
-            <a:off x="7595395" y="4515623"/>
-            <a:ext cx="1199977" cy="514838"/>
-          </a:xfrm>
-          <a:prstGeom prst="can">
-            <a:avLst/>
-          </a:prstGeom>
-        </p:spPr>
-        <p:style>
-          <a:lnRef idx="2">
-            <a:schemeClr val="accent1">
-              <a:shade val="50000"/>
-            </a:schemeClr>
-          </a:lnRef>
-          <a:fillRef idx="1">
-            <a:schemeClr val="accent1"/>
-          </a:fillRef>
-          <a:effectRef idx="0">
-            <a:schemeClr val="accent1"/>
-          </a:effectRef>
-          <a:fontRef idx="minor">
-            <a:schemeClr val="lt1"/>
-          </a:fontRef>
-        </p:style>
-        <p:txBody>
-          <a:bodyPr vert="horz" rtlCol="0" anchor="ctr"/>
-          <a:lstStyle/>
-          <a:p>
-            <a:pPr algn="ctr"/>
-            <a:r>
-              <a:rPr lang="de-DE" dirty="0"/>
-              <a:t>Snapshots</a:t>
-            </a:r>
-            <a:endParaRPr lang="LID4096" dirty="0"/>
-          </a:p>
-        </p:txBody>
-      </p:sp>
-      <p:cxnSp>
-        <p:nvCxnSpPr>
           <p:cNvPr id="52" name="Straight Arrow Connector 51">
             <a:extLst>
               <a:ext uri="{FF2B5EF4-FFF2-40B4-BE49-F238E27FC236}">
@@ -11541,14 +11485,14 @@
           <p:cNvCxnSpPr>
             <a:cxnSpLocks/>
             <a:stCxn id="79" idx="2"/>
-            <a:endCxn id="50" idx="1"/>
+            <a:endCxn id="12" idx="0"/>
           </p:cNvCxnSpPr>
           <p:nvPr/>
         </p:nvCxnSpPr>
         <p:spPr>
           <a:xfrm flipH="1">
-            <a:off x="8195384" y="3953016"/>
-            <a:ext cx="283598" cy="562607"/>
+            <a:off x="8411979" y="3953016"/>
+            <a:ext cx="67003" cy="794004"/>
           </a:xfrm>
           <a:prstGeom prst="straightConnector1">
             <a:avLst/>
@@ -11622,56 +11566,6 @@
           </a:p>
         </p:txBody>
       </p:sp>
-      <p:sp>
-        <p:nvSpPr>
-          <p:cNvPr id="62" name="Cylinder 61">
-            <a:extLst>
-              <a:ext uri="{FF2B5EF4-FFF2-40B4-BE49-F238E27FC236}">
-                <a16:creationId xmlns:a16="http://schemas.microsoft.com/office/drawing/2014/main" id="{81A85C07-69A7-4315-B836-E83DDFE0FBA3}"/>
-              </a:ext>
-            </a:extLst>
-          </p:cNvPr>
-          <p:cNvSpPr/>
-          <p:nvPr/>
-        </p:nvSpPr>
-        <p:spPr>
-          <a:xfrm>
-            <a:off x="4802692" y="5372007"/>
-            <a:ext cx="1085483" cy="404606"/>
-          </a:xfrm>
-          <a:prstGeom prst="can">
-            <a:avLst/>
-          </a:prstGeom>
-        </p:spPr>
-        <p:style>
-          <a:lnRef idx="2">
-            <a:schemeClr val="accent1">
-              <a:shade val="50000"/>
-            </a:schemeClr>
-          </a:lnRef>
-          <a:fillRef idx="1">
-            <a:schemeClr val="accent1"/>
-          </a:fillRef>
-          <a:effectRef idx="0">
-            <a:schemeClr val="accent1"/>
-          </a:effectRef>
-          <a:fontRef idx="minor">
-            <a:schemeClr val="lt1"/>
-          </a:fontRef>
-        </p:style>
-        <p:txBody>
-          <a:bodyPr vert="horz" rtlCol="0" anchor="ctr"/>
-          <a:lstStyle/>
-          <a:p>
-            <a:pPr algn="ctr"/>
-            <a:r>
-              <a:rPr lang="de-DE" sz="1400" dirty="0"/>
-              <a:t>EH Capture</a:t>
-            </a:r>
-            <a:endParaRPr lang="LID4096" sz="1400" dirty="0"/>
-          </a:p>
-        </p:txBody>
-      </p:sp>
       <p:cxnSp>
         <p:nvCxnSpPr>
           <p:cNvPr id="64" name="Connector: Elbow 63">
@@ -11684,14 +11578,14 @@
           <p:cNvCxnSpPr>
             <a:cxnSpLocks/>
             <a:stCxn id="4" idx="2"/>
-            <a:endCxn id="62" idx="2"/>
+            <a:endCxn id="55" idx="1"/>
           </p:cNvCxnSpPr>
           <p:nvPr/>
         </p:nvCxnSpPr>
         <p:spPr>
           <a:xfrm rot="16200000" flipH="1">
-            <a:off x="4405703" y="5177321"/>
-            <a:ext cx="499074" cy="294904"/>
+            <a:off x="4859290" y="4723734"/>
+            <a:ext cx="505467" cy="1208470"/>
           </a:xfrm>
           <a:prstGeom prst="bentConnector2">
             <a:avLst/>
@@ -11730,7 +11624,7 @@
         </p:nvSpPr>
         <p:spPr>
           <a:xfrm>
-            <a:off x="5519233" y="3451922"/>
+            <a:off x="5574888" y="2965740"/>
             <a:ext cx="883921" cy="731407"/>
           </a:xfrm>
           <a:prstGeom prst="rect">
@@ -11778,7 +11672,7 @@
         </p:nvSpPr>
         <p:spPr>
           <a:xfrm>
-            <a:off x="5584572" y="3688852"/>
+            <a:off x="5640227" y="3202670"/>
             <a:ext cx="766578" cy="409903"/>
           </a:xfrm>
           <a:prstGeom prst="rect">
@@ -11822,97 +11716,6 @@
       </p:sp>
       <p:sp>
         <p:nvSpPr>
-          <p:cNvPr id="51" name="Rectangle 50">
-            <a:extLst>
-              <a:ext uri="{FF2B5EF4-FFF2-40B4-BE49-F238E27FC236}">
-                <a16:creationId xmlns:a16="http://schemas.microsoft.com/office/drawing/2014/main" id="{6C0CF4F3-CDD7-4E10-8067-B23A117CB149}"/>
-              </a:ext>
-            </a:extLst>
-          </p:cNvPr>
-          <p:cNvSpPr/>
-          <p:nvPr/>
-        </p:nvSpPr>
-        <p:spPr>
-          <a:xfrm rot="16200000">
-            <a:off x="6331812" y="3187582"/>
-            <a:ext cx="579601" cy="261821"/>
-          </a:xfrm>
-          <a:prstGeom prst="rect">
-            <a:avLst/>
-          </a:prstGeom>
-        </p:spPr>
-        <p:style>
-          <a:lnRef idx="2">
-            <a:schemeClr val="dk1"/>
-          </a:lnRef>
-          <a:fillRef idx="1">
-            <a:schemeClr val="lt1"/>
-          </a:fillRef>
-          <a:effectRef idx="0">
-            <a:schemeClr val="dk1"/>
-          </a:effectRef>
-          <a:fontRef idx="minor">
-            <a:schemeClr val="dk1"/>
-          </a:fontRef>
-        </p:style>
-        <p:txBody>
-          <a:bodyPr rtlCol="0" anchor="ctr"/>
-          <a:lstStyle/>
-          <a:p>
-            <a:pPr algn="ctr"/>
-            <a:r>
-              <a:rPr lang="de-DE" sz="900" dirty="0" err="1"/>
-              <a:t>merge</a:t>
-            </a:r>
-            <a:endParaRPr lang="LID4096" sz="900" dirty="0"/>
-          </a:p>
-        </p:txBody>
-      </p:sp>
-      <p:cxnSp>
-        <p:nvCxnSpPr>
-          <p:cNvPr id="53" name="Connector: Elbow 52">
-            <a:extLst>
-              <a:ext uri="{FF2B5EF4-FFF2-40B4-BE49-F238E27FC236}">
-                <a16:creationId xmlns:a16="http://schemas.microsoft.com/office/drawing/2014/main" id="{EDD3ACF5-B032-4493-A553-2E92EDED33FF}"/>
-              </a:ext>
-            </a:extLst>
-          </p:cNvPr>
-          <p:cNvCxnSpPr>
-            <a:cxnSpLocks/>
-            <a:stCxn id="34" idx="3"/>
-            <a:endCxn id="51" idx="1"/>
-          </p:cNvCxnSpPr>
-          <p:nvPr/>
-        </p:nvCxnSpPr>
-        <p:spPr>
-          <a:xfrm flipV="1">
-            <a:off x="6403154" y="3608293"/>
-            <a:ext cx="218459" cy="209333"/>
-          </a:xfrm>
-          <a:prstGeom prst="bentConnector2">
-            <a:avLst/>
-          </a:prstGeom>
-          <a:ln w="28575">
-            <a:tailEnd type="triangle"/>
-          </a:ln>
-        </p:spPr>
-        <p:style>
-          <a:lnRef idx="1">
-            <a:schemeClr val="dk1"/>
-          </a:lnRef>
-          <a:fillRef idx="0">
-            <a:schemeClr val="dk1"/>
-          </a:fillRef>
-          <a:effectRef idx="0">
-            <a:schemeClr val="dk1"/>
-          </a:effectRef>
-          <a:fontRef idx="minor">
-            <a:schemeClr val="tx1"/>
-          </a:fontRef>
-        </p:style>
-      </p:cxnSp>
-      <p:sp>
-        <p:nvSpPr>
           <p:cNvPr id="59" name="Rectangle 58">
             <a:extLst>
               <a:ext uri="{FF2B5EF4-FFF2-40B4-BE49-F238E27FC236}">
@@ -11925,7 +11728,7 @@
         </p:nvSpPr>
         <p:spPr>
           <a:xfrm>
-            <a:off x="6946129" y="3113540"/>
+            <a:off x="6946129" y="3126491"/>
             <a:ext cx="766578" cy="409903"/>
           </a:xfrm>
           <a:prstGeom prst="rect">
@@ -11965,49 +11768,6 @@
       </p:sp>
       <p:cxnSp>
         <p:nvCxnSpPr>
-          <p:cNvPr id="61" name="Straight Arrow Connector 60">
-            <a:extLst>
-              <a:ext uri="{FF2B5EF4-FFF2-40B4-BE49-F238E27FC236}">
-                <a16:creationId xmlns:a16="http://schemas.microsoft.com/office/drawing/2014/main" id="{D8A6A82F-29DF-4D14-861F-FAC178143CDF}"/>
-              </a:ext>
-            </a:extLst>
-          </p:cNvPr>
-          <p:cNvCxnSpPr>
-            <a:cxnSpLocks/>
-            <a:stCxn id="51" idx="2"/>
-            <a:endCxn id="59" idx="1"/>
-          </p:cNvCxnSpPr>
-          <p:nvPr/>
-        </p:nvCxnSpPr>
-        <p:spPr>
-          <a:xfrm>
-            <a:off x="6752523" y="3318492"/>
-            <a:ext cx="193606" cy="0"/>
-          </a:xfrm>
-          <a:prstGeom prst="straightConnector1">
-            <a:avLst/>
-          </a:prstGeom>
-          <a:ln w="28575">
-            <a:tailEnd type="triangle"/>
-          </a:ln>
-        </p:spPr>
-        <p:style>
-          <a:lnRef idx="1">
-            <a:schemeClr val="dk1"/>
-          </a:lnRef>
-          <a:fillRef idx="0">
-            <a:schemeClr val="dk1"/>
-          </a:fillRef>
-          <a:effectRef idx="0">
-            <a:schemeClr val="dk1"/>
-          </a:effectRef>
-          <a:fontRef idx="minor">
-            <a:schemeClr val="tx1"/>
-          </a:fontRef>
-        </p:style>
-      </p:cxnSp>
-      <p:cxnSp>
-        <p:nvCxnSpPr>
           <p:cNvPr id="40" name="Connector: Elbow 39">
             <a:extLst>
               <a:ext uri="{FF2B5EF4-FFF2-40B4-BE49-F238E27FC236}">
@@ -12024,14 +11784,11 @@
         </p:nvCxnSpPr>
         <p:spPr>
           <a:xfrm rot="10800000" flipV="1">
-            <a:off x="4507788" y="3893804"/>
-            <a:ext cx="1076784" cy="454266"/>
+            <a:off x="4507789" y="3407622"/>
+            <a:ext cx="1132439" cy="940448"/>
           </a:xfrm>
-          <a:prstGeom prst="bentConnector4">
-            <a:avLst>
-              <a:gd name="adj1" fmla="val 33117"/>
-              <a:gd name="adj2" fmla="val 1404"/>
-            </a:avLst>
+          <a:prstGeom prst="bentConnector2">
+            <a:avLst/>
           </a:prstGeom>
           <a:ln w="28575">
             <a:tailEnd type="triangle"/>
@@ -12187,7 +11944,7 @@
         <p:spPr>
           <a:xfrm flipV="1">
             <a:off x="7712707" y="3015453"/>
-            <a:ext cx="382986" cy="303039"/>
+            <a:ext cx="382986" cy="315990"/>
           </a:xfrm>
           <a:prstGeom prst="bentConnector3">
             <a:avLst>
@@ -12231,8 +11988,8 @@
         </p:nvCxnSpPr>
         <p:spPr>
           <a:xfrm>
-            <a:off x="7712707" y="3318492"/>
-            <a:ext cx="382986" cy="368174"/>
+            <a:off x="7712707" y="3331443"/>
+            <a:ext cx="382986" cy="355223"/>
           </a:xfrm>
           <a:prstGeom prst="bentConnector3">
             <a:avLst>
@@ -12270,19 +12027,19 @@
           <p:cNvCxnSpPr>
             <a:cxnSpLocks/>
             <a:stCxn id="85" idx="0"/>
-            <a:endCxn id="51" idx="0"/>
+            <a:endCxn id="4" idx="1"/>
           </p:cNvCxnSpPr>
           <p:nvPr/>
         </p:nvCxnSpPr>
         <p:spPr>
           <a:xfrm rot="16200000" flipH="1" flipV="1">
-            <a:off x="7200147" y="2039657"/>
-            <a:ext cx="569390" cy="1988280"/>
+            <a:off x="5093984" y="1326655"/>
+            <a:ext cx="1962551" cy="4807444"/>
           </a:xfrm>
           <a:prstGeom prst="bentConnector4">
             <a:avLst>
-              <a:gd name="adj1" fmla="val -30701"/>
-              <a:gd name="adj2" fmla="val 113662"/>
+              <a:gd name="adj1" fmla="val -11648"/>
+              <a:gd name="adj2" fmla="val 104907"/>
             </a:avLst>
           </a:prstGeom>
           <a:ln w="28575">
@@ -12358,15 +12115,15 @@
           </p:cNvPr>
           <p:cNvCxnSpPr>
             <a:cxnSpLocks/>
-            <a:stCxn id="50" idx="1"/>
+            <a:stCxn id="11" idx="0"/>
             <a:endCxn id="59" idx="2"/>
           </p:cNvCxnSpPr>
           <p:nvPr/>
         </p:nvCxnSpPr>
         <p:spPr>
           <a:xfrm flipH="1" flipV="1">
-            <a:off x="7329418" y="3523443"/>
-            <a:ext cx="865966" cy="992180"/>
+            <a:off x="7329418" y="3536394"/>
+            <a:ext cx="1101477" cy="1138647"/>
           </a:xfrm>
           <a:prstGeom prst="straightConnector1">
             <a:avLst/>
@@ -12462,13 +12219,13 @@
         </p:nvSpPr>
         <p:spPr>
           <a:xfrm>
-            <a:off x="5951667" y="4641413"/>
+            <a:off x="3671536" y="3257769"/>
             <a:ext cx="656523" cy="416750"/>
           </a:xfrm>
           <a:prstGeom prst="wedgeRectCallout">
             <a:avLst>
-              <a:gd name="adj1" fmla="val 40779"/>
-              <a:gd name="adj2" fmla="val -242638"/>
+              <a:gd name="adj1" fmla="val 66618"/>
+              <a:gd name="adj2" fmla="val 107826"/>
             </a:avLst>
           </a:prstGeom>
           <a:solidFill>
@@ -12519,13 +12276,13 @@
         </p:nvSpPr>
         <p:spPr>
           <a:xfrm>
-            <a:off x="6752523" y="5167499"/>
+            <a:off x="9458459" y="4866814"/>
             <a:ext cx="865966" cy="499075"/>
           </a:xfrm>
           <a:prstGeom prst="wedgeRectCallout">
             <a:avLst>
-              <a:gd name="adj1" fmla="val 50245"/>
-              <a:gd name="adj2" fmla="val -298736"/>
+              <a:gd name="adj1" fmla="val -164763"/>
+              <a:gd name="adj2" fmla="val -134585"/>
             </a:avLst>
           </a:prstGeom>
           <a:solidFill>
@@ -12647,7 +12404,7 @@
         </p:nvSpPr>
         <p:spPr>
           <a:xfrm>
-            <a:off x="1145063" y="1680999"/>
+            <a:off x="906521" y="2070588"/>
             <a:ext cx="1803636" cy="582246"/>
           </a:xfrm>
           <a:prstGeom prst="wedgeRectCallout">
@@ -12707,6 +12464,283 @@
           </a:p>
         </p:txBody>
       </p:sp>
+      <p:pic>
+        <p:nvPicPr>
+          <p:cNvPr id="9" name="Graphic 8">
+            <a:extLst>
+              <a:ext uri="{FF2B5EF4-FFF2-40B4-BE49-F238E27FC236}">
+                <a16:creationId xmlns:a16="http://schemas.microsoft.com/office/drawing/2014/main" id="{B8C2563A-57C0-4F81-B964-8934578B233E}"/>
+              </a:ext>
+            </a:extLst>
+          </p:cNvPr>
+          <p:cNvPicPr>
+            <a:picLocks noChangeAspect="1"/>
+          </p:cNvPicPr>
+          <p:nvPr/>
+        </p:nvPicPr>
+        <p:blipFill>
+          <a:blip r:embed="rId2">
+            <a:extLst>
+              <a:ext uri="{28A0092B-C50C-407E-A947-70E740481C1C}">
+                <a14:useLocalDpi xmlns:a14="http://schemas.microsoft.com/office/drawing/2010/main" val="0"/>
+              </a:ext>
+              <a:ext uri="{96DAC541-7B7A-43D3-8B79-37D633B846F1}">
+                <asvg:svgBlip xmlns:asvg="http://schemas.microsoft.com/office/drawing/2016/SVG/main" r:embed="rId3"/>
+              </a:ext>
+            </a:extLst>
+          </a:blip>
+          <a:stretch>
+            <a:fillRect/>
+          </a:stretch>
+        </p:blipFill>
+        <p:spPr>
+          <a:xfrm>
+            <a:off x="4651885" y="4502007"/>
+            <a:ext cx="437971" cy="448925"/>
+          </a:xfrm>
+          <a:prstGeom prst="rect">
+            <a:avLst/>
+          </a:prstGeom>
+        </p:spPr>
+      </p:pic>
+      <p:grpSp>
+        <p:nvGrpSpPr>
+          <p:cNvPr id="13" name="Group 12">
+            <a:extLst>
+              <a:ext uri="{FF2B5EF4-FFF2-40B4-BE49-F238E27FC236}">
+                <a16:creationId xmlns:a16="http://schemas.microsoft.com/office/drawing/2014/main" id="{E1C399C1-227B-42EB-9229-EC0F7C6A7FB7}"/>
+              </a:ext>
+            </a:extLst>
+          </p:cNvPr>
+          <p:cNvGrpSpPr/>
+          <p:nvPr/>
+        </p:nvGrpSpPr>
+        <p:grpSpPr>
+          <a:xfrm>
+            <a:off x="7830907" y="4675041"/>
+            <a:ext cx="1199976" cy="1199976"/>
+            <a:chOff x="9027174" y="4930696"/>
+            <a:chExt cx="1199976" cy="1199976"/>
+          </a:xfrm>
+        </p:grpSpPr>
+        <p:pic>
+          <p:nvPicPr>
+            <p:cNvPr id="11" name="Graphic 10">
+              <a:extLst>
+                <a:ext uri="{FF2B5EF4-FFF2-40B4-BE49-F238E27FC236}">
+                  <a16:creationId xmlns:a16="http://schemas.microsoft.com/office/drawing/2014/main" id="{95C50DE7-5764-497B-88B1-38E89C8D8324}"/>
+                </a:ext>
+              </a:extLst>
+            </p:cNvPr>
+            <p:cNvPicPr>
+              <a:picLocks noChangeAspect="1"/>
+            </p:cNvPicPr>
+            <p:nvPr/>
+          </p:nvPicPr>
+          <p:blipFill>
+            <a:blip r:embed="rId4">
+              <a:extLst>
+                <a:ext uri="{28A0092B-C50C-407E-A947-70E740481C1C}">
+                  <a14:useLocalDpi xmlns:a14="http://schemas.microsoft.com/office/drawing/2010/main" val="0"/>
+                </a:ext>
+                <a:ext uri="{96DAC541-7B7A-43D3-8B79-37D633B846F1}">
+                  <asvg:svgBlip xmlns:asvg="http://schemas.microsoft.com/office/drawing/2016/SVG/main" r:embed="rId5"/>
+                </a:ext>
+              </a:extLst>
+            </a:blip>
+            <a:stretch>
+              <a:fillRect/>
+            </a:stretch>
+          </p:blipFill>
+          <p:spPr>
+            <a:xfrm>
+              <a:off x="9027174" y="4930696"/>
+              <a:ext cx="1199976" cy="1199976"/>
+            </a:xfrm>
+            <a:prstGeom prst="rect">
+              <a:avLst/>
+            </a:prstGeom>
+          </p:spPr>
+        </p:pic>
+        <p:sp>
+          <p:nvSpPr>
+            <p:cNvPr id="12" name="TextBox 11">
+              <a:extLst>
+                <a:ext uri="{FF2B5EF4-FFF2-40B4-BE49-F238E27FC236}">
+                  <a16:creationId xmlns:a16="http://schemas.microsoft.com/office/drawing/2014/main" id="{4EA6E0CA-929A-45C1-8F0D-A5D27B031C1F}"/>
+                </a:ext>
+              </a:extLst>
+            </p:cNvPr>
+            <p:cNvSpPr txBox="1"/>
+            <p:nvPr/>
+          </p:nvSpPr>
+          <p:spPr>
+            <a:xfrm>
+              <a:off x="9044405" y="5002675"/>
+              <a:ext cx="1127681" cy="369332"/>
+            </a:xfrm>
+            <a:prstGeom prst="rect">
+              <a:avLst/>
+            </a:prstGeom>
+            <a:noFill/>
+          </p:spPr>
+          <p:txBody>
+            <a:bodyPr wrap="none" rtlCol="0">
+              <a:spAutoFit/>
+            </a:bodyPr>
+            <a:lstStyle/>
+            <a:p>
+              <a:r>
+                <a:rPr lang="de-DE" dirty="0" err="1"/>
+                <a:t>snapshots</a:t>
+              </a:r>
+              <a:endParaRPr lang="LID4096" dirty="0"/>
+            </a:p>
+          </p:txBody>
+        </p:sp>
+      </p:grpSp>
+      <p:cxnSp>
+        <p:nvCxnSpPr>
+          <p:cNvPr id="23" name="Straight Arrow Connector 22">
+            <a:extLst>
+              <a:ext uri="{FF2B5EF4-FFF2-40B4-BE49-F238E27FC236}">
+                <a16:creationId xmlns:a16="http://schemas.microsoft.com/office/drawing/2014/main" id="{CC204404-62C0-422B-9189-595EE31AE94E}"/>
+              </a:ext>
+            </a:extLst>
+          </p:cNvPr>
+          <p:cNvCxnSpPr>
+            <a:stCxn id="34" idx="3"/>
+            <a:endCxn id="59" idx="1"/>
+          </p:cNvCxnSpPr>
+          <p:nvPr/>
+        </p:nvCxnSpPr>
+        <p:spPr>
+          <a:xfrm flipV="1">
+            <a:off x="6458809" y="3331443"/>
+            <a:ext cx="487320" cy="1"/>
+          </a:xfrm>
+          <a:prstGeom prst="straightConnector1">
+            <a:avLst/>
+          </a:prstGeom>
+          <a:ln w="28575">
+            <a:tailEnd type="triangle"/>
+          </a:ln>
+        </p:spPr>
+        <p:style>
+          <a:lnRef idx="1">
+            <a:schemeClr val="dk1"/>
+          </a:lnRef>
+          <a:fillRef idx="0">
+            <a:schemeClr val="dk1"/>
+          </a:fillRef>
+          <a:effectRef idx="0">
+            <a:schemeClr val="dk1"/>
+          </a:effectRef>
+          <a:fontRef idx="minor">
+            <a:schemeClr val="tx1"/>
+          </a:fontRef>
+        </p:style>
+      </p:cxnSp>
+      <p:grpSp>
+        <p:nvGrpSpPr>
+          <p:cNvPr id="54" name="Group 53">
+            <a:extLst>
+              <a:ext uri="{FF2B5EF4-FFF2-40B4-BE49-F238E27FC236}">
+                <a16:creationId xmlns:a16="http://schemas.microsoft.com/office/drawing/2014/main" id="{D39019F1-2405-4700-9D4E-9EE0A3DFF76E}"/>
+              </a:ext>
+            </a:extLst>
+          </p:cNvPr>
+          <p:cNvGrpSpPr/>
+          <p:nvPr/>
+        </p:nvGrpSpPr>
+        <p:grpSpPr>
+          <a:xfrm>
+            <a:off x="5716258" y="4980715"/>
+            <a:ext cx="1229871" cy="1199976"/>
+            <a:chOff x="9027174" y="4930696"/>
+            <a:chExt cx="1229871" cy="1199976"/>
+          </a:xfrm>
+        </p:grpSpPr>
+        <p:pic>
+          <p:nvPicPr>
+            <p:cNvPr id="55" name="Graphic 54">
+              <a:extLst>
+                <a:ext uri="{FF2B5EF4-FFF2-40B4-BE49-F238E27FC236}">
+                  <a16:creationId xmlns:a16="http://schemas.microsoft.com/office/drawing/2014/main" id="{C69F3287-211D-4228-90A3-A41C1B9CC8B8}"/>
+                </a:ext>
+              </a:extLst>
+            </p:cNvPr>
+            <p:cNvPicPr>
+              <a:picLocks noChangeAspect="1"/>
+            </p:cNvPicPr>
+            <p:nvPr/>
+          </p:nvPicPr>
+          <p:blipFill>
+            <a:blip r:embed="rId4">
+              <a:extLst>
+                <a:ext uri="{28A0092B-C50C-407E-A947-70E740481C1C}">
+                  <a14:useLocalDpi xmlns:a14="http://schemas.microsoft.com/office/drawing/2010/main" val="0"/>
+                </a:ext>
+                <a:ext uri="{96DAC541-7B7A-43D3-8B79-37D633B846F1}">
+                  <asvg:svgBlip xmlns:asvg="http://schemas.microsoft.com/office/drawing/2016/SVG/main" r:embed="rId5"/>
+                </a:ext>
+              </a:extLst>
+            </a:blip>
+            <a:stretch>
+              <a:fillRect/>
+            </a:stretch>
+          </p:blipFill>
+          <p:spPr>
+            <a:xfrm>
+              <a:off x="9027174" y="4930696"/>
+              <a:ext cx="1199976" cy="1199976"/>
+            </a:xfrm>
+            <a:prstGeom prst="rect">
+              <a:avLst/>
+            </a:prstGeom>
+          </p:spPr>
+        </p:pic>
+        <p:sp>
+          <p:nvSpPr>
+            <p:cNvPr id="57" name="TextBox 56">
+              <a:extLst>
+                <a:ext uri="{FF2B5EF4-FFF2-40B4-BE49-F238E27FC236}">
+                  <a16:creationId xmlns:a16="http://schemas.microsoft.com/office/drawing/2014/main" id="{3C292C9F-0DBD-43DA-B0E0-7C355B66FB23}"/>
+                </a:ext>
+              </a:extLst>
+            </p:cNvPr>
+            <p:cNvSpPr txBox="1"/>
+            <p:nvPr/>
+          </p:nvSpPr>
+          <p:spPr>
+            <a:xfrm>
+              <a:off x="9044405" y="5002675"/>
+              <a:ext cx="1212640" cy="369332"/>
+            </a:xfrm>
+            <a:prstGeom prst="rect">
+              <a:avLst/>
+            </a:prstGeom>
+            <a:noFill/>
+          </p:spPr>
+          <p:txBody>
+            <a:bodyPr wrap="none" rtlCol="0">
+              <a:spAutoFit/>
+            </a:bodyPr>
+            <a:lstStyle/>
+            <a:p>
+              <a:r>
+                <a:rPr lang="de-DE" dirty="0"/>
+                <a:t>EH </a:t>
+              </a:r>
+              <a:r>
+                <a:rPr lang="de-DE" dirty="0" err="1"/>
+                <a:t>capture</a:t>
+              </a:r>
+              <a:endParaRPr lang="LID4096" dirty="0"/>
+            </a:p>
+          </p:txBody>
+        </p:sp>
+      </p:grpSp>
     </p:spTree>
     <p:extLst>
       <p:ext uri="{BB962C8B-B14F-4D97-AF65-F5344CB8AC3E}">
